--- a/Spark_join4.pptx
+++ b/Spark_join4.pptx
@@ -5,16 +5,28 @@
     <p:sldMasterId id="2147483648" r:id="rId1"/>
   </p:sldMasterIdLst>
   <p:notesMasterIdLst>
-    <p:notesMasterId r:id="rId9"/>
+    <p:notesMasterId r:id="rId21"/>
   </p:notesMasterIdLst>
   <p:sldIdLst>
     <p:sldId id="257" r:id="rId2"/>
     <p:sldId id="260" r:id="rId3"/>
     <p:sldId id="258" r:id="rId4"/>
     <p:sldId id="285" r:id="rId5"/>
-    <p:sldId id="259" r:id="rId6"/>
-    <p:sldId id="286" r:id="rId7"/>
-    <p:sldId id="269" r:id="rId8"/>
+    <p:sldId id="289" r:id="rId6"/>
+    <p:sldId id="298" r:id="rId7"/>
+    <p:sldId id="259" r:id="rId8"/>
+    <p:sldId id="286" r:id="rId9"/>
+    <p:sldId id="287" r:id="rId10"/>
+    <p:sldId id="288" r:id="rId11"/>
+    <p:sldId id="290" r:id="rId12"/>
+    <p:sldId id="297" r:id="rId13"/>
+    <p:sldId id="291" r:id="rId14"/>
+    <p:sldId id="292" r:id="rId15"/>
+    <p:sldId id="293" r:id="rId16"/>
+    <p:sldId id="294" r:id="rId17"/>
+    <p:sldId id="295" r:id="rId18"/>
+    <p:sldId id="296" r:id="rId19"/>
+    <p:sldId id="269" r:id="rId20"/>
   </p:sldIdLst>
   <p:sldSz cx="12192000" cy="6858000"/>
   <p:notesSz cx="6858000" cy="9144000"/>
@@ -203,7 +215,7 @@
           <a:p>
             <a:fld id="{6FE37721-1188-47D5-9044-022ECE8C9E54}" type="datetimeFigureOut">
               <a:rPr lang="ru-RU" smtClean="0"/>
-              <a:t>18.10.2020</a:t>
+              <a:t>07.11.2020</a:t>
             </a:fld>
             <a:endParaRPr lang="ru-RU"/>
           </a:p>
@@ -602,7 +614,7 @@
           <a:p>
             <a:fld id="{B7A4174B-3865-4C52-8BB2-B1080AE4813B}" type="datetimeFigureOut">
               <a:rPr lang="ru-RU" smtClean="0"/>
-              <a:t>18.10.2020</a:t>
+              <a:t>07.11.2020</a:t>
             </a:fld>
             <a:endParaRPr lang="ru-RU"/>
           </a:p>
@@ -772,7 +784,7 @@
           <a:p>
             <a:fld id="{B7A4174B-3865-4C52-8BB2-B1080AE4813B}" type="datetimeFigureOut">
               <a:rPr lang="ru-RU" smtClean="0"/>
-              <a:t>18.10.2020</a:t>
+              <a:t>07.11.2020</a:t>
             </a:fld>
             <a:endParaRPr lang="ru-RU"/>
           </a:p>
@@ -952,7 +964,7 @@
           <a:p>
             <a:fld id="{B7A4174B-3865-4C52-8BB2-B1080AE4813B}" type="datetimeFigureOut">
               <a:rPr lang="ru-RU" smtClean="0"/>
-              <a:t>18.10.2020</a:t>
+              <a:t>07.11.2020</a:t>
             </a:fld>
             <a:endParaRPr lang="ru-RU"/>
           </a:p>
@@ -1122,7 +1134,7 @@
           <a:p>
             <a:fld id="{B7A4174B-3865-4C52-8BB2-B1080AE4813B}" type="datetimeFigureOut">
               <a:rPr lang="ru-RU" smtClean="0"/>
-              <a:t>18.10.2020</a:t>
+              <a:t>07.11.2020</a:t>
             </a:fld>
             <a:endParaRPr lang="ru-RU"/>
           </a:p>
@@ -1368,7 +1380,7 @@
           <a:p>
             <a:fld id="{B7A4174B-3865-4C52-8BB2-B1080AE4813B}" type="datetimeFigureOut">
               <a:rPr lang="ru-RU" smtClean="0"/>
-              <a:t>18.10.2020</a:t>
+              <a:t>07.11.2020</a:t>
             </a:fld>
             <a:endParaRPr lang="ru-RU"/>
           </a:p>
@@ -1600,7 +1612,7 @@
           <a:p>
             <a:fld id="{B7A4174B-3865-4C52-8BB2-B1080AE4813B}" type="datetimeFigureOut">
               <a:rPr lang="ru-RU" smtClean="0"/>
-              <a:t>18.10.2020</a:t>
+              <a:t>07.11.2020</a:t>
             </a:fld>
             <a:endParaRPr lang="ru-RU"/>
           </a:p>
@@ -1967,7 +1979,7 @@
           <a:p>
             <a:fld id="{B7A4174B-3865-4C52-8BB2-B1080AE4813B}" type="datetimeFigureOut">
               <a:rPr lang="ru-RU" smtClean="0"/>
-              <a:t>18.10.2020</a:t>
+              <a:t>07.11.2020</a:t>
             </a:fld>
             <a:endParaRPr lang="ru-RU"/>
           </a:p>
@@ -2085,7 +2097,7 @@
           <a:p>
             <a:fld id="{B7A4174B-3865-4C52-8BB2-B1080AE4813B}" type="datetimeFigureOut">
               <a:rPr lang="ru-RU" smtClean="0"/>
-              <a:t>18.10.2020</a:t>
+              <a:t>07.11.2020</a:t>
             </a:fld>
             <a:endParaRPr lang="ru-RU"/>
           </a:p>
@@ -2180,7 +2192,7 @@
           <a:p>
             <a:fld id="{B7A4174B-3865-4C52-8BB2-B1080AE4813B}" type="datetimeFigureOut">
               <a:rPr lang="ru-RU" smtClean="0"/>
-              <a:t>18.10.2020</a:t>
+              <a:t>07.11.2020</a:t>
             </a:fld>
             <a:endParaRPr lang="ru-RU"/>
           </a:p>
@@ -2457,7 +2469,7 @@
           <a:p>
             <a:fld id="{B7A4174B-3865-4C52-8BB2-B1080AE4813B}" type="datetimeFigureOut">
               <a:rPr lang="ru-RU" smtClean="0"/>
-              <a:t>18.10.2020</a:t>
+              <a:t>07.11.2020</a:t>
             </a:fld>
             <a:endParaRPr lang="ru-RU"/>
           </a:p>
@@ -2710,7 +2722,7 @@
           <a:p>
             <a:fld id="{B7A4174B-3865-4C52-8BB2-B1080AE4813B}" type="datetimeFigureOut">
               <a:rPr lang="ru-RU" smtClean="0"/>
-              <a:t>18.10.2020</a:t>
+              <a:t>07.11.2020</a:t>
             </a:fld>
             <a:endParaRPr lang="ru-RU"/>
           </a:p>
@@ -2923,7 +2935,7 @@
           <a:p>
             <a:fld id="{B7A4174B-3865-4C52-8BB2-B1080AE4813B}" type="datetimeFigureOut">
               <a:rPr lang="ru-RU" smtClean="0"/>
-              <a:t>18.10.2020</a:t>
+              <a:t>07.11.2020</a:t>
             </a:fld>
             <a:endParaRPr lang="ru-RU"/>
           </a:p>
@@ -3347,14 +3359,14 @@
           <a:p>
             <a:r>
               <a:rPr lang="en-US" dirty="0" smtClean="0"/>
-              <a:t>Spark “join” </a:t>
+              <a:t>Learn Spark “join” strategies</a:t>
             </a:r>
             <a:br>
               <a:rPr lang="en-US" dirty="0" smtClean="0"/>
             </a:br>
             <a:r>
               <a:rPr lang="en-US" dirty="0" smtClean="0"/>
-              <a:t>deep dive</a:t>
+              <a:t>from source code</a:t>
             </a:r>
             <a:br>
               <a:rPr lang="en-US" dirty="0" smtClean="0"/>
@@ -3362,17 +3374,6 @@
             <a:r>
               <a:rPr lang="en-US" dirty="0" smtClean="0"/>
               <a:t>Part4</a:t>
-            </a:r>
-            <a:br>
-              <a:rPr lang="en-US" dirty="0" smtClean="0"/>
-            </a:br>
-            <a:r>
-              <a:rPr lang="en-US" dirty="0" smtClean="0"/>
-              <a:t>(draft)</a:t>
-            </a:r>
-            <a:r>
-              <a:rPr lang="en-US" dirty="0" smtClean="0"/>
-              <a:t/>
             </a:r>
             <a:br>
               <a:rPr lang="en-US" dirty="0" smtClean="0"/>
@@ -3405,11 +3406,7 @@
           <a:p>
             <a:r>
               <a:rPr lang="en-US" b="1" dirty="0" err="1" smtClean="0"/>
-              <a:t>Shuffled</a:t>
-            </a:r>
-            <a:r>
-              <a:rPr lang="en-US" b="1" dirty="0" err="1" smtClean="0"/>
-              <a:t>HashJoin</a:t>
+              <a:t>ShuffledHashJoin</a:t>
             </a:r>
             <a:endParaRPr lang="en-US" b="1" dirty="0" smtClean="0"/>
           </a:p>
@@ -3444,11 +3441,7 @@
             <a:pPr algn="r"/>
             <a:r>
               <a:rPr lang="en-US" dirty="0" smtClean="0"/>
-              <a:t>November </a:t>
-            </a:r>
-            <a:r>
-              <a:rPr lang="en-US" dirty="0" smtClean="0"/>
-              <a:t>2020</a:t>
+              <a:t>November 2020</a:t>
             </a:r>
             <a:endParaRPr lang="ru-RU" dirty="0"/>
           </a:p>
@@ -3458,6 +3451,4308 @@
     <p:extLst>
       <p:ext uri="{BB962C8B-B14F-4D97-AF65-F5344CB8AC3E}">
         <p14:creationId xmlns:p14="http://schemas.microsoft.com/office/powerpoint/2010/main" val="3033369028"/>
+      </p:ext>
+    </p:extLst>
+  </p:cSld>
+  <p:clrMapOvr>
+    <a:masterClrMapping/>
+  </p:clrMapOvr>
+  <p:timing>
+    <p:tnLst>
+      <p:par>
+        <p:cTn id="1" dur="indefinite" restart="never" nodeType="tmRoot"/>
+      </p:par>
+    </p:tnLst>
+  </p:timing>
+</p:sld>
+</file>
+
+<file path=ppt/slides/slide10.xml><?xml version="1.0" encoding="utf-8"?>
+<p:sld xmlns:a="http://schemas.openxmlformats.org/drawingml/2006/main" xmlns:r="http://schemas.openxmlformats.org/officeDocument/2006/relationships" xmlns:p="http://schemas.openxmlformats.org/presentationml/2006/main">
+  <p:cSld>
+    <p:spTree>
+      <p:nvGrpSpPr>
+        <p:cNvPr id="1" name=""/>
+        <p:cNvGrpSpPr/>
+        <p:nvPr/>
+      </p:nvGrpSpPr>
+      <p:grpSpPr>
+        <a:xfrm>
+          <a:off x="0" y="0"/>
+          <a:ext cx="0" cy="0"/>
+          <a:chOff x="0" y="0"/>
+          <a:chExt cx="0" cy="0"/>
+        </a:xfrm>
+      </p:grpSpPr>
+      <p:sp>
+        <p:nvSpPr>
+          <p:cNvPr id="2" name="Заголовок 1"/>
+          <p:cNvSpPr>
+            <a:spLocks noGrp="1"/>
+          </p:cNvSpPr>
+          <p:nvPr>
+            <p:ph type="title"/>
+          </p:nvPr>
+        </p:nvSpPr>
+        <p:spPr>
+          <a:xfrm>
+            <a:off x="0" y="0"/>
+            <a:ext cx="12192000" cy="1325563"/>
+          </a:xfrm>
+        </p:spPr>
+        <p:txBody>
+          <a:bodyPr/>
+          <a:lstStyle/>
+          <a:p>
+            <a:pPr algn="ctr"/>
+            <a:r>
+              <a:rPr lang="en-US" dirty="0" err="1"/>
+              <a:t>HashedRelation</a:t>
+            </a:r>
+            <a:endParaRPr lang="ru-RU" dirty="0"/>
+          </a:p>
+        </p:txBody>
+      </p:sp>
+      <p:sp>
+        <p:nvSpPr>
+          <p:cNvPr id="5" name="Прямоугольник 4"/>
+          <p:cNvSpPr/>
+          <p:nvPr/>
+        </p:nvSpPr>
+        <p:spPr>
+          <a:xfrm>
+            <a:off x="0" y="1111746"/>
+            <a:ext cx="12192000" cy="5909310"/>
+          </a:xfrm>
+          <a:prstGeom prst="rect">
+            <a:avLst/>
+          </a:prstGeom>
+        </p:spPr>
+        <p:txBody>
+          <a:bodyPr wrap="square">
+            <a:spAutoFit/>
+          </a:bodyPr>
+          <a:lstStyle/>
+          <a:p>
+            <a:r>
+              <a:rPr lang="en-US" dirty="0"/>
+              <a:t> </a:t>
+            </a:r>
+            <a:r>
+              <a:rPr lang="en-US" dirty="0" err="1"/>
+              <a:t>def</a:t>
+            </a:r>
+            <a:r>
+              <a:rPr lang="en-US" dirty="0"/>
+              <a:t> apply(</a:t>
+            </a:r>
+          </a:p>
+          <a:p>
+            <a:r>
+              <a:rPr lang="en-US" dirty="0"/>
+              <a:t>      input: Iterator[</a:t>
+            </a:r>
+            <a:r>
+              <a:rPr lang="en-US" dirty="0" err="1"/>
+              <a:t>InternalRow</a:t>
+            </a:r>
+            <a:r>
+              <a:rPr lang="en-US" dirty="0"/>
+              <a:t>],</a:t>
+            </a:r>
+          </a:p>
+          <a:p>
+            <a:r>
+              <a:rPr lang="en-US" dirty="0"/>
+              <a:t>      key: </a:t>
+            </a:r>
+            <a:r>
+              <a:rPr lang="en-US" dirty="0" err="1"/>
+              <a:t>Seq</a:t>
+            </a:r>
+            <a:r>
+              <a:rPr lang="en-US" dirty="0"/>
+              <a:t>[Expression],</a:t>
+            </a:r>
+          </a:p>
+          <a:p>
+            <a:r>
+              <a:rPr lang="en-US" dirty="0"/>
+              <a:t>      </a:t>
+            </a:r>
+            <a:r>
+              <a:rPr lang="en-US" dirty="0" err="1"/>
+              <a:t>sizeEstimate</a:t>
+            </a:r>
+            <a:r>
+              <a:rPr lang="en-US" dirty="0"/>
+              <a:t>: </a:t>
+            </a:r>
+            <a:r>
+              <a:rPr lang="en-US" dirty="0" err="1"/>
+              <a:t>Int</a:t>
+            </a:r>
+            <a:r>
+              <a:rPr lang="en-US" dirty="0"/>
+              <a:t> = 64,</a:t>
+            </a:r>
+          </a:p>
+          <a:p>
+            <a:r>
+              <a:rPr lang="en-US" dirty="0"/>
+              <a:t>      </a:t>
+            </a:r>
+            <a:r>
+              <a:rPr lang="en-US" dirty="0" err="1"/>
+              <a:t>taskMemoryManager</a:t>
+            </a:r>
+            <a:r>
+              <a:rPr lang="en-US" dirty="0"/>
+              <a:t>: </a:t>
+            </a:r>
+            <a:r>
+              <a:rPr lang="en-US" dirty="0" err="1"/>
+              <a:t>TaskMemoryManager</a:t>
+            </a:r>
+            <a:r>
+              <a:rPr lang="en-US" dirty="0"/>
+              <a:t> = null): </a:t>
+            </a:r>
+            <a:r>
+              <a:rPr lang="en-US" dirty="0" err="1"/>
+              <a:t>HashedRelation</a:t>
+            </a:r>
+            <a:r>
+              <a:rPr lang="en-US" dirty="0"/>
+              <a:t> = {</a:t>
+            </a:r>
+          </a:p>
+          <a:p>
+            <a:r>
+              <a:rPr lang="en-US" dirty="0"/>
+              <a:t>    </a:t>
+            </a:r>
+            <a:r>
+              <a:rPr lang="en-US" dirty="0" err="1"/>
+              <a:t>val</a:t>
+            </a:r>
+            <a:r>
+              <a:rPr lang="en-US" dirty="0"/>
+              <a:t> mm = Option(</a:t>
+            </a:r>
+            <a:r>
+              <a:rPr lang="en-US" dirty="0" err="1"/>
+              <a:t>taskMemoryManager</a:t>
+            </a:r>
+            <a:r>
+              <a:rPr lang="en-US" dirty="0"/>
+              <a:t>).</a:t>
+            </a:r>
+            <a:r>
+              <a:rPr lang="en-US" dirty="0" err="1"/>
+              <a:t>getOrElse</a:t>
+            </a:r>
+            <a:r>
+              <a:rPr lang="en-US" dirty="0"/>
+              <a:t> {</a:t>
+            </a:r>
+          </a:p>
+          <a:p>
+            <a:r>
+              <a:rPr lang="en-US" dirty="0"/>
+              <a:t>      new </a:t>
+            </a:r>
+            <a:r>
+              <a:rPr lang="en-US" dirty="0" err="1"/>
+              <a:t>TaskMemoryManager</a:t>
+            </a:r>
+            <a:r>
+              <a:rPr lang="en-US" dirty="0"/>
+              <a:t>(</a:t>
+            </a:r>
+          </a:p>
+          <a:p>
+            <a:r>
+              <a:rPr lang="en-US" dirty="0"/>
+              <a:t>        new </a:t>
+            </a:r>
+            <a:r>
+              <a:rPr lang="en-US" dirty="0" err="1"/>
+              <a:t>UnifiedMemoryManager</a:t>
+            </a:r>
+            <a:r>
+              <a:rPr lang="en-US" dirty="0"/>
+              <a:t>(</a:t>
+            </a:r>
+          </a:p>
+          <a:p>
+            <a:r>
+              <a:rPr lang="en-US" dirty="0"/>
+              <a:t>          new </a:t>
+            </a:r>
+            <a:r>
+              <a:rPr lang="en-US" dirty="0" err="1"/>
+              <a:t>SparkConf</a:t>
+            </a:r>
+            <a:r>
+              <a:rPr lang="en-US" dirty="0"/>
+              <a:t>().set(</a:t>
+            </a:r>
+            <a:r>
+              <a:rPr lang="en-US" dirty="0" err="1"/>
+              <a:t>MEMORY_OFFHEAP_ENABLED.key</a:t>
+            </a:r>
+            <a:r>
+              <a:rPr lang="en-US" dirty="0"/>
+              <a:t>, "false"),</a:t>
+            </a:r>
+          </a:p>
+          <a:p>
+            <a:r>
+              <a:rPr lang="en-US" dirty="0"/>
+              <a:t>          </a:t>
+            </a:r>
+            <a:r>
+              <a:rPr lang="en-US" dirty="0" err="1"/>
+              <a:t>Long.MaxValue</a:t>
+            </a:r>
+            <a:r>
+              <a:rPr lang="en-US" dirty="0"/>
+              <a:t>,</a:t>
+            </a:r>
+          </a:p>
+          <a:p>
+            <a:r>
+              <a:rPr lang="en-US" dirty="0"/>
+              <a:t>          </a:t>
+            </a:r>
+            <a:r>
+              <a:rPr lang="en-US" dirty="0" err="1"/>
+              <a:t>Long.MaxValue</a:t>
+            </a:r>
+            <a:r>
+              <a:rPr lang="en-US" dirty="0"/>
+              <a:t> / 2,</a:t>
+            </a:r>
+          </a:p>
+          <a:p>
+            <a:r>
+              <a:rPr lang="en-US" dirty="0"/>
+              <a:t>          1),</a:t>
+            </a:r>
+          </a:p>
+          <a:p>
+            <a:r>
+              <a:rPr lang="en-US" dirty="0"/>
+              <a:t>        0)</a:t>
+            </a:r>
+          </a:p>
+          <a:p>
+            <a:r>
+              <a:rPr lang="en-US" dirty="0"/>
+              <a:t>    }</a:t>
+            </a:r>
+          </a:p>
+          <a:p>
+            <a:endParaRPr lang="en-US" dirty="0"/>
+          </a:p>
+          <a:p>
+            <a:r>
+              <a:rPr lang="en-US" dirty="0"/>
+              <a:t>    if (</a:t>
+            </a:r>
+            <a:r>
+              <a:rPr lang="en-US" b="1" dirty="0" err="1"/>
+              <a:t>key.length</a:t>
+            </a:r>
+            <a:r>
+              <a:rPr lang="en-US" b="1" dirty="0"/>
+              <a:t> == 1 &amp;&amp; </a:t>
+            </a:r>
+            <a:r>
+              <a:rPr lang="en-US" b="1" dirty="0" err="1"/>
+              <a:t>key.head.dataType</a:t>
+            </a:r>
+            <a:r>
+              <a:rPr lang="en-US" b="1" dirty="0"/>
+              <a:t> == </a:t>
+            </a:r>
+            <a:r>
+              <a:rPr lang="en-US" b="1" dirty="0" err="1"/>
+              <a:t>LongType</a:t>
+            </a:r>
+            <a:r>
+              <a:rPr lang="en-US" dirty="0"/>
+              <a:t>) {</a:t>
+            </a:r>
+          </a:p>
+          <a:p>
+            <a:r>
+              <a:rPr lang="en-US" dirty="0"/>
+              <a:t>      </a:t>
+            </a:r>
+            <a:r>
+              <a:rPr lang="en-US" b="1" dirty="0" err="1"/>
+              <a:t>LongHashedRelation</a:t>
+            </a:r>
+            <a:r>
+              <a:rPr lang="en-US" b="1" dirty="0"/>
+              <a:t>(input, key, </a:t>
+            </a:r>
+            <a:r>
+              <a:rPr lang="en-US" b="1" dirty="0" err="1"/>
+              <a:t>sizeEstimate</a:t>
+            </a:r>
+            <a:r>
+              <a:rPr lang="en-US" b="1" dirty="0"/>
+              <a:t>, mm)</a:t>
+            </a:r>
+          </a:p>
+          <a:p>
+            <a:r>
+              <a:rPr lang="en-US" dirty="0"/>
+              <a:t>    } else {</a:t>
+            </a:r>
+          </a:p>
+          <a:p>
+            <a:r>
+              <a:rPr lang="en-US" b="1" dirty="0"/>
+              <a:t>      </a:t>
+            </a:r>
+            <a:r>
+              <a:rPr lang="en-US" b="1" dirty="0" err="1"/>
+              <a:t>UnsafeHashedRelation</a:t>
+            </a:r>
+            <a:r>
+              <a:rPr lang="en-US" b="1" dirty="0"/>
+              <a:t>(input, key, </a:t>
+            </a:r>
+            <a:r>
+              <a:rPr lang="en-US" b="1" dirty="0" err="1"/>
+              <a:t>sizeEstimate</a:t>
+            </a:r>
+            <a:r>
+              <a:rPr lang="en-US" b="1" dirty="0"/>
+              <a:t>, mm)</a:t>
+            </a:r>
+          </a:p>
+          <a:p>
+            <a:r>
+              <a:rPr lang="en-US" dirty="0"/>
+              <a:t>    }</a:t>
+            </a:r>
+          </a:p>
+          <a:p>
+            <a:r>
+              <a:rPr lang="en-US" dirty="0"/>
+              <a:t>  }</a:t>
+            </a:r>
+            <a:endParaRPr lang="ru-RU" dirty="0"/>
+          </a:p>
+        </p:txBody>
+      </p:sp>
+    </p:spTree>
+    <p:extLst>
+      <p:ext uri="{BB962C8B-B14F-4D97-AF65-F5344CB8AC3E}">
+        <p14:creationId xmlns:p14="http://schemas.microsoft.com/office/powerpoint/2010/main" val="1955303776"/>
+      </p:ext>
+    </p:extLst>
+  </p:cSld>
+  <p:clrMapOvr>
+    <a:masterClrMapping/>
+  </p:clrMapOvr>
+  <p:timing>
+    <p:tnLst>
+      <p:par>
+        <p:cTn id="1" dur="indefinite" restart="never" nodeType="tmRoot"/>
+      </p:par>
+    </p:tnLst>
+  </p:timing>
+</p:sld>
+</file>
+
+<file path=ppt/slides/slide11.xml><?xml version="1.0" encoding="utf-8"?>
+<p:sld xmlns:a="http://schemas.openxmlformats.org/drawingml/2006/main" xmlns:r="http://schemas.openxmlformats.org/officeDocument/2006/relationships" xmlns:p="http://schemas.openxmlformats.org/presentationml/2006/main">
+  <p:cSld>
+    <p:spTree>
+      <p:nvGrpSpPr>
+        <p:cNvPr id="1" name=""/>
+        <p:cNvGrpSpPr/>
+        <p:nvPr/>
+      </p:nvGrpSpPr>
+      <p:grpSpPr>
+        <a:xfrm>
+          <a:off x="0" y="0"/>
+          <a:ext cx="0" cy="0"/>
+          <a:chOff x="0" y="0"/>
+          <a:chExt cx="0" cy="0"/>
+        </a:xfrm>
+      </p:grpSpPr>
+      <p:sp>
+        <p:nvSpPr>
+          <p:cNvPr id="2" name="Заголовок 1"/>
+          <p:cNvSpPr>
+            <a:spLocks noGrp="1"/>
+          </p:cNvSpPr>
+          <p:nvPr>
+            <p:ph type="title"/>
+          </p:nvPr>
+        </p:nvSpPr>
+        <p:spPr>
+          <a:xfrm>
+            <a:off x="0" y="0"/>
+            <a:ext cx="12192000" cy="1157288"/>
+          </a:xfrm>
+        </p:spPr>
+        <p:txBody>
+          <a:bodyPr/>
+          <a:lstStyle/>
+          <a:p>
+            <a:pPr algn="ctr"/>
+            <a:r>
+              <a:rPr lang="en-US" dirty="0" err="1"/>
+              <a:t>LongHashedRelation</a:t>
+            </a:r>
+            <a:endParaRPr lang="ru-RU" dirty="0"/>
+          </a:p>
+        </p:txBody>
+      </p:sp>
+      <p:sp>
+        <p:nvSpPr>
+          <p:cNvPr id="4" name="Прямоугольник 3"/>
+          <p:cNvSpPr/>
+          <p:nvPr/>
+        </p:nvSpPr>
+        <p:spPr>
+          <a:xfrm>
+            <a:off x="0" y="396597"/>
+            <a:ext cx="12192000" cy="6463308"/>
+          </a:xfrm>
+          <a:prstGeom prst="rect">
+            <a:avLst/>
+          </a:prstGeom>
+        </p:spPr>
+        <p:txBody>
+          <a:bodyPr wrap="square">
+            <a:spAutoFit/>
+          </a:bodyPr>
+          <a:lstStyle/>
+          <a:p>
+            <a:r>
+              <a:rPr lang="en-US" dirty="0"/>
+              <a:t> </a:t>
+            </a:r>
+            <a:r>
+              <a:rPr lang="en-US" dirty="0" err="1"/>
+              <a:t>def</a:t>
+            </a:r>
+            <a:r>
+              <a:rPr lang="en-US" dirty="0"/>
+              <a:t> apply(</a:t>
+            </a:r>
+          </a:p>
+          <a:p>
+            <a:r>
+              <a:rPr lang="en-US" dirty="0"/>
+              <a:t>      input: Iterator[</a:t>
+            </a:r>
+            <a:r>
+              <a:rPr lang="en-US" dirty="0" err="1"/>
+              <a:t>InternalRow</a:t>
+            </a:r>
+            <a:r>
+              <a:rPr lang="en-US" dirty="0"/>
+              <a:t>],</a:t>
+            </a:r>
+          </a:p>
+          <a:p>
+            <a:r>
+              <a:rPr lang="en-US" dirty="0"/>
+              <a:t>      key: </a:t>
+            </a:r>
+            <a:r>
+              <a:rPr lang="en-US" dirty="0" err="1"/>
+              <a:t>Seq</a:t>
+            </a:r>
+            <a:r>
+              <a:rPr lang="en-US" dirty="0"/>
+              <a:t>[Expression],</a:t>
+            </a:r>
+          </a:p>
+          <a:p>
+            <a:r>
+              <a:rPr lang="en-US" dirty="0"/>
+              <a:t>      </a:t>
+            </a:r>
+            <a:r>
+              <a:rPr lang="en-US" dirty="0" err="1"/>
+              <a:t>sizeEstimate</a:t>
+            </a:r>
+            <a:r>
+              <a:rPr lang="en-US" dirty="0"/>
+              <a:t>: </a:t>
+            </a:r>
+            <a:r>
+              <a:rPr lang="en-US" dirty="0" err="1"/>
+              <a:t>Int</a:t>
+            </a:r>
+            <a:r>
+              <a:rPr lang="en-US" dirty="0"/>
+              <a:t>,</a:t>
+            </a:r>
+          </a:p>
+          <a:p>
+            <a:r>
+              <a:rPr lang="en-US" dirty="0"/>
+              <a:t>      </a:t>
+            </a:r>
+            <a:r>
+              <a:rPr lang="en-US" dirty="0" err="1"/>
+              <a:t>taskMemoryManager</a:t>
+            </a:r>
+            <a:r>
+              <a:rPr lang="en-US" dirty="0"/>
+              <a:t>: </a:t>
+            </a:r>
+            <a:r>
+              <a:rPr lang="en-US" dirty="0" err="1"/>
+              <a:t>TaskMemoryManager</a:t>
+            </a:r>
+            <a:r>
+              <a:rPr lang="en-US" dirty="0"/>
+              <a:t>): </a:t>
+            </a:r>
+            <a:r>
+              <a:rPr lang="en-US" dirty="0" err="1"/>
+              <a:t>LongHashedRelation</a:t>
+            </a:r>
+            <a:r>
+              <a:rPr lang="en-US" dirty="0"/>
+              <a:t> = {</a:t>
+            </a:r>
+          </a:p>
+          <a:p>
+            <a:endParaRPr lang="en-US" dirty="0"/>
+          </a:p>
+          <a:p>
+            <a:r>
+              <a:rPr lang="en-US" dirty="0"/>
+              <a:t>    </a:t>
+            </a:r>
+            <a:r>
+              <a:rPr lang="en-US" b="1" dirty="0" err="1"/>
+              <a:t>val</a:t>
+            </a:r>
+            <a:r>
+              <a:rPr lang="en-US" b="1" dirty="0"/>
+              <a:t> map = new </a:t>
+            </a:r>
+            <a:r>
+              <a:rPr lang="en-US" b="1" dirty="0" err="1"/>
+              <a:t>LongToUnsafeRowMap</a:t>
+            </a:r>
+            <a:r>
+              <a:rPr lang="en-US" b="1" dirty="0"/>
+              <a:t>(</a:t>
+            </a:r>
+            <a:r>
+              <a:rPr lang="en-US" b="1" dirty="0" err="1"/>
+              <a:t>taskMemoryManager</a:t>
+            </a:r>
+            <a:r>
+              <a:rPr lang="en-US" b="1" dirty="0"/>
+              <a:t>, </a:t>
+            </a:r>
+            <a:r>
+              <a:rPr lang="en-US" b="1" dirty="0" err="1"/>
+              <a:t>sizeEstimate</a:t>
+            </a:r>
+            <a:r>
+              <a:rPr lang="en-US" b="1" dirty="0"/>
+              <a:t>)</a:t>
+            </a:r>
+          </a:p>
+          <a:p>
+            <a:r>
+              <a:rPr lang="en-US" dirty="0"/>
+              <a:t>    </a:t>
+            </a:r>
+            <a:r>
+              <a:rPr lang="en-US" dirty="0" err="1"/>
+              <a:t>val</a:t>
+            </a:r>
+            <a:r>
+              <a:rPr lang="en-US" dirty="0"/>
+              <a:t> </a:t>
+            </a:r>
+            <a:r>
+              <a:rPr lang="en-US" dirty="0" err="1"/>
+              <a:t>keyGenerator</a:t>
+            </a:r>
+            <a:r>
+              <a:rPr lang="en-US" dirty="0"/>
+              <a:t> = </a:t>
+            </a:r>
+            <a:r>
+              <a:rPr lang="en-US" dirty="0" err="1"/>
+              <a:t>UnsafeProjection.create</a:t>
+            </a:r>
+            <a:r>
+              <a:rPr lang="en-US" dirty="0"/>
+              <a:t>(key)</a:t>
+            </a:r>
+          </a:p>
+          <a:p>
+            <a:endParaRPr lang="en-US" dirty="0"/>
+          </a:p>
+          <a:p>
+            <a:r>
+              <a:rPr lang="en-US" dirty="0"/>
+              <a:t>    // Create a mapping of key -&gt; rows</a:t>
+            </a:r>
+          </a:p>
+          <a:p>
+            <a:r>
+              <a:rPr lang="en-US" dirty="0"/>
+              <a:t>    </a:t>
+            </a:r>
+            <a:r>
+              <a:rPr lang="en-US" dirty="0" err="1"/>
+              <a:t>var</a:t>
+            </a:r>
+            <a:r>
+              <a:rPr lang="en-US" dirty="0"/>
+              <a:t> </a:t>
+            </a:r>
+            <a:r>
+              <a:rPr lang="en-US" dirty="0" err="1"/>
+              <a:t>numFields</a:t>
+            </a:r>
+            <a:r>
+              <a:rPr lang="en-US" dirty="0"/>
+              <a:t> = 0</a:t>
+            </a:r>
+          </a:p>
+          <a:p>
+            <a:r>
+              <a:rPr lang="en-US" b="1" dirty="0"/>
+              <a:t>    while (</a:t>
+            </a:r>
+            <a:r>
+              <a:rPr lang="en-US" b="1" dirty="0" err="1"/>
+              <a:t>input.hasNext</a:t>
+            </a:r>
+            <a:r>
+              <a:rPr lang="en-US" b="1" dirty="0"/>
+              <a:t>) {</a:t>
+            </a:r>
+          </a:p>
+          <a:p>
+            <a:r>
+              <a:rPr lang="en-US" b="1" dirty="0"/>
+              <a:t>      </a:t>
+            </a:r>
+            <a:r>
+              <a:rPr lang="en-US" b="1" dirty="0" err="1"/>
+              <a:t>val</a:t>
+            </a:r>
+            <a:r>
+              <a:rPr lang="en-US" b="1" dirty="0"/>
+              <a:t> </a:t>
+            </a:r>
+            <a:r>
+              <a:rPr lang="en-US" b="1" dirty="0" err="1"/>
+              <a:t>unsafeRow</a:t>
+            </a:r>
+            <a:r>
+              <a:rPr lang="en-US" b="1" dirty="0"/>
+              <a:t> = </a:t>
+            </a:r>
+            <a:r>
+              <a:rPr lang="en-US" b="1" dirty="0" err="1"/>
+              <a:t>input.next</a:t>
+            </a:r>
+            <a:r>
+              <a:rPr lang="en-US" b="1" dirty="0"/>
+              <a:t>().</a:t>
+            </a:r>
+            <a:r>
+              <a:rPr lang="en-US" b="1" dirty="0" err="1"/>
+              <a:t>asInstanceOf</a:t>
+            </a:r>
+            <a:r>
+              <a:rPr lang="en-US" b="1" dirty="0"/>
+              <a:t>[</a:t>
+            </a:r>
+            <a:r>
+              <a:rPr lang="en-US" b="1" dirty="0" err="1"/>
+              <a:t>UnsafeRow</a:t>
+            </a:r>
+            <a:r>
+              <a:rPr lang="en-US" b="1" dirty="0"/>
+              <a:t>]</a:t>
+            </a:r>
+          </a:p>
+          <a:p>
+            <a:r>
+              <a:rPr lang="en-US" dirty="0"/>
+              <a:t>      </a:t>
+            </a:r>
+            <a:r>
+              <a:rPr lang="en-US" dirty="0" err="1"/>
+              <a:t>numFields</a:t>
+            </a:r>
+            <a:r>
+              <a:rPr lang="en-US" dirty="0"/>
+              <a:t> = </a:t>
+            </a:r>
+            <a:r>
+              <a:rPr lang="en-US" dirty="0" err="1"/>
+              <a:t>unsafeRow.numFields</a:t>
+            </a:r>
+            <a:r>
+              <a:rPr lang="en-US" dirty="0"/>
+              <a:t>()</a:t>
+            </a:r>
+          </a:p>
+          <a:p>
+            <a:r>
+              <a:rPr lang="en-US" dirty="0"/>
+              <a:t>      </a:t>
+            </a:r>
+            <a:r>
+              <a:rPr lang="en-US" dirty="0" err="1"/>
+              <a:t>val</a:t>
+            </a:r>
+            <a:r>
+              <a:rPr lang="en-US" dirty="0"/>
+              <a:t> </a:t>
+            </a:r>
+            <a:r>
+              <a:rPr lang="en-US" dirty="0" err="1"/>
+              <a:t>rowKey</a:t>
+            </a:r>
+            <a:r>
+              <a:rPr lang="en-US" dirty="0"/>
+              <a:t> = </a:t>
+            </a:r>
+            <a:r>
+              <a:rPr lang="en-US" dirty="0" err="1"/>
+              <a:t>keyGenerator</a:t>
+            </a:r>
+            <a:r>
+              <a:rPr lang="en-US" dirty="0"/>
+              <a:t>(</a:t>
+            </a:r>
+            <a:r>
+              <a:rPr lang="en-US" dirty="0" err="1"/>
+              <a:t>unsafeRow</a:t>
+            </a:r>
+            <a:r>
+              <a:rPr lang="en-US" dirty="0"/>
+              <a:t>)</a:t>
+            </a:r>
+          </a:p>
+          <a:p>
+            <a:r>
+              <a:rPr lang="en-US" dirty="0"/>
+              <a:t>      if (!</a:t>
+            </a:r>
+            <a:r>
+              <a:rPr lang="en-US" dirty="0" err="1"/>
+              <a:t>rowKey.isNullAt</a:t>
+            </a:r>
+            <a:r>
+              <a:rPr lang="en-US" dirty="0"/>
+              <a:t>(0)) {</a:t>
+            </a:r>
+          </a:p>
+          <a:p>
+            <a:r>
+              <a:rPr lang="en-US" dirty="0"/>
+              <a:t>        </a:t>
+            </a:r>
+            <a:r>
+              <a:rPr lang="en-US" dirty="0" err="1"/>
+              <a:t>val</a:t>
+            </a:r>
+            <a:r>
+              <a:rPr lang="en-US" dirty="0"/>
+              <a:t> key = </a:t>
+            </a:r>
+            <a:r>
+              <a:rPr lang="en-US" dirty="0" err="1"/>
+              <a:t>rowKey.getLong</a:t>
+            </a:r>
+            <a:r>
+              <a:rPr lang="en-US" dirty="0"/>
+              <a:t>(0)</a:t>
+            </a:r>
+          </a:p>
+          <a:p>
+            <a:r>
+              <a:rPr lang="en-US" b="1" dirty="0"/>
+              <a:t>        </a:t>
+            </a:r>
+            <a:r>
+              <a:rPr lang="en-US" b="1" dirty="0" err="1"/>
+              <a:t>map.append</a:t>
+            </a:r>
+            <a:r>
+              <a:rPr lang="en-US" b="1" dirty="0"/>
+              <a:t>(key, </a:t>
+            </a:r>
+            <a:r>
+              <a:rPr lang="en-US" b="1" dirty="0" err="1"/>
+              <a:t>unsafeRow</a:t>
+            </a:r>
+            <a:r>
+              <a:rPr lang="en-US" b="1" dirty="0"/>
+              <a:t>)</a:t>
+            </a:r>
+          </a:p>
+          <a:p>
+            <a:r>
+              <a:rPr lang="en-US" dirty="0"/>
+              <a:t>      }</a:t>
+            </a:r>
+          </a:p>
+          <a:p>
+            <a:r>
+              <a:rPr lang="en-US" dirty="0"/>
+              <a:t>    }</a:t>
+            </a:r>
+          </a:p>
+          <a:p>
+            <a:r>
+              <a:rPr lang="en-US" dirty="0"/>
+              <a:t>    </a:t>
+            </a:r>
+            <a:r>
+              <a:rPr lang="en-US" dirty="0" err="1"/>
+              <a:t>map.optimize</a:t>
+            </a:r>
+            <a:r>
+              <a:rPr lang="en-US" dirty="0"/>
+              <a:t>()</a:t>
+            </a:r>
+          </a:p>
+          <a:p>
+            <a:r>
+              <a:rPr lang="en-US" dirty="0"/>
+              <a:t>    new </a:t>
+            </a:r>
+            <a:r>
+              <a:rPr lang="en-US" dirty="0" err="1"/>
+              <a:t>LongHashedRelation</a:t>
+            </a:r>
+            <a:r>
+              <a:rPr lang="en-US" dirty="0"/>
+              <a:t>(</a:t>
+            </a:r>
+            <a:r>
+              <a:rPr lang="en-US" dirty="0" err="1"/>
+              <a:t>numFields</a:t>
+            </a:r>
+            <a:r>
+              <a:rPr lang="en-US" dirty="0"/>
+              <a:t>, map)</a:t>
+            </a:r>
+          </a:p>
+          <a:p>
+            <a:r>
+              <a:rPr lang="en-US" dirty="0"/>
+              <a:t>  }</a:t>
+            </a:r>
+            <a:endParaRPr lang="ru-RU" dirty="0"/>
+          </a:p>
+        </p:txBody>
+      </p:sp>
+    </p:spTree>
+    <p:extLst>
+      <p:ext uri="{BB962C8B-B14F-4D97-AF65-F5344CB8AC3E}">
+        <p14:creationId xmlns:p14="http://schemas.microsoft.com/office/powerpoint/2010/main" val="1449583807"/>
+      </p:ext>
+    </p:extLst>
+  </p:cSld>
+  <p:clrMapOvr>
+    <a:masterClrMapping/>
+  </p:clrMapOvr>
+  <p:timing>
+    <p:tnLst>
+      <p:par>
+        <p:cTn id="1" dur="indefinite" restart="never" nodeType="tmRoot"/>
+      </p:par>
+    </p:tnLst>
+  </p:timing>
+</p:sld>
+</file>
+
+<file path=ppt/slides/slide12.xml><?xml version="1.0" encoding="utf-8"?>
+<p:sld xmlns:a="http://schemas.openxmlformats.org/drawingml/2006/main" xmlns:r="http://schemas.openxmlformats.org/officeDocument/2006/relationships" xmlns:p="http://schemas.openxmlformats.org/presentationml/2006/main">
+  <p:cSld>
+    <p:spTree>
+      <p:nvGrpSpPr>
+        <p:cNvPr id="1" name=""/>
+        <p:cNvGrpSpPr/>
+        <p:nvPr/>
+      </p:nvGrpSpPr>
+      <p:grpSpPr>
+        <a:xfrm>
+          <a:off x="0" y="0"/>
+          <a:ext cx="0" cy="0"/>
+          <a:chOff x="0" y="0"/>
+          <a:chExt cx="0" cy="0"/>
+        </a:xfrm>
+      </p:grpSpPr>
+      <p:sp>
+        <p:nvSpPr>
+          <p:cNvPr id="2" name="Заголовок 1"/>
+          <p:cNvSpPr>
+            <a:spLocks noGrp="1"/>
+          </p:cNvSpPr>
+          <p:nvPr>
+            <p:ph type="title"/>
+          </p:nvPr>
+        </p:nvSpPr>
+        <p:spPr>
+          <a:xfrm>
+            <a:off x="0" y="3175"/>
+            <a:ext cx="12192000" cy="1325563"/>
+          </a:xfrm>
+        </p:spPr>
+        <p:txBody>
+          <a:bodyPr/>
+          <a:lstStyle/>
+          <a:p>
+            <a:pPr algn="ctr"/>
+            <a:r>
+              <a:rPr lang="en-US" dirty="0" err="1"/>
+              <a:t>ShuffledHashJoinExec</a:t>
+            </a:r>
+            <a:endParaRPr lang="ru-RU" dirty="0"/>
+          </a:p>
+        </p:txBody>
+      </p:sp>
+      <p:sp>
+        <p:nvSpPr>
+          <p:cNvPr id="4" name="Прямоугольник 3"/>
+          <p:cNvSpPr/>
+          <p:nvPr/>
+        </p:nvSpPr>
+        <p:spPr>
+          <a:xfrm>
+            <a:off x="190500" y="2274838"/>
+            <a:ext cx="11715750" cy="2677656"/>
+          </a:xfrm>
+          <a:prstGeom prst="rect">
+            <a:avLst/>
+          </a:prstGeom>
+        </p:spPr>
+        <p:txBody>
+          <a:bodyPr wrap="square">
+            <a:spAutoFit/>
+          </a:bodyPr>
+          <a:lstStyle/>
+          <a:p>
+            <a:r>
+              <a:rPr lang="en-US" sz="2400" dirty="0"/>
+              <a:t> protected override </a:t>
+            </a:r>
+            <a:r>
+              <a:rPr lang="en-US" sz="2400" dirty="0" err="1"/>
+              <a:t>def</a:t>
+            </a:r>
+            <a:r>
+              <a:rPr lang="en-US" sz="2400" dirty="0"/>
+              <a:t> </a:t>
+            </a:r>
+            <a:r>
+              <a:rPr lang="en-US" sz="2400" b="1" dirty="0" err="1"/>
+              <a:t>doExecute</a:t>
+            </a:r>
+            <a:r>
+              <a:rPr lang="en-US" sz="2400" dirty="0"/>
+              <a:t>(): RDD[</a:t>
+            </a:r>
+            <a:r>
+              <a:rPr lang="en-US" sz="2400" dirty="0" err="1"/>
+              <a:t>InternalRow</a:t>
+            </a:r>
+            <a:r>
+              <a:rPr lang="en-US" sz="2400" dirty="0"/>
+              <a:t>] = {</a:t>
+            </a:r>
+          </a:p>
+          <a:p>
+            <a:r>
+              <a:rPr lang="en-US" sz="2400" dirty="0"/>
+              <a:t>    </a:t>
+            </a:r>
+            <a:r>
+              <a:rPr lang="en-US" sz="2400" dirty="0" err="1"/>
+              <a:t>val</a:t>
+            </a:r>
+            <a:r>
+              <a:rPr lang="en-US" sz="2400" dirty="0"/>
+              <a:t> </a:t>
+            </a:r>
+            <a:r>
+              <a:rPr lang="en-US" sz="2400" dirty="0" err="1"/>
+              <a:t>numOutputRows</a:t>
+            </a:r>
+            <a:r>
+              <a:rPr lang="en-US" sz="2400" dirty="0"/>
+              <a:t> = </a:t>
+            </a:r>
+            <a:r>
+              <a:rPr lang="en-US" sz="2400" dirty="0" err="1"/>
+              <a:t>longMetric</a:t>
+            </a:r>
+            <a:r>
+              <a:rPr lang="en-US" sz="2400" dirty="0"/>
+              <a:t>("</a:t>
+            </a:r>
+            <a:r>
+              <a:rPr lang="en-US" sz="2400" dirty="0" err="1"/>
+              <a:t>numOutputRows</a:t>
+            </a:r>
+            <a:r>
+              <a:rPr lang="en-US" sz="2400" dirty="0"/>
+              <a:t>")</a:t>
+            </a:r>
+          </a:p>
+          <a:p>
+            <a:r>
+              <a:rPr lang="en-US" sz="2400" dirty="0"/>
+              <a:t>    </a:t>
+            </a:r>
+            <a:r>
+              <a:rPr lang="en-US" sz="2400" dirty="0" err="1"/>
+              <a:t>streamedPlan.execute</a:t>
+            </a:r>
+            <a:r>
+              <a:rPr lang="en-US" sz="2400" dirty="0"/>
+              <a:t>().</a:t>
+            </a:r>
+            <a:r>
+              <a:rPr lang="en-US" sz="2400" dirty="0" err="1"/>
+              <a:t>zipPartitions</a:t>
+            </a:r>
+            <a:r>
+              <a:rPr lang="en-US" sz="2400" dirty="0"/>
+              <a:t>(</a:t>
+            </a:r>
+            <a:r>
+              <a:rPr lang="en-US" sz="2400" dirty="0" err="1"/>
+              <a:t>buildPlan.execute</a:t>
+            </a:r>
+            <a:r>
+              <a:rPr lang="en-US" sz="2400" dirty="0"/>
+              <a:t>()) { (</a:t>
+            </a:r>
+            <a:r>
+              <a:rPr lang="en-US" sz="2400" dirty="0" err="1"/>
+              <a:t>streamIter</a:t>
+            </a:r>
+            <a:r>
+              <a:rPr lang="en-US" sz="2400" dirty="0"/>
+              <a:t>, </a:t>
+            </a:r>
+            <a:r>
+              <a:rPr lang="en-US" sz="2400" dirty="0" err="1"/>
+              <a:t>buildIter</a:t>
+            </a:r>
+            <a:r>
+              <a:rPr lang="en-US" sz="2400" dirty="0"/>
+              <a:t>) =&gt;</a:t>
+            </a:r>
+          </a:p>
+          <a:p>
+            <a:r>
+              <a:rPr lang="en-US" sz="2400" dirty="0"/>
+              <a:t>      </a:t>
+            </a:r>
+            <a:r>
+              <a:rPr lang="en-US" sz="2400" dirty="0" err="1"/>
+              <a:t>val</a:t>
+            </a:r>
+            <a:r>
+              <a:rPr lang="en-US" sz="2400" dirty="0"/>
+              <a:t> hashed = </a:t>
+            </a:r>
+            <a:r>
+              <a:rPr lang="en-US" sz="2400" b="1" dirty="0" err="1"/>
+              <a:t>buildHashedRelation</a:t>
+            </a:r>
+            <a:r>
+              <a:rPr lang="en-US" sz="2400" b="1" dirty="0"/>
+              <a:t>(</a:t>
+            </a:r>
+            <a:r>
+              <a:rPr lang="en-US" sz="2400" b="1" dirty="0" err="1"/>
+              <a:t>buildIter</a:t>
+            </a:r>
+            <a:r>
+              <a:rPr lang="en-US" sz="2400" dirty="0"/>
+              <a:t>)</a:t>
+            </a:r>
+          </a:p>
+          <a:p>
+            <a:r>
+              <a:rPr lang="en-US" sz="2400" b="1" dirty="0"/>
+              <a:t>      join(</a:t>
+            </a:r>
+            <a:r>
+              <a:rPr lang="en-US" sz="2400" b="1" dirty="0" err="1"/>
+              <a:t>streamIter</a:t>
+            </a:r>
+            <a:r>
+              <a:rPr lang="en-US" sz="2400" b="1" dirty="0"/>
+              <a:t>, hashed, </a:t>
+            </a:r>
+            <a:r>
+              <a:rPr lang="en-US" sz="2400" b="1" dirty="0" err="1"/>
+              <a:t>numOutputRows</a:t>
+            </a:r>
+            <a:r>
+              <a:rPr lang="en-US" sz="2400" b="1" dirty="0"/>
+              <a:t>)</a:t>
+            </a:r>
+          </a:p>
+          <a:p>
+            <a:r>
+              <a:rPr lang="en-US" sz="2400" dirty="0"/>
+              <a:t>    }</a:t>
+            </a:r>
+          </a:p>
+          <a:p>
+            <a:r>
+              <a:rPr lang="en-US" sz="2400" dirty="0"/>
+              <a:t>  }</a:t>
+            </a:r>
+            <a:endParaRPr lang="ru-RU" sz="2400" dirty="0"/>
+          </a:p>
+        </p:txBody>
+      </p:sp>
+    </p:spTree>
+    <p:extLst>
+      <p:ext uri="{BB962C8B-B14F-4D97-AF65-F5344CB8AC3E}">
+        <p14:creationId xmlns:p14="http://schemas.microsoft.com/office/powerpoint/2010/main" val="2702324594"/>
+      </p:ext>
+    </p:extLst>
+  </p:cSld>
+  <p:clrMapOvr>
+    <a:masterClrMapping/>
+  </p:clrMapOvr>
+  <p:timing>
+    <p:tnLst>
+      <p:par>
+        <p:cTn id="1" dur="indefinite" restart="never" nodeType="tmRoot"/>
+      </p:par>
+    </p:tnLst>
+  </p:timing>
+</p:sld>
+</file>
+
+<file path=ppt/slides/slide13.xml><?xml version="1.0" encoding="utf-8"?>
+<p:sld xmlns:a="http://schemas.openxmlformats.org/drawingml/2006/main" xmlns:r="http://schemas.openxmlformats.org/officeDocument/2006/relationships" xmlns:p="http://schemas.openxmlformats.org/presentationml/2006/main">
+  <p:cSld>
+    <p:spTree>
+      <p:nvGrpSpPr>
+        <p:cNvPr id="1" name=""/>
+        <p:cNvGrpSpPr/>
+        <p:nvPr/>
+      </p:nvGrpSpPr>
+      <p:grpSpPr>
+        <a:xfrm>
+          <a:off x="0" y="0"/>
+          <a:ext cx="0" cy="0"/>
+          <a:chOff x="0" y="0"/>
+          <a:chExt cx="0" cy="0"/>
+        </a:xfrm>
+      </p:grpSpPr>
+      <p:sp>
+        <p:nvSpPr>
+          <p:cNvPr id="4" name="Прямоугольник 3"/>
+          <p:cNvSpPr/>
+          <p:nvPr/>
+        </p:nvSpPr>
+        <p:spPr>
+          <a:xfrm>
+            <a:off x="488373" y="93299"/>
+            <a:ext cx="8645236" cy="6247864"/>
+          </a:xfrm>
+          <a:prstGeom prst="rect">
+            <a:avLst/>
+          </a:prstGeom>
+        </p:spPr>
+        <p:txBody>
+          <a:bodyPr wrap="square">
+            <a:spAutoFit/>
+          </a:bodyPr>
+          <a:lstStyle/>
+          <a:p>
+            <a:r>
+              <a:rPr lang="en-US" sz="2000" dirty="0"/>
+              <a:t>protected </a:t>
+            </a:r>
+            <a:r>
+              <a:rPr lang="en-US" sz="2000" dirty="0" err="1"/>
+              <a:t>def</a:t>
+            </a:r>
+            <a:r>
+              <a:rPr lang="en-US" sz="2000" dirty="0"/>
+              <a:t> join(</a:t>
+            </a:r>
+          </a:p>
+          <a:p>
+            <a:r>
+              <a:rPr lang="en-US" sz="2000" dirty="0"/>
+              <a:t>      </a:t>
+            </a:r>
+            <a:r>
+              <a:rPr lang="en-US" sz="2000" b="1" dirty="0" err="1"/>
+              <a:t>streamedIter</a:t>
+            </a:r>
+            <a:r>
+              <a:rPr lang="en-US" sz="2000" b="1" dirty="0"/>
+              <a:t>: Iterator[</a:t>
+            </a:r>
+            <a:r>
+              <a:rPr lang="en-US" sz="2000" b="1" dirty="0" err="1"/>
+              <a:t>InternalRow</a:t>
+            </a:r>
+            <a:r>
+              <a:rPr lang="en-US" sz="2000" b="1" dirty="0"/>
+              <a:t>]</a:t>
+            </a:r>
+            <a:r>
+              <a:rPr lang="en-US" sz="2000" dirty="0"/>
+              <a:t>,</a:t>
+            </a:r>
+          </a:p>
+          <a:p>
+            <a:r>
+              <a:rPr lang="en-US" sz="2000" dirty="0"/>
+              <a:t>      </a:t>
+            </a:r>
+            <a:r>
+              <a:rPr lang="en-US" sz="2000" b="1" dirty="0"/>
+              <a:t>hashed: </a:t>
+            </a:r>
+            <a:r>
+              <a:rPr lang="en-US" sz="2000" b="1" dirty="0" err="1"/>
+              <a:t>HashedRelation</a:t>
+            </a:r>
+            <a:r>
+              <a:rPr lang="en-US" sz="2000" dirty="0"/>
+              <a:t>,</a:t>
+            </a:r>
+          </a:p>
+          <a:p>
+            <a:r>
+              <a:rPr lang="en-US" sz="2000" dirty="0"/>
+              <a:t>      </a:t>
+            </a:r>
+            <a:r>
+              <a:rPr lang="en-US" sz="2000" dirty="0" err="1"/>
+              <a:t>numOutputRows</a:t>
+            </a:r>
+            <a:r>
+              <a:rPr lang="en-US" sz="2000" dirty="0"/>
+              <a:t>: </a:t>
+            </a:r>
+            <a:r>
+              <a:rPr lang="en-US" sz="2000" dirty="0" err="1"/>
+              <a:t>SQLMetric</a:t>
+            </a:r>
+            <a:r>
+              <a:rPr lang="en-US" sz="2000" dirty="0"/>
+              <a:t>): Iterator[</a:t>
+            </a:r>
+            <a:r>
+              <a:rPr lang="en-US" sz="2000" dirty="0" err="1"/>
+              <a:t>InternalRow</a:t>
+            </a:r>
+            <a:r>
+              <a:rPr lang="en-US" sz="2000" dirty="0"/>
+              <a:t>] = {</a:t>
+            </a:r>
+          </a:p>
+          <a:p>
+            <a:endParaRPr lang="en-US" sz="2000" dirty="0"/>
+          </a:p>
+          <a:p>
+            <a:r>
+              <a:rPr lang="en-US" sz="2000" dirty="0"/>
+              <a:t>    </a:t>
+            </a:r>
+            <a:r>
+              <a:rPr lang="en-US" sz="2000" dirty="0" err="1"/>
+              <a:t>val</a:t>
+            </a:r>
+            <a:r>
+              <a:rPr lang="en-US" sz="2000" dirty="0"/>
+              <a:t> </a:t>
+            </a:r>
+            <a:r>
+              <a:rPr lang="en-US" sz="2000" dirty="0" err="1"/>
+              <a:t>joinedIter</a:t>
+            </a:r>
+            <a:r>
+              <a:rPr lang="en-US" sz="2000" dirty="0"/>
+              <a:t> = </a:t>
+            </a:r>
+            <a:r>
+              <a:rPr lang="en-US" sz="2000" dirty="0" err="1"/>
+              <a:t>joinType</a:t>
+            </a:r>
+            <a:r>
+              <a:rPr lang="en-US" sz="2000" dirty="0"/>
+              <a:t> match {</a:t>
+            </a:r>
+          </a:p>
+          <a:p>
+            <a:r>
+              <a:rPr lang="en-US" sz="2000" dirty="0"/>
+              <a:t>      case _: </a:t>
+            </a:r>
+            <a:r>
+              <a:rPr lang="en-US" sz="2000" dirty="0" err="1"/>
+              <a:t>InnerLike</a:t>
+            </a:r>
+            <a:r>
+              <a:rPr lang="en-US" sz="2000" dirty="0"/>
+              <a:t> =&gt;</a:t>
+            </a:r>
+          </a:p>
+          <a:p>
+            <a:r>
+              <a:rPr lang="en-US" sz="2000" b="1" dirty="0"/>
+              <a:t>        </a:t>
+            </a:r>
+            <a:r>
+              <a:rPr lang="en-US" sz="2000" b="1" dirty="0" err="1"/>
+              <a:t>innerJoin</a:t>
+            </a:r>
+            <a:r>
+              <a:rPr lang="en-US" sz="2000" b="1" dirty="0"/>
+              <a:t>(</a:t>
+            </a:r>
+            <a:r>
+              <a:rPr lang="en-US" sz="2000" b="1" dirty="0" err="1"/>
+              <a:t>streamedIter</a:t>
+            </a:r>
+            <a:r>
+              <a:rPr lang="en-US" sz="2000" b="1" dirty="0"/>
+              <a:t>, hashed)</a:t>
+            </a:r>
+          </a:p>
+          <a:p>
+            <a:r>
+              <a:rPr lang="en-US" sz="2000" dirty="0"/>
+              <a:t>      case </a:t>
+            </a:r>
+            <a:r>
+              <a:rPr lang="en-US" sz="2000" dirty="0" err="1"/>
+              <a:t>LeftOuter</a:t>
+            </a:r>
+            <a:r>
+              <a:rPr lang="en-US" sz="2000" dirty="0"/>
+              <a:t> | </a:t>
+            </a:r>
+            <a:r>
+              <a:rPr lang="en-US" sz="2000" dirty="0" err="1"/>
+              <a:t>RightOuter</a:t>
+            </a:r>
+            <a:r>
+              <a:rPr lang="en-US" sz="2000" dirty="0"/>
+              <a:t> =&gt;</a:t>
+            </a:r>
+          </a:p>
+          <a:p>
+            <a:r>
+              <a:rPr lang="en-US" sz="2000" b="1" dirty="0"/>
+              <a:t>        </a:t>
+            </a:r>
+            <a:r>
+              <a:rPr lang="en-US" sz="2000" b="1" dirty="0" err="1"/>
+              <a:t>outerJoin</a:t>
+            </a:r>
+            <a:r>
+              <a:rPr lang="en-US" sz="2000" b="1" dirty="0"/>
+              <a:t>(</a:t>
+            </a:r>
+            <a:r>
+              <a:rPr lang="en-US" sz="2000" b="1" dirty="0" err="1"/>
+              <a:t>streamedIter</a:t>
+            </a:r>
+            <a:r>
+              <a:rPr lang="en-US" sz="2000" b="1" dirty="0"/>
+              <a:t>, hashed)</a:t>
+            </a:r>
+          </a:p>
+          <a:p>
+            <a:r>
+              <a:rPr lang="en-US" sz="2000" dirty="0"/>
+              <a:t>      case </a:t>
+            </a:r>
+            <a:r>
+              <a:rPr lang="en-US" sz="2000" dirty="0" err="1"/>
+              <a:t>LeftSemi</a:t>
+            </a:r>
+            <a:r>
+              <a:rPr lang="en-US" sz="2000" dirty="0"/>
+              <a:t> =&gt;</a:t>
+            </a:r>
+          </a:p>
+          <a:p>
+            <a:r>
+              <a:rPr lang="en-US" sz="2000" dirty="0"/>
+              <a:t>        </a:t>
+            </a:r>
+            <a:r>
+              <a:rPr lang="en-US" sz="2000" b="1" dirty="0" err="1"/>
+              <a:t>semiJoin</a:t>
+            </a:r>
+            <a:r>
+              <a:rPr lang="en-US" sz="2000" b="1" dirty="0"/>
+              <a:t>(</a:t>
+            </a:r>
+            <a:r>
+              <a:rPr lang="en-US" sz="2000" b="1" dirty="0" err="1"/>
+              <a:t>streamedIter</a:t>
+            </a:r>
+            <a:r>
+              <a:rPr lang="en-US" sz="2000" b="1" dirty="0"/>
+              <a:t>, hashed)</a:t>
+            </a:r>
+          </a:p>
+          <a:p>
+            <a:r>
+              <a:rPr lang="en-US" sz="2000" dirty="0"/>
+              <a:t>      case </a:t>
+            </a:r>
+            <a:r>
+              <a:rPr lang="en-US" sz="2000" dirty="0" err="1"/>
+              <a:t>LeftAnti</a:t>
+            </a:r>
+            <a:r>
+              <a:rPr lang="en-US" sz="2000" dirty="0"/>
+              <a:t> =&gt;</a:t>
+            </a:r>
+          </a:p>
+          <a:p>
+            <a:r>
+              <a:rPr lang="en-US" sz="2000" b="1" dirty="0"/>
+              <a:t>        </a:t>
+            </a:r>
+            <a:r>
+              <a:rPr lang="en-US" sz="2000" b="1" dirty="0" err="1"/>
+              <a:t>antiJoin</a:t>
+            </a:r>
+            <a:r>
+              <a:rPr lang="en-US" sz="2000" b="1" dirty="0"/>
+              <a:t>(</a:t>
+            </a:r>
+            <a:r>
+              <a:rPr lang="en-US" sz="2000" b="1" dirty="0" err="1"/>
+              <a:t>streamedIter</a:t>
+            </a:r>
+            <a:r>
+              <a:rPr lang="en-US" sz="2000" b="1" dirty="0"/>
+              <a:t>, hashed)</a:t>
+            </a:r>
+          </a:p>
+          <a:p>
+            <a:r>
+              <a:rPr lang="en-US" sz="2000" dirty="0"/>
+              <a:t>      case j: </a:t>
+            </a:r>
+            <a:r>
+              <a:rPr lang="en-US" sz="2000" dirty="0" err="1"/>
+              <a:t>ExistenceJoin</a:t>
+            </a:r>
+            <a:r>
+              <a:rPr lang="en-US" sz="2000" dirty="0"/>
+              <a:t> =&gt;</a:t>
+            </a:r>
+          </a:p>
+          <a:p>
+            <a:r>
+              <a:rPr lang="en-US" sz="2000" dirty="0"/>
+              <a:t>        </a:t>
+            </a:r>
+            <a:r>
+              <a:rPr lang="en-US" sz="2000" b="1" dirty="0" err="1"/>
+              <a:t>existenceJoin</a:t>
+            </a:r>
+            <a:r>
+              <a:rPr lang="en-US" sz="2000" b="1" dirty="0"/>
+              <a:t>(</a:t>
+            </a:r>
+            <a:r>
+              <a:rPr lang="en-US" sz="2000" b="1" dirty="0" err="1"/>
+              <a:t>streamedIter</a:t>
+            </a:r>
+            <a:r>
+              <a:rPr lang="en-US" sz="2000" b="1" dirty="0"/>
+              <a:t>, hashed)</a:t>
+            </a:r>
+          </a:p>
+          <a:p>
+            <a:r>
+              <a:rPr lang="en-US" sz="2000" dirty="0"/>
+              <a:t>      case x =&gt;</a:t>
+            </a:r>
+          </a:p>
+          <a:p>
+            <a:r>
+              <a:rPr lang="en-US" sz="2000" dirty="0"/>
+              <a:t>        throw new </a:t>
+            </a:r>
+            <a:r>
+              <a:rPr lang="en-US" sz="2000" dirty="0" err="1"/>
+              <a:t>IllegalArgumentException</a:t>
+            </a:r>
+            <a:r>
+              <a:rPr lang="en-US" sz="2000" dirty="0"/>
+              <a:t>(</a:t>
+            </a:r>
+          </a:p>
+          <a:p>
+            <a:r>
+              <a:rPr lang="en-US" sz="2000" dirty="0"/>
+              <a:t>          </a:t>
+            </a:r>
+            <a:r>
+              <a:rPr lang="en-US" sz="2000" dirty="0" err="1"/>
+              <a:t>s"BroadcastHashJoin</a:t>
+            </a:r>
+            <a:r>
+              <a:rPr lang="en-US" sz="2000" dirty="0"/>
+              <a:t> should not take $x as the </a:t>
+            </a:r>
+            <a:r>
+              <a:rPr lang="en-US" sz="2000" dirty="0" err="1"/>
+              <a:t>JoinType</a:t>
+            </a:r>
+            <a:r>
+              <a:rPr lang="en-US" sz="2000" dirty="0"/>
+              <a:t>")</a:t>
+            </a:r>
+          </a:p>
+          <a:p>
+            <a:r>
+              <a:rPr lang="en-US" sz="2000" dirty="0"/>
+              <a:t>    }</a:t>
+            </a:r>
+            <a:endParaRPr lang="ru-RU" sz="2000" dirty="0"/>
+          </a:p>
+        </p:txBody>
+      </p:sp>
+    </p:spTree>
+    <p:extLst>
+      <p:ext uri="{BB962C8B-B14F-4D97-AF65-F5344CB8AC3E}">
+        <p14:creationId xmlns:p14="http://schemas.microsoft.com/office/powerpoint/2010/main" val="2571478987"/>
+      </p:ext>
+    </p:extLst>
+  </p:cSld>
+  <p:clrMapOvr>
+    <a:masterClrMapping/>
+  </p:clrMapOvr>
+  <p:timing>
+    <p:tnLst>
+      <p:par>
+        <p:cTn id="1" dur="indefinite" restart="never" nodeType="tmRoot"/>
+      </p:par>
+    </p:tnLst>
+  </p:timing>
+</p:sld>
+</file>
+
+<file path=ppt/slides/slide14.xml><?xml version="1.0" encoding="utf-8"?>
+<p:sld xmlns:a="http://schemas.openxmlformats.org/drawingml/2006/main" xmlns:r="http://schemas.openxmlformats.org/officeDocument/2006/relationships" xmlns:p="http://schemas.openxmlformats.org/presentationml/2006/main">
+  <p:cSld>
+    <p:spTree>
+      <p:nvGrpSpPr>
+        <p:cNvPr id="1" name=""/>
+        <p:cNvGrpSpPr/>
+        <p:nvPr/>
+      </p:nvGrpSpPr>
+      <p:grpSpPr>
+        <a:xfrm>
+          <a:off x="0" y="0"/>
+          <a:ext cx="0" cy="0"/>
+          <a:chOff x="0" y="0"/>
+          <a:chExt cx="0" cy="0"/>
+        </a:xfrm>
+      </p:grpSpPr>
+      <p:sp>
+        <p:nvSpPr>
+          <p:cNvPr id="2" name="Прямоугольник 1"/>
+          <p:cNvSpPr/>
+          <p:nvPr/>
+        </p:nvSpPr>
+        <p:spPr>
+          <a:xfrm>
+            <a:off x="0" y="0"/>
+            <a:ext cx="12192000" cy="6555641"/>
+          </a:xfrm>
+          <a:prstGeom prst="rect">
+            <a:avLst/>
+          </a:prstGeom>
+        </p:spPr>
+        <p:txBody>
+          <a:bodyPr wrap="square">
+            <a:spAutoFit/>
+          </a:bodyPr>
+          <a:lstStyle/>
+          <a:p>
+            <a:r>
+              <a:rPr lang="en-US" sz="2800" dirty="0"/>
+              <a:t> private </a:t>
+            </a:r>
+            <a:r>
+              <a:rPr lang="en-US" sz="2800" dirty="0" err="1"/>
+              <a:t>def</a:t>
+            </a:r>
+            <a:r>
+              <a:rPr lang="en-US" sz="2800" dirty="0"/>
+              <a:t> </a:t>
+            </a:r>
+            <a:r>
+              <a:rPr lang="en-US" sz="2800" dirty="0" err="1"/>
+              <a:t>innerJoin</a:t>
+            </a:r>
+            <a:r>
+              <a:rPr lang="en-US" sz="2800" dirty="0"/>
+              <a:t>(</a:t>
+            </a:r>
+          </a:p>
+          <a:p>
+            <a:r>
+              <a:rPr lang="en-US" sz="2800" dirty="0"/>
+              <a:t>      </a:t>
+            </a:r>
+            <a:r>
+              <a:rPr lang="en-US" sz="2800" dirty="0" err="1"/>
+              <a:t>streamIter</a:t>
+            </a:r>
+            <a:r>
+              <a:rPr lang="en-US" sz="2800" dirty="0"/>
+              <a:t>: Iterator[</a:t>
+            </a:r>
+            <a:r>
+              <a:rPr lang="en-US" sz="2800" dirty="0" err="1"/>
+              <a:t>InternalRow</a:t>
+            </a:r>
+            <a:r>
+              <a:rPr lang="en-US" sz="2800" dirty="0"/>
+              <a:t>],</a:t>
+            </a:r>
+          </a:p>
+          <a:p>
+            <a:r>
+              <a:rPr lang="en-US" sz="2800" dirty="0"/>
+              <a:t>      </a:t>
+            </a:r>
+            <a:r>
+              <a:rPr lang="en-US" sz="2800" dirty="0" err="1"/>
+              <a:t>hashedRelation</a:t>
+            </a:r>
+            <a:r>
+              <a:rPr lang="en-US" sz="2800" dirty="0"/>
+              <a:t>: </a:t>
+            </a:r>
+            <a:r>
+              <a:rPr lang="en-US" sz="2800" dirty="0" err="1"/>
+              <a:t>HashedRelation</a:t>
+            </a:r>
+            <a:r>
+              <a:rPr lang="en-US" sz="2800" dirty="0"/>
+              <a:t>): Iterator[</a:t>
+            </a:r>
+            <a:r>
+              <a:rPr lang="en-US" sz="2800" dirty="0" err="1"/>
+              <a:t>InternalRow</a:t>
+            </a:r>
+            <a:r>
+              <a:rPr lang="en-US" sz="2800" dirty="0"/>
+              <a:t>] = {</a:t>
+            </a:r>
+          </a:p>
+          <a:p>
+            <a:r>
+              <a:rPr lang="en-US" sz="2800" dirty="0"/>
+              <a:t>    </a:t>
+            </a:r>
+            <a:r>
+              <a:rPr lang="en-US" sz="2800" dirty="0" err="1"/>
+              <a:t>val</a:t>
+            </a:r>
+            <a:r>
+              <a:rPr lang="en-US" sz="2800" dirty="0"/>
+              <a:t> </a:t>
+            </a:r>
+            <a:r>
+              <a:rPr lang="en-US" sz="2800" dirty="0" err="1"/>
+              <a:t>joinRow</a:t>
+            </a:r>
+            <a:r>
+              <a:rPr lang="en-US" sz="2800" dirty="0"/>
+              <a:t> = new </a:t>
+            </a:r>
+            <a:r>
+              <a:rPr lang="en-US" sz="2800" dirty="0" err="1"/>
+              <a:t>JoinedRow</a:t>
+            </a:r>
+            <a:endParaRPr lang="en-US" sz="2800" dirty="0"/>
+          </a:p>
+          <a:p>
+            <a:r>
+              <a:rPr lang="en-US" sz="2800" dirty="0"/>
+              <a:t>    </a:t>
+            </a:r>
+            <a:r>
+              <a:rPr lang="en-US" sz="2800" dirty="0" err="1"/>
+              <a:t>val</a:t>
+            </a:r>
+            <a:r>
+              <a:rPr lang="en-US" sz="2800" dirty="0"/>
+              <a:t> </a:t>
+            </a:r>
+            <a:r>
+              <a:rPr lang="en-US" sz="2800" dirty="0" err="1"/>
+              <a:t>joinKeys</a:t>
+            </a:r>
+            <a:r>
+              <a:rPr lang="en-US" sz="2800" dirty="0"/>
+              <a:t> = </a:t>
+            </a:r>
+            <a:r>
+              <a:rPr lang="en-US" sz="2800" dirty="0" err="1"/>
+              <a:t>streamSideKeyGenerator</a:t>
+            </a:r>
+            <a:r>
+              <a:rPr lang="en-US" sz="2800" dirty="0"/>
+              <a:t>()</a:t>
+            </a:r>
+          </a:p>
+          <a:p>
+            <a:r>
+              <a:rPr lang="en-US" sz="2800" b="1" dirty="0"/>
+              <a:t>    </a:t>
+            </a:r>
+            <a:r>
+              <a:rPr lang="en-US" sz="2800" b="1" dirty="0" err="1"/>
+              <a:t>streamIter.flatMap</a:t>
+            </a:r>
+            <a:r>
+              <a:rPr lang="en-US" sz="2800" b="1" dirty="0"/>
+              <a:t> </a:t>
+            </a:r>
+            <a:r>
+              <a:rPr lang="en-US" sz="2800" dirty="0"/>
+              <a:t>{ </a:t>
+            </a:r>
+            <a:r>
+              <a:rPr lang="en-US" sz="2800" dirty="0" err="1"/>
+              <a:t>srow</a:t>
+            </a:r>
+            <a:r>
+              <a:rPr lang="en-US" sz="2800" dirty="0"/>
+              <a:t> =&gt;</a:t>
+            </a:r>
+          </a:p>
+          <a:p>
+            <a:r>
+              <a:rPr lang="en-US" sz="2800" b="1" dirty="0"/>
+              <a:t>      </a:t>
+            </a:r>
+            <a:r>
+              <a:rPr lang="en-US" sz="2800" b="1" dirty="0" err="1"/>
+              <a:t>joinRow.withLeft</a:t>
+            </a:r>
+            <a:r>
+              <a:rPr lang="en-US" sz="2800" b="1" dirty="0"/>
+              <a:t>(</a:t>
+            </a:r>
+            <a:r>
+              <a:rPr lang="en-US" sz="2800" b="1" dirty="0" err="1"/>
+              <a:t>srow</a:t>
+            </a:r>
+            <a:r>
+              <a:rPr lang="en-US" sz="2800" b="1" dirty="0"/>
+              <a:t>)</a:t>
+            </a:r>
+          </a:p>
+          <a:p>
+            <a:r>
+              <a:rPr lang="en-US" sz="2800" dirty="0"/>
+              <a:t>      </a:t>
+            </a:r>
+            <a:r>
+              <a:rPr lang="en-US" sz="2800" dirty="0" err="1"/>
+              <a:t>val</a:t>
+            </a:r>
+            <a:r>
+              <a:rPr lang="en-US" sz="2800" dirty="0"/>
+              <a:t> matches </a:t>
+            </a:r>
+            <a:r>
+              <a:rPr lang="en-US" sz="2800" b="1" dirty="0" smtClean="0"/>
+              <a:t>= </a:t>
+            </a:r>
+            <a:r>
+              <a:rPr lang="en-US" sz="2800" b="1" dirty="0" err="1" smtClean="0"/>
+              <a:t>hashedRelation.get</a:t>
+            </a:r>
+            <a:r>
+              <a:rPr lang="en-US" sz="2800" b="1" dirty="0" smtClean="0"/>
+              <a:t>(</a:t>
+            </a:r>
+            <a:r>
+              <a:rPr lang="en-US" sz="2800" b="1" dirty="0" err="1" smtClean="0"/>
+              <a:t>joinKeys</a:t>
+            </a:r>
+            <a:r>
+              <a:rPr lang="en-US" sz="2800" b="1" dirty="0" smtClean="0"/>
+              <a:t>(</a:t>
+            </a:r>
+            <a:r>
+              <a:rPr lang="en-US" sz="2800" b="1" dirty="0" err="1" smtClean="0"/>
+              <a:t>srow</a:t>
+            </a:r>
+            <a:r>
+              <a:rPr lang="en-US" sz="2800" b="1" dirty="0" smtClean="0"/>
+              <a:t>))</a:t>
+            </a:r>
+            <a:endParaRPr lang="en-US" sz="2800" b="1" dirty="0"/>
+          </a:p>
+          <a:p>
+            <a:r>
+              <a:rPr lang="en-US" sz="2800" dirty="0"/>
+              <a:t>      if (matches != null) </a:t>
+            </a:r>
+            <a:r>
+              <a:rPr lang="en-US" sz="2800" dirty="0" smtClean="0"/>
+              <a:t>{</a:t>
+            </a:r>
+            <a:endParaRPr lang="en-US" sz="2800" dirty="0"/>
+          </a:p>
+          <a:p>
+            <a:r>
+              <a:rPr lang="en-US" sz="2800" dirty="0"/>
+              <a:t>        </a:t>
+            </a:r>
+            <a:r>
+              <a:rPr lang="en-US" sz="2800" b="1" dirty="0" err="1"/>
+              <a:t>matches.map</a:t>
+            </a:r>
+            <a:r>
+              <a:rPr lang="en-US" sz="2800" b="1" dirty="0"/>
+              <a:t>(</a:t>
+            </a:r>
+            <a:r>
+              <a:rPr lang="en-US" sz="2800" b="1" dirty="0" err="1"/>
+              <a:t>joinRow.withRight</a:t>
+            </a:r>
+            <a:r>
+              <a:rPr lang="en-US" sz="2800" b="1" dirty="0"/>
+              <a:t>(_)).filter(</a:t>
+            </a:r>
+            <a:r>
+              <a:rPr lang="en-US" sz="2800" b="1" dirty="0" err="1"/>
+              <a:t>boundCondition</a:t>
+            </a:r>
+            <a:r>
+              <a:rPr lang="en-US" sz="2800" b="1" dirty="0"/>
+              <a:t>)</a:t>
+            </a:r>
+          </a:p>
+          <a:p>
+            <a:r>
+              <a:rPr lang="en-US" sz="2800" dirty="0"/>
+              <a:t>      } else {</a:t>
+            </a:r>
+          </a:p>
+          <a:p>
+            <a:r>
+              <a:rPr lang="en-US" sz="2800" dirty="0"/>
+              <a:t>        </a:t>
+            </a:r>
+            <a:r>
+              <a:rPr lang="en-US" sz="2800" dirty="0" err="1"/>
+              <a:t>Seq.empty</a:t>
+            </a:r>
+            <a:endParaRPr lang="en-US" sz="2800" dirty="0"/>
+          </a:p>
+          <a:p>
+            <a:r>
+              <a:rPr lang="en-US" sz="2800" dirty="0"/>
+              <a:t>      }</a:t>
+            </a:r>
+          </a:p>
+          <a:p>
+            <a:r>
+              <a:rPr lang="en-US" sz="2800" dirty="0"/>
+              <a:t>    }</a:t>
+            </a:r>
+          </a:p>
+          <a:p>
+            <a:r>
+              <a:rPr lang="en-US" sz="2800" dirty="0"/>
+              <a:t>  }</a:t>
+            </a:r>
+            <a:endParaRPr lang="ru-RU" sz="2800" dirty="0"/>
+          </a:p>
+        </p:txBody>
+      </p:sp>
+    </p:spTree>
+    <p:extLst>
+      <p:ext uri="{BB962C8B-B14F-4D97-AF65-F5344CB8AC3E}">
+        <p14:creationId xmlns:p14="http://schemas.microsoft.com/office/powerpoint/2010/main" val="1331181146"/>
+      </p:ext>
+    </p:extLst>
+  </p:cSld>
+  <p:clrMapOvr>
+    <a:masterClrMapping/>
+  </p:clrMapOvr>
+  <p:timing>
+    <p:tnLst>
+      <p:par>
+        <p:cTn id="1" dur="indefinite" restart="never" nodeType="tmRoot"/>
+      </p:par>
+    </p:tnLst>
+  </p:timing>
+</p:sld>
+</file>
+
+<file path=ppt/slides/slide15.xml><?xml version="1.0" encoding="utf-8"?>
+<p:sld xmlns:a="http://schemas.openxmlformats.org/drawingml/2006/main" xmlns:r="http://schemas.openxmlformats.org/officeDocument/2006/relationships" xmlns:p="http://schemas.openxmlformats.org/presentationml/2006/main">
+  <p:cSld>
+    <p:spTree>
+      <p:nvGrpSpPr>
+        <p:cNvPr id="1" name=""/>
+        <p:cNvGrpSpPr/>
+        <p:nvPr/>
+      </p:nvGrpSpPr>
+      <p:grpSpPr>
+        <a:xfrm>
+          <a:off x="0" y="0"/>
+          <a:ext cx="0" cy="0"/>
+          <a:chOff x="0" y="0"/>
+          <a:chExt cx="0" cy="0"/>
+        </a:xfrm>
+      </p:grpSpPr>
+      <p:sp>
+        <p:nvSpPr>
+          <p:cNvPr id="2" name="Прямоугольник 1"/>
+          <p:cNvSpPr/>
+          <p:nvPr/>
+        </p:nvSpPr>
+        <p:spPr>
+          <a:xfrm>
+            <a:off x="0" y="0"/>
+            <a:ext cx="12192000" cy="8402300"/>
+          </a:xfrm>
+          <a:prstGeom prst="rect">
+            <a:avLst/>
+          </a:prstGeom>
+        </p:spPr>
+        <p:txBody>
+          <a:bodyPr wrap="square">
+            <a:spAutoFit/>
+          </a:bodyPr>
+          <a:lstStyle/>
+          <a:p>
+            <a:r>
+              <a:rPr lang="en-US" dirty="0"/>
+              <a:t> private </a:t>
+            </a:r>
+            <a:r>
+              <a:rPr lang="en-US" dirty="0" err="1"/>
+              <a:t>def</a:t>
+            </a:r>
+            <a:r>
+              <a:rPr lang="en-US" dirty="0"/>
+              <a:t> </a:t>
+            </a:r>
+            <a:r>
+              <a:rPr lang="en-US" b="1" dirty="0" err="1"/>
+              <a:t>outerJoin</a:t>
+            </a:r>
+            <a:r>
+              <a:rPr lang="en-US" dirty="0" smtClean="0"/>
+              <a:t>(  </a:t>
+            </a:r>
+            <a:r>
+              <a:rPr lang="en-US" dirty="0" err="1"/>
+              <a:t>streamedIter</a:t>
+            </a:r>
+            <a:r>
+              <a:rPr lang="en-US" dirty="0"/>
+              <a:t>: Iterator[</a:t>
+            </a:r>
+            <a:r>
+              <a:rPr lang="en-US" dirty="0" err="1"/>
+              <a:t>InternalRow</a:t>
+            </a:r>
+            <a:r>
+              <a:rPr lang="en-US" dirty="0" smtClean="0"/>
+              <a:t>],  </a:t>
+            </a:r>
+            <a:r>
+              <a:rPr lang="en-US" dirty="0" err="1"/>
+              <a:t>hashedRelation</a:t>
+            </a:r>
+            <a:r>
+              <a:rPr lang="en-US" dirty="0"/>
+              <a:t>: </a:t>
+            </a:r>
+            <a:r>
+              <a:rPr lang="en-US" dirty="0" err="1"/>
+              <a:t>HashedRelation</a:t>
+            </a:r>
+            <a:r>
+              <a:rPr lang="en-US" dirty="0"/>
+              <a:t>): Iterator[</a:t>
+            </a:r>
+            <a:r>
+              <a:rPr lang="en-US" dirty="0" err="1"/>
+              <a:t>InternalRow</a:t>
+            </a:r>
+            <a:r>
+              <a:rPr lang="en-US" dirty="0"/>
+              <a:t>] = {</a:t>
+            </a:r>
+          </a:p>
+          <a:p>
+            <a:r>
+              <a:rPr lang="en-US" dirty="0"/>
+              <a:t>    </a:t>
+            </a:r>
+            <a:r>
+              <a:rPr lang="en-US" dirty="0" err="1"/>
+              <a:t>val</a:t>
+            </a:r>
+            <a:r>
+              <a:rPr lang="en-US" dirty="0"/>
+              <a:t> </a:t>
+            </a:r>
+            <a:r>
+              <a:rPr lang="en-US" dirty="0" err="1"/>
+              <a:t>joinedRow</a:t>
+            </a:r>
+            <a:r>
+              <a:rPr lang="en-US" dirty="0"/>
+              <a:t> = new </a:t>
+            </a:r>
+            <a:r>
+              <a:rPr lang="en-US" dirty="0" err="1"/>
+              <a:t>JoinedRow</a:t>
+            </a:r>
+            <a:r>
+              <a:rPr lang="en-US" dirty="0" smtClean="0"/>
+              <a:t>(); </a:t>
+            </a:r>
+          </a:p>
+          <a:p>
+            <a:r>
+              <a:rPr lang="en-US" dirty="0" smtClean="0"/>
+              <a:t>    </a:t>
+            </a:r>
+            <a:r>
+              <a:rPr lang="en-US" dirty="0" err="1" smtClean="0"/>
+              <a:t>val</a:t>
+            </a:r>
+            <a:r>
+              <a:rPr lang="en-US" dirty="0" smtClean="0"/>
+              <a:t> </a:t>
+            </a:r>
+            <a:r>
+              <a:rPr lang="en-US" dirty="0" err="1" smtClean="0"/>
+              <a:t>keyGenerator</a:t>
+            </a:r>
+            <a:r>
+              <a:rPr lang="en-US" dirty="0" smtClean="0"/>
+              <a:t> = </a:t>
+            </a:r>
+            <a:r>
+              <a:rPr lang="en-US" dirty="0" err="1" smtClean="0"/>
+              <a:t>streamSideKeyGenerator</a:t>
+            </a:r>
+            <a:r>
+              <a:rPr lang="en-US" dirty="0" smtClean="0"/>
+              <a:t>()</a:t>
+            </a:r>
+          </a:p>
+          <a:p>
+            <a:r>
+              <a:rPr lang="en-US" dirty="0" smtClean="0"/>
+              <a:t>    </a:t>
+            </a:r>
+            <a:r>
+              <a:rPr lang="en-US" dirty="0" err="1" smtClean="0"/>
+              <a:t>val</a:t>
+            </a:r>
+            <a:r>
+              <a:rPr lang="en-US" dirty="0" smtClean="0"/>
+              <a:t> </a:t>
+            </a:r>
+            <a:r>
+              <a:rPr lang="en-US" dirty="0" err="1" smtClean="0"/>
+              <a:t>nullRow</a:t>
+            </a:r>
+            <a:r>
+              <a:rPr lang="en-US" dirty="0" smtClean="0"/>
+              <a:t> = new </a:t>
+            </a:r>
+            <a:r>
+              <a:rPr lang="en-US" dirty="0" err="1" smtClean="0"/>
+              <a:t>GenericInternalRow</a:t>
+            </a:r>
+            <a:r>
+              <a:rPr lang="en-US" dirty="0" smtClean="0"/>
+              <a:t>(</a:t>
+            </a:r>
+            <a:r>
+              <a:rPr lang="en-US" dirty="0" err="1" smtClean="0"/>
+              <a:t>buildPlan.output.length</a:t>
+            </a:r>
+            <a:r>
+              <a:rPr lang="en-US" dirty="0" smtClean="0"/>
+              <a:t>)</a:t>
+            </a:r>
+          </a:p>
+          <a:p>
+            <a:endParaRPr lang="en-US" dirty="0"/>
+          </a:p>
+          <a:p>
+            <a:r>
+              <a:rPr lang="en-US" dirty="0"/>
+              <a:t>    </a:t>
+            </a:r>
+            <a:r>
+              <a:rPr lang="en-US" dirty="0" err="1"/>
+              <a:t>streamedIter.</a:t>
+            </a:r>
+            <a:r>
+              <a:rPr lang="en-US" b="1" dirty="0" err="1"/>
+              <a:t>flatMap</a:t>
+            </a:r>
+            <a:r>
+              <a:rPr lang="en-US" b="1" dirty="0"/>
+              <a:t> </a:t>
+            </a:r>
+            <a:r>
+              <a:rPr lang="en-US" dirty="0"/>
+              <a:t>{ </a:t>
+            </a:r>
+            <a:r>
+              <a:rPr lang="en-US" dirty="0" err="1"/>
+              <a:t>currentRow</a:t>
+            </a:r>
+            <a:r>
+              <a:rPr lang="en-US" dirty="0"/>
+              <a:t> =&gt;</a:t>
+            </a:r>
+          </a:p>
+          <a:p>
+            <a:r>
+              <a:rPr lang="en-US" dirty="0"/>
+              <a:t>      </a:t>
+            </a:r>
+            <a:r>
+              <a:rPr lang="en-US" dirty="0" err="1"/>
+              <a:t>val</a:t>
+            </a:r>
+            <a:r>
+              <a:rPr lang="en-US" dirty="0"/>
+              <a:t> </a:t>
+            </a:r>
+            <a:r>
+              <a:rPr lang="en-US" dirty="0" err="1"/>
+              <a:t>rowKey</a:t>
+            </a:r>
+            <a:r>
+              <a:rPr lang="en-US" dirty="0"/>
+              <a:t> = </a:t>
+            </a:r>
+            <a:r>
+              <a:rPr lang="en-US" dirty="0" err="1"/>
+              <a:t>keyGenerator</a:t>
+            </a:r>
+            <a:r>
+              <a:rPr lang="en-US" dirty="0"/>
+              <a:t>(</a:t>
+            </a:r>
+            <a:r>
+              <a:rPr lang="en-US" dirty="0" err="1"/>
+              <a:t>currentRow</a:t>
+            </a:r>
+            <a:r>
+              <a:rPr lang="en-US" dirty="0"/>
+              <a:t>)</a:t>
+            </a:r>
+          </a:p>
+          <a:p>
+            <a:r>
+              <a:rPr lang="en-US" dirty="0"/>
+              <a:t>      </a:t>
+            </a:r>
+            <a:r>
+              <a:rPr lang="en-US" dirty="0" err="1"/>
+              <a:t>joinedRow.withLeft</a:t>
+            </a:r>
+            <a:r>
+              <a:rPr lang="en-US" dirty="0"/>
+              <a:t>(</a:t>
+            </a:r>
+            <a:r>
+              <a:rPr lang="en-US" dirty="0" err="1"/>
+              <a:t>currentRow</a:t>
+            </a:r>
+            <a:r>
+              <a:rPr lang="en-US" dirty="0"/>
+              <a:t>)</a:t>
+            </a:r>
+          </a:p>
+          <a:p>
+            <a:r>
+              <a:rPr lang="en-US" dirty="0"/>
+              <a:t>      </a:t>
+            </a:r>
+            <a:r>
+              <a:rPr lang="en-US" b="1" dirty="0" err="1"/>
+              <a:t>val</a:t>
+            </a:r>
+            <a:r>
+              <a:rPr lang="en-US" b="1" dirty="0"/>
+              <a:t> </a:t>
+            </a:r>
+            <a:r>
+              <a:rPr lang="en-US" b="1" dirty="0" err="1"/>
+              <a:t>buildIter</a:t>
+            </a:r>
+            <a:r>
+              <a:rPr lang="en-US" b="1" dirty="0"/>
+              <a:t> = </a:t>
+            </a:r>
+            <a:r>
+              <a:rPr lang="en-US" b="1" dirty="0" err="1"/>
+              <a:t>hashedRelation.get</a:t>
+            </a:r>
+            <a:r>
+              <a:rPr lang="en-US" b="1" dirty="0"/>
+              <a:t>(</a:t>
+            </a:r>
+            <a:r>
+              <a:rPr lang="en-US" b="1" dirty="0" err="1"/>
+              <a:t>rowKey</a:t>
+            </a:r>
+            <a:r>
+              <a:rPr lang="en-US" dirty="0"/>
+              <a:t>)</a:t>
+            </a:r>
+          </a:p>
+          <a:p>
+            <a:r>
+              <a:rPr lang="en-US" dirty="0"/>
+              <a:t>      new </a:t>
+            </a:r>
+            <a:r>
+              <a:rPr lang="en-US" dirty="0" err="1"/>
+              <a:t>RowIterator</a:t>
+            </a:r>
+            <a:r>
+              <a:rPr lang="en-US" dirty="0"/>
+              <a:t> {</a:t>
+            </a:r>
+          </a:p>
+          <a:p>
+            <a:r>
+              <a:rPr lang="en-US" dirty="0"/>
+              <a:t>        private </a:t>
+            </a:r>
+            <a:r>
+              <a:rPr lang="en-US" dirty="0" err="1"/>
+              <a:t>var</a:t>
+            </a:r>
+            <a:r>
+              <a:rPr lang="en-US" dirty="0"/>
+              <a:t> found = false</a:t>
+            </a:r>
+          </a:p>
+          <a:p>
+            <a:r>
+              <a:rPr lang="en-US" dirty="0"/>
+              <a:t>        override </a:t>
+            </a:r>
+            <a:r>
+              <a:rPr lang="en-US" dirty="0" err="1"/>
+              <a:t>def</a:t>
+            </a:r>
+            <a:r>
+              <a:rPr lang="en-US" dirty="0"/>
+              <a:t> </a:t>
+            </a:r>
+            <a:r>
+              <a:rPr lang="en-US" dirty="0" err="1"/>
+              <a:t>advanceNext</a:t>
+            </a:r>
+            <a:r>
+              <a:rPr lang="en-US" dirty="0"/>
+              <a:t>(): Boolean = {</a:t>
+            </a:r>
+          </a:p>
+          <a:p>
+            <a:r>
+              <a:rPr lang="en-US" dirty="0"/>
+              <a:t>          while (</a:t>
+            </a:r>
+            <a:r>
+              <a:rPr lang="en-US" dirty="0" err="1"/>
+              <a:t>buildIter</a:t>
+            </a:r>
+            <a:r>
+              <a:rPr lang="en-US" dirty="0"/>
+              <a:t> != null &amp;&amp; </a:t>
+            </a:r>
+            <a:r>
+              <a:rPr lang="en-US" dirty="0" err="1"/>
+              <a:t>buildIter.hasNext</a:t>
+            </a:r>
+            <a:r>
+              <a:rPr lang="en-US" dirty="0"/>
+              <a:t>) {</a:t>
+            </a:r>
+          </a:p>
+          <a:p>
+            <a:r>
+              <a:rPr lang="en-US" dirty="0"/>
+              <a:t>            </a:t>
+            </a:r>
+            <a:r>
+              <a:rPr lang="en-US" dirty="0" err="1"/>
+              <a:t>val</a:t>
+            </a:r>
+            <a:r>
+              <a:rPr lang="en-US" dirty="0"/>
+              <a:t> </a:t>
+            </a:r>
+            <a:r>
+              <a:rPr lang="en-US" dirty="0" err="1"/>
+              <a:t>nextBuildRow</a:t>
+            </a:r>
+            <a:r>
+              <a:rPr lang="en-US" dirty="0"/>
+              <a:t> = </a:t>
+            </a:r>
+            <a:r>
+              <a:rPr lang="en-US" dirty="0" err="1"/>
+              <a:t>buildIter.next</a:t>
+            </a:r>
+            <a:r>
+              <a:rPr lang="en-US" dirty="0"/>
+              <a:t>()</a:t>
+            </a:r>
+          </a:p>
+          <a:p>
+            <a:r>
+              <a:rPr lang="en-US" dirty="0"/>
+              <a:t>            if (</a:t>
+            </a:r>
+            <a:r>
+              <a:rPr lang="en-US" dirty="0" err="1"/>
+              <a:t>boundCondition</a:t>
+            </a:r>
+            <a:r>
+              <a:rPr lang="en-US" dirty="0"/>
+              <a:t>(</a:t>
+            </a:r>
+            <a:r>
+              <a:rPr lang="en-US" dirty="0" err="1"/>
+              <a:t>joinedRow.withRight</a:t>
+            </a:r>
+            <a:r>
+              <a:rPr lang="en-US" dirty="0"/>
+              <a:t>(</a:t>
+            </a:r>
+            <a:r>
+              <a:rPr lang="en-US" dirty="0" err="1"/>
+              <a:t>nextBuildRow</a:t>
+            </a:r>
+            <a:r>
+              <a:rPr lang="en-US" dirty="0"/>
+              <a:t>))) {</a:t>
+            </a:r>
+          </a:p>
+          <a:p>
+            <a:r>
+              <a:rPr lang="en-US" dirty="0"/>
+              <a:t>              found = true</a:t>
+            </a:r>
+          </a:p>
+          <a:p>
+            <a:r>
+              <a:rPr lang="en-US" dirty="0"/>
+              <a:t>              return true</a:t>
+            </a:r>
+          </a:p>
+          <a:p>
+            <a:r>
+              <a:rPr lang="en-US" dirty="0"/>
+              <a:t>            }</a:t>
+            </a:r>
+          </a:p>
+          <a:p>
+            <a:r>
+              <a:rPr lang="en-US" dirty="0"/>
+              <a:t>          }</a:t>
+            </a:r>
+          </a:p>
+          <a:p>
+            <a:r>
+              <a:rPr lang="en-US" dirty="0"/>
+              <a:t>          if (!found) {</a:t>
+            </a:r>
+          </a:p>
+          <a:p>
+            <a:r>
+              <a:rPr lang="en-US" b="1" dirty="0"/>
+              <a:t>            </a:t>
+            </a:r>
+            <a:r>
+              <a:rPr lang="en-US" b="1" dirty="0" err="1"/>
+              <a:t>joinedRow.withRight</a:t>
+            </a:r>
+            <a:r>
+              <a:rPr lang="en-US" b="1" dirty="0"/>
+              <a:t>(</a:t>
+            </a:r>
+            <a:r>
+              <a:rPr lang="en-US" b="1" dirty="0" err="1"/>
+              <a:t>nullRow</a:t>
+            </a:r>
+            <a:r>
+              <a:rPr lang="en-US" b="1" dirty="0"/>
+              <a:t>)</a:t>
+            </a:r>
+          </a:p>
+          <a:p>
+            <a:r>
+              <a:rPr lang="en-US" dirty="0"/>
+              <a:t>            found = true</a:t>
+            </a:r>
+          </a:p>
+          <a:p>
+            <a:r>
+              <a:rPr lang="en-US" dirty="0"/>
+              <a:t>            return true</a:t>
+            </a:r>
+          </a:p>
+          <a:p>
+            <a:r>
+              <a:rPr lang="en-US" dirty="0"/>
+              <a:t>          }</a:t>
+            </a:r>
+          </a:p>
+          <a:p>
+            <a:r>
+              <a:rPr lang="en-US" dirty="0"/>
+              <a:t>          false</a:t>
+            </a:r>
+          </a:p>
+          <a:p>
+            <a:r>
+              <a:rPr lang="en-US" dirty="0"/>
+              <a:t>        }</a:t>
+            </a:r>
+          </a:p>
+          <a:p>
+            <a:r>
+              <a:rPr lang="en-US" dirty="0"/>
+              <a:t>        override </a:t>
+            </a:r>
+            <a:r>
+              <a:rPr lang="en-US" dirty="0" err="1"/>
+              <a:t>def</a:t>
+            </a:r>
+            <a:r>
+              <a:rPr lang="en-US" dirty="0"/>
+              <a:t> </a:t>
+            </a:r>
+            <a:r>
+              <a:rPr lang="en-US" dirty="0" err="1"/>
+              <a:t>getRow</a:t>
+            </a:r>
+            <a:r>
+              <a:rPr lang="en-US" dirty="0"/>
+              <a:t>: </a:t>
+            </a:r>
+            <a:r>
+              <a:rPr lang="en-US" dirty="0" err="1"/>
+              <a:t>InternalRow</a:t>
+            </a:r>
+            <a:r>
+              <a:rPr lang="en-US" dirty="0"/>
+              <a:t> = </a:t>
+            </a:r>
+            <a:r>
+              <a:rPr lang="en-US" dirty="0" err="1"/>
+              <a:t>joinedRow</a:t>
+            </a:r>
+            <a:endParaRPr lang="en-US" dirty="0"/>
+          </a:p>
+          <a:p>
+            <a:r>
+              <a:rPr lang="en-US" dirty="0"/>
+              <a:t>      }.</a:t>
+            </a:r>
+            <a:r>
+              <a:rPr lang="en-US" dirty="0" err="1"/>
+              <a:t>toScala</a:t>
+            </a:r>
+            <a:endParaRPr lang="en-US" dirty="0"/>
+          </a:p>
+          <a:p>
+            <a:r>
+              <a:rPr lang="en-US" dirty="0"/>
+              <a:t>    }</a:t>
+            </a:r>
+          </a:p>
+          <a:p>
+            <a:r>
+              <a:rPr lang="en-US" dirty="0"/>
+              <a:t>  }</a:t>
+            </a:r>
+            <a:endParaRPr lang="ru-RU" dirty="0"/>
+          </a:p>
+        </p:txBody>
+      </p:sp>
+    </p:spTree>
+    <p:extLst>
+      <p:ext uri="{BB962C8B-B14F-4D97-AF65-F5344CB8AC3E}">
+        <p14:creationId xmlns:p14="http://schemas.microsoft.com/office/powerpoint/2010/main" val="3943064267"/>
+      </p:ext>
+    </p:extLst>
+  </p:cSld>
+  <p:clrMapOvr>
+    <a:masterClrMapping/>
+  </p:clrMapOvr>
+  <p:timing>
+    <p:tnLst>
+      <p:par>
+        <p:cTn id="1" dur="indefinite" restart="never" nodeType="tmRoot"/>
+      </p:par>
+    </p:tnLst>
+  </p:timing>
+</p:sld>
+</file>
+
+<file path=ppt/slides/slide16.xml><?xml version="1.0" encoding="utf-8"?>
+<p:sld xmlns:a="http://schemas.openxmlformats.org/drawingml/2006/main" xmlns:r="http://schemas.openxmlformats.org/officeDocument/2006/relationships" xmlns:p="http://schemas.openxmlformats.org/presentationml/2006/main">
+  <p:cSld>
+    <p:spTree>
+      <p:nvGrpSpPr>
+        <p:cNvPr id="1" name=""/>
+        <p:cNvGrpSpPr/>
+        <p:nvPr/>
+      </p:nvGrpSpPr>
+      <p:grpSpPr>
+        <a:xfrm>
+          <a:off x="0" y="0"/>
+          <a:ext cx="0" cy="0"/>
+          <a:chOff x="0" y="0"/>
+          <a:chExt cx="0" cy="0"/>
+        </a:xfrm>
+      </p:grpSpPr>
+      <p:sp>
+        <p:nvSpPr>
+          <p:cNvPr id="2" name="Прямоугольник 1"/>
+          <p:cNvSpPr/>
+          <p:nvPr/>
+        </p:nvSpPr>
+        <p:spPr>
+          <a:xfrm>
+            <a:off x="-85725" y="1164134"/>
+            <a:ext cx="12192000" cy="5693866"/>
+          </a:xfrm>
+          <a:prstGeom prst="rect">
+            <a:avLst/>
+          </a:prstGeom>
+        </p:spPr>
+        <p:txBody>
+          <a:bodyPr wrap="square">
+            <a:spAutoFit/>
+          </a:bodyPr>
+          <a:lstStyle/>
+          <a:p>
+            <a:r>
+              <a:rPr lang="en-US" sz="2800" dirty="0"/>
+              <a:t> private </a:t>
+            </a:r>
+            <a:r>
+              <a:rPr lang="en-US" sz="2800" dirty="0" err="1"/>
+              <a:t>def</a:t>
+            </a:r>
+            <a:r>
+              <a:rPr lang="en-US" sz="2800" dirty="0"/>
+              <a:t> </a:t>
+            </a:r>
+            <a:r>
+              <a:rPr lang="en-US" sz="2800" dirty="0" err="1"/>
+              <a:t>semiJoin</a:t>
+            </a:r>
+            <a:r>
+              <a:rPr lang="en-US" sz="2800" dirty="0"/>
+              <a:t>(</a:t>
+            </a:r>
+          </a:p>
+          <a:p>
+            <a:r>
+              <a:rPr lang="en-US" sz="2800" dirty="0"/>
+              <a:t>      </a:t>
+            </a:r>
+            <a:r>
+              <a:rPr lang="en-US" sz="2800" dirty="0" err="1"/>
+              <a:t>streamIter</a:t>
+            </a:r>
+            <a:r>
+              <a:rPr lang="en-US" sz="2800" dirty="0"/>
+              <a:t>: Iterator[</a:t>
+            </a:r>
+            <a:r>
+              <a:rPr lang="en-US" sz="2800" dirty="0" err="1"/>
+              <a:t>InternalRow</a:t>
+            </a:r>
+            <a:r>
+              <a:rPr lang="en-US" sz="2800" dirty="0"/>
+              <a:t>],</a:t>
+            </a:r>
+          </a:p>
+          <a:p>
+            <a:r>
+              <a:rPr lang="en-US" sz="2800" dirty="0"/>
+              <a:t>      </a:t>
+            </a:r>
+            <a:r>
+              <a:rPr lang="en-US" sz="2800" dirty="0" err="1"/>
+              <a:t>hashedRelation</a:t>
+            </a:r>
+            <a:r>
+              <a:rPr lang="en-US" sz="2800" dirty="0"/>
+              <a:t>: </a:t>
+            </a:r>
+            <a:r>
+              <a:rPr lang="en-US" sz="2800" dirty="0" err="1"/>
+              <a:t>HashedRelation</a:t>
+            </a:r>
+            <a:r>
+              <a:rPr lang="en-US" sz="2800" dirty="0"/>
+              <a:t>): Iterator[</a:t>
+            </a:r>
+            <a:r>
+              <a:rPr lang="en-US" sz="2800" dirty="0" err="1"/>
+              <a:t>InternalRow</a:t>
+            </a:r>
+            <a:r>
+              <a:rPr lang="en-US" sz="2800" dirty="0"/>
+              <a:t>] = {</a:t>
+            </a:r>
+          </a:p>
+          <a:p>
+            <a:r>
+              <a:rPr lang="en-US" sz="2800" dirty="0"/>
+              <a:t>    </a:t>
+            </a:r>
+            <a:r>
+              <a:rPr lang="en-US" sz="2800" dirty="0" err="1"/>
+              <a:t>val</a:t>
+            </a:r>
+            <a:r>
+              <a:rPr lang="en-US" sz="2800" dirty="0"/>
+              <a:t> </a:t>
+            </a:r>
+            <a:r>
+              <a:rPr lang="en-US" sz="2800" dirty="0" err="1"/>
+              <a:t>joinKeys</a:t>
+            </a:r>
+            <a:r>
+              <a:rPr lang="en-US" sz="2800" dirty="0"/>
+              <a:t> = </a:t>
+            </a:r>
+            <a:r>
+              <a:rPr lang="en-US" sz="2800" dirty="0" err="1"/>
+              <a:t>streamSideKeyGenerator</a:t>
+            </a:r>
+            <a:r>
+              <a:rPr lang="en-US" sz="2800" dirty="0"/>
+              <a:t>()</a:t>
+            </a:r>
+          </a:p>
+          <a:p>
+            <a:r>
+              <a:rPr lang="en-US" sz="2800" dirty="0"/>
+              <a:t>    </a:t>
+            </a:r>
+            <a:r>
+              <a:rPr lang="en-US" sz="2800" dirty="0" err="1"/>
+              <a:t>val</a:t>
+            </a:r>
+            <a:r>
+              <a:rPr lang="en-US" sz="2800" dirty="0"/>
+              <a:t> </a:t>
+            </a:r>
+            <a:r>
+              <a:rPr lang="en-US" sz="2800" dirty="0" err="1"/>
+              <a:t>joinedRow</a:t>
+            </a:r>
+            <a:r>
+              <a:rPr lang="en-US" sz="2800" dirty="0"/>
+              <a:t> = new </a:t>
+            </a:r>
+            <a:r>
+              <a:rPr lang="en-US" sz="2800" dirty="0" err="1"/>
+              <a:t>JoinedRow</a:t>
+            </a:r>
+            <a:endParaRPr lang="en-US" sz="2800" dirty="0"/>
+          </a:p>
+          <a:p>
+            <a:r>
+              <a:rPr lang="en-US" sz="2800" dirty="0"/>
+              <a:t>    </a:t>
+            </a:r>
+            <a:r>
+              <a:rPr lang="en-US" sz="2800" b="1" dirty="0" err="1"/>
+              <a:t>streamIter.filter</a:t>
+            </a:r>
+            <a:r>
+              <a:rPr lang="en-US" sz="2800" dirty="0"/>
+              <a:t> { current =&gt;</a:t>
+            </a:r>
+          </a:p>
+          <a:p>
+            <a:r>
+              <a:rPr lang="en-US" sz="2800" dirty="0"/>
+              <a:t>      </a:t>
+            </a:r>
+            <a:r>
+              <a:rPr lang="en-US" sz="2800" dirty="0" err="1"/>
+              <a:t>val</a:t>
+            </a:r>
+            <a:r>
+              <a:rPr lang="en-US" sz="2800" dirty="0"/>
+              <a:t> key = </a:t>
+            </a:r>
+            <a:r>
+              <a:rPr lang="en-US" sz="2800" dirty="0" err="1"/>
+              <a:t>joinKeys</a:t>
+            </a:r>
+            <a:r>
+              <a:rPr lang="en-US" sz="2800" dirty="0"/>
+              <a:t>(current)</a:t>
+            </a:r>
+          </a:p>
+          <a:p>
+            <a:r>
+              <a:rPr lang="en-US" sz="2800" dirty="0"/>
+              <a:t>      lazy </a:t>
+            </a:r>
+            <a:r>
+              <a:rPr lang="en-US" sz="2800" dirty="0" err="1"/>
+              <a:t>val</a:t>
+            </a:r>
+            <a:r>
+              <a:rPr lang="en-US" sz="2800" dirty="0"/>
+              <a:t> </a:t>
+            </a:r>
+            <a:r>
+              <a:rPr lang="en-US" sz="2800" dirty="0" err="1"/>
+              <a:t>buildIter</a:t>
+            </a:r>
+            <a:r>
+              <a:rPr lang="en-US" sz="2800" dirty="0"/>
+              <a:t> = </a:t>
+            </a:r>
+            <a:r>
+              <a:rPr lang="en-US" sz="2800" dirty="0" err="1"/>
+              <a:t>hashedRelation.get</a:t>
+            </a:r>
+            <a:r>
+              <a:rPr lang="en-US" sz="2800" dirty="0"/>
+              <a:t>(key)</a:t>
+            </a:r>
+          </a:p>
+          <a:p>
+            <a:r>
+              <a:rPr lang="en-US" sz="2800" dirty="0"/>
+              <a:t>      !</a:t>
+            </a:r>
+            <a:r>
+              <a:rPr lang="en-US" sz="2800" dirty="0" err="1"/>
+              <a:t>key.anyNull</a:t>
+            </a:r>
+            <a:r>
+              <a:rPr lang="en-US" sz="2800" dirty="0"/>
+              <a:t> &amp;&amp; </a:t>
+            </a:r>
+            <a:r>
+              <a:rPr lang="en-US" sz="2800" dirty="0" err="1"/>
+              <a:t>buildIter</a:t>
+            </a:r>
+            <a:r>
+              <a:rPr lang="en-US" sz="2800" dirty="0"/>
+              <a:t> != null &amp;&amp; (</a:t>
+            </a:r>
+            <a:r>
+              <a:rPr lang="en-US" sz="2800" dirty="0" err="1"/>
+              <a:t>condition.isEmpty</a:t>
+            </a:r>
+            <a:r>
+              <a:rPr lang="en-US" sz="2800" dirty="0"/>
+              <a:t> || </a:t>
+            </a:r>
+            <a:r>
+              <a:rPr lang="en-US" sz="2800" b="1" dirty="0" err="1"/>
+              <a:t>buildIter.exists</a:t>
+            </a:r>
+            <a:r>
+              <a:rPr lang="en-US" sz="2800" dirty="0"/>
+              <a:t> {</a:t>
+            </a:r>
+          </a:p>
+          <a:p>
+            <a:r>
+              <a:rPr lang="en-US" sz="2800" dirty="0"/>
+              <a:t>        (row: </a:t>
+            </a:r>
+            <a:r>
+              <a:rPr lang="en-US" sz="2800" dirty="0" err="1"/>
+              <a:t>InternalRow</a:t>
+            </a:r>
+            <a:r>
+              <a:rPr lang="en-US" sz="2800" dirty="0"/>
+              <a:t>) =&gt; </a:t>
+            </a:r>
+            <a:r>
+              <a:rPr lang="en-US" sz="2800" b="1" dirty="0" err="1"/>
+              <a:t>boundCondition</a:t>
+            </a:r>
+            <a:r>
+              <a:rPr lang="en-US" sz="2800" b="1" dirty="0"/>
+              <a:t>(</a:t>
+            </a:r>
+            <a:r>
+              <a:rPr lang="en-US" sz="2800" b="1" dirty="0" err="1"/>
+              <a:t>joinedRow</a:t>
+            </a:r>
+            <a:r>
+              <a:rPr lang="en-US" sz="2800" b="1" dirty="0"/>
+              <a:t>(current, row))</a:t>
+            </a:r>
+          </a:p>
+          <a:p>
+            <a:r>
+              <a:rPr lang="en-US" sz="2800" dirty="0"/>
+              <a:t>      })</a:t>
+            </a:r>
+          </a:p>
+          <a:p>
+            <a:r>
+              <a:rPr lang="en-US" sz="2800" dirty="0"/>
+              <a:t>    }</a:t>
+            </a:r>
+          </a:p>
+          <a:p>
+            <a:r>
+              <a:rPr lang="en-US" sz="2800" dirty="0"/>
+              <a:t>  }</a:t>
+            </a:r>
+            <a:endParaRPr lang="ru-RU" sz="2800" dirty="0"/>
+          </a:p>
+        </p:txBody>
+      </p:sp>
+      <p:sp>
+        <p:nvSpPr>
+          <p:cNvPr id="4" name="Прямоугольник 3"/>
+          <p:cNvSpPr/>
+          <p:nvPr/>
+        </p:nvSpPr>
+        <p:spPr>
+          <a:xfrm>
+            <a:off x="85725" y="112216"/>
+            <a:ext cx="12020550" cy="954107"/>
+          </a:xfrm>
+          <a:prstGeom prst="rect">
+            <a:avLst/>
+          </a:prstGeom>
+        </p:spPr>
+        <p:txBody>
+          <a:bodyPr wrap="square">
+            <a:spAutoFit/>
+          </a:bodyPr>
+          <a:lstStyle/>
+          <a:p>
+            <a:pPr algn="ctr"/>
+            <a:r>
+              <a:rPr lang="ru-RU" sz="2800" b="1" dirty="0"/>
+              <a:t>A </a:t>
+            </a:r>
+            <a:r>
+              <a:rPr lang="ru-RU" sz="2800" b="1" dirty="0" err="1"/>
+              <a:t>semijoin</a:t>
+            </a:r>
+            <a:r>
+              <a:rPr lang="ru-RU" sz="2800" b="1" dirty="0"/>
+              <a:t> </a:t>
+            </a:r>
+            <a:r>
+              <a:rPr lang="ru-RU" sz="2800" b="1" dirty="0" err="1"/>
+              <a:t>returns</a:t>
+            </a:r>
+            <a:r>
+              <a:rPr lang="ru-RU" sz="2800" b="1" dirty="0"/>
+              <a:t> </a:t>
+            </a:r>
+            <a:r>
+              <a:rPr lang="ru-RU" sz="2800" b="1" dirty="0" err="1"/>
+              <a:t>all</a:t>
+            </a:r>
+            <a:r>
+              <a:rPr lang="ru-RU" sz="2800" b="1" dirty="0"/>
+              <a:t> </a:t>
+            </a:r>
+            <a:r>
+              <a:rPr lang="ru-RU" sz="2800" b="1" dirty="0" err="1"/>
+              <a:t>rows</a:t>
+            </a:r>
+            <a:r>
+              <a:rPr lang="ru-RU" sz="2800" b="1" dirty="0"/>
+              <a:t> </a:t>
+            </a:r>
+            <a:r>
+              <a:rPr lang="ru-RU" sz="2800" b="1" dirty="0" err="1"/>
+              <a:t>from</a:t>
+            </a:r>
+            <a:r>
+              <a:rPr lang="ru-RU" sz="2800" b="1" dirty="0"/>
+              <a:t> </a:t>
+            </a:r>
+            <a:r>
+              <a:rPr lang="ru-RU" sz="2800" b="1" dirty="0" err="1"/>
+              <a:t>the</a:t>
+            </a:r>
+            <a:r>
+              <a:rPr lang="ru-RU" sz="2800" b="1" dirty="0"/>
+              <a:t> </a:t>
+            </a:r>
+            <a:r>
+              <a:rPr lang="ru-RU" sz="2800" b="1" dirty="0" err="1"/>
+              <a:t>left</a:t>
+            </a:r>
+            <a:r>
+              <a:rPr lang="ru-RU" sz="2800" b="1" dirty="0"/>
+              <a:t> </a:t>
+            </a:r>
+            <a:r>
+              <a:rPr lang="ru-RU" sz="2800" b="1" dirty="0" err="1"/>
+              <a:t>table</a:t>
+            </a:r>
+            <a:r>
+              <a:rPr lang="ru-RU" sz="2800" b="1" dirty="0"/>
+              <a:t> </a:t>
+            </a:r>
+            <a:r>
+              <a:rPr lang="ru-RU" sz="2800" b="1" dirty="0" err="1"/>
+              <a:t>where</a:t>
+            </a:r>
+            <a:r>
+              <a:rPr lang="ru-RU" sz="2800" b="1" dirty="0"/>
+              <a:t> </a:t>
+            </a:r>
+            <a:r>
+              <a:rPr lang="ru-RU" sz="2800" b="1" dirty="0" err="1"/>
+              <a:t>there</a:t>
+            </a:r>
+            <a:r>
+              <a:rPr lang="ru-RU" sz="2800" b="1" dirty="0"/>
+              <a:t> </a:t>
+            </a:r>
+            <a:r>
+              <a:rPr lang="ru-RU" sz="2800" b="1" dirty="0" err="1"/>
+              <a:t>are</a:t>
+            </a:r>
+            <a:r>
+              <a:rPr lang="ru-RU" sz="2800" b="1" dirty="0"/>
+              <a:t> </a:t>
+            </a:r>
+            <a:r>
+              <a:rPr lang="ru-RU" sz="2800" b="1" dirty="0" err="1"/>
+              <a:t>matching</a:t>
+            </a:r>
+            <a:r>
+              <a:rPr lang="ru-RU" sz="2800" b="1" dirty="0"/>
+              <a:t> </a:t>
+            </a:r>
+            <a:r>
+              <a:rPr lang="ru-RU" sz="2800" b="1" dirty="0" err="1"/>
+              <a:t>values</a:t>
+            </a:r>
+            <a:r>
+              <a:rPr lang="ru-RU" sz="2800" b="1" dirty="0"/>
+              <a:t> </a:t>
+            </a:r>
+            <a:r>
+              <a:rPr lang="ru-RU" sz="2800" b="1" dirty="0" err="1"/>
+              <a:t>in</a:t>
+            </a:r>
+            <a:r>
+              <a:rPr lang="ru-RU" sz="2800" b="1" dirty="0"/>
+              <a:t> </a:t>
+            </a:r>
+            <a:r>
+              <a:rPr lang="ru-RU" sz="2800" b="1" dirty="0" err="1"/>
+              <a:t>the</a:t>
+            </a:r>
+            <a:r>
+              <a:rPr lang="ru-RU" sz="2800" b="1" dirty="0"/>
+              <a:t> </a:t>
+            </a:r>
+            <a:r>
+              <a:rPr lang="ru-RU" sz="2800" b="1" dirty="0" err="1"/>
+              <a:t>right</a:t>
+            </a:r>
+            <a:r>
+              <a:rPr lang="ru-RU" sz="2800" b="1" dirty="0"/>
+              <a:t> </a:t>
+            </a:r>
+            <a:r>
+              <a:rPr lang="ru-RU" sz="2800" b="1" dirty="0" err="1"/>
+              <a:t>table</a:t>
+            </a:r>
+            <a:r>
+              <a:rPr lang="ru-RU" sz="2800" b="1" dirty="0"/>
+              <a:t>, </a:t>
+            </a:r>
+            <a:r>
+              <a:rPr lang="ru-RU" sz="2800" b="1" dirty="0" err="1"/>
+              <a:t>keeping</a:t>
+            </a:r>
+            <a:r>
+              <a:rPr lang="ru-RU" sz="2800" b="1" dirty="0"/>
+              <a:t> </a:t>
+            </a:r>
+            <a:r>
+              <a:rPr lang="ru-RU" sz="2800" b="1" dirty="0" err="1"/>
+              <a:t>just</a:t>
+            </a:r>
+            <a:r>
+              <a:rPr lang="ru-RU" sz="2800" b="1" dirty="0"/>
+              <a:t> </a:t>
+            </a:r>
+            <a:r>
+              <a:rPr lang="ru-RU" sz="2800" b="1" dirty="0" err="1"/>
+              <a:t>columns</a:t>
+            </a:r>
+            <a:r>
+              <a:rPr lang="ru-RU" sz="2800" b="1" dirty="0"/>
+              <a:t> </a:t>
+            </a:r>
+            <a:r>
+              <a:rPr lang="ru-RU" sz="2800" b="1" dirty="0" err="1"/>
+              <a:t>from</a:t>
+            </a:r>
+            <a:r>
+              <a:rPr lang="ru-RU" sz="2800" b="1" dirty="0"/>
+              <a:t> </a:t>
+            </a:r>
+            <a:r>
+              <a:rPr lang="ru-RU" sz="2800" b="1" dirty="0" err="1"/>
+              <a:t>the</a:t>
+            </a:r>
+            <a:r>
+              <a:rPr lang="ru-RU" sz="2800" b="1" dirty="0"/>
+              <a:t> </a:t>
+            </a:r>
+            <a:r>
+              <a:rPr lang="ru-RU" sz="2800" b="1" dirty="0" err="1"/>
+              <a:t>left</a:t>
+            </a:r>
+            <a:r>
+              <a:rPr lang="ru-RU" sz="2800" b="1" dirty="0"/>
+              <a:t> </a:t>
+            </a:r>
+            <a:r>
+              <a:rPr lang="ru-RU" sz="2800" b="1" dirty="0" err="1"/>
+              <a:t>table</a:t>
+            </a:r>
+            <a:r>
+              <a:rPr lang="ru-RU" sz="2800" b="1" dirty="0"/>
+              <a:t>.</a:t>
+            </a:r>
+          </a:p>
+        </p:txBody>
+      </p:sp>
+    </p:spTree>
+    <p:extLst>
+      <p:ext uri="{BB962C8B-B14F-4D97-AF65-F5344CB8AC3E}">
+        <p14:creationId xmlns:p14="http://schemas.microsoft.com/office/powerpoint/2010/main" val="653497378"/>
+      </p:ext>
+    </p:extLst>
+  </p:cSld>
+  <p:clrMapOvr>
+    <a:masterClrMapping/>
+  </p:clrMapOvr>
+  <p:timing>
+    <p:tnLst>
+      <p:par>
+        <p:cTn id="1" dur="indefinite" restart="never" nodeType="tmRoot"/>
+      </p:par>
+    </p:tnLst>
+  </p:timing>
+</p:sld>
+</file>
+
+<file path=ppt/slides/slide17.xml><?xml version="1.0" encoding="utf-8"?>
+<p:sld xmlns:a="http://schemas.openxmlformats.org/drawingml/2006/main" xmlns:r="http://schemas.openxmlformats.org/officeDocument/2006/relationships" xmlns:p="http://schemas.openxmlformats.org/presentationml/2006/main">
+  <p:cSld>
+    <p:spTree>
+      <p:nvGrpSpPr>
+        <p:cNvPr id="1" name=""/>
+        <p:cNvGrpSpPr/>
+        <p:nvPr/>
+      </p:nvGrpSpPr>
+      <p:grpSpPr>
+        <a:xfrm>
+          <a:off x="0" y="0"/>
+          <a:ext cx="0" cy="0"/>
+          <a:chOff x="0" y="0"/>
+          <a:chExt cx="0" cy="0"/>
+        </a:xfrm>
+      </p:grpSpPr>
+      <p:sp>
+        <p:nvSpPr>
+          <p:cNvPr id="2" name="Прямоугольник 1"/>
+          <p:cNvSpPr/>
+          <p:nvPr/>
+        </p:nvSpPr>
+        <p:spPr>
+          <a:xfrm>
+            <a:off x="-124690" y="856357"/>
+            <a:ext cx="12316690" cy="6001643"/>
+          </a:xfrm>
+          <a:prstGeom prst="rect">
+            <a:avLst/>
+          </a:prstGeom>
+        </p:spPr>
+        <p:txBody>
+          <a:bodyPr wrap="square">
+            <a:spAutoFit/>
+          </a:bodyPr>
+          <a:lstStyle/>
+          <a:p>
+            <a:r>
+              <a:rPr lang="en-US" sz="2400" dirty="0"/>
+              <a:t> private </a:t>
+            </a:r>
+            <a:r>
+              <a:rPr lang="en-US" sz="2400" dirty="0" err="1"/>
+              <a:t>def</a:t>
+            </a:r>
+            <a:r>
+              <a:rPr lang="en-US" sz="2400" dirty="0"/>
+              <a:t> </a:t>
+            </a:r>
+            <a:r>
+              <a:rPr lang="en-US" sz="2400" dirty="0" err="1"/>
+              <a:t>existenceJoin</a:t>
+            </a:r>
+            <a:r>
+              <a:rPr lang="en-US" sz="2400" dirty="0"/>
+              <a:t>(</a:t>
+            </a:r>
+          </a:p>
+          <a:p>
+            <a:r>
+              <a:rPr lang="en-US" sz="2400" dirty="0"/>
+              <a:t>      </a:t>
+            </a:r>
+            <a:r>
+              <a:rPr lang="en-US" sz="2400" dirty="0" err="1"/>
+              <a:t>streamIter</a:t>
+            </a:r>
+            <a:r>
+              <a:rPr lang="en-US" sz="2400" dirty="0"/>
+              <a:t>: Iterator[</a:t>
+            </a:r>
+            <a:r>
+              <a:rPr lang="en-US" sz="2400" dirty="0" err="1"/>
+              <a:t>InternalRow</a:t>
+            </a:r>
+            <a:r>
+              <a:rPr lang="en-US" sz="2400" dirty="0"/>
+              <a:t>],</a:t>
+            </a:r>
+          </a:p>
+          <a:p>
+            <a:r>
+              <a:rPr lang="en-US" sz="2400" dirty="0"/>
+              <a:t>      </a:t>
+            </a:r>
+            <a:r>
+              <a:rPr lang="en-US" sz="2400" dirty="0" err="1"/>
+              <a:t>hashedRelation</a:t>
+            </a:r>
+            <a:r>
+              <a:rPr lang="en-US" sz="2400" dirty="0"/>
+              <a:t>: </a:t>
+            </a:r>
+            <a:r>
+              <a:rPr lang="en-US" sz="2400" dirty="0" err="1"/>
+              <a:t>HashedRelation</a:t>
+            </a:r>
+            <a:r>
+              <a:rPr lang="en-US" sz="2400" dirty="0"/>
+              <a:t>): Iterator[</a:t>
+            </a:r>
+            <a:r>
+              <a:rPr lang="en-US" sz="2400" dirty="0" err="1"/>
+              <a:t>InternalRow</a:t>
+            </a:r>
+            <a:r>
+              <a:rPr lang="en-US" sz="2400" dirty="0"/>
+              <a:t>] = {</a:t>
+            </a:r>
+          </a:p>
+          <a:p>
+            <a:r>
+              <a:rPr lang="en-US" sz="2400" dirty="0"/>
+              <a:t>    </a:t>
+            </a:r>
+            <a:r>
+              <a:rPr lang="en-US" sz="2400" dirty="0" err="1"/>
+              <a:t>val</a:t>
+            </a:r>
+            <a:r>
+              <a:rPr lang="en-US" sz="2400" dirty="0"/>
+              <a:t> </a:t>
+            </a:r>
+            <a:r>
+              <a:rPr lang="en-US" sz="2400" dirty="0" err="1"/>
+              <a:t>joinKeys</a:t>
+            </a:r>
+            <a:r>
+              <a:rPr lang="en-US" sz="2400" dirty="0"/>
+              <a:t> = </a:t>
+            </a:r>
+            <a:r>
+              <a:rPr lang="en-US" sz="2400" dirty="0" err="1"/>
+              <a:t>streamSideKeyGenerator</a:t>
+            </a:r>
+            <a:r>
+              <a:rPr lang="en-US" sz="2400" dirty="0"/>
+              <a:t>()</a:t>
+            </a:r>
+          </a:p>
+          <a:p>
+            <a:r>
+              <a:rPr lang="en-US" sz="2400" dirty="0"/>
+              <a:t>    </a:t>
+            </a:r>
+            <a:r>
+              <a:rPr lang="en-US" sz="2400" dirty="0" err="1"/>
+              <a:t>val</a:t>
+            </a:r>
+            <a:r>
+              <a:rPr lang="en-US" sz="2400" dirty="0"/>
+              <a:t> result = new </a:t>
+            </a:r>
+            <a:r>
+              <a:rPr lang="en-US" sz="2400" dirty="0" err="1"/>
+              <a:t>GenericInternalRow</a:t>
+            </a:r>
+            <a:r>
+              <a:rPr lang="en-US" sz="2400" dirty="0"/>
+              <a:t>(Array[Any](null))</a:t>
+            </a:r>
+          </a:p>
+          <a:p>
+            <a:r>
+              <a:rPr lang="en-US" sz="2400" dirty="0"/>
+              <a:t>    </a:t>
+            </a:r>
+            <a:r>
+              <a:rPr lang="en-US" sz="2400" dirty="0" err="1"/>
+              <a:t>val</a:t>
+            </a:r>
+            <a:r>
+              <a:rPr lang="en-US" sz="2400" dirty="0"/>
+              <a:t> </a:t>
+            </a:r>
+            <a:r>
+              <a:rPr lang="en-US" sz="2400" dirty="0" err="1"/>
+              <a:t>joinedRow</a:t>
+            </a:r>
+            <a:r>
+              <a:rPr lang="en-US" sz="2400" dirty="0"/>
+              <a:t> = new </a:t>
+            </a:r>
+            <a:r>
+              <a:rPr lang="en-US" sz="2400" dirty="0" err="1"/>
+              <a:t>JoinedRow</a:t>
+            </a:r>
+            <a:endParaRPr lang="en-US" sz="2400" dirty="0"/>
+          </a:p>
+          <a:p>
+            <a:r>
+              <a:rPr lang="en-US" sz="2400" dirty="0"/>
+              <a:t>    </a:t>
+            </a:r>
+            <a:r>
+              <a:rPr lang="en-US" sz="2400" b="1" dirty="0" err="1"/>
+              <a:t>streamIter.map</a:t>
+            </a:r>
+            <a:r>
+              <a:rPr lang="en-US" sz="2400" b="1" dirty="0"/>
+              <a:t> </a:t>
+            </a:r>
+            <a:r>
+              <a:rPr lang="en-US" sz="2400" dirty="0"/>
+              <a:t>{ current =&gt;</a:t>
+            </a:r>
+          </a:p>
+          <a:p>
+            <a:r>
+              <a:rPr lang="en-US" sz="2400" dirty="0"/>
+              <a:t>      </a:t>
+            </a:r>
+            <a:r>
+              <a:rPr lang="en-US" sz="2400" dirty="0" err="1"/>
+              <a:t>val</a:t>
+            </a:r>
+            <a:r>
+              <a:rPr lang="en-US" sz="2400" dirty="0"/>
+              <a:t> </a:t>
+            </a:r>
+            <a:r>
+              <a:rPr lang="en-US" sz="2400" b="1" dirty="0"/>
+              <a:t>key</a:t>
+            </a:r>
+            <a:r>
+              <a:rPr lang="en-US" sz="2400" dirty="0"/>
+              <a:t> = </a:t>
+            </a:r>
+            <a:r>
+              <a:rPr lang="en-US" sz="2400" dirty="0" err="1"/>
+              <a:t>joinKeys</a:t>
+            </a:r>
+            <a:r>
+              <a:rPr lang="en-US" sz="2400" dirty="0"/>
+              <a:t>(current)</a:t>
+            </a:r>
+          </a:p>
+          <a:p>
+            <a:r>
+              <a:rPr lang="en-US" sz="2400" dirty="0"/>
+              <a:t>      lazy </a:t>
+            </a:r>
+            <a:r>
+              <a:rPr lang="en-US" sz="2400" dirty="0" err="1"/>
+              <a:t>val</a:t>
+            </a:r>
+            <a:r>
+              <a:rPr lang="en-US" sz="2400" dirty="0"/>
+              <a:t> </a:t>
+            </a:r>
+            <a:r>
+              <a:rPr lang="en-US" sz="2400" dirty="0" err="1"/>
+              <a:t>buildIter</a:t>
+            </a:r>
+            <a:r>
+              <a:rPr lang="en-US" sz="2400" dirty="0"/>
+              <a:t> = </a:t>
+            </a:r>
+            <a:r>
+              <a:rPr lang="en-US" sz="2400" b="1" dirty="0" err="1"/>
+              <a:t>hashedRelation.get</a:t>
+            </a:r>
+            <a:r>
+              <a:rPr lang="en-US" sz="2400" b="1" dirty="0"/>
+              <a:t>(key)</a:t>
+            </a:r>
+          </a:p>
+          <a:p>
+            <a:r>
+              <a:rPr lang="en-US" sz="2400" dirty="0"/>
+              <a:t>      </a:t>
+            </a:r>
+            <a:r>
+              <a:rPr lang="en-US" sz="2400" dirty="0" err="1"/>
+              <a:t>val</a:t>
+            </a:r>
+            <a:r>
+              <a:rPr lang="en-US" sz="2400" dirty="0"/>
+              <a:t> exists = !</a:t>
+            </a:r>
+            <a:r>
+              <a:rPr lang="en-US" sz="2400" dirty="0" err="1"/>
+              <a:t>key.anyNull</a:t>
+            </a:r>
+            <a:r>
+              <a:rPr lang="en-US" sz="2400" dirty="0"/>
+              <a:t> &amp;&amp; </a:t>
+            </a:r>
+            <a:r>
+              <a:rPr lang="en-US" sz="2400" dirty="0" err="1"/>
+              <a:t>buildIter</a:t>
+            </a:r>
+            <a:r>
+              <a:rPr lang="en-US" sz="2400" dirty="0"/>
+              <a:t> != null &amp;&amp; (</a:t>
+            </a:r>
+            <a:r>
+              <a:rPr lang="en-US" sz="2400" dirty="0" err="1"/>
+              <a:t>condition.isEmpty</a:t>
+            </a:r>
+            <a:r>
+              <a:rPr lang="en-US" sz="2400" dirty="0"/>
+              <a:t> || </a:t>
+            </a:r>
+            <a:r>
+              <a:rPr lang="en-US" sz="2400" b="1" dirty="0" err="1"/>
+              <a:t>buildIter.exists</a:t>
+            </a:r>
+            <a:r>
+              <a:rPr lang="en-US" sz="2400" b="1" dirty="0"/>
+              <a:t> </a:t>
+            </a:r>
+            <a:r>
+              <a:rPr lang="en-US" sz="2400" dirty="0"/>
+              <a:t>{</a:t>
+            </a:r>
+          </a:p>
+          <a:p>
+            <a:r>
+              <a:rPr lang="en-US" sz="2400" dirty="0"/>
+              <a:t>        (row: </a:t>
+            </a:r>
+            <a:r>
+              <a:rPr lang="en-US" sz="2400" dirty="0" err="1"/>
+              <a:t>InternalRow</a:t>
+            </a:r>
+            <a:r>
+              <a:rPr lang="en-US" sz="2400" dirty="0"/>
+              <a:t>) =&gt; </a:t>
+            </a:r>
+            <a:r>
+              <a:rPr lang="en-US" sz="2400" b="1" dirty="0" err="1"/>
+              <a:t>boundCondition</a:t>
+            </a:r>
+            <a:r>
+              <a:rPr lang="en-US" sz="2400" b="1" dirty="0"/>
+              <a:t>(</a:t>
+            </a:r>
+            <a:r>
+              <a:rPr lang="en-US" sz="2400" b="1" dirty="0" err="1"/>
+              <a:t>joinedRow</a:t>
+            </a:r>
+            <a:r>
+              <a:rPr lang="en-US" sz="2400" b="1" dirty="0"/>
+              <a:t>(current, row))</a:t>
+            </a:r>
+          </a:p>
+          <a:p>
+            <a:r>
+              <a:rPr lang="en-US" sz="2400" dirty="0"/>
+              <a:t>      })</a:t>
+            </a:r>
+          </a:p>
+          <a:p>
+            <a:r>
+              <a:rPr lang="en-US" sz="2400" dirty="0"/>
+              <a:t>      </a:t>
+            </a:r>
+            <a:r>
+              <a:rPr lang="en-US" sz="2400" dirty="0" err="1"/>
+              <a:t>result.setBoolean</a:t>
+            </a:r>
+            <a:r>
+              <a:rPr lang="en-US" sz="2400" dirty="0"/>
+              <a:t>(0, exists)</a:t>
+            </a:r>
+          </a:p>
+          <a:p>
+            <a:r>
+              <a:rPr lang="en-US" sz="2400" dirty="0"/>
+              <a:t>      </a:t>
+            </a:r>
+            <a:r>
+              <a:rPr lang="en-US" sz="2400" dirty="0" err="1"/>
+              <a:t>joinedRow</a:t>
+            </a:r>
+            <a:r>
+              <a:rPr lang="en-US" sz="2400" dirty="0"/>
+              <a:t>(current, result)</a:t>
+            </a:r>
+          </a:p>
+          <a:p>
+            <a:r>
+              <a:rPr lang="en-US" sz="2400" dirty="0"/>
+              <a:t>    }</a:t>
+            </a:r>
+          </a:p>
+          <a:p>
+            <a:r>
+              <a:rPr lang="en-US" sz="2400" dirty="0"/>
+              <a:t>  }</a:t>
+            </a:r>
+            <a:endParaRPr lang="ru-RU" sz="2400" dirty="0"/>
+          </a:p>
+        </p:txBody>
+      </p:sp>
+    </p:spTree>
+    <p:extLst>
+      <p:ext uri="{BB962C8B-B14F-4D97-AF65-F5344CB8AC3E}">
+        <p14:creationId xmlns:p14="http://schemas.microsoft.com/office/powerpoint/2010/main" val="484903317"/>
+      </p:ext>
+    </p:extLst>
+  </p:cSld>
+  <p:clrMapOvr>
+    <a:masterClrMapping/>
+  </p:clrMapOvr>
+  <p:timing>
+    <p:tnLst>
+      <p:par>
+        <p:cTn id="1" dur="indefinite" restart="never" nodeType="tmRoot"/>
+      </p:par>
+    </p:tnLst>
+  </p:timing>
+</p:sld>
+</file>
+
+<file path=ppt/slides/slide18.xml><?xml version="1.0" encoding="utf-8"?>
+<p:sld xmlns:a="http://schemas.openxmlformats.org/drawingml/2006/main" xmlns:r="http://schemas.openxmlformats.org/officeDocument/2006/relationships" xmlns:p="http://schemas.openxmlformats.org/presentationml/2006/main">
+  <p:cSld>
+    <p:spTree>
+      <p:nvGrpSpPr>
+        <p:cNvPr id="1" name=""/>
+        <p:cNvGrpSpPr/>
+        <p:nvPr/>
+      </p:nvGrpSpPr>
+      <p:grpSpPr>
+        <a:xfrm>
+          <a:off x="0" y="0"/>
+          <a:ext cx="0" cy="0"/>
+          <a:chOff x="0" y="0"/>
+          <a:chExt cx="0" cy="0"/>
+        </a:xfrm>
+      </p:grpSpPr>
+      <p:sp>
+        <p:nvSpPr>
+          <p:cNvPr id="2" name="Прямоугольник 1"/>
+          <p:cNvSpPr/>
+          <p:nvPr/>
+        </p:nvSpPr>
+        <p:spPr>
+          <a:xfrm>
+            <a:off x="-216477" y="1164134"/>
+            <a:ext cx="12192000" cy="5693866"/>
+          </a:xfrm>
+          <a:prstGeom prst="rect">
+            <a:avLst/>
+          </a:prstGeom>
+        </p:spPr>
+        <p:txBody>
+          <a:bodyPr wrap="square">
+            <a:spAutoFit/>
+          </a:bodyPr>
+          <a:lstStyle/>
+          <a:p>
+            <a:r>
+              <a:rPr lang="en-US" sz="2800" dirty="0" smtClean="0"/>
+              <a:t> private </a:t>
+            </a:r>
+            <a:r>
+              <a:rPr lang="en-US" sz="2800" dirty="0" err="1" smtClean="0"/>
+              <a:t>def</a:t>
+            </a:r>
+            <a:r>
+              <a:rPr lang="en-US" sz="2800" dirty="0" smtClean="0"/>
+              <a:t> </a:t>
+            </a:r>
+            <a:r>
+              <a:rPr lang="en-US" sz="2800" dirty="0" err="1" smtClean="0"/>
+              <a:t>antiJoin</a:t>
+            </a:r>
+            <a:r>
+              <a:rPr lang="en-US" sz="2800" dirty="0" smtClean="0"/>
+              <a:t>(</a:t>
+            </a:r>
+          </a:p>
+          <a:p>
+            <a:r>
+              <a:rPr lang="en-US" sz="2800" dirty="0" smtClean="0"/>
+              <a:t>      </a:t>
+            </a:r>
+            <a:r>
+              <a:rPr lang="en-US" sz="2800" dirty="0" err="1" smtClean="0"/>
+              <a:t>streamIter</a:t>
+            </a:r>
+            <a:r>
+              <a:rPr lang="en-US" sz="2800" dirty="0" smtClean="0"/>
+              <a:t>: Iterator[</a:t>
+            </a:r>
+            <a:r>
+              <a:rPr lang="en-US" sz="2800" dirty="0" err="1" smtClean="0"/>
+              <a:t>InternalRow</a:t>
+            </a:r>
+            <a:r>
+              <a:rPr lang="en-US" sz="2800" dirty="0" smtClean="0"/>
+              <a:t>],</a:t>
+            </a:r>
+          </a:p>
+          <a:p>
+            <a:r>
+              <a:rPr lang="en-US" sz="2800" dirty="0" smtClean="0"/>
+              <a:t>      </a:t>
+            </a:r>
+            <a:r>
+              <a:rPr lang="en-US" sz="2800" dirty="0" err="1" smtClean="0"/>
+              <a:t>hashedRelation</a:t>
+            </a:r>
+            <a:r>
+              <a:rPr lang="en-US" sz="2800" dirty="0" smtClean="0"/>
+              <a:t>: </a:t>
+            </a:r>
+            <a:r>
+              <a:rPr lang="en-US" sz="2800" dirty="0" err="1" smtClean="0"/>
+              <a:t>HashedRelation</a:t>
+            </a:r>
+            <a:r>
+              <a:rPr lang="en-US" sz="2800" dirty="0" smtClean="0"/>
+              <a:t>): Iterator[</a:t>
+            </a:r>
+            <a:r>
+              <a:rPr lang="en-US" sz="2800" dirty="0" err="1" smtClean="0"/>
+              <a:t>InternalRow</a:t>
+            </a:r>
+            <a:r>
+              <a:rPr lang="en-US" sz="2800" dirty="0" smtClean="0"/>
+              <a:t>] = {</a:t>
+            </a:r>
+          </a:p>
+          <a:p>
+            <a:r>
+              <a:rPr lang="en-US" sz="2800" dirty="0" smtClean="0"/>
+              <a:t>    </a:t>
+            </a:r>
+            <a:r>
+              <a:rPr lang="en-US" sz="2800" dirty="0" err="1" smtClean="0"/>
+              <a:t>val</a:t>
+            </a:r>
+            <a:r>
+              <a:rPr lang="en-US" sz="2800" dirty="0" smtClean="0"/>
+              <a:t> </a:t>
+            </a:r>
+            <a:r>
+              <a:rPr lang="en-US" sz="2800" dirty="0" err="1" smtClean="0"/>
+              <a:t>joinKeys</a:t>
+            </a:r>
+            <a:r>
+              <a:rPr lang="en-US" sz="2800" dirty="0" smtClean="0"/>
+              <a:t> = </a:t>
+            </a:r>
+            <a:r>
+              <a:rPr lang="en-US" sz="2800" dirty="0" err="1" smtClean="0"/>
+              <a:t>streamSideKeyGenerator</a:t>
+            </a:r>
+            <a:r>
+              <a:rPr lang="en-US" sz="2800" dirty="0" smtClean="0"/>
+              <a:t>()</a:t>
+            </a:r>
+          </a:p>
+          <a:p>
+            <a:r>
+              <a:rPr lang="en-US" sz="2800" dirty="0" smtClean="0"/>
+              <a:t>    </a:t>
+            </a:r>
+            <a:r>
+              <a:rPr lang="en-US" sz="2800" dirty="0" err="1" smtClean="0"/>
+              <a:t>val</a:t>
+            </a:r>
+            <a:r>
+              <a:rPr lang="en-US" sz="2800" dirty="0" smtClean="0"/>
+              <a:t> </a:t>
+            </a:r>
+            <a:r>
+              <a:rPr lang="en-US" sz="2800" dirty="0" err="1" smtClean="0"/>
+              <a:t>joinedRow</a:t>
+            </a:r>
+            <a:r>
+              <a:rPr lang="en-US" sz="2800" dirty="0" smtClean="0"/>
+              <a:t> = new </a:t>
+            </a:r>
+            <a:r>
+              <a:rPr lang="en-US" sz="2800" dirty="0" err="1" smtClean="0"/>
+              <a:t>JoinedRow</a:t>
+            </a:r>
+            <a:endParaRPr lang="en-US" sz="2800" dirty="0" smtClean="0"/>
+          </a:p>
+          <a:p>
+            <a:r>
+              <a:rPr lang="en-US" sz="2800" dirty="0" smtClean="0"/>
+              <a:t>    </a:t>
+            </a:r>
+            <a:r>
+              <a:rPr lang="en-US" sz="2800" b="1" dirty="0" err="1" smtClean="0"/>
+              <a:t>streamIter.filter</a:t>
+            </a:r>
+            <a:r>
+              <a:rPr lang="en-US" sz="2800" dirty="0" smtClean="0"/>
+              <a:t> { current =&gt;</a:t>
+            </a:r>
+          </a:p>
+          <a:p>
+            <a:r>
+              <a:rPr lang="en-US" sz="2800" dirty="0" smtClean="0"/>
+              <a:t>      </a:t>
+            </a:r>
+            <a:r>
+              <a:rPr lang="en-US" sz="2800" dirty="0" err="1" smtClean="0"/>
+              <a:t>val</a:t>
+            </a:r>
+            <a:r>
+              <a:rPr lang="en-US" sz="2800" dirty="0" smtClean="0"/>
+              <a:t> key = </a:t>
+            </a:r>
+            <a:r>
+              <a:rPr lang="en-US" sz="2800" dirty="0" err="1" smtClean="0"/>
+              <a:t>joinKeys</a:t>
+            </a:r>
+            <a:r>
+              <a:rPr lang="en-US" sz="2800" dirty="0" smtClean="0"/>
+              <a:t>(current)</a:t>
+            </a:r>
+          </a:p>
+          <a:p>
+            <a:r>
+              <a:rPr lang="en-US" sz="2800" dirty="0" smtClean="0"/>
+              <a:t>      lazy </a:t>
+            </a:r>
+            <a:r>
+              <a:rPr lang="en-US" sz="2800" dirty="0" err="1" smtClean="0"/>
+              <a:t>val</a:t>
+            </a:r>
+            <a:r>
+              <a:rPr lang="en-US" sz="2800" dirty="0" smtClean="0"/>
+              <a:t> </a:t>
+            </a:r>
+            <a:r>
+              <a:rPr lang="en-US" sz="2800" b="1" dirty="0" err="1" smtClean="0"/>
+              <a:t>buildIter</a:t>
+            </a:r>
+            <a:r>
+              <a:rPr lang="en-US" sz="2800" dirty="0" smtClean="0"/>
+              <a:t> = </a:t>
+            </a:r>
+            <a:r>
+              <a:rPr lang="en-US" sz="2800" b="1" dirty="0" err="1" smtClean="0"/>
+              <a:t>hashedRelation.get</a:t>
+            </a:r>
+            <a:r>
+              <a:rPr lang="en-US" sz="2800" b="1" dirty="0" smtClean="0"/>
+              <a:t>(key)</a:t>
+            </a:r>
+          </a:p>
+          <a:p>
+            <a:r>
+              <a:rPr lang="en-US" sz="2800" dirty="0" smtClean="0"/>
+              <a:t>      </a:t>
+            </a:r>
+            <a:r>
+              <a:rPr lang="en-US" sz="2800" dirty="0" err="1" smtClean="0"/>
+              <a:t>key.anyNull</a:t>
+            </a:r>
+            <a:r>
+              <a:rPr lang="en-US" sz="2800" dirty="0" smtClean="0"/>
+              <a:t> || </a:t>
+            </a:r>
+            <a:r>
+              <a:rPr lang="en-US" sz="2800" dirty="0" err="1" smtClean="0"/>
+              <a:t>buildIter</a:t>
+            </a:r>
+            <a:r>
+              <a:rPr lang="en-US" sz="2800" dirty="0" smtClean="0"/>
+              <a:t> == null || (</a:t>
+            </a:r>
+            <a:r>
+              <a:rPr lang="en-US" sz="2800" dirty="0" err="1" smtClean="0"/>
+              <a:t>condition.isDefined</a:t>
+            </a:r>
+            <a:r>
+              <a:rPr lang="en-US" sz="2800" dirty="0" smtClean="0"/>
+              <a:t> &amp;&amp; </a:t>
+            </a:r>
+            <a:r>
+              <a:rPr lang="en-US" sz="2800" b="1" dirty="0" smtClean="0"/>
+              <a:t>!</a:t>
+            </a:r>
+            <a:r>
+              <a:rPr lang="en-US" sz="2800" b="1" dirty="0" err="1" smtClean="0"/>
+              <a:t>buildIter.exists</a:t>
+            </a:r>
+            <a:r>
+              <a:rPr lang="en-US" sz="2800" b="1" dirty="0" smtClean="0"/>
+              <a:t> </a:t>
+            </a:r>
+            <a:r>
+              <a:rPr lang="en-US" sz="2800" dirty="0" smtClean="0"/>
+              <a:t>{</a:t>
+            </a:r>
+          </a:p>
+          <a:p>
+            <a:r>
+              <a:rPr lang="en-US" sz="2800" dirty="0" smtClean="0"/>
+              <a:t>        row =&gt; </a:t>
+            </a:r>
+            <a:r>
+              <a:rPr lang="en-US" sz="2800" dirty="0" err="1" smtClean="0"/>
+              <a:t>boundCondition</a:t>
+            </a:r>
+            <a:r>
+              <a:rPr lang="en-US" sz="2800" dirty="0" smtClean="0"/>
+              <a:t>(</a:t>
+            </a:r>
+            <a:r>
+              <a:rPr lang="en-US" sz="2800" dirty="0" err="1" smtClean="0"/>
+              <a:t>joinedRow</a:t>
+            </a:r>
+            <a:r>
+              <a:rPr lang="en-US" sz="2800" dirty="0" smtClean="0"/>
+              <a:t>(current, row))</a:t>
+            </a:r>
+          </a:p>
+          <a:p>
+            <a:r>
+              <a:rPr lang="en-US" sz="2800" dirty="0" smtClean="0"/>
+              <a:t>      })</a:t>
+            </a:r>
+          </a:p>
+          <a:p>
+            <a:r>
+              <a:rPr lang="en-US" sz="2800" dirty="0" smtClean="0"/>
+              <a:t>    }</a:t>
+            </a:r>
+          </a:p>
+          <a:p>
+            <a:r>
+              <a:rPr lang="en-US" sz="2800" dirty="0" smtClean="0"/>
+              <a:t>  }</a:t>
+            </a:r>
+            <a:endParaRPr lang="ru-RU" sz="2800" dirty="0"/>
+          </a:p>
+        </p:txBody>
+      </p:sp>
+      <p:sp>
+        <p:nvSpPr>
+          <p:cNvPr id="3" name="Прямоугольник 2"/>
+          <p:cNvSpPr/>
+          <p:nvPr/>
+        </p:nvSpPr>
+        <p:spPr>
+          <a:xfrm>
+            <a:off x="0" y="0"/>
+            <a:ext cx="11915775" cy="954107"/>
+          </a:xfrm>
+          <a:prstGeom prst="rect">
+            <a:avLst/>
+          </a:prstGeom>
+        </p:spPr>
+        <p:txBody>
+          <a:bodyPr wrap="square">
+            <a:spAutoFit/>
+          </a:bodyPr>
+          <a:lstStyle/>
+          <a:p>
+            <a:pPr algn="ctr"/>
+            <a:r>
+              <a:rPr lang="ru-RU" sz="2800" b="1" dirty="0" err="1"/>
+              <a:t>An</a:t>
+            </a:r>
+            <a:r>
+              <a:rPr lang="ru-RU" sz="2800" b="1" dirty="0"/>
+              <a:t> </a:t>
+            </a:r>
+            <a:r>
+              <a:rPr lang="ru-RU" sz="2800" b="1" dirty="0" err="1"/>
+              <a:t>antijoin</a:t>
+            </a:r>
+            <a:r>
+              <a:rPr lang="ru-RU" sz="2800" b="1" dirty="0"/>
+              <a:t> </a:t>
+            </a:r>
+            <a:r>
+              <a:rPr lang="ru-RU" sz="2800" b="1" dirty="0" err="1"/>
+              <a:t>return</a:t>
+            </a:r>
+            <a:r>
+              <a:rPr lang="ru-RU" sz="2800" b="1" dirty="0"/>
+              <a:t> </a:t>
+            </a:r>
+            <a:r>
+              <a:rPr lang="ru-RU" sz="2800" b="1" dirty="0" err="1"/>
+              <a:t>all</a:t>
+            </a:r>
+            <a:r>
+              <a:rPr lang="ru-RU" sz="2800" b="1" dirty="0"/>
+              <a:t> </a:t>
+            </a:r>
+            <a:r>
+              <a:rPr lang="ru-RU" sz="2800" b="1" dirty="0" err="1"/>
+              <a:t>rows</a:t>
+            </a:r>
+            <a:r>
+              <a:rPr lang="ru-RU" sz="2800" b="1" dirty="0"/>
+              <a:t> </a:t>
+            </a:r>
+            <a:r>
+              <a:rPr lang="ru-RU" sz="2800" b="1" dirty="0" err="1"/>
+              <a:t>from</a:t>
+            </a:r>
+            <a:r>
+              <a:rPr lang="ru-RU" sz="2800" b="1" dirty="0"/>
+              <a:t> </a:t>
+            </a:r>
+            <a:r>
+              <a:rPr lang="ru-RU" sz="2800" b="1" dirty="0" err="1"/>
+              <a:t>the</a:t>
+            </a:r>
+            <a:r>
+              <a:rPr lang="ru-RU" sz="2800" b="1" dirty="0"/>
+              <a:t> </a:t>
+            </a:r>
+            <a:r>
+              <a:rPr lang="ru-RU" sz="2800" b="1" dirty="0" err="1"/>
+              <a:t>left</a:t>
+            </a:r>
+            <a:r>
+              <a:rPr lang="ru-RU" sz="2800" b="1" dirty="0"/>
+              <a:t> </a:t>
+            </a:r>
+            <a:r>
+              <a:rPr lang="ru-RU" sz="2800" b="1" dirty="0" err="1"/>
+              <a:t>table</a:t>
+            </a:r>
+            <a:r>
+              <a:rPr lang="ru-RU" sz="2800" b="1" dirty="0"/>
+              <a:t> </a:t>
+            </a:r>
+            <a:r>
+              <a:rPr lang="ru-RU" sz="2800" b="1" dirty="0" err="1"/>
+              <a:t>where</a:t>
+            </a:r>
+            <a:r>
+              <a:rPr lang="ru-RU" sz="2800" b="1" dirty="0"/>
+              <a:t> </a:t>
+            </a:r>
+            <a:r>
+              <a:rPr lang="ru-RU" sz="2800" b="1" dirty="0" err="1"/>
+              <a:t>there</a:t>
+            </a:r>
+            <a:r>
+              <a:rPr lang="ru-RU" sz="2800" b="1" dirty="0"/>
+              <a:t> </a:t>
+            </a:r>
+            <a:r>
+              <a:rPr lang="ru-RU" sz="2800" b="1" dirty="0" err="1"/>
+              <a:t>are</a:t>
+            </a:r>
+            <a:r>
+              <a:rPr lang="ru-RU" sz="2800" b="1" dirty="0"/>
+              <a:t> </a:t>
+            </a:r>
+            <a:r>
+              <a:rPr lang="ru-RU" sz="2800" b="1" dirty="0" err="1"/>
+              <a:t>not</a:t>
+            </a:r>
+            <a:r>
+              <a:rPr lang="ru-RU" sz="2800" b="1" dirty="0"/>
+              <a:t> </a:t>
+            </a:r>
+            <a:r>
+              <a:rPr lang="ru-RU" sz="2800" b="1" dirty="0" err="1"/>
+              <a:t>matching</a:t>
+            </a:r>
+            <a:r>
+              <a:rPr lang="ru-RU" sz="2800" b="1" dirty="0"/>
+              <a:t> </a:t>
+            </a:r>
+            <a:r>
+              <a:rPr lang="ru-RU" sz="2800" b="1" dirty="0" err="1"/>
+              <a:t>values</a:t>
+            </a:r>
+            <a:r>
+              <a:rPr lang="ru-RU" sz="2800" b="1" dirty="0"/>
+              <a:t> </a:t>
+            </a:r>
+            <a:r>
+              <a:rPr lang="ru-RU" sz="2800" b="1" dirty="0" err="1"/>
+              <a:t>in</a:t>
+            </a:r>
+            <a:r>
+              <a:rPr lang="ru-RU" sz="2800" b="1" dirty="0"/>
+              <a:t> </a:t>
+            </a:r>
+            <a:r>
+              <a:rPr lang="ru-RU" sz="2800" b="1" dirty="0" err="1"/>
+              <a:t>the</a:t>
+            </a:r>
+            <a:r>
+              <a:rPr lang="ru-RU" sz="2800" b="1" dirty="0"/>
+              <a:t> </a:t>
+            </a:r>
+            <a:r>
+              <a:rPr lang="ru-RU" sz="2800" b="1" dirty="0" err="1"/>
+              <a:t>right</a:t>
+            </a:r>
+            <a:r>
+              <a:rPr lang="ru-RU" sz="2800" b="1" dirty="0"/>
+              <a:t> </a:t>
+            </a:r>
+            <a:r>
+              <a:rPr lang="ru-RU" sz="2800" b="1" dirty="0" err="1"/>
+              <a:t>table</a:t>
+            </a:r>
+            <a:r>
+              <a:rPr lang="ru-RU" sz="2800" b="1" dirty="0"/>
+              <a:t>, </a:t>
+            </a:r>
+            <a:r>
+              <a:rPr lang="ru-RU" sz="2800" b="1" dirty="0" err="1"/>
+              <a:t>keeping</a:t>
+            </a:r>
+            <a:r>
+              <a:rPr lang="ru-RU" sz="2800" b="1" dirty="0"/>
+              <a:t> </a:t>
+            </a:r>
+            <a:r>
+              <a:rPr lang="ru-RU" sz="2800" b="1" dirty="0" err="1"/>
+              <a:t>just</a:t>
+            </a:r>
+            <a:r>
+              <a:rPr lang="ru-RU" sz="2800" b="1" dirty="0"/>
+              <a:t> </a:t>
+            </a:r>
+            <a:r>
+              <a:rPr lang="ru-RU" sz="2800" b="1" dirty="0" err="1"/>
+              <a:t>columns</a:t>
+            </a:r>
+            <a:r>
+              <a:rPr lang="ru-RU" sz="2800" b="1" dirty="0"/>
+              <a:t> </a:t>
+            </a:r>
+            <a:r>
+              <a:rPr lang="ru-RU" sz="2800" b="1" dirty="0" err="1"/>
+              <a:t>from</a:t>
+            </a:r>
+            <a:r>
+              <a:rPr lang="ru-RU" sz="2800" b="1" dirty="0"/>
+              <a:t> </a:t>
+            </a:r>
+            <a:r>
+              <a:rPr lang="ru-RU" sz="2800" b="1" dirty="0" err="1"/>
+              <a:t>the</a:t>
+            </a:r>
+            <a:r>
+              <a:rPr lang="ru-RU" sz="2800" b="1" dirty="0"/>
+              <a:t> </a:t>
+            </a:r>
+            <a:r>
+              <a:rPr lang="ru-RU" sz="2800" b="1" dirty="0" err="1"/>
+              <a:t>left</a:t>
+            </a:r>
+            <a:r>
+              <a:rPr lang="ru-RU" sz="2800" b="1" dirty="0"/>
+              <a:t> </a:t>
+            </a:r>
+            <a:r>
+              <a:rPr lang="ru-RU" sz="2800" b="1" dirty="0" err="1"/>
+              <a:t>table</a:t>
+            </a:r>
+            <a:endParaRPr lang="ru-RU" sz="2800" b="1" dirty="0"/>
+          </a:p>
+        </p:txBody>
+      </p:sp>
+    </p:spTree>
+    <p:extLst>
+      <p:ext uri="{BB962C8B-B14F-4D97-AF65-F5344CB8AC3E}">
+        <p14:creationId xmlns:p14="http://schemas.microsoft.com/office/powerpoint/2010/main" val="3308161445"/>
+      </p:ext>
+    </p:extLst>
+  </p:cSld>
+  <p:clrMapOvr>
+    <a:masterClrMapping/>
+  </p:clrMapOvr>
+  <p:timing>
+    <p:tnLst>
+      <p:par>
+        <p:cTn id="1" dur="indefinite" restart="never" nodeType="tmRoot"/>
+      </p:par>
+    </p:tnLst>
+  </p:timing>
+</p:sld>
+</file>
+
+<file path=ppt/slides/slide19.xml><?xml version="1.0" encoding="utf-8"?>
+<p:sld xmlns:a="http://schemas.openxmlformats.org/drawingml/2006/main" xmlns:r="http://schemas.openxmlformats.org/officeDocument/2006/relationships" xmlns:p="http://schemas.openxmlformats.org/presentationml/2006/main">
+  <p:cSld>
+    <p:spTree>
+      <p:nvGrpSpPr>
+        <p:cNvPr id="1" name=""/>
+        <p:cNvGrpSpPr/>
+        <p:nvPr/>
+      </p:nvGrpSpPr>
+      <p:grpSpPr>
+        <a:xfrm>
+          <a:off x="0" y="0"/>
+          <a:ext cx="0" cy="0"/>
+          <a:chOff x="0" y="0"/>
+          <a:chExt cx="0" cy="0"/>
+        </a:xfrm>
+      </p:grpSpPr>
+      <p:sp>
+        <p:nvSpPr>
+          <p:cNvPr id="2" name="Заголовок 1"/>
+          <p:cNvSpPr>
+            <a:spLocks noGrp="1"/>
+          </p:cNvSpPr>
+          <p:nvPr>
+            <p:ph type="title"/>
+          </p:nvPr>
+        </p:nvSpPr>
+        <p:spPr/>
+        <p:txBody>
+          <a:bodyPr/>
+          <a:lstStyle/>
+          <a:p>
+            <a:pPr algn="ctr"/>
+            <a:r>
+              <a:rPr lang="en-US" dirty="0" smtClean="0"/>
+              <a:t>Summary</a:t>
+            </a:r>
+            <a:endParaRPr lang="ru-RU" dirty="0"/>
+          </a:p>
+        </p:txBody>
+      </p:sp>
+      <p:sp>
+        <p:nvSpPr>
+          <p:cNvPr id="3" name="Объект 2"/>
+          <p:cNvSpPr>
+            <a:spLocks noGrp="1"/>
+          </p:cNvSpPr>
+          <p:nvPr>
+            <p:ph idx="1"/>
+          </p:nvPr>
+        </p:nvSpPr>
+        <p:spPr/>
+        <p:txBody>
+          <a:bodyPr/>
+          <a:lstStyle/>
+          <a:p>
+            <a:r>
+              <a:rPr lang="en-US" dirty="0" smtClean="0"/>
+              <a:t>1 job</a:t>
+            </a:r>
+          </a:p>
+          <a:p>
+            <a:r>
+              <a:rPr lang="en-US" dirty="0" err="1" smtClean="0"/>
+              <a:t>ShuffledHashJoinExec</a:t>
+            </a:r>
+            <a:endParaRPr lang="en-US" dirty="0" smtClean="0"/>
+          </a:p>
+          <a:p>
+            <a:r>
+              <a:rPr lang="en-US" dirty="0" smtClean="0"/>
+              <a:t>No spills now!</a:t>
+            </a:r>
+          </a:p>
+          <a:p>
+            <a:r>
+              <a:rPr lang="en-US" dirty="0" err="1"/>
+              <a:t>innerJoin</a:t>
+            </a:r>
+            <a:r>
+              <a:rPr lang="en-US" dirty="0"/>
+              <a:t>, </a:t>
+            </a:r>
+            <a:r>
+              <a:rPr lang="en-US" dirty="0" err="1"/>
+              <a:t>outerJoin</a:t>
+            </a:r>
+            <a:r>
+              <a:rPr lang="en-US" dirty="0"/>
+              <a:t>( </a:t>
+            </a:r>
+            <a:r>
+              <a:rPr lang="en-US" dirty="0" err="1"/>
+              <a:t>flatMap</a:t>
+            </a:r>
+            <a:r>
+              <a:rPr lang="en-US" dirty="0"/>
+              <a:t>)</a:t>
+            </a:r>
+          </a:p>
+          <a:p>
+            <a:r>
+              <a:rPr lang="en-US" dirty="0" err="1"/>
+              <a:t>semiJoin</a:t>
+            </a:r>
+            <a:r>
+              <a:rPr lang="en-US" dirty="0"/>
+              <a:t>, </a:t>
+            </a:r>
+            <a:r>
+              <a:rPr lang="en-US" dirty="0" err="1"/>
+              <a:t>antiJoin</a:t>
+            </a:r>
+            <a:r>
+              <a:rPr lang="en-US" dirty="0"/>
+              <a:t>( filter)</a:t>
+            </a:r>
+            <a:endParaRPr lang="ru-RU" dirty="0"/>
+          </a:p>
+          <a:p>
+            <a:r>
+              <a:rPr lang="en-US" dirty="0" err="1"/>
+              <a:t>existenceJoin</a:t>
+            </a:r>
+            <a:r>
+              <a:rPr lang="ru-RU" dirty="0"/>
+              <a:t>(</a:t>
+            </a:r>
+            <a:r>
+              <a:rPr lang="en-US" dirty="0"/>
+              <a:t> map)</a:t>
+            </a:r>
+            <a:endParaRPr lang="en-US" altLang="ru-RU" dirty="0"/>
+          </a:p>
+          <a:p>
+            <a:endParaRPr lang="en-US" dirty="0" smtClean="0"/>
+          </a:p>
+          <a:p>
+            <a:endParaRPr lang="ru-RU" dirty="0"/>
+          </a:p>
+        </p:txBody>
+      </p:sp>
+    </p:spTree>
+    <p:extLst>
+      <p:ext uri="{BB962C8B-B14F-4D97-AF65-F5344CB8AC3E}">
+        <p14:creationId xmlns:p14="http://schemas.microsoft.com/office/powerpoint/2010/main" val="1614677254"/>
       </p:ext>
     </p:extLst>
   </p:cSld>
@@ -3572,11 +7867,7 @@
           <a:p>
             <a:r>
               <a:rPr lang="en-US" sz="2400" dirty="0"/>
-              <a:t>  df2</a:t>
-            </a:r>
-            <a:r>
-              <a:rPr lang="en-US" sz="2400" dirty="0"/>
-              <a:t>. .hint("</a:t>
+              <a:t>  df2. .hint("</a:t>
             </a:r>
             <a:r>
               <a:rPr lang="en-US" sz="2400" dirty="0" err="1"/>
@@ -3584,11 +7875,7 @@
             </a:r>
             <a:r>
               <a:rPr lang="en-US" sz="2400" dirty="0"/>
-              <a:t>").join</a:t>
-            </a:r>
-            <a:r>
-              <a:rPr lang="en-US" sz="2400" dirty="0"/>
-              <a:t>( df1,"id</a:t>
+              <a:t>").join( df1,"id</a:t>
             </a:r>
             <a:r>
               <a:rPr lang="en-US" sz="2400" dirty="0" smtClean="0"/>
@@ -3820,579 +8107,643 @@
       </p:grpSpPr>
       <p:sp>
         <p:nvSpPr>
-          <p:cNvPr id="4" name="Прямоугольник 3"/>
+          <p:cNvPr id="2" name="Заголовок 1"/>
+          <p:cNvSpPr>
+            <a:spLocks noGrp="1"/>
+          </p:cNvSpPr>
+          <p:nvPr>
+            <p:ph type="title"/>
+          </p:nvPr>
+        </p:nvSpPr>
+        <p:spPr>
+          <a:xfrm>
+            <a:off x="0" y="0"/>
+            <a:ext cx="12192000" cy="1325563"/>
+          </a:xfrm>
+        </p:spPr>
+        <p:txBody>
+          <a:bodyPr/>
+          <a:lstStyle/>
+          <a:p>
+            <a:pPr algn="ctr"/>
+            <a:r>
+              <a:rPr lang="en-US" dirty="0" smtClean="0"/>
+              <a:t>The idea of shuffle hash join</a:t>
+            </a:r>
+            <a:endParaRPr lang="ru-RU" dirty="0"/>
+          </a:p>
+        </p:txBody>
+      </p:sp>
+      <p:sp>
+        <p:nvSpPr>
+          <p:cNvPr id="6" name="Прямоугольник 5"/>
           <p:cNvSpPr/>
           <p:nvPr/>
         </p:nvSpPr>
         <p:spPr>
           <a:xfrm>
-            <a:off x="142875" y="0"/>
-            <a:ext cx="12192000" cy="6186309"/>
+            <a:off x="2990850" y="1151654"/>
+            <a:ext cx="1733550" cy="1343025"/>
           </a:xfrm>
           <a:prstGeom prst="rect">
             <a:avLst/>
           </a:prstGeom>
+          <a:noFill/>
         </p:spPr>
-        <p:txBody>
-          <a:bodyPr wrap="square">
-            <a:spAutoFit/>
-          </a:bodyPr>
+        <p:style>
+          <a:lnRef idx="2">
+            <a:schemeClr val="accent1">
+              <a:shade val="50000"/>
+            </a:schemeClr>
+          </a:lnRef>
+          <a:fillRef idx="1">
+            <a:schemeClr val="accent1"/>
+          </a:fillRef>
+          <a:effectRef idx="0">
+            <a:schemeClr val="accent1"/>
+          </a:effectRef>
+          <a:fontRef idx="minor">
+            <a:schemeClr val="lt1"/>
+          </a:fontRef>
+        </p:style>
+        <p:txBody>
+          <a:bodyPr rtlCol="0" anchor="ctr"/>
           <a:lstStyle/>
           <a:p>
-            <a:endParaRPr lang="ru-RU" dirty="0"/>
-          </a:p>
-          <a:p>
-            <a:r>
-              <a:rPr lang="ru-RU" dirty="0"/>
-              <a:t>== </a:t>
-            </a:r>
-            <a:r>
-              <a:rPr lang="ru-RU" dirty="0" err="1"/>
-              <a:t>Analyzed</a:t>
-            </a:r>
-            <a:r>
-              <a:rPr lang="ru-RU" dirty="0"/>
-              <a:t> </a:t>
-            </a:r>
-            <a:r>
-              <a:rPr lang="ru-RU" dirty="0" err="1"/>
-              <a:t>Logical</a:t>
-            </a:r>
-            <a:r>
-              <a:rPr lang="ru-RU" dirty="0"/>
-              <a:t> </a:t>
-            </a:r>
-            <a:r>
-              <a:rPr lang="ru-RU" dirty="0" err="1"/>
-              <a:t>Plan</a:t>
-            </a:r>
-            <a:r>
-              <a:rPr lang="ru-RU" dirty="0"/>
-              <a:t> ==</a:t>
-            </a:r>
-          </a:p>
-          <a:p>
-            <a:r>
-              <a:rPr lang="ru-RU" dirty="0" err="1"/>
-              <a:t>id</a:t>
-            </a:r>
-            <a:r>
-              <a:rPr lang="ru-RU" dirty="0"/>
-              <a:t>: </a:t>
-            </a:r>
-            <a:r>
-              <a:rPr lang="ru-RU" dirty="0" err="1"/>
-              <a:t>bigint</a:t>
-            </a:r>
-            <a:endParaRPr lang="ru-RU" dirty="0"/>
-          </a:p>
-          <a:p>
-            <a:r>
-              <a:rPr lang="ru-RU" dirty="0" err="1"/>
-              <a:t>Project</a:t>
-            </a:r>
-            <a:r>
-              <a:rPr lang="ru-RU" dirty="0"/>
-              <a:t> [id#2L]</a:t>
-            </a:r>
-          </a:p>
-          <a:p>
-            <a:r>
-              <a:rPr lang="ru-RU" dirty="0"/>
-              <a:t>+- </a:t>
-            </a:r>
-            <a:r>
-              <a:rPr lang="ru-RU" dirty="0" err="1"/>
-              <a:t>Join</a:t>
-            </a:r>
-            <a:r>
-              <a:rPr lang="ru-RU" dirty="0"/>
-              <a:t> </a:t>
-            </a:r>
-            <a:r>
-              <a:rPr lang="ru-RU" dirty="0" err="1"/>
-              <a:t>Inner</a:t>
-            </a:r>
-            <a:r>
-              <a:rPr lang="ru-RU" dirty="0"/>
-              <a:t>, (id#2L = id#0L)</a:t>
-            </a:r>
-          </a:p>
-          <a:p>
-            <a:r>
-              <a:rPr lang="ru-RU" dirty="0"/>
-              <a:t>   :- </a:t>
-            </a:r>
-            <a:r>
-              <a:rPr lang="ru-RU" dirty="0" err="1"/>
-              <a:t>ResolvedHint</a:t>
-            </a:r>
-            <a:r>
-              <a:rPr lang="ru-RU" dirty="0"/>
-              <a:t> (</a:t>
-            </a:r>
-            <a:r>
-              <a:rPr lang="ru-RU" dirty="0" err="1"/>
-              <a:t>strategy</a:t>
-            </a:r>
-            <a:r>
-              <a:rPr lang="ru-RU" dirty="0"/>
-              <a:t>=</a:t>
-            </a:r>
-            <a:r>
-              <a:rPr lang="ru-RU" dirty="0" err="1"/>
-              <a:t>shuffle_hash</a:t>
-            </a:r>
-            <a:r>
-              <a:rPr lang="ru-RU" dirty="0"/>
-              <a:t>)</a:t>
-            </a:r>
-          </a:p>
-          <a:p>
-            <a:r>
-              <a:rPr lang="ru-RU" dirty="0"/>
-              <a:t>   :  +- </a:t>
-            </a:r>
-            <a:r>
-              <a:rPr lang="ru-RU" dirty="0" err="1"/>
-              <a:t>Range</a:t>
-            </a:r>
-            <a:r>
-              <a:rPr lang="ru-RU" dirty="0"/>
-              <a:t> (0, 2147483647, </a:t>
-            </a:r>
-            <a:r>
-              <a:rPr lang="ru-RU" dirty="0" err="1"/>
-              <a:t>step</a:t>
-            </a:r>
-            <a:r>
-              <a:rPr lang="ru-RU" dirty="0"/>
-              <a:t>=1, </a:t>
-            </a:r>
-            <a:r>
-              <a:rPr lang="ru-RU" dirty="0" err="1"/>
-              <a:t>splits</a:t>
-            </a:r>
-            <a:r>
-              <a:rPr lang="ru-RU" dirty="0"/>
-              <a:t>=</a:t>
-            </a:r>
-            <a:r>
-              <a:rPr lang="ru-RU" dirty="0" err="1"/>
-              <a:t>Some</a:t>
-            </a:r>
-            <a:r>
-              <a:rPr lang="ru-RU" dirty="0"/>
-              <a:t>(8))</a:t>
-            </a:r>
-          </a:p>
-          <a:p>
-            <a:r>
-              <a:rPr lang="ru-RU" dirty="0"/>
-              <a:t>   +- </a:t>
-            </a:r>
-            <a:r>
-              <a:rPr lang="ru-RU" dirty="0" err="1"/>
-              <a:t>Range</a:t>
-            </a:r>
-            <a:r>
-              <a:rPr lang="ru-RU" dirty="0"/>
-              <a:t> (1, 1000000, </a:t>
-            </a:r>
-            <a:r>
-              <a:rPr lang="ru-RU" dirty="0" err="1"/>
-              <a:t>step</a:t>
-            </a:r>
-            <a:r>
-              <a:rPr lang="ru-RU" dirty="0"/>
-              <a:t>=1, </a:t>
-            </a:r>
-            <a:r>
-              <a:rPr lang="ru-RU" dirty="0" err="1"/>
-              <a:t>splits</a:t>
-            </a:r>
-            <a:r>
-              <a:rPr lang="ru-RU" dirty="0"/>
-              <a:t>=</a:t>
-            </a:r>
-            <a:r>
-              <a:rPr lang="ru-RU" dirty="0" err="1"/>
-              <a:t>Some</a:t>
-            </a:r>
-            <a:r>
-              <a:rPr lang="ru-RU" dirty="0"/>
-              <a:t>(8))</a:t>
-            </a:r>
-          </a:p>
-          <a:p>
-            <a:endParaRPr lang="ru-RU" dirty="0"/>
-          </a:p>
-          <a:p>
-            <a:r>
-              <a:rPr lang="ru-RU" dirty="0"/>
-              <a:t>== </a:t>
-            </a:r>
-            <a:r>
-              <a:rPr lang="ru-RU" dirty="0" err="1"/>
-              <a:t>Optimized</a:t>
-            </a:r>
-            <a:r>
-              <a:rPr lang="ru-RU" dirty="0"/>
-              <a:t> </a:t>
-            </a:r>
-            <a:r>
-              <a:rPr lang="ru-RU" dirty="0" err="1"/>
-              <a:t>Logical</a:t>
-            </a:r>
-            <a:r>
-              <a:rPr lang="ru-RU" dirty="0"/>
-              <a:t> </a:t>
-            </a:r>
-            <a:r>
-              <a:rPr lang="ru-RU" dirty="0" err="1"/>
-              <a:t>Plan</a:t>
-            </a:r>
-            <a:r>
-              <a:rPr lang="ru-RU" dirty="0"/>
-              <a:t> ==</a:t>
-            </a:r>
-          </a:p>
-          <a:p>
-            <a:r>
-              <a:rPr lang="ru-RU" dirty="0" err="1"/>
-              <a:t>Project</a:t>
-            </a:r>
-            <a:r>
-              <a:rPr lang="ru-RU" dirty="0"/>
-              <a:t> [id#2L]</a:t>
-            </a:r>
-          </a:p>
-          <a:p>
-            <a:r>
-              <a:rPr lang="ru-RU" dirty="0"/>
-              <a:t>+- </a:t>
-            </a:r>
-            <a:r>
-              <a:rPr lang="ru-RU" dirty="0" err="1"/>
-              <a:t>Join</a:t>
-            </a:r>
-            <a:r>
-              <a:rPr lang="ru-RU" dirty="0"/>
-              <a:t> </a:t>
-            </a:r>
-            <a:r>
-              <a:rPr lang="ru-RU" dirty="0" err="1"/>
-              <a:t>Inner</a:t>
-            </a:r>
-            <a:r>
-              <a:rPr lang="ru-RU" dirty="0"/>
-              <a:t>, (id#2L = id#0L), </a:t>
-            </a:r>
-            <a:r>
-              <a:rPr lang="ru-RU" dirty="0" err="1"/>
-              <a:t>leftHint</a:t>
-            </a:r>
-            <a:r>
-              <a:rPr lang="ru-RU" dirty="0"/>
-              <a:t>=(</a:t>
-            </a:r>
-            <a:r>
-              <a:rPr lang="ru-RU" dirty="0" err="1"/>
-              <a:t>strategy</a:t>
-            </a:r>
-            <a:r>
-              <a:rPr lang="ru-RU" dirty="0"/>
-              <a:t>=</a:t>
-            </a:r>
-            <a:r>
-              <a:rPr lang="ru-RU" dirty="0" err="1"/>
-              <a:t>shuffle_hash</a:t>
-            </a:r>
-            <a:r>
-              <a:rPr lang="ru-RU" dirty="0"/>
-              <a:t>)</a:t>
-            </a:r>
-          </a:p>
-          <a:p>
-            <a:r>
-              <a:rPr lang="ru-RU" dirty="0"/>
-              <a:t>   :- </a:t>
-            </a:r>
-            <a:r>
-              <a:rPr lang="ru-RU" dirty="0" err="1"/>
-              <a:t>Range</a:t>
-            </a:r>
-            <a:r>
-              <a:rPr lang="ru-RU" dirty="0"/>
-              <a:t> (0, 2147483647, </a:t>
-            </a:r>
-            <a:r>
-              <a:rPr lang="ru-RU" dirty="0" err="1"/>
-              <a:t>step</a:t>
-            </a:r>
-            <a:r>
-              <a:rPr lang="ru-RU" dirty="0"/>
-              <a:t>=1, </a:t>
-            </a:r>
-            <a:r>
-              <a:rPr lang="ru-RU" dirty="0" err="1"/>
-              <a:t>splits</a:t>
-            </a:r>
-            <a:r>
-              <a:rPr lang="ru-RU" dirty="0"/>
-              <a:t>=</a:t>
-            </a:r>
-            <a:r>
-              <a:rPr lang="ru-RU" dirty="0" err="1"/>
-              <a:t>Some</a:t>
-            </a:r>
-            <a:r>
-              <a:rPr lang="ru-RU" dirty="0"/>
-              <a:t>(8))</a:t>
-            </a:r>
-          </a:p>
-          <a:p>
-            <a:r>
-              <a:rPr lang="ru-RU" dirty="0"/>
-              <a:t>   +- </a:t>
-            </a:r>
-            <a:r>
-              <a:rPr lang="ru-RU" dirty="0" err="1"/>
-              <a:t>Range</a:t>
-            </a:r>
-            <a:r>
-              <a:rPr lang="ru-RU" dirty="0"/>
-              <a:t> (1, 1000000, </a:t>
-            </a:r>
-            <a:r>
-              <a:rPr lang="ru-RU" dirty="0" err="1"/>
-              <a:t>step</a:t>
-            </a:r>
-            <a:r>
-              <a:rPr lang="ru-RU" dirty="0"/>
-              <a:t>=1, </a:t>
-            </a:r>
-            <a:r>
-              <a:rPr lang="ru-RU" dirty="0" err="1"/>
-              <a:t>splits</a:t>
-            </a:r>
-            <a:r>
-              <a:rPr lang="ru-RU" dirty="0"/>
-              <a:t>=</a:t>
-            </a:r>
-            <a:r>
-              <a:rPr lang="ru-RU" dirty="0" err="1"/>
-              <a:t>Some</a:t>
-            </a:r>
-            <a:r>
-              <a:rPr lang="ru-RU" dirty="0"/>
-              <a:t>(8))</a:t>
-            </a:r>
-          </a:p>
-          <a:p>
-            <a:endParaRPr lang="ru-RU" dirty="0"/>
-          </a:p>
-          <a:p>
-            <a:r>
-              <a:rPr lang="ru-RU" dirty="0"/>
-              <a:t>== </a:t>
-            </a:r>
-            <a:r>
-              <a:rPr lang="ru-RU" dirty="0" err="1"/>
-              <a:t>Physical</a:t>
-            </a:r>
-            <a:r>
-              <a:rPr lang="ru-RU" dirty="0"/>
-              <a:t> </a:t>
-            </a:r>
-            <a:r>
-              <a:rPr lang="ru-RU" dirty="0" err="1"/>
-              <a:t>Plan</a:t>
-            </a:r>
-            <a:r>
-              <a:rPr lang="ru-RU" dirty="0"/>
-              <a:t> ==</a:t>
-            </a:r>
-          </a:p>
-          <a:p>
-            <a:r>
-              <a:rPr lang="ru-RU" dirty="0" err="1"/>
-              <a:t>Project</a:t>
-            </a:r>
-            <a:r>
-              <a:rPr lang="ru-RU" dirty="0"/>
-              <a:t> [id#2L]</a:t>
-            </a:r>
-          </a:p>
-          <a:p>
-            <a:r>
-              <a:rPr lang="ru-RU" dirty="0"/>
-              <a:t>+- </a:t>
-            </a:r>
-            <a:r>
-              <a:rPr lang="ru-RU" dirty="0" err="1"/>
-              <a:t>ShuffledHashJoin</a:t>
-            </a:r>
-            <a:r>
-              <a:rPr lang="ru-RU" dirty="0"/>
-              <a:t> [id#2L], [id#0L], </a:t>
-            </a:r>
-            <a:r>
-              <a:rPr lang="ru-RU" dirty="0" err="1"/>
-              <a:t>Inner</a:t>
-            </a:r>
-            <a:r>
-              <a:rPr lang="ru-RU" dirty="0"/>
-              <a:t>, </a:t>
-            </a:r>
-            <a:r>
-              <a:rPr lang="ru-RU" dirty="0" err="1"/>
-              <a:t>BuildLeft</a:t>
-            </a:r>
-            <a:endParaRPr lang="ru-RU" dirty="0"/>
-          </a:p>
-          <a:p>
-            <a:r>
-              <a:rPr lang="ru-RU" dirty="0"/>
-              <a:t>   :- </a:t>
-            </a:r>
-            <a:r>
-              <a:rPr lang="ru-RU" b="1" dirty="0" err="1"/>
-              <a:t>Exchange</a:t>
-            </a:r>
-            <a:r>
-              <a:rPr lang="ru-RU" b="1" dirty="0"/>
-              <a:t> </a:t>
-            </a:r>
-            <a:r>
-              <a:rPr lang="ru-RU" b="1" dirty="0" err="1"/>
-              <a:t>hashpartitioning</a:t>
-            </a:r>
-            <a:r>
-              <a:rPr lang="ru-RU" b="1" dirty="0"/>
-              <a:t>(id#2L, 200), </a:t>
-            </a:r>
-            <a:r>
-              <a:rPr lang="ru-RU" b="1" dirty="0" err="1"/>
-              <a:t>true</a:t>
-            </a:r>
-            <a:r>
-              <a:rPr lang="ru-RU" b="1" dirty="0"/>
-              <a:t>, [</a:t>
-            </a:r>
-            <a:r>
-              <a:rPr lang="ru-RU" b="1" dirty="0" err="1"/>
-              <a:t>id</a:t>
-            </a:r>
-            <a:r>
-              <a:rPr lang="ru-RU" b="1" dirty="0"/>
-              <a:t>=#16]</a:t>
-            </a:r>
-          </a:p>
-          <a:p>
-            <a:r>
-              <a:rPr lang="ru-RU" dirty="0"/>
-              <a:t>   :  +- </a:t>
-            </a:r>
-            <a:r>
-              <a:rPr lang="ru-RU" dirty="0" err="1"/>
-              <a:t>Range</a:t>
-            </a:r>
-            <a:r>
-              <a:rPr lang="ru-RU" dirty="0"/>
-              <a:t> (0, 2147483647, </a:t>
-            </a:r>
-            <a:r>
-              <a:rPr lang="ru-RU" dirty="0" err="1"/>
-              <a:t>step</a:t>
-            </a:r>
-            <a:r>
-              <a:rPr lang="ru-RU" dirty="0"/>
-              <a:t>=1, </a:t>
-            </a:r>
-            <a:r>
-              <a:rPr lang="ru-RU" dirty="0" err="1"/>
-              <a:t>splits</a:t>
-            </a:r>
-            <a:r>
-              <a:rPr lang="ru-RU" dirty="0"/>
-              <a:t>=8)</a:t>
-            </a:r>
-          </a:p>
-          <a:p>
-            <a:r>
-              <a:rPr lang="ru-RU" dirty="0"/>
-              <a:t>   +- </a:t>
-            </a:r>
-            <a:r>
-              <a:rPr lang="ru-RU" b="1" dirty="0" err="1"/>
-              <a:t>Exchange</a:t>
-            </a:r>
-            <a:r>
-              <a:rPr lang="ru-RU" b="1" dirty="0"/>
-              <a:t> </a:t>
-            </a:r>
-            <a:r>
-              <a:rPr lang="ru-RU" b="1" dirty="0" err="1"/>
-              <a:t>hashpartitioning</a:t>
-            </a:r>
-            <a:r>
-              <a:rPr lang="ru-RU" b="1" dirty="0"/>
-              <a:t>(id#0L, 200), </a:t>
-            </a:r>
-            <a:r>
-              <a:rPr lang="ru-RU" b="1" dirty="0" err="1"/>
-              <a:t>true</a:t>
-            </a:r>
-            <a:r>
-              <a:rPr lang="ru-RU" b="1" dirty="0"/>
-              <a:t>, [</a:t>
-            </a:r>
-            <a:r>
-              <a:rPr lang="ru-RU" b="1" dirty="0" err="1"/>
-              <a:t>id</a:t>
-            </a:r>
-            <a:r>
-              <a:rPr lang="ru-RU" b="1" dirty="0"/>
-              <a:t>=#17]</a:t>
-            </a:r>
-          </a:p>
-          <a:p>
-            <a:r>
-              <a:rPr lang="ru-RU" dirty="0"/>
-              <a:t>      +- </a:t>
-            </a:r>
-            <a:r>
-              <a:rPr lang="ru-RU" dirty="0" err="1"/>
-              <a:t>Range</a:t>
-            </a:r>
-            <a:r>
-              <a:rPr lang="ru-RU" dirty="0"/>
-              <a:t> (1, 1000000, </a:t>
-            </a:r>
-            <a:r>
-              <a:rPr lang="ru-RU" dirty="0" err="1"/>
-              <a:t>step</a:t>
-            </a:r>
-            <a:r>
-              <a:rPr lang="ru-RU" dirty="0"/>
-              <a:t>=1, </a:t>
-            </a:r>
-            <a:r>
-              <a:rPr lang="ru-RU" dirty="0" err="1"/>
-              <a:t>splits</a:t>
-            </a:r>
-            <a:r>
-              <a:rPr lang="ru-RU" dirty="0"/>
-              <a:t>=8)</a:t>
-            </a:r>
-          </a:p>
-        </p:txBody>
-      </p:sp>
+            <a:pPr algn="ctr"/>
+            <a:r>
+              <a:rPr lang="en-US" dirty="0" smtClean="0">
+                <a:solidFill>
+                  <a:schemeClr val="tx1"/>
+                </a:solidFill>
+              </a:rPr>
+              <a:t>Iterator1</a:t>
+            </a:r>
+            <a:endParaRPr lang="ru-RU" dirty="0">
+              <a:solidFill>
+                <a:schemeClr val="tx1"/>
+              </a:solidFill>
+            </a:endParaRPr>
+          </a:p>
+        </p:txBody>
+      </p:sp>
+      <p:sp>
+        <p:nvSpPr>
+          <p:cNvPr id="10" name="Прямоугольник 9"/>
+          <p:cNvSpPr/>
+          <p:nvPr/>
+        </p:nvSpPr>
+        <p:spPr>
+          <a:xfrm>
+            <a:off x="7591425" y="1151654"/>
+            <a:ext cx="1733550" cy="1343025"/>
+          </a:xfrm>
+          <a:prstGeom prst="rect">
+            <a:avLst/>
+          </a:prstGeom>
+          <a:noFill/>
+        </p:spPr>
+        <p:style>
+          <a:lnRef idx="2">
+            <a:schemeClr val="accent1">
+              <a:shade val="50000"/>
+            </a:schemeClr>
+          </a:lnRef>
+          <a:fillRef idx="1">
+            <a:schemeClr val="accent1"/>
+          </a:fillRef>
+          <a:effectRef idx="0">
+            <a:schemeClr val="accent1"/>
+          </a:effectRef>
+          <a:fontRef idx="minor">
+            <a:schemeClr val="lt1"/>
+          </a:fontRef>
+        </p:style>
+        <p:txBody>
+          <a:bodyPr rtlCol="0" anchor="ctr"/>
+          <a:lstStyle/>
+          <a:p>
+            <a:pPr algn="ctr"/>
+            <a:r>
+              <a:rPr lang="en-US" dirty="0" smtClean="0">
+                <a:solidFill>
+                  <a:schemeClr val="tx1"/>
+                </a:solidFill>
+              </a:rPr>
+              <a:t>Iterator2</a:t>
+            </a:r>
+            <a:endParaRPr lang="ru-RU" dirty="0">
+              <a:solidFill>
+                <a:schemeClr val="tx1"/>
+              </a:solidFill>
+            </a:endParaRPr>
+          </a:p>
+        </p:txBody>
+      </p:sp>
+      <p:sp>
+        <p:nvSpPr>
+          <p:cNvPr id="11" name="Прямоугольник 10"/>
+          <p:cNvSpPr/>
+          <p:nvPr/>
+        </p:nvSpPr>
+        <p:spPr>
+          <a:xfrm>
+            <a:off x="1990725" y="4275854"/>
+            <a:ext cx="1733550" cy="1343025"/>
+          </a:xfrm>
+          <a:prstGeom prst="rect">
+            <a:avLst/>
+          </a:prstGeom>
+          <a:noFill/>
+        </p:spPr>
+        <p:style>
+          <a:lnRef idx="2">
+            <a:schemeClr val="accent1">
+              <a:shade val="50000"/>
+            </a:schemeClr>
+          </a:lnRef>
+          <a:fillRef idx="1">
+            <a:schemeClr val="accent1"/>
+          </a:fillRef>
+          <a:effectRef idx="0">
+            <a:schemeClr val="accent1"/>
+          </a:effectRef>
+          <a:fontRef idx="minor">
+            <a:schemeClr val="lt1"/>
+          </a:fontRef>
+        </p:style>
+        <p:txBody>
+          <a:bodyPr rtlCol="0" anchor="ctr"/>
+          <a:lstStyle/>
+          <a:p>
+            <a:pPr algn="ctr"/>
+            <a:r>
+              <a:rPr lang="en-US" dirty="0" smtClean="0">
+                <a:solidFill>
+                  <a:schemeClr val="tx1"/>
+                </a:solidFill>
+              </a:rPr>
+              <a:t>IteratorPart0</a:t>
+            </a:r>
+            <a:endParaRPr lang="ru-RU" dirty="0">
+              <a:solidFill>
+                <a:schemeClr val="tx1"/>
+              </a:solidFill>
+            </a:endParaRPr>
+          </a:p>
+        </p:txBody>
+      </p:sp>
+      <p:sp>
+        <p:nvSpPr>
+          <p:cNvPr id="12" name="Прямоугольник 11"/>
+          <p:cNvSpPr/>
+          <p:nvPr/>
+        </p:nvSpPr>
+        <p:spPr>
+          <a:xfrm>
+            <a:off x="4076700" y="4285379"/>
+            <a:ext cx="1733550" cy="1343025"/>
+          </a:xfrm>
+          <a:prstGeom prst="rect">
+            <a:avLst/>
+          </a:prstGeom>
+          <a:noFill/>
+        </p:spPr>
+        <p:style>
+          <a:lnRef idx="2">
+            <a:schemeClr val="accent1">
+              <a:shade val="50000"/>
+            </a:schemeClr>
+          </a:lnRef>
+          <a:fillRef idx="1">
+            <a:schemeClr val="accent1"/>
+          </a:fillRef>
+          <a:effectRef idx="0">
+            <a:schemeClr val="accent1"/>
+          </a:effectRef>
+          <a:fontRef idx="minor">
+            <a:schemeClr val="lt1"/>
+          </a:fontRef>
+        </p:style>
+        <p:txBody>
+          <a:bodyPr rtlCol="0" anchor="ctr"/>
+          <a:lstStyle/>
+          <a:p>
+            <a:pPr algn="ctr"/>
+            <a:r>
+              <a:rPr lang="en-US" dirty="0" smtClean="0">
+                <a:solidFill>
+                  <a:schemeClr val="tx1"/>
+                </a:solidFill>
+              </a:rPr>
+              <a:t>IteratorPart1</a:t>
+            </a:r>
+            <a:endParaRPr lang="ru-RU" dirty="0">
+              <a:solidFill>
+                <a:schemeClr val="tx1"/>
+              </a:solidFill>
+            </a:endParaRPr>
+          </a:p>
+        </p:txBody>
+      </p:sp>
+      <p:sp>
+        <p:nvSpPr>
+          <p:cNvPr id="13" name="Прямоугольник 12"/>
+          <p:cNvSpPr/>
+          <p:nvPr/>
+        </p:nvSpPr>
+        <p:spPr>
+          <a:xfrm>
+            <a:off x="6172200" y="4285379"/>
+            <a:ext cx="1733550" cy="1343025"/>
+          </a:xfrm>
+          <a:prstGeom prst="rect">
+            <a:avLst/>
+          </a:prstGeom>
+          <a:noFill/>
+        </p:spPr>
+        <p:style>
+          <a:lnRef idx="2">
+            <a:schemeClr val="accent1">
+              <a:shade val="50000"/>
+            </a:schemeClr>
+          </a:lnRef>
+          <a:fillRef idx="1">
+            <a:schemeClr val="accent1"/>
+          </a:fillRef>
+          <a:effectRef idx="0">
+            <a:schemeClr val="accent1"/>
+          </a:effectRef>
+          <a:fontRef idx="minor">
+            <a:schemeClr val="lt1"/>
+          </a:fontRef>
+        </p:style>
+        <p:txBody>
+          <a:bodyPr rtlCol="0" anchor="ctr"/>
+          <a:lstStyle/>
+          <a:p>
+            <a:pPr algn="ctr"/>
+            <a:r>
+              <a:rPr lang="en-US" dirty="0" smtClean="0">
+                <a:solidFill>
+                  <a:schemeClr val="tx1"/>
+                </a:solidFill>
+              </a:rPr>
+              <a:t>IteratorPart2</a:t>
+            </a:r>
+            <a:endParaRPr lang="ru-RU" dirty="0">
+              <a:solidFill>
+                <a:schemeClr val="tx1"/>
+              </a:solidFill>
+            </a:endParaRPr>
+          </a:p>
+        </p:txBody>
+      </p:sp>
+      <p:sp>
+        <p:nvSpPr>
+          <p:cNvPr id="14" name="Прямоугольник 13"/>
+          <p:cNvSpPr/>
+          <p:nvPr/>
+        </p:nvSpPr>
+        <p:spPr>
+          <a:xfrm>
+            <a:off x="8305800" y="4275853"/>
+            <a:ext cx="1733550" cy="1343025"/>
+          </a:xfrm>
+          <a:prstGeom prst="rect">
+            <a:avLst/>
+          </a:prstGeom>
+          <a:noFill/>
+        </p:spPr>
+        <p:style>
+          <a:lnRef idx="2">
+            <a:schemeClr val="accent1">
+              <a:shade val="50000"/>
+            </a:schemeClr>
+          </a:lnRef>
+          <a:fillRef idx="1">
+            <a:schemeClr val="accent1"/>
+          </a:fillRef>
+          <a:effectRef idx="0">
+            <a:schemeClr val="accent1"/>
+          </a:effectRef>
+          <a:fontRef idx="minor">
+            <a:schemeClr val="lt1"/>
+          </a:fontRef>
+        </p:style>
+        <p:txBody>
+          <a:bodyPr rtlCol="0" anchor="ctr"/>
+          <a:lstStyle/>
+          <a:p>
+            <a:pPr algn="ctr"/>
+            <a:r>
+              <a:rPr lang="en-US" dirty="0" smtClean="0">
+                <a:solidFill>
+                  <a:schemeClr val="tx1"/>
+                </a:solidFill>
+              </a:rPr>
+              <a:t>IteratorPart3</a:t>
+            </a:r>
+            <a:endParaRPr lang="ru-RU" dirty="0">
+              <a:solidFill>
+                <a:schemeClr val="tx1"/>
+              </a:solidFill>
+            </a:endParaRPr>
+          </a:p>
+        </p:txBody>
+      </p:sp>
+      <p:cxnSp>
+        <p:nvCxnSpPr>
+          <p:cNvPr id="16" name="Прямая со стрелкой 15"/>
+          <p:cNvCxnSpPr>
+            <a:stCxn id="11" idx="0"/>
+            <a:endCxn id="6" idx="2"/>
+          </p:cNvCxnSpPr>
+          <p:nvPr/>
+        </p:nvCxnSpPr>
+        <p:spPr>
+          <a:xfrm flipV="1">
+            <a:off x="2857500" y="2494679"/>
+            <a:ext cx="1000125" cy="1781175"/>
+          </a:xfrm>
+          <a:prstGeom prst="straightConnector1">
+            <a:avLst/>
+          </a:prstGeom>
+          <a:ln>
+            <a:tailEnd type="triangle"/>
+          </a:ln>
+        </p:spPr>
+        <p:style>
+          <a:lnRef idx="1">
+            <a:schemeClr val="accent1"/>
+          </a:lnRef>
+          <a:fillRef idx="0">
+            <a:schemeClr val="accent1"/>
+          </a:fillRef>
+          <a:effectRef idx="0">
+            <a:schemeClr val="accent1"/>
+          </a:effectRef>
+          <a:fontRef idx="minor">
+            <a:schemeClr val="tx1"/>
+          </a:fontRef>
+        </p:style>
+      </p:cxnSp>
+      <p:cxnSp>
+        <p:nvCxnSpPr>
+          <p:cNvPr id="20" name="Прямая со стрелкой 19"/>
+          <p:cNvCxnSpPr>
+            <a:stCxn id="11" idx="0"/>
+            <a:endCxn id="10" idx="2"/>
+          </p:cNvCxnSpPr>
+          <p:nvPr/>
+        </p:nvCxnSpPr>
+        <p:spPr>
+          <a:xfrm flipV="1">
+            <a:off x="2857500" y="2494679"/>
+            <a:ext cx="5600700" cy="1781175"/>
+          </a:xfrm>
+          <a:prstGeom prst="straightConnector1">
+            <a:avLst/>
+          </a:prstGeom>
+          <a:ln>
+            <a:tailEnd type="triangle"/>
+          </a:ln>
+        </p:spPr>
+        <p:style>
+          <a:lnRef idx="1">
+            <a:schemeClr val="accent1"/>
+          </a:lnRef>
+          <a:fillRef idx="0">
+            <a:schemeClr val="accent1"/>
+          </a:fillRef>
+          <a:effectRef idx="0">
+            <a:schemeClr val="accent1"/>
+          </a:effectRef>
+          <a:fontRef idx="minor">
+            <a:schemeClr val="tx1"/>
+          </a:fontRef>
+        </p:style>
+      </p:cxnSp>
+      <p:cxnSp>
+        <p:nvCxnSpPr>
+          <p:cNvPr id="22" name="Прямая со стрелкой 21"/>
+          <p:cNvCxnSpPr>
+            <a:stCxn id="12" idx="0"/>
+            <a:endCxn id="6" idx="2"/>
+          </p:cNvCxnSpPr>
+          <p:nvPr/>
+        </p:nvCxnSpPr>
+        <p:spPr>
+          <a:xfrm flipH="1" flipV="1">
+            <a:off x="3857625" y="2494679"/>
+            <a:ext cx="1085850" cy="1790700"/>
+          </a:xfrm>
+          <a:prstGeom prst="straightConnector1">
+            <a:avLst/>
+          </a:prstGeom>
+          <a:ln>
+            <a:tailEnd type="triangle"/>
+          </a:ln>
+        </p:spPr>
+        <p:style>
+          <a:lnRef idx="1">
+            <a:schemeClr val="accent1"/>
+          </a:lnRef>
+          <a:fillRef idx="0">
+            <a:schemeClr val="accent1"/>
+          </a:fillRef>
+          <a:effectRef idx="0">
+            <a:schemeClr val="accent1"/>
+          </a:effectRef>
+          <a:fontRef idx="minor">
+            <a:schemeClr val="tx1"/>
+          </a:fontRef>
+        </p:style>
+      </p:cxnSp>
+      <p:cxnSp>
+        <p:nvCxnSpPr>
+          <p:cNvPr id="24" name="Прямая со стрелкой 23"/>
+          <p:cNvCxnSpPr>
+            <a:stCxn id="12" idx="0"/>
+            <a:endCxn id="10" idx="2"/>
+          </p:cNvCxnSpPr>
+          <p:nvPr/>
+        </p:nvCxnSpPr>
+        <p:spPr>
+          <a:xfrm flipV="1">
+            <a:off x="4943475" y="2494679"/>
+            <a:ext cx="3514725" cy="1790700"/>
+          </a:xfrm>
+          <a:prstGeom prst="straightConnector1">
+            <a:avLst/>
+          </a:prstGeom>
+          <a:ln>
+            <a:tailEnd type="triangle"/>
+          </a:ln>
+        </p:spPr>
+        <p:style>
+          <a:lnRef idx="1">
+            <a:schemeClr val="accent1"/>
+          </a:lnRef>
+          <a:fillRef idx="0">
+            <a:schemeClr val="accent1"/>
+          </a:fillRef>
+          <a:effectRef idx="0">
+            <a:schemeClr val="accent1"/>
+          </a:effectRef>
+          <a:fontRef idx="minor">
+            <a:schemeClr val="tx1"/>
+          </a:fontRef>
+        </p:style>
+      </p:cxnSp>
+      <p:cxnSp>
+        <p:nvCxnSpPr>
+          <p:cNvPr id="26" name="Прямая со стрелкой 25"/>
+          <p:cNvCxnSpPr>
+            <a:stCxn id="13" idx="0"/>
+            <a:endCxn id="6" idx="2"/>
+          </p:cNvCxnSpPr>
+          <p:nvPr/>
+        </p:nvCxnSpPr>
+        <p:spPr>
+          <a:xfrm flipH="1" flipV="1">
+            <a:off x="3857625" y="2494679"/>
+            <a:ext cx="3181350" cy="1790700"/>
+          </a:xfrm>
+          <a:prstGeom prst="straightConnector1">
+            <a:avLst/>
+          </a:prstGeom>
+          <a:ln>
+            <a:tailEnd type="triangle"/>
+          </a:ln>
+        </p:spPr>
+        <p:style>
+          <a:lnRef idx="1">
+            <a:schemeClr val="accent1"/>
+          </a:lnRef>
+          <a:fillRef idx="0">
+            <a:schemeClr val="accent1"/>
+          </a:fillRef>
+          <a:effectRef idx="0">
+            <a:schemeClr val="accent1"/>
+          </a:effectRef>
+          <a:fontRef idx="minor">
+            <a:schemeClr val="tx1"/>
+          </a:fontRef>
+        </p:style>
+      </p:cxnSp>
+      <p:cxnSp>
+        <p:nvCxnSpPr>
+          <p:cNvPr id="28" name="Прямая со стрелкой 27"/>
+          <p:cNvCxnSpPr>
+            <a:stCxn id="13" idx="0"/>
+            <a:endCxn id="10" idx="2"/>
+          </p:cNvCxnSpPr>
+          <p:nvPr/>
+        </p:nvCxnSpPr>
+        <p:spPr>
+          <a:xfrm flipV="1">
+            <a:off x="7038975" y="2494679"/>
+            <a:ext cx="1419225" cy="1790700"/>
+          </a:xfrm>
+          <a:prstGeom prst="straightConnector1">
+            <a:avLst/>
+          </a:prstGeom>
+          <a:ln>
+            <a:tailEnd type="triangle"/>
+          </a:ln>
+        </p:spPr>
+        <p:style>
+          <a:lnRef idx="1">
+            <a:schemeClr val="accent1"/>
+          </a:lnRef>
+          <a:fillRef idx="0">
+            <a:schemeClr val="accent1"/>
+          </a:fillRef>
+          <a:effectRef idx="0">
+            <a:schemeClr val="accent1"/>
+          </a:effectRef>
+          <a:fontRef idx="minor">
+            <a:schemeClr val="tx1"/>
+          </a:fontRef>
+        </p:style>
+      </p:cxnSp>
+      <p:cxnSp>
+        <p:nvCxnSpPr>
+          <p:cNvPr id="30" name="Прямая со стрелкой 29"/>
+          <p:cNvCxnSpPr>
+            <a:stCxn id="14" idx="0"/>
+            <a:endCxn id="6" idx="2"/>
+          </p:cNvCxnSpPr>
+          <p:nvPr/>
+        </p:nvCxnSpPr>
+        <p:spPr>
+          <a:xfrm flipH="1" flipV="1">
+            <a:off x="3857625" y="2494679"/>
+            <a:ext cx="5314950" cy="1781174"/>
+          </a:xfrm>
+          <a:prstGeom prst="straightConnector1">
+            <a:avLst/>
+          </a:prstGeom>
+          <a:ln>
+            <a:tailEnd type="triangle"/>
+          </a:ln>
+        </p:spPr>
+        <p:style>
+          <a:lnRef idx="1">
+            <a:schemeClr val="accent1"/>
+          </a:lnRef>
+          <a:fillRef idx="0">
+            <a:schemeClr val="accent1"/>
+          </a:fillRef>
+          <a:effectRef idx="0">
+            <a:schemeClr val="accent1"/>
+          </a:effectRef>
+          <a:fontRef idx="minor">
+            <a:schemeClr val="tx1"/>
+          </a:fontRef>
+        </p:style>
+      </p:cxnSp>
+      <p:cxnSp>
+        <p:nvCxnSpPr>
+          <p:cNvPr id="32" name="Прямая со стрелкой 31"/>
+          <p:cNvCxnSpPr>
+            <a:stCxn id="14" idx="0"/>
+            <a:endCxn id="10" idx="2"/>
+          </p:cNvCxnSpPr>
+          <p:nvPr/>
+        </p:nvCxnSpPr>
+        <p:spPr>
+          <a:xfrm flipH="1" flipV="1">
+            <a:off x="8458200" y="2494679"/>
+            <a:ext cx="714375" cy="1781174"/>
+          </a:xfrm>
+          <a:prstGeom prst="straightConnector1">
+            <a:avLst/>
+          </a:prstGeom>
+          <a:ln>
+            <a:tailEnd type="triangle"/>
+          </a:ln>
+        </p:spPr>
+        <p:style>
+          <a:lnRef idx="1">
+            <a:schemeClr val="accent1"/>
+          </a:lnRef>
+          <a:fillRef idx="0">
+            <a:schemeClr val="accent1"/>
+          </a:fillRef>
+          <a:effectRef idx="0">
+            <a:schemeClr val="accent1"/>
+          </a:effectRef>
+          <a:fontRef idx="minor">
+            <a:schemeClr val="tx1"/>
+          </a:fontRef>
+        </p:style>
+      </p:cxnSp>
     </p:spTree>
     <p:extLst>
       <p:ext uri="{BB962C8B-B14F-4D97-AF65-F5344CB8AC3E}">
-        <p14:creationId xmlns:p14="http://schemas.microsoft.com/office/powerpoint/2010/main" val="1027924948"/>
+        <p14:creationId xmlns:p14="http://schemas.microsoft.com/office/powerpoint/2010/main" val="2303412995"/>
       </p:ext>
     </p:extLst>
   </p:cSld>
@@ -4428,7 +8779,466 @@
       </p:grpSpPr>
       <p:sp>
         <p:nvSpPr>
-          <p:cNvPr id="2" name="Заголовок 1"/>
+          <p:cNvPr id="7" name="Прямоугольник 6"/>
+          <p:cNvSpPr/>
+          <p:nvPr/>
+        </p:nvSpPr>
+        <p:spPr>
+          <a:xfrm>
+            <a:off x="3613149" y="1722825"/>
+            <a:ext cx="1191491" cy="618836"/>
+          </a:xfrm>
+          <a:prstGeom prst="rect">
+            <a:avLst/>
+          </a:prstGeom>
+        </p:spPr>
+        <p:style>
+          <a:lnRef idx="2">
+            <a:schemeClr val="accent1">
+              <a:shade val="50000"/>
+            </a:schemeClr>
+          </a:lnRef>
+          <a:fillRef idx="1">
+            <a:schemeClr val="accent1"/>
+          </a:fillRef>
+          <a:effectRef idx="0">
+            <a:schemeClr val="accent1"/>
+          </a:effectRef>
+          <a:fontRef idx="minor">
+            <a:schemeClr val="lt1"/>
+          </a:fontRef>
+        </p:style>
+        <p:txBody>
+          <a:bodyPr rtlCol="0" anchor="ctr"/>
+          <a:lstStyle/>
+          <a:p>
+            <a:pPr algn="ctr"/>
+            <a:r>
+              <a:rPr lang="en-US" dirty="0" smtClean="0"/>
+              <a:t>K1</a:t>
+            </a:r>
+            <a:endParaRPr lang="ru-RU" dirty="0"/>
+          </a:p>
+        </p:txBody>
+      </p:sp>
+      <p:sp>
+        <p:nvSpPr>
+          <p:cNvPr id="8" name="Прямоугольник 7"/>
+          <p:cNvSpPr/>
+          <p:nvPr/>
+        </p:nvSpPr>
+        <p:spPr>
+          <a:xfrm>
+            <a:off x="4978400" y="1717581"/>
+            <a:ext cx="1173018" cy="618836"/>
+          </a:xfrm>
+          <a:prstGeom prst="rect">
+            <a:avLst/>
+          </a:prstGeom>
+        </p:spPr>
+        <p:style>
+          <a:lnRef idx="2">
+            <a:schemeClr val="accent1">
+              <a:shade val="50000"/>
+            </a:schemeClr>
+          </a:lnRef>
+          <a:fillRef idx="1">
+            <a:schemeClr val="accent1"/>
+          </a:fillRef>
+          <a:effectRef idx="0">
+            <a:schemeClr val="accent1"/>
+          </a:effectRef>
+          <a:fontRef idx="minor">
+            <a:schemeClr val="lt1"/>
+          </a:fontRef>
+        </p:style>
+        <p:txBody>
+          <a:bodyPr rtlCol="0" anchor="ctr"/>
+          <a:lstStyle/>
+          <a:p>
+            <a:pPr algn="ctr"/>
+            <a:r>
+              <a:rPr lang="en-US" dirty="0" smtClean="0"/>
+              <a:t>K1</a:t>
+            </a:r>
+            <a:endParaRPr lang="ru-RU" dirty="0"/>
+          </a:p>
+        </p:txBody>
+      </p:sp>
+      <p:sp>
+        <p:nvSpPr>
+          <p:cNvPr id="9" name="Прямоугольник 8"/>
+          <p:cNvSpPr/>
+          <p:nvPr/>
+        </p:nvSpPr>
+        <p:spPr>
+          <a:xfrm>
+            <a:off x="6325175" y="1722489"/>
+            <a:ext cx="1154545" cy="618836"/>
+          </a:xfrm>
+          <a:prstGeom prst="rect">
+            <a:avLst/>
+          </a:prstGeom>
+        </p:spPr>
+        <p:style>
+          <a:lnRef idx="2">
+            <a:schemeClr val="accent1">
+              <a:shade val="50000"/>
+            </a:schemeClr>
+          </a:lnRef>
+          <a:fillRef idx="1">
+            <a:schemeClr val="accent1"/>
+          </a:fillRef>
+          <a:effectRef idx="0">
+            <a:schemeClr val="accent1"/>
+          </a:effectRef>
+          <a:fontRef idx="minor">
+            <a:schemeClr val="lt1"/>
+          </a:fontRef>
+        </p:style>
+        <p:txBody>
+          <a:bodyPr rtlCol="0" anchor="ctr"/>
+          <a:lstStyle/>
+          <a:p>
+            <a:pPr algn="ctr"/>
+            <a:r>
+              <a:rPr lang="en-US" dirty="0" smtClean="0"/>
+              <a:t>K3</a:t>
+            </a:r>
+            <a:endParaRPr lang="ru-RU" dirty="0"/>
+          </a:p>
+        </p:txBody>
+      </p:sp>
+      <p:sp>
+        <p:nvSpPr>
+          <p:cNvPr id="10" name="Прямоугольник 9"/>
+          <p:cNvSpPr/>
+          <p:nvPr/>
+        </p:nvSpPr>
+        <p:spPr>
+          <a:xfrm>
+            <a:off x="7653477" y="1717581"/>
+            <a:ext cx="1154545" cy="618836"/>
+          </a:xfrm>
+          <a:prstGeom prst="rect">
+            <a:avLst/>
+          </a:prstGeom>
+        </p:spPr>
+        <p:style>
+          <a:lnRef idx="2">
+            <a:schemeClr val="accent1">
+              <a:shade val="50000"/>
+            </a:schemeClr>
+          </a:lnRef>
+          <a:fillRef idx="1">
+            <a:schemeClr val="accent1"/>
+          </a:fillRef>
+          <a:effectRef idx="0">
+            <a:schemeClr val="accent1"/>
+          </a:effectRef>
+          <a:fontRef idx="minor">
+            <a:schemeClr val="lt1"/>
+          </a:fontRef>
+        </p:style>
+        <p:txBody>
+          <a:bodyPr rtlCol="0" anchor="ctr"/>
+          <a:lstStyle/>
+          <a:p>
+            <a:pPr algn="ctr"/>
+            <a:r>
+              <a:rPr lang="en-US" dirty="0" smtClean="0"/>
+              <a:t>K5</a:t>
+            </a:r>
+            <a:endParaRPr lang="ru-RU" dirty="0"/>
+          </a:p>
+        </p:txBody>
+      </p:sp>
+      <p:sp>
+        <p:nvSpPr>
+          <p:cNvPr id="11" name="TextBox 10"/>
+          <p:cNvSpPr txBox="1"/>
+          <p:nvPr/>
+        </p:nvSpPr>
+        <p:spPr>
+          <a:xfrm>
+            <a:off x="3387435" y="2213748"/>
+            <a:ext cx="5528831" cy="584775"/>
+          </a:xfrm>
+          <a:prstGeom prst="rect">
+            <a:avLst/>
+          </a:prstGeom>
+          <a:noFill/>
+        </p:spPr>
+        <p:txBody>
+          <a:bodyPr wrap="square" rtlCol="0">
+            <a:spAutoFit/>
+          </a:bodyPr>
+          <a:lstStyle/>
+          <a:p>
+            <a:pPr algn="ctr"/>
+            <a:r>
+              <a:rPr lang="en-US" sz="3200" dirty="0" err="1" smtClean="0"/>
+              <a:t>IteratorN</a:t>
+            </a:r>
+            <a:endParaRPr lang="ru-RU" sz="3200" dirty="0"/>
+          </a:p>
+        </p:txBody>
+      </p:sp>
+      <p:sp>
+        <p:nvSpPr>
+          <p:cNvPr id="12" name="Скругленный прямоугольник 11"/>
+          <p:cNvSpPr/>
+          <p:nvPr/>
+        </p:nvSpPr>
+        <p:spPr>
+          <a:xfrm>
+            <a:off x="3387434" y="935185"/>
+            <a:ext cx="5608486" cy="5642260"/>
+          </a:xfrm>
+          <a:prstGeom prst="roundRect">
+            <a:avLst/>
+          </a:prstGeom>
+          <a:noFill/>
+        </p:spPr>
+        <p:style>
+          <a:lnRef idx="2">
+            <a:schemeClr val="accent1">
+              <a:shade val="50000"/>
+            </a:schemeClr>
+          </a:lnRef>
+          <a:fillRef idx="1">
+            <a:schemeClr val="accent1"/>
+          </a:fillRef>
+          <a:effectRef idx="0">
+            <a:schemeClr val="accent1"/>
+          </a:effectRef>
+          <a:fontRef idx="minor">
+            <a:schemeClr val="lt1"/>
+          </a:fontRef>
+        </p:style>
+        <p:txBody>
+          <a:bodyPr rtlCol="0" anchor="ctr"/>
+          <a:lstStyle/>
+          <a:p>
+            <a:pPr algn="ctr"/>
+            <a:endParaRPr lang="ru-RU"/>
+          </a:p>
+        </p:txBody>
+      </p:sp>
+      <p:sp>
+        <p:nvSpPr>
+          <p:cNvPr id="13" name="TextBox 12"/>
+          <p:cNvSpPr txBox="1"/>
+          <p:nvPr/>
+        </p:nvSpPr>
+        <p:spPr>
+          <a:xfrm>
+            <a:off x="3637972" y="932715"/>
+            <a:ext cx="4817054" cy="584775"/>
+          </a:xfrm>
+          <a:prstGeom prst="rect">
+            <a:avLst/>
+          </a:prstGeom>
+          <a:noFill/>
+        </p:spPr>
+        <p:txBody>
+          <a:bodyPr wrap="square" rtlCol="0">
+            <a:spAutoFit/>
+          </a:bodyPr>
+          <a:lstStyle/>
+          <a:p>
+            <a:pPr algn="ctr"/>
+            <a:r>
+              <a:rPr lang="en-US" dirty="0"/>
+              <a:t> </a:t>
+            </a:r>
+            <a:r>
+              <a:rPr lang="en-US" sz="3200" dirty="0" smtClean="0"/>
+              <a:t>JOB 1</a:t>
+            </a:r>
+            <a:endParaRPr lang="ru-RU" sz="3200" dirty="0"/>
+          </a:p>
+        </p:txBody>
+      </p:sp>
+      <p:sp>
+        <p:nvSpPr>
+          <p:cNvPr id="14" name="Прямоугольник 13"/>
+          <p:cNvSpPr/>
+          <p:nvPr/>
+        </p:nvSpPr>
+        <p:spPr>
+          <a:xfrm>
+            <a:off x="3748513" y="4714203"/>
+            <a:ext cx="2428594" cy="618836"/>
+          </a:xfrm>
+          <a:prstGeom prst="rect">
+            <a:avLst/>
+          </a:prstGeom>
+        </p:spPr>
+        <p:style>
+          <a:lnRef idx="2">
+            <a:schemeClr val="accent1">
+              <a:shade val="50000"/>
+            </a:schemeClr>
+          </a:lnRef>
+          <a:fillRef idx="1">
+            <a:schemeClr val="accent1"/>
+          </a:fillRef>
+          <a:effectRef idx="0">
+            <a:schemeClr val="accent1"/>
+          </a:effectRef>
+          <a:fontRef idx="minor">
+            <a:schemeClr val="lt1"/>
+          </a:fontRef>
+        </p:style>
+        <p:txBody>
+          <a:bodyPr rtlCol="0" anchor="ctr"/>
+          <a:lstStyle/>
+          <a:p>
+            <a:pPr algn="ctr"/>
+            <a:r>
+              <a:rPr lang="en-US" dirty="0" smtClean="0"/>
+              <a:t>(K1,(V1,V2))</a:t>
+            </a:r>
+            <a:endParaRPr lang="ru-RU" dirty="0"/>
+          </a:p>
+        </p:txBody>
+      </p:sp>
+      <p:sp>
+        <p:nvSpPr>
+          <p:cNvPr id="16" name="Прямоугольник 15"/>
+          <p:cNvSpPr/>
+          <p:nvPr/>
+        </p:nvSpPr>
+        <p:spPr>
+          <a:xfrm>
+            <a:off x="6401658" y="4713188"/>
+            <a:ext cx="1154545" cy="618836"/>
+          </a:xfrm>
+          <a:prstGeom prst="rect">
+            <a:avLst/>
+          </a:prstGeom>
+        </p:spPr>
+        <p:style>
+          <a:lnRef idx="2">
+            <a:schemeClr val="accent1">
+              <a:shade val="50000"/>
+            </a:schemeClr>
+          </a:lnRef>
+          <a:fillRef idx="1">
+            <a:schemeClr val="accent1"/>
+          </a:fillRef>
+          <a:effectRef idx="0">
+            <a:schemeClr val="accent1"/>
+          </a:effectRef>
+          <a:fontRef idx="minor">
+            <a:schemeClr val="lt1"/>
+          </a:fontRef>
+        </p:style>
+        <p:txBody>
+          <a:bodyPr rtlCol="0" anchor="ctr"/>
+          <a:lstStyle/>
+          <a:p>
+            <a:pPr algn="ctr"/>
+            <a:r>
+              <a:rPr lang="en-US" dirty="0" smtClean="0"/>
+              <a:t>(K2,V2)</a:t>
+            </a:r>
+            <a:endParaRPr lang="ru-RU" dirty="0"/>
+          </a:p>
+        </p:txBody>
+      </p:sp>
+      <p:sp>
+        <p:nvSpPr>
+          <p:cNvPr id="17" name="Прямоугольник 16"/>
+          <p:cNvSpPr/>
+          <p:nvPr/>
+        </p:nvSpPr>
+        <p:spPr>
+          <a:xfrm>
+            <a:off x="3519922" y="4415272"/>
+            <a:ext cx="5528831" cy="1236517"/>
+          </a:xfrm>
+          <a:prstGeom prst="rect">
+            <a:avLst/>
+          </a:prstGeom>
+          <a:noFill/>
+          <a:ln>
+            <a:prstDash val="sysDot"/>
+          </a:ln>
+        </p:spPr>
+        <p:style>
+          <a:lnRef idx="2">
+            <a:schemeClr val="accent1">
+              <a:shade val="50000"/>
+            </a:schemeClr>
+          </a:lnRef>
+          <a:fillRef idx="1">
+            <a:schemeClr val="accent1"/>
+          </a:fillRef>
+          <a:effectRef idx="0">
+            <a:schemeClr val="accent1"/>
+          </a:effectRef>
+          <a:fontRef idx="minor">
+            <a:schemeClr val="lt1"/>
+          </a:fontRef>
+        </p:style>
+        <p:txBody>
+          <a:bodyPr rtlCol="0" anchor="ctr"/>
+          <a:lstStyle/>
+          <a:p>
+            <a:pPr algn="ctr"/>
+            <a:endParaRPr lang="ru-RU" dirty="0"/>
+          </a:p>
+        </p:txBody>
+      </p:sp>
+      <p:sp>
+        <p:nvSpPr>
+          <p:cNvPr id="18" name="Прямоугольник 17"/>
+          <p:cNvSpPr/>
+          <p:nvPr/>
+        </p:nvSpPr>
+        <p:spPr>
+          <a:xfrm>
+            <a:off x="7616824" y="4715430"/>
+            <a:ext cx="1154545" cy="618836"/>
+          </a:xfrm>
+          <a:prstGeom prst="rect">
+            <a:avLst/>
+          </a:prstGeom>
+        </p:spPr>
+        <p:style>
+          <a:lnRef idx="2">
+            <a:schemeClr val="accent1">
+              <a:shade val="50000"/>
+            </a:schemeClr>
+          </a:lnRef>
+          <a:fillRef idx="1">
+            <a:schemeClr val="accent1"/>
+          </a:fillRef>
+          <a:effectRef idx="0">
+            <a:schemeClr val="accent1"/>
+          </a:effectRef>
+          <a:fontRef idx="minor">
+            <a:schemeClr val="lt1"/>
+          </a:fontRef>
+        </p:style>
+        <p:txBody>
+          <a:bodyPr rtlCol="0" anchor="ctr"/>
+          <a:lstStyle/>
+          <a:p>
+            <a:pPr algn="ctr"/>
+            <a:r>
+              <a:rPr lang="en-US" dirty="0" smtClean="0"/>
+              <a:t>(K3,V3)</a:t>
+            </a:r>
+            <a:endParaRPr lang="ru-RU" dirty="0"/>
+          </a:p>
+        </p:txBody>
+      </p:sp>
+      <p:sp>
+        <p:nvSpPr>
+          <p:cNvPr id="19" name="Заголовок 18"/>
           <p:cNvSpPr>
             <a:spLocks noGrp="1"/>
           </p:cNvSpPr>
@@ -4438,8 +9248,8 @@
         </p:nvSpPr>
         <p:spPr>
           <a:xfrm>
-            <a:off x="0" y="3175"/>
-            <a:ext cx="12192000" cy="1325563"/>
+            <a:off x="933877" y="-22679"/>
+            <a:ext cx="10515600" cy="1050996"/>
           </a:xfrm>
         </p:spPr>
         <p:txBody>
@@ -4448,8 +9258,8 @@
           <a:p>
             <a:pPr algn="ctr"/>
             <a:r>
-              <a:rPr lang="en-US" dirty="0" err="1"/>
-              <a:t>ShuffledHashJoinExec</a:t>
+              <a:rPr lang="en-US" dirty="0" smtClean="0"/>
+              <a:t>Stage2</a:t>
             </a:r>
             <a:endParaRPr lang="ru-RU" dirty="0"/>
           </a:p>
@@ -4457,215 +9267,92 @@
       </p:sp>
       <p:sp>
         <p:nvSpPr>
-          <p:cNvPr id="4" name="Прямоугольник 3"/>
-          <p:cNvSpPr/>
+          <p:cNvPr id="20" name="TextBox 19"/>
+          <p:cNvSpPr txBox="1"/>
           <p:nvPr/>
         </p:nvSpPr>
         <p:spPr>
           <a:xfrm>
-            <a:off x="190500" y="2274838"/>
-            <a:ext cx="11715750" cy="2677656"/>
+            <a:off x="3282083" y="5705114"/>
+            <a:ext cx="5528831" cy="584775"/>
           </a:xfrm>
           <a:prstGeom prst="rect">
             <a:avLst/>
           </a:prstGeom>
+          <a:noFill/>
         </p:spPr>
         <p:txBody>
-          <a:bodyPr wrap="square">
+          <a:bodyPr wrap="square" rtlCol="0">
             <a:spAutoFit/>
           </a:bodyPr>
           <a:lstStyle/>
           <a:p>
-            <a:r>
-              <a:rPr lang="en-US" sz="2400" dirty="0"/>
-              <a:t> protected override </a:t>
-            </a:r>
-            <a:r>
-              <a:rPr lang="en-US" sz="2400" dirty="0" err="1"/>
-              <a:t>def</a:t>
-            </a:r>
-            <a:r>
-              <a:rPr lang="en-US" sz="2400" dirty="0"/>
-              <a:t> </a:t>
-            </a:r>
-            <a:r>
-              <a:rPr lang="en-US" sz="2400" dirty="0" err="1"/>
-              <a:t>doExecute</a:t>
-            </a:r>
-            <a:r>
-              <a:rPr lang="en-US" sz="2400" dirty="0"/>
-              <a:t>(): RDD[</a:t>
-            </a:r>
-            <a:r>
-              <a:rPr lang="en-US" sz="2400" dirty="0" err="1"/>
-              <a:t>InternalRow</a:t>
-            </a:r>
-            <a:r>
-              <a:rPr lang="en-US" sz="2400" dirty="0"/>
-              <a:t>] = {</a:t>
-            </a:r>
-          </a:p>
-          <a:p>
-            <a:r>
-              <a:rPr lang="en-US" sz="2400" dirty="0"/>
-              <a:t>    </a:t>
-            </a:r>
-            <a:r>
-              <a:rPr lang="en-US" sz="2400" dirty="0" err="1"/>
-              <a:t>val</a:t>
-            </a:r>
-            <a:r>
-              <a:rPr lang="en-US" sz="2400" dirty="0"/>
-              <a:t> </a:t>
-            </a:r>
-            <a:r>
-              <a:rPr lang="en-US" sz="2400" dirty="0" err="1"/>
-              <a:t>numOutputRows</a:t>
-            </a:r>
-            <a:r>
-              <a:rPr lang="en-US" sz="2400" dirty="0"/>
-              <a:t> = </a:t>
-            </a:r>
-            <a:r>
-              <a:rPr lang="en-US" sz="2400" dirty="0" err="1"/>
-              <a:t>longMetric</a:t>
-            </a:r>
-            <a:r>
-              <a:rPr lang="en-US" sz="2400" dirty="0"/>
-              <a:t>("</a:t>
-            </a:r>
-            <a:r>
-              <a:rPr lang="en-US" sz="2400" dirty="0" err="1"/>
-              <a:t>numOutputRows</a:t>
-            </a:r>
-            <a:r>
-              <a:rPr lang="en-US" sz="2400" dirty="0"/>
-              <a:t>")</a:t>
-            </a:r>
-          </a:p>
-          <a:p>
-            <a:r>
-              <a:rPr lang="en-US" sz="2400" dirty="0"/>
-              <a:t>    </a:t>
-            </a:r>
-            <a:r>
-              <a:rPr lang="en-US" sz="2400" dirty="0" err="1"/>
-              <a:t>streamedPlan.execute</a:t>
-            </a:r>
-            <a:r>
-              <a:rPr lang="en-US" sz="2400" dirty="0"/>
-              <a:t>().</a:t>
-            </a:r>
-            <a:r>
-              <a:rPr lang="en-US" sz="2400" dirty="0" err="1"/>
-              <a:t>zipPartitions</a:t>
-            </a:r>
-            <a:r>
-              <a:rPr lang="en-US" sz="2400" dirty="0"/>
-              <a:t>(</a:t>
-            </a:r>
-            <a:r>
-              <a:rPr lang="en-US" sz="2400" dirty="0" err="1"/>
-              <a:t>buildPlan.execute</a:t>
-            </a:r>
-            <a:r>
-              <a:rPr lang="en-US" sz="2400" dirty="0"/>
-              <a:t>()) { (</a:t>
-            </a:r>
-            <a:r>
-              <a:rPr lang="en-US" sz="2400" dirty="0" err="1"/>
-              <a:t>streamIter</a:t>
-            </a:r>
-            <a:r>
-              <a:rPr lang="en-US" sz="2400" dirty="0"/>
-              <a:t>, </a:t>
-            </a:r>
-            <a:r>
-              <a:rPr lang="en-US" sz="2400" dirty="0" err="1"/>
-              <a:t>buildIter</a:t>
-            </a:r>
-            <a:r>
-              <a:rPr lang="en-US" sz="2400" dirty="0"/>
-              <a:t>) =&gt;</a:t>
-            </a:r>
-          </a:p>
-          <a:p>
-            <a:r>
-              <a:rPr lang="en-US" sz="2400" dirty="0"/>
-              <a:t>      </a:t>
-            </a:r>
-            <a:r>
-              <a:rPr lang="en-US" sz="2400" dirty="0" err="1"/>
-              <a:t>val</a:t>
-            </a:r>
-            <a:r>
-              <a:rPr lang="en-US" sz="2400" dirty="0"/>
-              <a:t> hashed = </a:t>
-            </a:r>
-            <a:r>
-              <a:rPr lang="en-US" sz="2400" dirty="0" err="1"/>
-              <a:t>buildHashedRelation</a:t>
-            </a:r>
-            <a:r>
-              <a:rPr lang="en-US" sz="2400" dirty="0"/>
-              <a:t>(</a:t>
-            </a:r>
-            <a:r>
-              <a:rPr lang="en-US" sz="2400" dirty="0" err="1"/>
-              <a:t>buildIter</a:t>
-            </a:r>
-            <a:r>
-              <a:rPr lang="en-US" sz="2400" dirty="0"/>
-              <a:t>)</a:t>
-            </a:r>
-          </a:p>
-          <a:p>
-            <a:r>
-              <a:rPr lang="en-US" sz="2400" dirty="0"/>
-              <a:t>      join(</a:t>
-            </a:r>
-            <a:r>
-              <a:rPr lang="en-US" sz="2400" dirty="0" err="1"/>
-              <a:t>streamIter</a:t>
-            </a:r>
-            <a:r>
-              <a:rPr lang="en-US" sz="2400" dirty="0"/>
-              <a:t>, hashed, </a:t>
-            </a:r>
-            <a:r>
-              <a:rPr lang="en-US" sz="2400" dirty="0" err="1"/>
-              <a:t>numOutputRows</a:t>
-            </a:r>
-            <a:r>
-              <a:rPr lang="en-US" sz="2400" dirty="0"/>
-              <a:t>)</a:t>
-            </a:r>
-          </a:p>
-          <a:p>
-            <a:r>
-              <a:rPr lang="en-US" sz="2400" dirty="0"/>
-              <a:t>    }</a:t>
-            </a:r>
-          </a:p>
-          <a:p>
-            <a:r>
-              <a:rPr lang="en-US" sz="2400" dirty="0"/>
-              <a:t>  }</a:t>
-            </a:r>
-            <a:endParaRPr lang="ru-RU" sz="2400" dirty="0"/>
+            <a:pPr algn="ctr"/>
+            <a:r>
+              <a:rPr lang="en-US" sz="3200" dirty="0" err="1" smtClean="0"/>
+              <a:t>HashRelation</a:t>
+            </a:r>
+            <a:endParaRPr lang="ru-RU" sz="3200" dirty="0"/>
+          </a:p>
+        </p:txBody>
+      </p:sp>
+      <p:sp>
+        <p:nvSpPr>
+          <p:cNvPr id="22" name="Стрелка вниз 21"/>
+          <p:cNvSpPr/>
+          <p:nvPr/>
+        </p:nvSpPr>
+        <p:spPr>
+          <a:xfrm>
+            <a:off x="3933535" y="2648289"/>
+            <a:ext cx="550718" cy="1485900"/>
+          </a:xfrm>
+          <a:prstGeom prst="downArrow">
+            <a:avLst/>
+          </a:prstGeom>
+        </p:spPr>
+        <p:style>
+          <a:lnRef idx="2">
+            <a:schemeClr val="accent1">
+              <a:shade val="50000"/>
+            </a:schemeClr>
+          </a:lnRef>
+          <a:fillRef idx="1">
+            <a:schemeClr val="accent1"/>
+          </a:fillRef>
+          <a:effectRef idx="0">
+            <a:schemeClr val="accent1"/>
+          </a:effectRef>
+          <a:fontRef idx="minor">
+            <a:schemeClr val="lt1"/>
+          </a:fontRef>
+        </p:style>
+        <p:txBody>
+          <a:bodyPr rtlCol="0" anchor="ctr"/>
+          <a:lstStyle/>
+          <a:p>
+            <a:pPr algn="ctr"/>
+            <a:endParaRPr lang="ru-RU"/>
           </a:p>
         </p:txBody>
       </p:sp>
     </p:spTree>
     <p:extLst>
       <p:ext uri="{BB962C8B-B14F-4D97-AF65-F5344CB8AC3E}">
-        <p14:creationId xmlns:p14="http://schemas.microsoft.com/office/powerpoint/2010/main" val="1535253214"/>
+        <p14:creationId xmlns:p14="http://schemas.microsoft.com/office/powerpoint/2010/main" val="269792995"/>
       </p:ext>
     </p:extLst>
   </p:cSld>
   <p:clrMapOvr>
     <a:masterClrMapping/>
   </p:clrMapOvr>
+  <p:timing>
+    <p:tnLst>
+      <p:par>
+        <p:cTn id="1" dur="indefinite" restart="never" nodeType="tmRoot"/>
+      </p:par>
+    </p:tnLst>
+  </p:timing>
 </p:sld>
 </file>
 
@@ -4688,6 +9375,614 @@
       </p:grpSpPr>
       <p:sp>
         <p:nvSpPr>
+          <p:cNvPr id="4" name="Прямоугольник 3"/>
+          <p:cNvSpPr/>
+          <p:nvPr/>
+        </p:nvSpPr>
+        <p:spPr>
+          <a:xfrm>
+            <a:off x="142875" y="0"/>
+            <a:ext cx="12192000" cy="6186309"/>
+          </a:xfrm>
+          <a:prstGeom prst="rect">
+            <a:avLst/>
+          </a:prstGeom>
+        </p:spPr>
+        <p:txBody>
+          <a:bodyPr wrap="square">
+            <a:spAutoFit/>
+          </a:bodyPr>
+          <a:lstStyle/>
+          <a:p>
+            <a:endParaRPr lang="ru-RU" dirty="0"/>
+          </a:p>
+          <a:p>
+            <a:r>
+              <a:rPr lang="ru-RU" dirty="0"/>
+              <a:t>== </a:t>
+            </a:r>
+            <a:r>
+              <a:rPr lang="ru-RU" dirty="0" err="1"/>
+              <a:t>Analyzed</a:t>
+            </a:r>
+            <a:r>
+              <a:rPr lang="ru-RU" dirty="0"/>
+              <a:t> </a:t>
+            </a:r>
+            <a:r>
+              <a:rPr lang="ru-RU" dirty="0" err="1"/>
+              <a:t>Logical</a:t>
+            </a:r>
+            <a:r>
+              <a:rPr lang="ru-RU" dirty="0"/>
+              <a:t> </a:t>
+            </a:r>
+            <a:r>
+              <a:rPr lang="ru-RU" dirty="0" err="1"/>
+              <a:t>Plan</a:t>
+            </a:r>
+            <a:r>
+              <a:rPr lang="ru-RU" dirty="0"/>
+              <a:t> ==</a:t>
+            </a:r>
+          </a:p>
+          <a:p>
+            <a:r>
+              <a:rPr lang="ru-RU" dirty="0" err="1"/>
+              <a:t>id</a:t>
+            </a:r>
+            <a:r>
+              <a:rPr lang="ru-RU" dirty="0"/>
+              <a:t>: </a:t>
+            </a:r>
+            <a:r>
+              <a:rPr lang="ru-RU" dirty="0" err="1"/>
+              <a:t>bigint</a:t>
+            </a:r>
+            <a:endParaRPr lang="ru-RU" dirty="0"/>
+          </a:p>
+          <a:p>
+            <a:r>
+              <a:rPr lang="ru-RU" dirty="0" err="1"/>
+              <a:t>Project</a:t>
+            </a:r>
+            <a:r>
+              <a:rPr lang="ru-RU" dirty="0"/>
+              <a:t> [id#2L]</a:t>
+            </a:r>
+          </a:p>
+          <a:p>
+            <a:r>
+              <a:rPr lang="ru-RU" dirty="0"/>
+              <a:t>+- </a:t>
+            </a:r>
+            <a:r>
+              <a:rPr lang="ru-RU" dirty="0" err="1"/>
+              <a:t>Join</a:t>
+            </a:r>
+            <a:r>
+              <a:rPr lang="ru-RU" dirty="0"/>
+              <a:t> </a:t>
+            </a:r>
+            <a:r>
+              <a:rPr lang="ru-RU" dirty="0" err="1"/>
+              <a:t>Inner</a:t>
+            </a:r>
+            <a:r>
+              <a:rPr lang="ru-RU" dirty="0"/>
+              <a:t>, (id#2L = id#0L)</a:t>
+            </a:r>
+          </a:p>
+          <a:p>
+            <a:r>
+              <a:rPr lang="ru-RU" dirty="0"/>
+              <a:t>   :- </a:t>
+            </a:r>
+            <a:r>
+              <a:rPr lang="ru-RU" dirty="0" err="1"/>
+              <a:t>ResolvedHint</a:t>
+            </a:r>
+            <a:r>
+              <a:rPr lang="ru-RU" dirty="0"/>
+              <a:t> (</a:t>
+            </a:r>
+            <a:r>
+              <a:rPr lang="ru-RU" dirty="0" err="1"/>
+              <a:t>strategy</a:t>
+            </a:r>
+            <a:r>
+              <a:rPr lang="ru-RU" dirty="0"/>
+              <a:t>=</a:t>
+            </a:r>
+            <a:r>
+              <a:rPr lang="ru-RU" dirty="0" err="1"/>
+              <a:t>shuffle_hash</a:t>
+            </a:r>
+            <a:r>
+              <a:rPr lang="ru-RU" dirty="0"/>
+              <a:t>)</a:t>
+            </a:r>
+          </a:p>
+          <a:p>
+            <a:r>
+              <a:rPr lang="ru-RU" dirty="0"/>
+              <a:t>   :  +- </a:t>
+            </a:r>
+            <a:r>
+              <a:rPr lang="ru-RU" dirty="0" err="1"/>
+              <a:t>Range</a:t>
+            </a:r>
+            <a:r>
+              <a:rPr lang="ru-RU" dirty="0"/>
+              <a:t> (0, 2147483647, </a:t>
+            </a:r>
+            <a:r>
+              <a:rPr lang="ru-RU" dirty="0" err="1"/>
+              <a:t>step</a:t>
+            </a:r>
+            <a:r>
+              <a:rPr lang="ru-RU" dirty="0"/>
+              <a:t>=1, </a:t>
+            </a:r>
+            <a:r>
+              <a:rPr lang="ru-RU" dirty="0" err="1"/>
+              <a:t>splits</a:t>
+            </a:r>
+            <a:r>
+              <a:rPr lang="ru-RU" dirty="0"/>
+              <a:t>=</a:t>
+            </a:r>
+            <a:r>
+              <a:rPr lang="ru-RU" dirty="0" err="1"/>
+              <a:t>Some</a:t>
+            </a:r>
+            <a:r>
+              <a:rPr lang="ru-RU" dirty="0"/>
+              <a:t>(8))</a:t>
+            </a:r>
+          </a:p>
+          <a:p>
+            <a:r>
+              <a:rPr lang="ru-RU" dirty="0"/>
+              <a:t>   +- </a:t>
+            </a:r>
+            <a:r>
+              <a:rPr lang="ru-RU" dirty="0" err="1"/>
+              <a:t>Range</a:t>
+            </a:r>
+            <a:r>
+              <a:rPr lang="ru-RU" dirty="0"/>
+              <a:t> (1, 1000000, </a:t>
+            </a:r>
+            <a:r>
+              <a:rPr lang="ru-RU" dirty="0" err="1"/>
+              <a:t>step</a:t>
+            </a:r>
+            <a:r>
+              <a:rPr lang="ru-RU" dirty="0"/>
+              <a:t>=1, </a:t>
+            </a:r>
+            <a:r>
+              <a:rPr lang="ru-RU" dirty="0" err="1"/>
+              <a:t>splits</a:t>
+            </a:r>
+            <a:r>
+              <a:rPr lang="ru-RU" dirty="0"/>
+              <a:t>=</a:t>
+            </a:r>
+            <a:r>
+              <a:rPr lang="ru-RU" dirty="0" err="1"/>
+              <a:t>Some</a:t>
+            </a:r>
+            <a:r>
+              <a:rPr lang="ru-RU" dirty="0"/>
+              <a:t>(8))</a:t>
+            </a:r>
+          </a:p>
+          <a:p>
+            <a:endParaRPr lang="ru-RU" dirty="0"/>
+          </a:p>
+          <a:p>
+            <a:r>
+              <a:rPr lang="ru-RU" dirty="0"/>
+              <a:t>== </a:t>
+            </a:r>
+            <a:r>
+              <a:rPr lang="ru-RU" dirty="0" err="1"/>
+              <a:t>Optimized</a:t>
+            </a:r>
+            <a:r>
+              <a:rPr lang="ru-RU" dirty="0"/>
+              <a:t> </a:t>
+            </a:r>
+            <a:r>
+              <a:rPr lang="ru-RU" dirty="0" err="1"/>
+              <a:t>Logical</a:t>
+            </a:r>
+            <a:r>
+              <a:rPr lang="ru-RU" dirty="0"/>
+              <a:t> </a:t>
+            </a:r>
+            <a:r>
+              <a:rPr lang="ru-RU" dirty="0" err="1"/>
+              <a:t>Plan</a:t>
+            </a:r>
+            <a:r>
+              <a:rPr lang="ru-RU" dirty="0"/>
+              <a:t> ==</a:t>
+            </a:r>
+          </a:p>
+          <a:p>
+            <a:r>
+              <a:rPr lang="ru-RU" dirty="0" err="1"/>
+              <a:t>Project</a:t>
+            </a:r>
+            <a:r>
+              <a:rPr lang="ru-RU" dirty="0"/>
+              <a:t> [id#2L]</a:t>
+            </a:r>
+          </a:p>
+          <a:p>
+            <a:r>
+              <a:rPr lang="ru-RU" dirty="0"/>
+              <a:t>+- </a:t>
+            </a:r>
+            <a:r>
+              <a:rPr lang="ru-RU" dirty="0" err="1"/>
+              <a:t>Join</a:t>
+            </a:r>
+            <a:r>
+              <a:rPr lang="ru-RU" dirty="0"/>
+              <a:t> </a:t>
+            </a:r>
+            <a:r>
+              <a:rPr lang="ru-RU" dirty="0" err="1"/>
+              <a:t>Inner</a:t>
+            </a:r>
+            <a:r>
+              <a:rPr lang="ru-RU" dirty="0"/>
+              <a:t>, (id#2L = id#0L), </a:t>
+            </a:r>
+            <a:r>
+              <a:rPr lang="ru-RU" dirty="0" err="1"/>
+              <a:t>leftHint</a:t>
+            </a:r>
+            <a:r>
+              <a:rPr lang="ru-RU" dirty="0"/>
+              <a:t>=(</a:t>
+            </a:r>
+            <a:r>
+              <a:rPr lang="ru-RU" dirty="0" err="1"/>
+              <a:t>strategy</a:t>
+            </a:r>
+            <a:r>
+              <a:rPr lang="ru-RU" dirty="0"/>
+              <a:t>=</a:t>
+            </a:r>
+            <a:r>
+              <a:rPr lang="ru-RU" dirty="0" err="1"/>
+              <a:t>shuffle_hash</a:t>
+            </a:r>
+            <a:r>
+              <a:rPr lang="ru-RU" dirty="0"/>
+              <a:t>)</a:t>
+            </a:r>
+          </a:p>
+          <a:p>
+            <a:r>
+              <a:rPr lang="ru-RU" dirty="0"/>
+              <a:t>   :- </a:t>
+            </a:r>
+            <a:r>
+              <a:rPr lang="ru-RU" dirty="0" err="1"/>
+              <a:t>Range</a:t>
+            </a:r>
+            <a:r>
+              <a:rPr lang="ru-RU" dirty="0"/>
+              <a:t> (0, 2147483647, </a:t>
+            </a:r>
+            <a:r>
+              <a:rPr lang="ru-RU" dirty="0" err="1"/>
+              <a:t>step</a:t>
+            </a:r>
+            <a:r>
+              <a:rPr lang="ru-RU" dirty="0"/>
+              <a:t>=1, </a:t>
+            </a:r>
+            <a:r>
+              <a:rPr lang="ru-RU" dirty="0" err="1"/>
+              <a:t>splits</a:t>
+            </a:r>
+            <a:r>
+              <a:rPr lang="ru-RU" dirty="0"/>
+              <a:t>=</a:t>
+            </a:r>
+            <a:r>
+              <a:rPr lang="ru-RU" dirty="0" err="1"/>
+              <a:t>Some</a:t>
+            </a:r>
+            <a:r>
+              <a:rPr lang="ru-RU" dirty="0"/>
+              <a:t>(8))</a:t>
+            </a:r>
+          </a:p>
+          <a:p>
+            <a:r>
+              <a:rPr lang="ru-RU" dirty="0"/>
+              <a:t>   +- </a:t>
+            </a:r>
+            <a:r>
+              <a:rPr lang="ru-RU" dirty="0" err="1"/>
+              <a:t>Range</a:t>
+            </a:r>
+            <a:r>
+              <a:rPr lang="ru-RU" dirty="0"/>
+              <a:t> (1, 1000000, </a:t>
+            </a:r>
+            <a:r>
+              <a:rPr lang="ru-RU" dirty="0" err="1"/>
+              <a:t>step</a:t>
+            </a:r>
+            <a:r>
+              <a:rPr lang="ru-RU" dirty="0"/>
+              <a:t>=1, </a:t>
+            </a:r>
+            <a:r>
+              <a:rPr lang="ru-RU" dirty="0" err="1"/>
+              <a:t>splits</a:t>
+            </a:r>
+            <a:r>
+              <a:rPr lang="ru-RU" dirty="0"/>
+              <a:t>=</a:t>
+            </a:r>
+            <a:r>
+              <a:rPr lang="ru-RU" dirty="0" err="1"/>
+              <a:t>Some</a:t>
+            </a:r>
+            <a:r>
+              <a:rPr lang="ru-RU" dirty="0"/>
+              <a:t>(8))</a:t>
+            </a:r>
+          </a:p>
+          <a:p>
+            <a:endParaRPr lang="ru-RU" dirty="0"/>
+          </a:p>
+          <a:p>
+            <a:r>
+              <a:rPr lang="ru-RU" dirty="0"/>
+              <a:t>== </a:t>
+            </a:r>
+            <a:r>
+              <a:rPr lang="ru-RU" dirty="0" err="1"/>
+              <a:t>Physical</a:t>
+            </a:r>
+            <a:r>
+              <a:rPr lang="ru-RU" dirty="0"/>
+              <a:t> </a:t>
+            </a:r>
+            <a:r>
+              <a:rPr lang="ru-RU" dirty="0" err="1"/>
+              <a:t>Plan</a:t>
+            </a:r>
+            <a:r>
+              <a:rPr lang="ru-RU" dirty="0"/>
+              <a:t> ==</a:t>
+            </a:r>
+          </a:p>
+          <a:p>
+            <a:r>
+              <a:rPr lang="ru-RU" dirty="0" err="1"/>
+              <a:t>Project</a:t>
+            </a:r>
+            <a:r>
+              <a:rPr lang="ru-RU" dirty="0"/>
+              <a:t> [id#2L]</a:t>
+            </a:r>
+          </a:p>
+          <a:p>
+            <a:r>
+              <a:rPr lang="ru-RU" dirty="0"/>
+              <a:t>+- </a:t>
+            </a:r>
+            <a:r>
+              <a:rPr lang="ru-RU" dirty="0" err="1"/>
+              <a:t>ShuffledHashJoin</a:t>
+            </a:r>
+            <a:r>
+              <a:rPr lang="ru-RU" dirty="0"/>
+              <a:t> [id#2L], [id#0L], </a:t>
+            </a:r>
+            <a:r>
+              <a:rPr lang="ru-RU" dirty="0" err="1"/>
+              <a:t>Inner</a:t>
+            </a:r>
+            <a:r>
+              <a:rPr lang="ru-RU" dirty="0"/>
+              <a:t>, </a:t>
+            </a:r>
+            <a:r>
+              <a:rPr lang="ru-RU" dirty="0" err="1"/>
+              <a:t>BuildLeft</a:t>
+            </a:r>
+            <a:endParaRPr lang="ru-RU" dirty="0"/>
+          </a:p>
+          <a:p>
+            <a:r>
+              <a:rPr lang="ru-RU" dirty="0"/>
+              <a:t>   :- </a:t>
+            </a:r>
+            <a:r>
+              <a:rPr lang="ru-RU" b="1" dirty="0" err="1"/>
+              <a:t>Exchange</a:t>
+            </a:r>
+            <a:r>
+              <a:rPr lang="ru-RU" b="1" dirty="0"/>
+              <a:t> </a:t>
+            </a:r>
+            <a:r>
+              <a:rPr lang="ru-RU" b="1" dirty="0" err="1"/>
+              <a:t>hashpartitioning</a:t>
+            </a:r>
+            <a:r>
+              <a:rPr lang="ru-RU" b="1" dirty="0"/>
+              <a:t>(id#2L, 200), </a:t>
+            </a:r>
+            <a:r>
+              <a:rPr lang="ru-RU" b="1" dirty="0" err="1"/>
+              <a:t>true</a:t>
+            </a:r>
+            <a:r>
+              <a:rPr lang="ru-RU" b="1" dirty="0"/>
+              <a:t>, [</a:t>
+            </a:r>
+            <a:r>
+              <a:rPr lang="ru-RU" b="1" dirty="0" err="1"/>
+              <a:t>id</a:t>
+            </a:r>
+            <a:r>
+              <a:rPr lang="ru-RU" b="1" dirty="0"/>
+              <a:t>=#16]</a:t>
+            </a:r>
+          </a:p>
+          <a:p>
+            <a:r>
+              <a:rPr lang="ru-RU" dirty="0"/>
+              <a:t>   :  +- </a:t>
+            </a:r>
+            <a:r>
+              <a:rPr lang="ru-RU" dirty="0" err="1"/>
+              <a:t>Range</a:t>
+            </a:r>
+            <a:r>
+              <a:rPr lang="ru-RU" dirty="0"/>
+              <a:t> (0, 2147483647, </a:t>
+            </a:r>
+            <a:r>
+              <a:rPr lang="ru-RU" dirty="0" err="1"/>
+              <a:t>step</a:t>
+            </a:r>
+            <a:r>
+              <a:rPr lang="ru-RU" dirty="0"/>
+              <a:t>=1, </a:t>
+            </a:r>
+            <a:r>
+              <a:rPr lang="ru-RU" dirty="0" err="1"/>
+              <a:t>splits</a:t>
+            </a:r>
+            <a:r>
+              <a:rPr lang="ru-RU" dirty="0"/>
+              <a:t>=8)</a:t>
+            </a:r>
+          </a:p>
+          <a:p>
+            <a:r>
+              <a:rPr lang="ru-RU" dirty="0"/>
+              <a:t>   +- </a:t>
+            </a:r>
+            <a:r>
+              <a:rPr lang="ru-RU" b="1" dirty="0" err="1"/>
+              <a:t>Exchange</a:t>
+            </a:r>
+            <a:r>
+              <a:rPr lang="ru-RU" b="1" dirty="0"/>
+              <a:t> </a:t>
+            </a:r>
+            <a:r>
+              <a:rPr lang="ru-RU" b="1" dirty="0" err="1"/>
+              <a:t>hashpartitioning</a:t>
+            </a:r>
+            <a:r>
+              <a:rPr lang="ru-RU" b="1" dirty="0"/>
+              <a:t>(id#0L, 200), </a:t>
+            </a:r>
+            <a:r>
+              <a:rPr lang="ru-RU" b="1" dirty="0" err="1"/>
+              <a:t>true</a:t>
+            </a:r>
+            <a:r>
+              <a:rPr lang="ru-RU" b="1" dirty="0"/>
+              <a:t>, [</a:t>
+            </a:r>
+            <a:r>
+              <a:rPr lang="ru-RU" b="1" dirty="0" err="1"/>
+              <a:t>id</a:t>
+            </a:r>
+            <a:r>
+              <a:rPr lang="ru-RU" b="1" dirty="0"/>
+              <a:t>=#17]</a:t>
+            </a:r>
+          </a:p>
+          <a:p>
+            <a:r>
+              <a:rPr lang="ru-RU" dirty="0"/>
+              <a:t>      +- </a:t>
+            </a:r>
+            <a:r>
+              <a:rPr lang="ru-RU" dirty="0" err="1"/>
+              <a:t>Range</a:t>
+            </a:r>
+            <a:r>
+              <a:rPr lang="ru-RU" dirty="0"/>
+              <a:t> (1, 1000000, </a:t>
+            </a:r>
+            <a:r>
+              <a:rPr lang="ru-RU" dirty="0" err="1"/>
+              <a:t>step</a:t>
+            </a:r>
+            <a:r>
+              <a:rPr lang="ru-RU" dirty="0"/>
+              <a:t>=1, </a:t>
+            </a:r>
+            <a:r>
+              <a:rPr lang="ru-RU" dirty="0" err="1"/>
+              <a:t>splits</a:t>
+            </a:r>
+            <a:r>
+              <a:rPr lang="ru-RU" dirty="0"/>
+              <a:t>=8)</a:t>
+            </a:r>
+          </a:p>
+        </p:txBody>
+      </p:sp>
+    </p:spTree>
+    <p:extLst>
+      <p:ext uri="{BB962C8B-B14F-4D97-AF65-F5344CB8AC3E}">
+        <p14:creationId xmlns:p14="http://schemas.microsoft.com/office/powerpoint/2010/main" val="1027924948"/>
+      </p:ext>
+    </p:extLst>
+  </p:cSld>
+  <p:clrMapOvr>
+    <a:masterClrMapping/>
+  </p:clrMapOvr>
+  <p:timing>
+    <p:tnLst>
+      <p:par>
+        <p:cTn id="1" dur="indefinite" restart="never" nodeType="tmRoot"/>
+      </p:par>
+    </p:tnLst>
+  </p:timing>
+</p:sld>
+</file>
+
+<file path=ppt/slides/slide8.xml><?xml version="1.0" encoding="utf-8"?>
+<p:sld xmlns:a="http://schemas.openxmlformats.org/drawingml/2006/main" xmlns:r="http://schemas.openxmlformats.org/officeDocument/2006/relationships" xmlns:p="http://schemas.openxmlformats.org/presentationml/2006/main">
+  <p:cSld>
+    <p:spTree>
+      <p:nvGrpSpPr>
+        <p:cNvPr id="1" name=""/>
+        <p:cNvGrpSpPr/>
+        <p:nvPr/>
+      </p:nvGrpSpPr>
+      <p:grpSpPr>
+        <a:xfrm>
+          <a:off x="0" y="0"/>
+          <a:ext cx="0" cy="0"/>
+          <a:chOff x="0" y="0"/>
+          <a:chExt cx="0" cy="0"/>
+        </a:xfrm>
+      </p:grpSpPr>
+      <p:sp>
+        <p:nvSpPr>
           <p:cNvPr id="2" name="Заголовок 1"/>
           <p:cNvSpPr>
             <a:spLocks noGrp="1"/>
@@ -4696,15 +9991,20 @@
             <p:ph type="title"/>
           </p:nvPr>
         </p:nvSpPr>
-        <p:spPr/>
+        <p:spPr>
+          <a:xfrm>
+            <a:off x="0" y="3175"/>
+            <a:ext cx="12192000" cy="1325563"/>
+          </a:xfrm>
+        </p:spPr>
         <p:txBody>
           <a:bodyPr/>
           <a:lstStyle/>
           <a:p>
             <a:pPr algn="ctr"/>
             <a:r>
-              <a:rPr lang="en-US" dirty="0" smtClean="0"/>
-              <a:t>Summary</a:t>
+              <a:rPr lang="en-US" dirty="0" err="1"/>
+              <a:t>ShuffledHashJoinExec</a:t>
             </a:r>
             <a:endParaRPr lang="ru-RU" dirty="0"/>
           </a:p>
@@ -4712,40 +10012,611 @@
       </p:sp>
       <p:sp>
         <p:nvSpPr>
-          <p:cNvPr id="3" name="Объект 2"/>
+          <p:cNvPr id="4" name="Прямоугольник 3"/>
+          <p:cNvSpPr/>
+          <p:nvPr/>
+        </p:nvSpPr>
+        <p:spPr>
+          <a:xfrm>
+            <a:off x="190500" y="2274838"/>
+            <a:ext cx="11715750" cy="2677656"/>
+          </a:xfrm>
+          <a:prstGeom prst="rect">
+            <a:avLst/>
+          </a:prstGeom>
+        </p:spPr>
+        <p:txBody>
+          <a:bodyPr wrap="square">
+            <a:spAutoFit/>
+          </a:bodyPr>
+          <a:lstStyle/>
+          <a:p>
+            <a:r>
+              <a:rPr lang="en-US" sz="2400" dirty="0"/>
+              <a:t> protected override </a:t>
+            </a:r>
+            <a:r>
+              <a:rPr lang="en-US" sz="2400" dirty="0" err="1"/>
+              <a:t>def</a:t>
+            </a:r>
+            <a:r>
+              <a:rPr lang="en-US" sz="2400" dirty="0"/>
+              <a:t> </a:t>
+            </a:r>
+            <a:r>
+              <a:rPr lang="en-US" sz="2400" dirty="0" err="1"/>
+              <a:t>doExecute</a:t>
+            </a:r>
+            <a:r>
+              <a:rPr lang="en-US" sz="2400" dirty="0"/>
+              <a:t>(): RDD[</a:t>
+            </a:r>
+            <a:r>
+              <a:rPr lang="en-US" sz="2400" dirty="0" err="1"/>
+              <a:t>InternalRow</a:t>
+            </a:r>
+            <a:r>
+              <a:rPr lang="en-US" sz="2400" dirty="0"/>
+              <a:t>] = {</a:t>
+            </a:r>
+          </a:p>
+          <a:p>
+            <a:r>
+              <a:rPr lang="en-US" sz="2400" dirty="0"/>
+              <a:t>    </a:t>
+            </a:r>
+            <a:r>
+              <a:rPr lang="en-US" sz="2400" dirty="0" err="1"/>
+              <a:t>val</a:t>
+            </a:r>
+            <a:r>
+              <a:rPr lang="en-US" sz="2400" dirty="0"/>
+              <a:t> </a:t>
+            </a:r>
+            <a:r>
+              <a:rPr lang="en-US" sz="2400" dirty="0" err="1"/>
+              <a:t>numOutputRows</a:t>
+            </a:r>
+            <a:r>
+              <a:rPr lang="en-US" sz="2400" dirty="0"/>
+              <a:t> = </a:t>
+            </a:r>
+            <a:r>
+              <a:rPr lang="en-US" sz="2400" dirty="0" err="1"/>
+              <a:t>longMetric</a:t>
+            </a:r>
+            <a:r>
+              <a:rPr lang="en-US" sz="2400" dirty="0"/>
+              <a:t>("</a:t>
+            </a:r>
+            <a:r>
+              <a:rPr lang="en-US" sz="2400" dirty="0" err="1"/>
+              <a:t>numOutputRows</a:t>
+            </a:r>
+            <a:r>
+              <a:rPr lang="en-US" sz="2400" dirty="0"/>
+              <a:t>")</a:t>
+            </a:r>
+          </a:p>
+          <a:p>
+            <a:r>
+              <a:rPr lang="en-US" sz="2400" dirty="0"/>
+              <a:t>    </a:t>
+            </a:r>
+            <a:r>
+              <a:rPr lang="en-US" sz="2400" dirty="0" err="1"/>
+              <a:t>streamedPlan.execute</a:t>
+            </a:r>
+            <a:r>
+              <a:rPr lang="en-US" sz="2400" dirty="0"/>
+              <a:t>().</a:t>
+            </a:r>
+            <a:r>
+              <a:rPr lang="en-US" sz="2400" dirty="0" err="1"/>
+              <a:t>zipPartitions</a:t>
+            </a:r>
+            <a:r>
+              <a:rPr lang="en-US" sz="2400" dirty="0"/>
+              <a:t>(</a:t>
+            </a:r>
+            <a:r>
+              <a:rPr lang="en-US" sz="2400" dirty="0" err="1"/>
+              <a:t>buildPlan.execute</a:t>
+            </a:r>
+            <a:r>
+              <a:rPr lang="en-US" sz="2400" dirty="0"/>
+              <a:t>()) { (</a:t>
+            </a:r>
+            <a:r>
+              <a:rPr lang="en-US" sz="2400" dirty="0" err="1"/>
+              <a:t>streamIter</a:t>
+            </a:r>
+            <a:r>
+              <a:rPr lang="en-US" sz="2400" dirty="0"/>
+              <a:t>, </a:t>
+            </a:r>
+            <a:r>
+              <a:rPr lang="en-US" sz="2400" dirty="0" err="1"/>
+              <a:t>buildIter</a:t>
+            </a:r>
+            <a:r>
+              <a:rPr lang="en-US" sz="2400" dirty="0"/>
+              <a:t>) =&gt;</a:t>
+            </a:r>
+          </a:p>
+          <a:p>
+            <a:r>
+              <a:rPr lang="en-US" sz="2400" dirty="0"/>
+              <a:t>      </a:t>
+            </a:r>
+            <a:r>
+              <a:rPr lang="en-US" sz="2400" dirty="0" err="1"/>
+              <a:t>val</a:t>
+            </a:r>
+            <a:r>
+              <a:rPr lang="en-US" sz="2400" dirty="0"/>
+              <a:t> hashed = </a:t>
+            </a:r>
+            <a:r>
+              <a:rPr lang="en-US" sz="2400" b="1" dirty="0" err="1"/>
+              <a:t>buildHashedRelation</a:t>
+            </a:r>
+            <a:r>
+              <a:rPr lang="en-US" sz="2400" b="1" dirty="0"/>
+              <a:t>(</a:t>
+            </a:r>
+            <a:r>
+              <a:rPr lang="en-US" sz="2400" b="1" dirty="0" err="1"/>
+              <a:t>buildIter</a:t>
+            </a:r>
+            <a:r>
+              <a:rPr lang="en-US" sz="2400" b="1" dirty="0"/>
+              <a:t>)</a:t>
+            </a:r>
+          </a:p>
+          <a:p>
+            <a:r>
+              <a:rPr lang="en-US" sz="2400" dirty="0"/>
+              <a:t>      join(</a:t>
+            </a:r>
+            <a:r>
+              <a:rPr lang="en-US" sz="2400" dirty="0" err="1"/>
+              <a:t>streamIter</a:t>
+            </a:r>
+            <a:r>
+              <a:rPr lang="en-US" sz="2400" dirty="0"/>
+              <a:t>, hashed, </a:t>
+            </a:r>
+            <a:r>
+              <a:rPr lang="en-US" sz="2400" dirty="0" err="1"/>
+              <a:t>numOutputRows</a:t>
+            </a:r>
+            <a:r>
+              <a:rPr lang="en-US" sz="2400" dirty="0"/>
+              <a:t>)</a:t>
+            </a:r>
+          </a:p>
+          <a:p>
+            <a:r>
+              <a:rPr lang="en-US" sz="2400" dirty="0"/>
+              <a:t>    }</a:t>
+            </a:r>
+          </a:p>
+          <a:p>
+            <a:r>
+              <a:rPr lang="en-US" sz="2400" dirty="0"/>
+              <a:t>  }</a:t>
+            </a:r>
+            <a:endParaRPr lang="ru-RU" sz="2400" dirty="0"/>
+          </a:p>
+        </p:txBody>
+      </p:sp>
+    </p:spTree>
+    <p:extLst>
+      <p:ext uri="{BB962C8B-B14F-4D97-AF65-F5344CB8AC3E}">
+        <p14:creationId xmlns:p14="http://schemas.microsoft.com/office/powerpoint/2010/main" val="1535253214"/>
+      </p:ext>
+    </p:extLst>
+  </p:cSld>
+  <p:clrMapOvr>
+    <a:masterClrMapping/>
+  </p:clrMapOvr>
+  <p:timing>
+    <p:tnLst>
+      <p:par>
+        <p:cTn id="1" dur="indefinite" restart="never" nodeType="tmRoot"/>
+      </p:par>
+    </p:tnLst>
+  </p:timing>
+</p:sld>
+</file>
+
+<file path=ppt/slides/slide9.xml><?xml version="1.0" encoding="utf-8"?>
+<p:sld xmlns:a="http://schemas.openxmlformats.org/drawingml/2006/main" xmlns:r="http://schemas.openxmlformats.org/officeDocument/2006/relationships" xmlns:p="http://schemas.openxmlformats.org/presentationml/2006/main">
+  <p:cSld>
+    <p:spTree>
+      <p:nvGrpSpPr>
+        <p:cNvPr id="1" name=""/>
+        <p:cNvGrpSpPr/>
+        <p:nvPr/>
+      </p:nvGrpSpPr>
+      <p:grpSpPr>
+        <a:xfrm>
+          <a:off x="0" y="0"/>
+          <a:ext cx="0" cy="0"/>
+          <a:chOff x="0" y="0"/>
+          <a:chExt cx="0" cy="0"/>
+        </a:xfrm>
+      </p:grpSpPr>
+      <p:sp>
+        <p:nvSpPr>
+          <p:cNvPr id="4" name="Заголовок 1"/>
           <p:cNvSpPr>
             <a:spLocks noGrp="1"/>
           </p:cNvSpPr>
           <p:nvPr>
-            <p:ph idx="1"/>
+            <p:ph type="title"/>
           </p:nvPr>
         </p:nvSpPr>
-        <p:spPr/>
+        <p:spPr>
+          <a:xfrm>
+            <a:off x="0" y="3175"/>
+            <a:ext cx="12192000" cy="1325563"/>
+          </a:xfrm>
+        </p:spPr>
         <p:txBody>
           <a:bodyPr/>
           <a:lstStyle/>
           <a:p>
-            <a:r>
-              <a:rPr lang="en-US" dirty="0" smtClean="0"/>
-              <a:t>1 job</a:t>
-            </a:r>
-          </a:p>
-          <a:p>
-            <a:r>
-              <a:rPr lang="en-US" dirty="0" err="1" smtClean="0"/>
+            <a:pPr algn="ctr"/>
+            <a:r>
+              <a:rPr lang="en-US" dirty="0" err="1"/>
               <a:t>ShuffledHashJoinExec</a:t>
             </a:r>
-            <a:endParaRPr lang="en-US" dirty="0" smtClean="0"/>
-          </a:p>
-          <a:p>
             <a:endParaRPr lang="ru-RU" dirty="0"/>
+          </a:p>
+        </p:txBody>
+      </p:sp>
+      <p:sp>
+        <p:nvSpPr>
+          <p:cNvPr id="6" name="Прямоугольник 5"/>
+          <p:cNvSpPr/>
+          <p:nvPr/>
+        </p:nvSpPr>
+        <p:spPr>
+          <a:xfrm>
+            <a:off x="0" y="1166843"/>
+            <a:ext cx="12191999" cy="4893647"/>
+          </a:xfrm>
+          <a:prstGeom prst="rect">
+            <a:avLst/>
+          </a:prstGeom>
+        </p:spPr>
+        <p:txBody>
+          <a:bodyPr wrap="square">
+            <a:spAutoFit/>
+          </a:bodyPr>
+          <a:lstStyle/>
+          <a:p>
+            <a:r>
+              <a:rPr lang="en-US" sz="2400" dirty="0"/>
+              <a:t> private </a:t>
+            </a:r>
+            <a:r>
+              <a:rPr lang="en-US" sz="2400" dirty="0" err="1"/>
+              <a:t>def</a:t>
+            </a:r>
+            <a:r>
+              <a:rPr lang="en-US" sz="2400" dirty="0"/>
+              <a:t> </a:t>
+            </a:r>
+            <a:r>
+              <a:rPr lang="en-US" sz="2400" b="1" dirty="0" err="1"/>
+              <a:t>buildHashedRelation</a:t>
+            </a:r>
+            <a:r>
+              <a:rPr lang="en-US" sz="2400" b="1" dirty="0"/>
+              <a:t>(</a:t>
+            </a:r>
+            <a:r>
+              <a:rPr lang="en-US" sz="2400" b="1" dirty="0" err="1"/>
+              <a:t>iter</a:t>
+            </a:r>
+            <a:r>
+              <a:rPr lang="en-US" sz="2400" b="1" dirty="0"/>
+              <a:t>: Iterator[</a:t>
+            </a:r>
+            <a:r>
+              <a:rPr lang="en-US" sz="2400" b="1" dirty="0" err="1"/>
+              <a:t>InternalRow</a:t>
+            </a:r>
+            <a:r>
+              <a:rPr lang="en-US" sz="2400" b="1" dirty="0"/>
+              <a:t>]</a:t>
+            </a:r>
+            <a:r>
+              <a:rPr lang="en-US" sz="2400" dirty="0"/>
+              <a:t>): </a:t>
+            </a:r>
+            <a:r>
+              <a:rPr lang="en-US" sz="2400" dirty="0" err="1"/>
+              <a:t>HashedRelation</a:t>
+            </a:r>
+            <a:r>
+              <a:rPr lang="en-US" sz="2400" dirty="0"/>
+              <a:t> = {</a:t>
+            </a:r>
+          </a:p>
+          <a:p>
+            <a:r>
+              <a:rPr lang="en-US" sz="2400" dirty="0"/>
+              <a:t>    </a:t>
+            </a:r>
+            <a:r>
+              <a:rPr lang="en-US" sz="2400" dirty="0" err="1"/>
+              <a:t>val</a:t>
+            </a:r>
+            <a:r>
+              <a:rPr lang="en-US" sz="2400" dirty="0"/>
+              <a:t> </a:t>
+            </a:r>
+            <a:r>
+              <a:rPr lang="en-US" sz="2400" dirty="0" err="1"/>
+              <a:t>buildDataSize</a:t>
+            </a:r>
+            <a:r>
+              <a:rPr lang="en-US" sz="2400" dirty="0"/>
+              <a:t> = </a:t>
+            </a:r>
+            <a:r>
+              <a:rPr lang="en-US" sz="2400" dirty="0" err="1"/>
+              <a:t>longMetric</a:t>
+            </a:r>
+            <a:r>
+              <a:rPr lang="en-US" sz="2400" dirty="0"/>
+              <a:t>("</a:t>
+            </a:r>
+            <a:r>
+              <a:rPr lang="en-US" sz="2400" dirty="0" err="1"/>
+              <a:t>buildDataSize</a:t>
+            </a:r>
+            <a:r>
+              <a:rPr lang="en-US" sz="2400" dirty="0"/>
+              <a:t>")</a:t>
+            </a:r>
+          </a:p>
+          <a:p>
+            <a:r>
+              <a:rPr lang="en-US" sz="2400" dirty="0"/>
+              <a:t>    </a:t>
+            </a:r>
+            <a:r>
+              <a:rPr lang="en-US" sz="2400" dirty="0" err="1"/>
+              <a:t>val</a:t>
+            </a:r>
+            <a:r>
+              <a:rPr lang="en-US" sz="2400" dirty="0"/>
+              <a:t> </a:t>
+            </a:r>
+            <a:r>
+              <a:rPr lang="en-US" sz="2400" dirty="0" err="1"/>
+              <a:t>buildTime</a:t>
+            </a:r>
+            <a:r>
+              <a:rPr lang="en-US" sz="2400" dirty="0"/>
+              <a:t> = </a:t>
+            </a:r>
+            <a:r>
+              <a:rPr lang="en-US" sz="2400" dirty="0" err="1"/>
+              <a:t>longMetric</a:t>
+            </a:r>
+            <a:r>
+              <a:rPr lang="en-US" sz="2400" dirty="0"/>
+              <a:t>("</a:t>
+            </a:r>
+            <a:r>
+              <a:rPr lang="en-US" sz="2400" dirty="0" err="1"/>
+              <a:t>buildTime</a:t>
+            </a:r>
+            <a:r>
+              <a:rPr lang="en-US" sz="2400" dirty="0"/>
+              <a:t>")</a:t>
+            </a:r>
+          </a:p>
+          <a:p>
+            <a:r>
+              <a:rPr lang="en-US" sz="2400" dirty="0"/>
+              <a:t>    </a:t>
+            </a:r>
+            <a:r>
+              <a:rPr lang="en-US" sz="2400" dirty="0" err="1"/>
+              <a:t>val</a:t>
+            </a:r>
+            <a:r>
+              <a:rPr lang="en-US" sz="2400" dirty="0"/>
+              <a:t> start = </a:t>
+            </a:r>
+            <a:r>
+              <a:rPr lang="en-US" sz="2400" dirty="0" err="1"/>
+              <a:t>System.nanoTime</a:t>
+            </a:r>
+            <a:r>
+              <a:rPr lang="en-US" sz="2400" dirty="0"/>
+              <a:t>()</a:t>
+            </a:r>
+          </a:p>
+          <a:p>
+            <a:r>
+              <a:rPr lang="en-US" sz="2400" dirty="0"/>
+              <a:t>    </a:t>
+            </a:r>
+            <a:r>
+              <a:rPr lang="en-US" sz="2400" dirty="0" err="1"/>
+              <a:t>val</a:t>
+            </a:r>
+            <a:r>
+              <a:rPr lang="en-US" sz="2400" dirty="0"/>
+              <a:t> context = </a:t>
+            </a:r>
+            <a:r>
+              <a:rPr lang="en-US" sz="2400" dirty="0" err="1"/>
+              <a:t>TaskContext.get</a:t>
+            </a:r>
+            <a:r>
+              <a:rPr lang="en-US" sz="2400" dirty="0"/>
+              <a:t>()</a:t>
+            </a:r>
+          </a:p>
+          <a:p>
+            <a:r>
+              <a:rPr lang="en-US" sz="2400" b="1" dirty="0"/>
+              <a:t>    </a:t>
+            </a:r>
+            <a:r>
+              <a:rPr lang="en-US" sz="2400" b="1" dirty="0" err="1"/>
+              <a:t>val</a:t>
+            </a:r>
+            <a:r>
+              <a:rPr lang="en-US" sz="2400" b="1" dirty="0"/>
+              <a:t> relation = </a:t>
+            </a:r>
+            <a:r>
+              <a:rPr lang="en-US" sz="2400" b="1" dirty="0" err="1"/>
+              <a:t>HashedRelation</a:t>
+            </a:r>
+            <a:r>
+              <a:rPr lang="en-US" sz="2400" b="1" dirty="0"/>
+              <a:t>(</a:t>
+            </a:r>
+            <a:r>
+              <a:rPr lang="en-US" sz="2400" b="1" dirty="0" err="1"/>
+              <a:t>iter</a:t>
+            </a:r>
+            <a:r>
+              <a:rPr lang="en-US" sz="2400" b="1" dirty="0"/>
+              <a:t>, </a:t>
+            </a:r>
+            <a:r>
+              <a:rPr lang="en-US" sz="2400" b="1" dirty="0" err="1"/>
+              <a:t>buildKeys</a:t>
+            </a:r>
+            <a:r>
+              <a:rPr lang="en-US" sz="2400" b="1" dirty="0"/>
+              <a:t>, </a:t>
+            </a:r>
+            <a:r>
+              <a:rPr lang="en-US" sz="2400" b="1" dirty="0" err="1"/>
+              <a:t>taskMemoryManager</a:t>
+            </a:r>
+            <a:r>
+              <a:rPr lang="en-US" sz="2400" b="1" dirty="0"/>
+              <a:t> = </a:t>
+            </a:r>
+            <a:r>
+              <a:rPr lang="en-US" sz="2400" b="1" dirty="0" err="1"/>
+              <a:t>context.taskMemoryManager</a:t>
+            </a:r>
+            <a:r>
+              <a:rPr lang="en-US" sz="2400" b="1" dirty="0"/>
+              <a:t>())</a:t>
+            </a:r>
+          </a:p>
+          <a:p>
+            <a:r>
+              <a:rPr lang="en-US" sz="2400" dirty="0"/>
+              <a:t>    </a:t>
+            </a:r>
+            <a:r>
+              <a:rPr lang="en-US" sz="2400" dirty="0" err="1"/>
+              <a:t>buildTime</a:t>
+            </a:r>
+            <a:r>
+              <a:rPr lang="en-US" sz="2400" dirty="0"/>
+              <a:t> += </a:t>
+            </a:r>
+            <a:r>
+              <a:rPr lang="en-US" sz="2400" dirty="0" err="1"/>
+              <a:t>NANOSECONDS.toMillis</a:t>
+            </a:r>
+            <a:r>
+              <a:rPr lang="en-US" sz="2400" dirty="0"/>
+              <a:t>(</a:t>
+            </a:r>
+            <a:r>
+              <a:rPr lang="en-US" sz="2400" dirty="0" err="1"/>
+              <a:t>System.nanoTime</a:t>
+            </a:r>
+            <a:r>
+              <a:rPr lang="en-US" sz="2400" dirty="0"/>
+              <a:t>() - start)</a:t>
+            </a:r>
+          </a:p>
+          <a:p>
+            <a:r>
+              <a:rPr lang="en-US" sz="2400" dirty="0"/>
+              <a:t>    </a:t>
+            </a:r>
+            <a:r>
+              <a:rPr lang="en-US" sz="2400" dirty="0" err="1"/>
+              <a:t>buildDataSize</a:t>
+            </a:r>
+            <a:r>
+              <a:rPr lang="en-US" sz="2400" dirty="0"/>
+              <a:t> += </a:t>
+            </a:r>
+            <a:r>
+              <a:rPr lang="en-US" sz="2400" dirty="0" err="1"/>
+              <a:t>relation.estimatedSize</a:t>
+            </a:r>
+            <a:endParaRPr lang="en-US" sz="2400" dirty="0"/>
+          </a:p>
+          <a:p>
+            <a:r>
+              <a:rPr lang="en-US" sz="2400" dirty="0"/>
+              <a:t>    // This relation is usually used until the end of task.</a:t>
+            </a:r>
+          </a:p>
+          <a:p>
+            <a:r>
+              <a:rPr lang="en-US" sz="2400" dirty="0"/>
+              <a:t>    </a:t>
+            </a:r>
+            <a:r>
+              <a:rPr lang="en-US" sz="2400" dirty="0" err="1"/>
+              <a:t>context.addTaskCompletionListener</a:t>
+            </a:r>
+            <a:r>
+              <a:rPr lang="en-US" sz="2400" dirty="0"/>
+              <a:t>[Unit](_ =&gt; </a:t>
+            </a:r>
+            <a:r>
+              <a:rPr lang="en-US" sz="2400" dirty="0" err="1"/>
+              <a:t>relation.close</a:t>
+            </a:r>
+            <a:r>
+              <a:rPr lang="en-US" sz="2400" dirty="0"/>
+              <a:t>())</a:t>
+            </a:r>
+          </a:p>
+          <a:p>
+            <a:r>
+              <a:rPr lang="en-US" sz="2400" dirty="0"/>
+              <a:t>    relation</a:t>
+            </a:r>
+          </a:p>
+          <a:p>
+            <a:r>
+              <a:rPr lang="en-US" sz="2400" dirty="0"/>
+              <a:t>  }</a:t>
+            </a:r>
+            <a:endParaRPr lang="ru-RU" sz="2400" dirty="0"/>
           </a:p>
         </p:txBody>
       </p:sp>
     </p:spTree>
     <p:extLst>
       <p:ext uri="{BB962C8B-B14F-4D97-AF65-F5344CB8AC3E}">
-        <p14:creationId xmlns:p14="http://schemas.microsoft.com/office/powerpoint/2010/main" val="1614677254"/>
+        <p14:creationId xmlns:p14="http://schemas.microsoft.com/office/powerpoint/2010/main" val="2392033812"/>
       </p:ext>
     </p:extLst>
   </p:cSld>

--- a/Spark_join4.pptx
+++ b/Spark_join4.pptx
@@ -22,10 +22,10 @@
     <p:sldId id="297" r:id="rId13"/>
     <p:sldId id="291" r:id="rId14"/>
     <p:sldId id="292" r:id="rId15"/>
-    <p:sldId id="293" r:id="rId16"/>
-    <p:sldId id="294" r:id="rId17"/>
+    <p:sldId id="294" r:id="rId16"/>
+    <p:sldId id="296" r:id="rId17"/>
     <p:sldId id="295" r:id="rId18"/>
-    <p:sldId id="296" r:id="rId19"/>
+    <p:sldId id="293" r:id="rId19"/>
     <p:sldId id="269" r:id="rId20"/>
   </p:sldIdLst>
   <p:sldSz cx="12192000" cy="6858000"/>
@@ -215,7 +215,7 @@
           <a:p>
             <a:fld id="{6FE37721-1188-47D5-9044-022ECE8C9E54}" type="datetimeFigureOut">
               <a:rPr lang="ru-RU" smtClean="0"/>
-              <a:t>07.11.2020</a:t>
+              <a:t>15.11.2020</a:t>
             </a:fld>
             <a:endParaRPr lang="ru-RU"/>
           </a:p>
@@ -614,7 +614,7 @@
           <a:p>
             <a:fld id="{B7A4174B-3865-4C52-8BB2-B1080AE4813B}" type="datetimeFigureOut">
               <a:rPr lang="ru-RU" smtClean="0"/>
-              <a:t>07.11.2020</a:t>
+              <a:t>15.11.2020</a:t>
             </a:fld>
             <a:endParaRPr lang="ru-RU"/>
           </a:p>
@@ -784,7 +784,7 @@
           <a:p>
             <a:fld id="{B7A4174B-3865-4C52-8BB2-B1080AE4813B}" type="datetimeFigureOut">
               <a:rPr lang="ru-RU" smtClean="0"/>
-              <a:t>07.11.2020</a:t>
+              <a:t>15.11.2020</a:t>
             </a:fld>
             <a:endParaRPr lang="ru-RU"/>
           </a:p>
@@ -964,7 +964,7 @@
           <a:p>
             <a:fld id="{B7A4174B-3865-4C52-8BB2-B1080AE4813B}" type="datetimeFigureOut">
               <a:rPr lang="ru-RU" smtClean="0"/>
-              <a:t>07.11.2020</a:t>
+              <a:t>15.11.2020</a:t>
             </a:fld>
             <a:endParaRPr lang="ru-RU"/>
           </a:p>
@@ -1134,7 +1134,7 @@
           <a:p>
             <a:fld id="{B7A4174B-3865-4C52-8BB2-B1080AE4813B}" type="datetimeFigureOut">
               <a:rPr lang="ru-RU" smtClean="0"/>
-              <a:t>07.11.2020</a:t>
+              <a:t>15.11.2020</a:t>
             </a:fld>
             <a:endParaRPr lang="ru-RU"/>
           </a:p>
@@ -1380,7 +1380,7 @@
           <a:p>
             <a:fld id="{B7A4174B-3865-4C52-8BB2-B1080AE4813B}" type="datetimeFigureOut">
               <a:rPr lang="ru-RU" smtClean="0"/>
-              <a:t>07.11.2020</a:t>
+              <a:t>15.11.2020</a:t>
             </a:fld>
             <a:endParaRPr lang="ru-RU"/>
           </a:p>
@@ -1612,7 +1612,7 @@
           <a:p>
             <a:fld id="{B7A4174B-3865-4C52-8BB2-B1080AE4813B}" type="datetimeFigureOut">
               <a:rPr lang="ru-RU" smtClean="0"/>
-              <a:t>07.11.2020</a:t>
+              <a:t>15.11.2020</a:t>
             </a:fld>
             <a:endParaRPr lang="ru-RU"/>
           </a:p>
@@ -1979,7 +1979,7 @@
           <a:p>
             <a:fld id="{B7A4174B-3865-4C52-8BB2-B1080AE4813B}" type="datetimeFigureOut">
               <a:rPr lang="ru-RU" smtClean="0"/>
-              <a:t>07.11.2020</a:t>
+              <a:t>15.11.2020</a:t>
             </a:fld>
             <a:endParaRPr lang="ru-RU"/>
           </a:p>
@@ -2097,7 +2097,7 @@
           <a:p>
             <a:fld id="{B7A4174B-3865-4C52-8BB2-B1080AE4813B}" type="datetimeFigureOut">
               <a:rPr lang="ru-RU" smtClean="0"/>
-              <a:t>07.11.2020</a:t>
+              <a:t>15.11.2020</a:t>
             </a:fld>
             <a:endParaRPr lang="ru-RU"/>
           </a:p>
@@ -2192,7 +2192,7 @@
           <a:p>
             <a:fld id="{B7A4174B-3865-4C52-8BB2-B1080AE4813B}" type="datetimeFigureOut">
               <a:rPr lang="ru-RU" smtClean="0"/>
-              <a:t>07.11.2020</a:t>
+              <a:t>15.11.2020</a:t>
             </a:fld>
             <a:endParaRPr lang="ru-RU"/>
           </a:p>
@@ -2469,7 +2469,7 @@
           <a:p>
             <a:fld id="{B7A4174B-3865-4C52-8BB2-B1080AE4813B}" type="datetimeFigureOut">
               <a:rPr lang="ru-RU" smtClean="0"/>
-              <a:t>07.11.2020</a:t>
+              <a:t>15.11.2020</a:t>
             </a:fld>
             <a:endParaRPr lang="ru-RU"/>
           </a:p>
@@ -2722,7 +2722,7 @@
           <a:p>
             <a:fld id="{B7A4174B-3865-4C52-8BB2-B1080AE4813B}" type="datetimeFigureOut">
               <a:rPr lang="ru-RU" smtClean="0"/>
-              <a:t>07.11.2020</a:t>
+              <a:t>15.11.2020</a:t>
             </a:fld>
             <a:endParaRPr lang="ru-RU"/>
           </a:p>
@@ -2935,7 +2935,7 @@
           <a:p>
             <a:fld id="{B7A4174B-3865-4C52-8BB2-B1080AE4813B}" type="datetimeFigureOut">
               <a:rPr lang="ru-RU" smtClean="0"/>
-              <a:t>07.11.2020</a:t>
+              <a:t>15.11.2020</a:t>
             </a:fld>
             <a:endParaRPr lang="ru-RU"/>
           </a:p>
@@ -5455,8 +5455,8 @@
         </p:nvSpPr>
         <p:spPr>
           <a:xfrm>
-            <a:off x="0" y="0"/>
-            <a:ext cx="12192000" cy="8402300"/>
+            <a:off x="-85725" y="1164134"/>
+            <a:ext cx="12192000" cy="5693866"/>
           </a:xfrm>
           <a:prstGeom prst="rect">
             <a:avLst/>
@@ -5469,574 +5469,519 @@
           <a:lstStyle/>
           <a:p>
             <a:r>
-              <a:rPr lang="en-US" dirty="0"/>
+              <a:rPr lang="en-US" sz="2800" dirty="0"/>
               <a:t> private </a:t>
             </a:r>
             <a:r>
-              <a:rPr lang="en-US" dirty="0" err="1"/>
+              <a:rPr lang="en-US" sz="2800" dirty="0" err="1"/>
               <a:t>def</a:t>
             </a:r>
             <a:r>
-              <a:rPr lang="en-US" dirty="0"/>
+              <a:rPr lang="en-US" sz="2800" dirty="0"/>
               <a:t> </a:t>
             </a:r>
             <a:r>
-              <a:rPr lang="en-US" b="1" dirty="0" err="1"/>
-              <a:t>outerJoin</a:t>
-            </a:r>
-            <a:r>
-              <a:rPr lang="en-US" dirty="0" smtClean="0"/>
-              <a:t>(  </a:t>
-            </a:r>
-            <a:r>
-              <a:rPr lang="en-US" dirty="0" err="1"/>
-              <a:t>streamedIter</a:t>
-            </a:r>
-            <a:r>
-              <a:rPr lang="en-US" dirty="0"/>
+              <a:rPr lang="en-US" sz="2800" dirty="0" err="1"/>
+              <a:t>semiJoin</a:t>
+            </a:r>
+            <a:r>
+              <a:rPr lang="en-US" sz="2800" dirty="0"/>
+              <a:t>(</a:t>
+            </a:r>
+          </a:p>
+          <a:p>
+            <a:r>
+              <a:rPr lang="en-US" sz="2800" dirty="0"/>
+              <a:t>      </a:t>
+            </a:r>
+            <a:r>
+              <a:rPr lang="en-US" sz="2800" dirty="0" err="1"/>
+              <a:t>streamIter</a:t>
+            </a:r>
+            <a:r>
+              <a:rPr lang="en-US" sz="2800" dirty="0"/>
               <a:t>: Iterator[</a:t>
             </a:r>
             <a:r>
-              <a:rPr lang="en-US" dirty="0" err="1"/>
+              <a:rPr lang="en-US" sz="2800" dirty="0" err="1"/>
               <a:t>InternalRow</a:t>
             </a:r>
             <a:r>
-              <a:rPr lang="en-US" dirty="0" smtClean="0"/>
-              <a:t>],  </a:t>
-            </a:r>
-            <a:r>
-              <a:rPr lang="en-US" dirty="0" err="1"/>
+              <a:rPr lang="en-US" sz="2800" dirty="0"/>
+              <a:t>],</a:t>
+            </a:r>
+          </a:p>
+          <a:p>
+            <a:r>
+              <a:rPr lang="en-US" sz="2800" dirty="0"/>
+              <a:t>      </a:t>
+            </a:r>
+            <a:r>
+              <a:rPr lang="en-US" sz="2800" dirty="0" err="1"/>
               <a:t>hashedRelation</a:t>
             </a:r>
             <a:r>
-              <a:rPr lang="en-US" dirty="0"/>
+              <a:rPr lang="en-US" sz="2800" dirty="0"/>
               <a:t>: </a:t>
             </a:r>
             <a:r>
-              <a:rPr lang="en-US" dirty="0" err="1"/>
+              <a:rPr lang="en-US" sz="2800" dirty="0" err="1"/>
               <a:t>HashedRelation</a:t>
             </a:r>
             <a:r>
-              <a:rPr lang="en-US" dirty="0"/>
+              <a:rPr lang="en-US" sz="2800" dirty="0"/>
               <a:t>): Iterator[</a:t>
             </a:r>
             <a:r>
-              <a:rPr lang="en-US" dirty="0" err="1"/>
+              <a:rPr lang="en-US" sz="2800" dirty="0" err="1"/>
               <a:t>InternalRow</a:t>
             </a:r>
             <a:r>
-              <a:rPr lang="en-US" dirty="0"/>
+              <a:rPr lang="en-US" sz="2800" dirty="0"/>
               <a:t>] = {</a:t>
             </a:r>
           </a:p>
           <a:p>
             <a:r>
-              <a:rPr lang="en-US" dirty="0"/>
+              <a:rPr lang="en-US" sz="2800" dirty="0"/>
               <a:t>    </a:t>
             </a:r>
             <a:r>
-              <a:rPr lang="en-US" dirty="0" err="1"/>
+              <a:rPr lang="en-US" sz="2800" dirty="0" err="1"/>
               <a:t>val</a:t>
             </a:r>
             <a:r>
-              <a:rPr lang="en-US" dirty="0"/>
+              <a:rPr lang="en-US" sz="2800" dirty="0"/>
               <a:t> </a:t>
             </a:r>
             <a:r>
-              <a:rPr lang="en-US" dirty="0" err="1"/>
+              <a:rPr lang="en-US" sz="2800" dirty="0" err="1"/>
+              <a:t>joinKeys</a:t>
+            </a:r>
+            <a:r>
+              <a:rPr lang="en-US" sz="2800" dirty="0"/>
+              <a:t> = </a:t>
+            </a:r>
+            <a:r>
+              <a:rPr lang="en-US" sz="2800" dirty="0" err="1"/>
+              <a:t>streamSideKeyGenerator</a:t>
+            </a:r>
+            <a:r>
+              <a:rPr lang="en-US" sz="2800" dirty="0"/>
+              <a:t>()</a:t>
+            </a:r>
+          </a:p>
+          <a:p>
+            <a:r>
+              <a:rPr lang="en-US" sz="2800" dirty="0"/>
+              <a:t>    </a:t>
+            </a:r>
+            <a:r>
+              <a:rPr lang="en-US" sz="2800" dirty="0" err="1"/>
+              <a:t>val</a:t>
+            </a:r>
+            <a:r>
+              <a:rPr lang="en-US" sz="2800" dirty="0"/>
+              <a:t> </a:t>
+            </a:r>
+            <a:r>
+              <a:rPr lang="en-US" sz="2800" dirty="0" err="1"/>
               <a:t>joinedRow</a:t>
             </a:r>
             <a:r>
-              <a:rPr lang="en-US" dirty="0"/>
+              <a:rPr lang="en-US" sz="2800" dirty="0"/>
               <a:t> = new </a:t>
             </a:r>
             <a:r>
-              <a:rPr lang="en-US" dirty="0" err="1"/>
+              <a:rPr lang="en-US" sz="2800" dirty="0" err="1"/>
               <a:t>JoinedRow</a:t>
             </a:r>
-            <a:r>
-              <a:rPr lang="en-US" dirty="0" smtClean="0"/>
-              <a:t>(); </a:t>
-            </a:r>
-          </a:p>
-          <a:p>
-            <a:r>
-              <a:rPr lang="en-US" dirty="0" smtClean="0"/>
+            <a:endParaRPr lang="en-US" sz="2800" dirty="0"/>
+          </a:p>
+          <a:p>
+            <a:r>
+              <a:rPr lang="en-US" sz="2800" dirty="0"/>
               <a:t>    </a:t>
             </a:r>
             <a:r>
-              <a:rPr lang="en-US" dirty="0" err="1" smtClean="0"/>
+              <a:rPr lang="en-US" sz="2800" b="1" dirty="0" err="1"/>
+              <a:t>streamIter.filter</a:t>
+            </a:r>
+            <a:r>
+              <a:rPr lang="en-US" sz="2800" dirty="0"/>
+              <a:t> { current =&gt;</a:t>
+            </a:r>
+          </a:p>
+          <a:p>
+            <a:r>
+              <a:rPr lang="en-US" sz="2800" dirty="0"/>
+              <a:t>      </a:t>
+            </a:r>
+            <a:r>
+              <a:rPr lang="en-US" sz="2800" dirty="0" err="1"/>
               <a:t>val</a:t>
             </a:r>
             <a:r>
-              <a:rPr lang="en-US" dirty="0" smtClean="0"/>
+              <a:rPr lang="en-US" sz="2800" dirty="0"/>
+              <a:t> key = </a:t>
+            </a:r>
+            <a:r>
+              <a:rPr lang="en-US" sz="2800" dirty="0" err="1"/>
+              <a:t>joinKeys</a:t>
+            </a:r>
+            <a:r>
+              <a:rPr lang="en-US" sz="2800" dirty="0"/>
+              <a:t>(current)</a:t>
+            </a:r>
+          </a:p>
+          <a:p>
+            <a:r>
+              <a:rPr lang="en-US" sz="2800" dirty="0"/>
+              <a:t>      lazy </a:t>
+            </a:r>
+            <a:r>
+              <a:rPr lang="en-US" sz="2800" dirty="0" err="1"/>
+              <a:t>val</a:t>
+            </a:r>
+            <a:r>
+              <a:rPr lang="en-US" sz="2800" dirty="0"/>
               <a:t> </a:t>
             </a:r>
             <a:r>
-              <a:rPr lang="en-US" dirty="0" err="1" smtClean="0"/>
-              <a:t>keyGenerator</a:t>
-            </a:r>
-            <a:r>
-              <a:rPr lang="en-US" dirty="0" smtClean="0"/>
+              <a:rPr lang="en-US" sz="2800" b="1" dirty="0" err="1"/>
+              <a:t>buildIter</a:t>
+            </a:r>
+            <a:r>
+              <a:rPr lang="en-US" sz="2800" dirty="0"/>
               <a:t> = </a:t>
             </a:r>
             <a:r>
-              <a:rPr lang="en-US" dirty="0" err="1" smtClean="0"/>
-              <a:t>streamSideKeyGenerator</a:t>
-            </a:r>
-            <a:r>
-              <a:rPr lang="en-US" dirty="0" smtClean="0"/>
-              <a:t>()</a:t>
-            </a:r>
-          </a:p>
-          <a:p>
-            <a:r>
-              <a:rPr lang="en-US" dirty="0" smtClean="0"/>
-              <a:t>    </a:t>
-            </a:r>
-            <a:r>
-              <a:rPr lang="en-US" dirty="0" err="1" smtClean="0"/>
-              <a:t>val</a:t>
-            </a:r>
-            <a:r>
-              <a:rPr lang="en-US" dirty="0" smtClean="0"/>
+              <a:rPr lang="en-US" sz="2800" dirty="0" err="1"/>
+              <a:t>hashedRelation.get</a:t>
+            </a:r>
+            <a:r>
+              <a:rPr lang="en-US" sz="2800" dirty="0"/>
+              <a:t>(key)</a:t>
+            </a:r>
+          </a:p>
+          <a:p>
+            <a:r>
+              <a:rPr lang="en-US" sz="2800" dirty="0"/>
+              <a:t>      !</a:t>
+            </a:r>
+            <a:r>
+              <a:rPr lang="en-US" sz="2800" dirty="0" err="1"/>
+              <a:t>key.anyNull</a:t>
+            </a:r>
+            <a:r>
+              <a:rPr lang="en-US" sz="2800" dirty="0"/>
+              <a:t> &amp;&amp; </a:t>
+            </a:r>
+            <a:r>
+              <a:rPr lang="en-US" sz="2800" b="1" dirty="0" err="1"/>
+              <a:t>buildIter</a:t>
+            </a:r>
+            <a:r>
+              <a:rPr lang="en-US" sz="2800" b="1" dirty="0"/>
+              <a:t> != null </a:t>
+            </a:r>
+            <a:r>
+              <a:rPr lang="en-US" sz="2800" dirty="0"/>
+              <a:t>&amp;&amp; (</a:t>
+            </a:r>
+            <a:r>
+              <a:rPr lang="en-US" sz="2800" dirty="0" err="1"/>
+              <a:t>condition.isEmpty</a:t>
+            </a:r>
+            <a:r>
+              <a:rPr lang="en-US" sz="2800" dirty="0"/>
+              <a:t> || </a:t>
+            </a:r>
+            <a:r>
+              <a:rPr lang="en-US" sz="2800" b="1" dirty="0" err="1"/>
+              <a:t>buildIter.exists</a:t>
+            </a:r>
+            <a:r>
+              <a:rPr lang="en-US" sz="2800" dirty="0"/>
+              <a:t> {</a:t>
+            </a:r>
+          </a:p>
+          <a:p>
+            <a:r>
+              <a:rPr lang="en-US" sz="2800" dirty="0"/>
+              <a:t>        (row: </a:t>
+            </a:r>
+            <a:r>
+              <a:rPr lang="en-US" sz="2800" dirty="0" err="1"/>
+              <a:t>InternalRow</a:t>
+            </a:r>
+            <a:r>
+              <a:rPr lang="en-US" sz="2800" dirty="0"/>
+              <a:t>) =&gt; </a:t>
+            </a:r>
+            <a:r>
+              <a:rPr lang="en-US" sz="2800" b="1" dirty="0" err="1"/>
+              <a:t>boundCondition</a:t>
+            </a:r>
+            <a:r>
+              <a:rPr lang="en-US" sz="2800" b="1" dirty="0"/>
+              <a:t>(</a:t>
+            </a:r>
+            <a:r>
+              <a:rPr lang="en-US" sz="2800" b="1" dirty="0" err="1"/>
+              <a:t>joinedRow</a:t>
+            </a:r>
+            <a:r>
+              <a:rPr lang="en-US" sz="2800" b="1" dirty="0"/>
+              <a:t>(current, row))</a:t>
+            </a:r>
+          </a:p>
+          <a:p>
+            <a:r>
+              <a:rPr lang="en-US" sz="2800" dirty="0"/>
+              <a:t>      })</a:t>
+            </a:r>
+          </a:p>
+          <a:p>
+            <a:r>
+              <a:rPr lang="en-US" sz="2800" dirty="0"/>
+              <a:t>    }</a:t>
+            </a:r>
+          </a:p>
+          <a:p>
+            <a:r>
+              <a:rPr lang="en-US" sz="2800" dirty="0"/>
+              <a:t>  }</a:t>
+            </a:r>
+            <a:endParaRPr lang="ru-RU" sz="2800" dirty="0"/>
+          </a:p>
+        </p:txBody>
+      </p:sp>
+      <p:sp>
+        <p:nvSpPr>
+          <p:cNvPr id="4" name="Прямоугольник 3"/>
+          <p:cNvSpPr/>
+          <p:nvPr/>
+        </p:nvSpPr>
+        <p:spPr>
+          <a:xfrm>
+            <a:off x="85725" y="112216"/>
+            <a:ext cx="12020550" cy="954107"/>
+          </a:xfrm>
+          <a:prstGeom prst="rect">
+            <a:avLst/>
+          </a:prstGeom>
+        </p:spPr>
+        <p:txBody>
+          <a:bodyPr wrap="square">
+            <a:spAutoFit/>
+          </a:bodyPr>
+          <a:lstStyle/>
+          <a:p>
+            <a:pPr algn="ctr"/>
+            <a:r>
+              <a:rPr lang="ru-RU" sz="2800" b="1" dirty="0"/>
+              <a:t>A </a:t>
+            </a:r>
+            <a:r>
+              <a:rPr lang="ru-RU" sz="2800" b="1" dirty="0" err="1"/>
+              <a:t>semijoin</a:t>
+            </a:r>
+            <a:r>
+              <a:rPr lang="ru-RU" sz="2800" b="1" dirty="0"/>
               <a:t> </a:t>
             </a:r>
             <a:r>
-              <a:rPr lang="en-US" dirty="0" err="1" smtClean="0"/>
-              <a:t>nullRow</a:t>
-            </a:r>
-            <a:r>
-              <a:rPr lang="en-US" dirty="0" smtClean="0"/>
-              <a:t> = new </a:t>
-            </a:r>
-            <a:r>
-              <a:rPr lang="en-US" dirty="0" err="1" smtClean="0"/>
-              <a:t>GenericInternalRow</a:t>
-            </a:r>
-            <a:r>
-              <a:rPr lang="en-US" dirty="0" smtClean="0"/>
-              <a:t>(</a:t>
-            </a:r>
-            <a:r>
-              <a:rPr lang="en-US" dirty="0" err="1" smtClean="0"/>
-              <a:t>buildPlan.output.length</a:t>
-            </a:r>
-            <a:r>
-              <a:rPr lang="en-US" dirty="0" smtClean="0"/>
-              <a:t>)</a:t>
-            </a:r>
-          </a:p>
-          <a:p>
-            <a:endParaRPr lang="en-US" dirty="0"/>
-          </a:p>
-          <a:p>
-            <a:r>
-              <a:rPr lang="en-US" dirty="0"/>
-              <a:t>    </a:t>
-            </a:r>
-            <a:r>
-              <a:rPr lang="en-US" dirty="0" err="1"/>
-              <a:t>streamedIter.</a:t>
-            </a:r>
-            <a:r>
-              <a:rPr lang="en-US" b="1" dirty="0" err="1"/>
-              <a:t>flatMap</a:t>
-            </a:r>
-            <a:r>
-              <a:rPr lang="en-US" b="1" dirty="0"/>
+              <a:rPr lang="ru-RU" sz="2800" b="1" dirty="0" err="1"/>
+              <a:t>returns</a:t>
+            </a:r>
+            <a:r>
+              <a:rPr lang="ru-RU" sz="2800" b="1" dirty="0"/>
               <a:t> </a:t>
             </a:r>
             <a:r>
-              <a:rPr lang="en-US" dirty="0"/>
-              <a:t>{ </a:t>
-            </a:r>
-            <a:r>
-              <a:rPr lang="en-US" dirty="0" err="1"/>
-              <a:t>currentRow</a:t>
-            </a:r>
-            <a:r>
-              <a:rPr lang="en-US" dirty="0"/>
-              <a:t> =&gt;</a:t>
-            </a:r>
-          </a:p>
-          <a:p>
-            <a:r>
-              <a:rPr lang="en-US" dirty="0"/>
-              <a:t>      </a:t>
-            </a:r>
-            <a:r>
-              <a:rPr lang="en-US" dirty="0" err="1"/>
-              <a:t>val</a:t>
-            </a:r>
-            <a:r>
-              <a:rPr lang="en-US" dirty="0"/>
+              <a:rPr lang="ru-RU" sz="2800" b="1" dirty="0" err="1"/>
+              <a:t>all</a:t>
+            </a:r>
+            <a:r>
+              <a:rPr lang="ru-RU" sz="2800" b="1" dirty="0"/>
               <a:t> </a:t>
             </a:r>
             <a:r>
-              <a:rPr lang="en-US" dirty="0" err="1"/>
-              <a:t>rowKey</a:t>
-            </a:r>
-            <a:r>
-              <a:rPr lang="en-US" dirty="0"/>
-              <a:t> = </a:t>
-            </a:r>
-            <a:r>
-              <a:rPr lang="en-US" dirty="0" err="1"/>
-              <a:t>keyGenerator</a:t>
-            </a:r>
-            <a:r>
-              <a:rPr lang="en-US" dirty="0"/>
-              <a:t>(</a:t>
-            </a:r>
-            <a:r>
-              <a:rPr lang="en-US" dirty="0" err="1"/>
-              <a:t>currentRow</a:t>
-            </a:r>
-            <a:r>
-              <a:rPr lang="en-US" dirty="0"/>
-              <a:t>)</a:t>
-            </a:r>
-          </a:p>
-          <a:p>
-            <a:r>
-              <a:rPr lang="en-US" dirty="0"/>
-              <a:t>      </a:t>
-            </a:r>
-            <a:r>
-              <a:rPr lang="en-US" dirty="0" err="1"/>
-              <a:t>joinedRow.withLeft</a:t>
-            </a:r>
-            <a:r>
-              <a:rPr lang="en-US" dirty="0"/>
-              <a:t>(</a:t>
-            </a:r>
-            <a:r>
-              <a:rPr lang="en-US" dirty="0" err="1"/>
-              <a:t>currentRow</a:t>
-            </a:r>
-            <a:r>
-              <a:rPr lang="en-US" dirty="0"/>
-              <a:t>)</a:t>
-            </a:r>
-          </a:p>
-          <a:p>
-            <a:r>
-              <a:rPr lang="en-US" dirty="0"/>
-              <a:t>      </a:t>
-            </a:r>
-            <a:r>
-              <a:rPr lang="en-US" b="1" dirty="0" err="1"/>
-              <a:t>val</a:t>
-            </a:r>
-            <a:r>
-              <a:rPr lang="en-US" b="1" dirty="0"/>
+              <a:rPr lang="ru-RU" sz="2800" b="1" dirty="0" err="1"/>
+              <a:t>rows</a:t>
+            </a:r>
+            <a:r>
+              <a:rPr lang="ru-RU" sz="2800" b="1" dirty="0"/>
               <a:t> </a:t>
             </a:r>
             <a:r>
-              <a:rPr lang="en-US" b="1" dirty="0" err="1"/>
-              <a:t>buildIter</a:t>
-            </a:r>
-            <a:r>
-              <a:rPr lang="en-US" b="1" dirty="0"/>
-              <a:t> = </a:t>
-            </a:r>
-            <a:r>
-              <a:rPr lang="en-US" b="1" dirty="0" err="1"/>
-              <a:t>hashedRelation.get</a:t>
-            </a:r>
-            <a:r>
-              <a:rPr lang="en-US" b="1" dirty="0"/>
-              <a:t>(</a:t>
-            </a:r>
-            <a:r>
-              <a:rPr lang="en-US" b="1" dirty="0" err="1"/>
-              <a:t>rowKey</a:t>
-            </a:r>
-            <a:r>
-              <a:rPr lang="en-US" dirty="0"/>
-              <a:t>)</a:t>
-            </a:r>
-          </a:p>
-          <a:p>
-            <a:r>
-              <a:rPr lang="en-US" dirty="0"/>
-              <a:t>      new </a:t>
-            </a:r>
-            <a:r>
-              <a:rPr lang="en-US" dirty="0" err="1"/>
-              <a:t>RowIterator</a:t>
-            </a:r>
-            <a:r>
-              <a:rPr lang="en-US" dirty="0"/>
-              <a:t> {</a:t>
-            </a:r>
-          </a:p>
-          <a:p>
-            <a:r>
-              <a:rPr lang="en-US" dirty="0"/>
-              <a:t>        private </a:t>
-            </a:r>
-            <a:r>
-              <a:rPr lang="en-US" dirty="0" err="1"/>
-              <a:t>var</a:t>
-            </a:r>
-            <a:r>
-              <a:rPr lang="en-US" dirty="0"/>
-              <a:t> found = false</a:t>
-            </a:r>
-          </a:p>
-          <a:p>
-            <a:r>
-              <a:rPr lang="en-US" dirty="0"/>
-              <a:t>        override </a:t>
-            </a:r>
-            <a:r>
-              <a:rPr lang="en-US" dirty="0" err="1"/>
-              <a:t>def</a:t>
-            </a:r>
-            <a:r>
-              <a:rPr lang="en-US" dirty="0"/>
+              <a:rPr lang="ru-RU" sz="2800" b="1" dirty="0" err="1"/>
+              <a:t>from</a:t>
+            </a:r>
+            <a:r>
+              <a:rPr lang="ru-RU" sz="2800" b="1" dirty="0"/>
               <a:t> </a:t>
             </a:r>
             <a:r>
-              <a:rPr lang="en-US" dirty="0" err="1"/>
-              <a:t>advanceNext</a:t>
-            </a:r>
-            <a:r>
-              <a:rPr lang="en-US" dirty="0"/>
-              <a:t>(): Boolean = {</a:t>
-            </a:r>
-          </a:p>
-          <a:p>
-            <a:r>
-              <a:rPr lang="en-US" dirty="0"/>
-              <a:t>          while (</a:t>
-            </a:r>
-            <a:r>
-              <a:rPr lang="en-US" dirty="0" err="1"/>
-              <a:t>buildIter</a:t>
-            </a:r>
-            <a:r>
-              <a:rPr lang="en-US" dirty="0"/>
-              <a:t> != null &amp;&amp; </a:t>
-            </a:r>
-            <a:r>
-              <a:rPr lang="en-US" dirty="0" err="1"/>
-              <a:t>buildIter.hasNext</a:t>
-            </a:r>
-            <a:r>
-              <a:rPr lang="en-US" dirty="0"/>
-              <a:t>) {</a:t>
-            </a:r>
-          </a:p>
-          <a:p>
-            <a:r>
-              <a:rPr lang="en-US" dirty="0"/>
-              <a:t>            </a:t>
-            </a:r>
-            <a:r>
-              <a:rPr lang="en-US" dirty="0" err="1"/>
-              <a:t>val</a:t>
-            </a:r>
-            <a:r>
-              <a:rPr lang="en-US" dirty="0"/>
+              <a:rPr lang="ru-RU" sz="2800" b="1" dirty="0" err="1"/>
+              <a:t>the</a:t>
+            </a:r>
+            <a:r>
+              <a:rPr lang="ru-RU" sz="2800" b="1" dirty="0"/>
               <a:t> </a:t>
             </a:r>
             <a:r>
-              <a:rPr lang="en-US" dirty="0" err="1"/>
-              <a:t>nextBuildRow</a:t>
-            </a:r>
-            <a:r>
-              <a:rPr lang="en-US" dirty="0"/>
-              <a:t> = </a:t>
-            </a:r>
-            <a:r>
-              <a:rPr lang="en-US" dirty="0" err="1"/>
-              <a:t>buildIter.next</a:t>
-            </a:r>
-            <a:r>
-              <a:rPr lang="en-US" dirty="0"/>
-              <a:t>()</a:t>
-            </a:r>
-          </a:p>
-          <a:p>
-            <a:r>
-              <a:rPr lang="en-US" dirty="0"/>
-              <a:t>            if (</a:t>
-            </a:r>
-            <a:r>
-              <a:rPr lang="en-US" dirty="0" err="1"/>
-              <a:t>boundCondition</a:t>
-            </a:r>
-            <a:r>
-              <a:rPr lang="en-US" dirty="0"/>
-              <a:t>(</a:t>
-            </a:r>
-            <a:r>
-              <a:rPr lang="en-US" dirty="0" err="1"/>
-              <a:t>joinedRow.withRight</a:t>
-            </a:r>
-            <a:r>
-              <a:rPr lang="en-US" dirty="0"/>
-              <a:t>(</a:t>
-            </a:r>
-            <a:r>
-              <a:rPr lang="en-US" dirty="0" err="1"/>
-              <a:t>nextBuildRow</a:t>
-            </a:r>
-            <a:r>
-              <a:rPr lang="en-US" dirty="0"/>
-              <a:t>))) {</a:t>
-            </a:r>
-          </a:p>
-          <a:p>
-            <a:r>
-              <a:rPr lang="en-US" dirty="0"/>
-              <a:t>              found = true</a:t>
-            </a:r>
-          </a:p>
-          <a:p>
-            <a:r>
-              <a:rPr lang="en-US" dirty="0"/>
-              <a:t>              return true</a:t>
-            </a:r>
-          </a:p>
-          <a:p>
-            <a:r>
-              <a:rPr lang="en-US" dirty="0"/>
-              <a:t>            }</a:t>
-            </a:r>
-          </a:p>
-          <a:p>
-            <a:r>
-              <a:rPr lang="en-US" dirty="0"/>
-              <a:t>          }</a:t>
-            </a:r>
-          </a:p>
-          <a:p>
-            <a:r>
-              <a:rPr lang="en-US" dirty="0"/>
-              <a:t>          if (!found) {</a:t>
-            </a:r>
-          </a:p>
-          <a:p>
-            <a:r>
-              <a:rPr lang="en-US" b="1" dirty="0"/>
-              <a:t>            </a:t>
-            </a:r>
-            <a:r>
-              <a:rPr lang="en-US" b="1" dirty="0" err="1"/>
-              <a:t>joinedRow.withRight</a:t>
-            </a:r>
-            <a:r>
-              <a:rPr lang="en-US" b="1" dirty="0"/>
-              <a:t>(</a:t>
-            </a:r>
-            <a:r>
-              <a:rPr lang="en-US" b="1" dirty="0" err="1"/>
-              <a:t>nullRow</a:t>
-            </a:r>
-            <a:r>
-              <a:rPr lang="en-US" b="1" dirty="0"/>
-              <a:t>)</a:t>
-            </a:r>
-          </a:p>
-          <a:p>
-            <a:r>
-              <a:rPr lang="en-US" dirty="0"/>
-              <a:t>            found = true</a:t>
-            </a:r>
-          </a:p>
-          <a:p>
-            <a:r>
-              <a:rPr lang="en-US" dirty="0"/>
-              <a:t>            return true</a:t>
-            </a:r>
-          </a:p>
-          <a:p>
-            <a:r>
-              <a:rPr lang="en-US" dirty="0"/>
-              <a:t>          }</a:t>
-            </a:r>
-          </a:p>
-          <a:p>
-            <a:r>
-              <a:rPr lang="en-US" dirty="0"/>
-              <a:t>          false</a:t>
-            </a:r>
-          </a:p>
-          <a:p>
-            <a:r>
-              <a:rPr lang="en-US" dirty="0"/>
-              <a:t>        }</a:t>
-            </a:r>
-          </a:p>
-          <a:p>
-            <a:r>
-              <a:rPr lang="en-US" dirty="0"/>
-              <a:t>        override </a:t>
-            </a:r>
-            <a:r>
-              <a:rPr lang="en-US" dirty="0" err="1"/>
-              <a:t>def</a:t>
-            </a:r>
-            <a:r>
-              <a:rPr lang="en-US" dirty="0"/>
+              <a:rPr lang="ru-RU" sz="2800" b="1" dirty="0" err="1"/>
+              <a:t>left</a:t>
+            </a:r>
+            <a:r>
+              <a:rPr lang="ru-RU" sz="2800" b="1" dirty="0"/>
               <a:t> </a:t>
             </a:r>
             <a:r>
-              <a:rPr lang="en-US" dirty="0" err="1"/>
-              <a:t>getRow</a:t>
-            </a:r>
-            <a:r>
-              <a:rPr lang="en-US" dirty="0"/>
-              <a:t>: </a:t>
-            </a:r>
-            <a:r>
-              <a:rPr lang="en-US" dirty="0" err="1"/>
-              <a:t>InternalRow</a:t>
-            </a:r>
-            <a:r>
-              <a:rPr lang="en-US" dirty="0"/>
-              <a:t> = </a:t>
-            </a:r>
-            <a:r>
-              <a:rPr lang="en-US" dirty="0" err="1"/>
-              <a:t>joinedRow</a:t>
-            </a:r>
-            <a:endParaRPr lang="en-US" dirty="0"/>
-          </a:p>
-          <a:p>
-            <a:r>
-              <a:rPr lang="en-US" dirty="0"/>
-              <a:t>      }.</a:t>
-            </a:r>
-            <a:r>
-              <a:rPr lang="en-US" dirty="0" err="1"/>
-              <a:t>toScala</a:t>
-            </a:r>
-            <a:endParaRPr lang="en-US" dirty="0"/>
-          </a:p>
-          <a:p>
-            <a:r>
-              <a:rPr lang="en-US" dirty="0"/>
-              <a:t>    }</a:t>
-            </a:r>
-          </a:p>
-          <a:p>
-            <a:r>
-              <a:rPr lang="en-US" dirty="0"/>
-              <a:t>  }</a:t>
-            </a:r>
-            <a:endParaRPr lang="ru-RU" dirty="0"/>
+              <a:rPr lang="ru-RU" sz="2800" b="1" dirty="0" err="1"/>
+              <a:t>table</a:t>
+            </a:r>
+            <a:r>
+              <a:rPr lang="ru-RU" sz="2800" b="1" dirty="0"/>
+              <a:t> </a:t>
+            </a:r>
+            <a:r>
+              <a:rPr lang="ru-RU" sz="2800" b="1" dirty="0" err="1"/>
+              <a:t>where</a:t>
+            </a:r>
+            <a:r>
+              <a:rPr lang="ru-RU" sz="2800" b="1" dirty="0"/>
+              <a:t> </a:t>
+            </a:r>
+            <a:r>
+              <a:rPr lang="ru-RU" sz="2800" b="1" dirty="0" err="1"/>
+              <a:t>there</a:t>
+            </a:r>
+            <a:r>
+              <a:rPr lang="ru-RU" sz="2800" b="1" dirty="0"/>
+              <a:t> </a:t>
+            </a:r>
+            <a:r>
+              <a:rPr lang="ru-RU" sz="2800" b="1" dirty="0" err="1"/>
+              <a:t>are</a:t>
+            </a:r>
+            <a:r>
+              <a:rPr lang="ru-RU" sz="2800" b="1" dirty="0"/>
+              <a:t> </a:t>
+            </a:r>
+            <a:r>
+              <a:rPr lang="ru-RU" sz="2800" b="1" dirty="0" err="1"/>
+              <a:t>matching</a:t>
+            </a:r>
+            <a:r>
+              <a:rPr lang="ru-RU" sz="2800" b="1" dirty="0"/>
+              <a:t> </a:t>
+            </a:r>
+            <a:r>
+              <a:rPr lang="ru-RU" sz="2800" b="1" dirty="0" err="1"/>
+              <a:t>values</a:t>
+            </a:r>
+            <a:r>
+              <a:rPr lang="ru-RU" sz="2800" b="1" dirty="0"/>
+              <a:t> </a:t>
+            </a:r>
+            <a:r>
+              <a:rPr lang="ru-RU" sz="2800" b="1" dirty="0" err="1"/>
+              <a:t>in</a:t>
+            </a:r>
+            <a:r>
+              <a:rPr lang="ru-RU" sz="2800" b="1" dirty="0"/>
+              <a:t> </a:t>
+            </a:r>
+            <a:r>
+              <a:rPr lang="ru-RU" sz="2800" b="1" dirty="0" err="1"/>
+              <a:t>the</a:t>
+            </a:r>
+            <a:r>
+              <a:rPr lang="ru-RU" sz="2800" b="1" dirty="0"/>
+              <a:t> </a:t>
+            </a:r>
+            <a:r>
+              <a:rPr lang="ru-RU" sz="2800" b="1" dirty="0" err="1"/>
+              <a:t>right</a:t>
+            </a:r>
+            <a:r>
+              <a:rPr lang="ru-RU" sz="2800" b="1" dirty="0"/>
+              <a:t> </a:t>
+            </a:r>
+            <a:r>
+              <a:rPr lang="ru-RU" sz="2800" b="1" dirty="0" err="1"/>
+              <a:t>table</a:t>
+            </a:r>
+            <a:r>
+              <a:rPr lang="ru-RU" sz="2800" b="1" dirty="0"/>
+              <a:t>, </a:t>
+            </a:r>
+            <a:r>
+              <a:rPr lang="ru-RU" sz="2800" b="1" dirty="0" err="1"/>
+              <a:t>keeping</a:t>
+            </a:r>
+            <a:r>
+              <a:rPr lang="ru-RU" sz="2800" b="1" dirty="0"/>
+              <a:t> </a:t>
+            </a:r>
+            <a:r>
+              <a:rPr lang="ru-RU" sz="2800" b="1" dirty="0" err="1"/>
+              <a:t>just</a:t>
+            </a:r>
+            <a:r>
+              <a:rPr lang="ru-RU" sz="2800" b="1" dirty="0"/>
+              <a:t> </a:t>
+            </a:r>
+            <a:r>
+              <a:rPr lang="ru-RU" sz="2800" b="1" dirty="0" err="1"/>
+              <a:t>columns</a:t>
+            </a:r>
+            <a:r>
+              <a:rPr lang="ru-RU" sz="2800" b="1" dirty="0"/>
+              <a:t> </a:t>
+            </a:r>
+            <a:r>
+              <a:rPr lang="ru-RU" sz="2800" b="1" dirty="0" err="1"/>
+              <a:t>from</a:t>
+            </a:r>
+            <a:r>
+              <a:rPr lang="ru-RU" sz="2800" b="1" dirty="0"/>
+              <a:t> </a:t>
+            </a:r>
+            <a:r>
+              <a:rPr lang="ru-RU" sz="2800" b="1" dirty="0" err="1"/>
+              <a:t>the</a:t>
+            </a:r>
+            <a:r>
+              <a:rPr lang="ru-RU" sz="2800" b="1" dirty="0"/>
+              <a:t> </a:t>
+            </a:r>
+            <a:r>
+              <a:rPr lang="ru-RU" sz="2800" b="1" dirty="0" err="1"/>
+              <a:t>left</a:t>
+            </a:r>
+            <a:r>
+              <a:rPr lang="ru-RU" sz="2800" b="1" dirty="0"/>
+              <a:t> </a:t>
+            </a:r>
+            <a:r>
+              <a:rPr lang="ru-RU" sz="2800" b="1" dirty="0" err="1"/>
+              <a:t>table</a:t>
+            </a:r>
+            <a:r>
+              <a:rPr lang="ru-RU" sz="2800" b="1" dirty="0"/>
+              <a:t>.</a:t>
+            </a:r>
           </a:p>
         </p:txBody>
       </p:sp>
     </p:spTree>
     <p:extLst>
       <p:ext uri="{BB962C8B-B14F-4D97-AF65-F5344CB8AC3E}">
-        <p14:creationId xmlns:p14="http://schemas.microsoft.com/office/powerpoint/2010/main" val="3943064267"/>
+        <p14:creationId xmlns:p14="http://schemas.microsoft.com/office/powerpoint/2010/main" val="653497378"/>
       </p:ext>
     </p:extLst>
   </p:cSld>
@@ -6078,7 +6023,7 @@
         </p:nvSpPr>
         <p:spPr>
           <a:xfrm>
-            <a:off x="-85725" y="1164134"/>
+            <a:off x="-216477" y="1164134"/>
             <a:ext cx="12192000" cy="5693866"/>
           </a:xfrm>
           <a:prstGeom prst="rect">
@@ -6092,284 +6037,288 @@
           <a:lstStyle/>
           <a:p>
             <a:r>
-              <a:rPr lang="en-US" sz="2800" dirty="0"/>
+              <a:rPr lang="en-US" sz="2800" dirty="0" smtClean="0"/>
               <a:t> private </a:t>
             </a:r>
             <a:r>
-              <a:rPr lang="en-US" sz="2800" dirty="0" err="1"/>
+              <a:rPr lang="en-US" sz="2800" dirty="0" err="1" smtClean="0"/>
               <a:t>def</a:t>
             </a:r>
             <a:r>
-              <a:rPr lang="en-US" sz="2800" dirty="0"/>
+              <a:rPr lang="en-US" sz="2800" dirty="0" smtClean="0"/>
               <a:t> </a:t>
             </a:r>
             <a:r>
-              <a:rPr lang="en-US" sz="2800" dirty="0" err="1"/>
-              <a:t>semiJoin</a:t>
-            </a:r>
-            <a:r>
-              <a:rPr lang="en-US" sz="2800" dirty="0"/>
+              <a:rPr lang="en-US" sz="2800" dirty="0" err="1" smtClean="0"/>
+              <a:t>antiJoin</a:t>
+            </a:r>
+            <a:r>
+              <a:rPr lang="en-US" sz="2800" dirty="0" smtClean="0"/>
               <a:t>(</a:t>
             </a:r>
           </a:p>
           <a:p>
             <a:r>
-              <a:rPr lang="en-US" sz="2800" dirty="0"/>
+              <a:rPr lang="en-US" sz="2800" dirty="0" smtClean="0"/>
               <a:t>      </a:t>
             </a:r>
             <a:r>
-              <a:rPr lang="en-US" sz="2800" dirty="0" err="1"/>
+              <a:rPr lang="en-US" sz="2800" dirty="0" err="1" smtClean="0"/>
               <a:t>streamIter</a:t>
             </a:r>
             <a:r>
-              <a:rPr lang="en-US" sz="2800" dirty="0"/>
+              <a:rPr lang="en-US" sz="2800" dirty="0" smtClean="0"/>
               <a:t>: Iterator[</a:t>
             </a:r>
             <a:r>
-              <a:rPr lang="en-US" sz="2800" dirty="0" err="1"/>
+              <a:rPr lang="en-US" sz="2800" dirty="0" err="1" smtClean="0"/>
               <a:t>InternalRow</a:t>
             </a:r>
             <a:r>
-              <a:rPr lang="en-US" sz="2800" dirty="0"/>
+              <a:rPr lang="en-US" sz="2800" dirty="0" smtClean="0"/>
               <a:t>],</a:t>
             </a:r>
           </a:p>
           <a:p>
             <a:r>
-              <a:rPr lang="en-US" sz="2800" dirty="0"/>
+              <a:rPr lang="en-US" sz="2800" dirty="0" smtClean="0"/>
               <a:t>      </a:t>
             </a:r>
             <a:r>
-              <a:rPr lang="en-US" sz="2800" dirty="0" err="1"/>
+              <a:rPr lang="en-US" sz="2800" dirty="0" err="1" smtClean="0"/>
               <a:t>hashedRelation</a:t>
             </a:r>
             <a:r>
-              <a:rPr lang="en-US" sz="2800" dirty="0"/>
+              <a:rPr lang="en-US" sz="2800" dirty="0" smtClean="0"/>
               <a:t>: </a:t>
             </a:r>
             <a:r>
-              <a:rPr lang="en-US" sz="2800" dirty="0" err="1"/>
+              <a:rPr lang="en-US" sz="2800" dirty="0" err="1" smtClean="0"/>
               <a:t>HashedRelation</a:t>
             </a:r>
             <a:r>
-              <a:rPr lang="en-US" sz="2800" dirty="0"/>
+              <a:rPr lang="en-US" sz="2800" dirty="0" smtClean="0"/>
               <a:t>): Iterator[</a:t>
             </a:r>
             <a:r>
-              <a:rPr lang="en-US" sz="2800" dirty="0" err="1"/>
+              <a:rPr lang="en-US" sz="2800" dirty="0" err="1" smtClean="0"/>
               <a:t>InternalRow</a:t>
             </a:r>
             <a:r>
-              <a:rPr lang="en-US" sz="2800" dirty="0"/>
+              <a:rPr lang="en-US" sz="2800" dirty="0" smtClean="0"/>
               <a:t>] = {</a:t>
             </a:r>
           </a:p>
           <a:p>
             <a:r>
-              <a:rPr lang="en-US" sz="2800" dirty="0"/>
+              <a:rPr lang="en-US" sz="2800" dirty="0" smtClean="0"/>
               <a:t>    </a:t>
             </a:r>
             <a:r>
-              <a:rPr lang="en-US" sz="2800" dirty="0" err="1"/>
+              <a:rPr lang="en-US" sz="2800" dirty="0" err="1" smtClean="0"/>
               <a:t>val</a:t>
             </a:r>
             <a:r>
-              <a:rPr lang="en-US" sz="2800" dirty="0"/>
+              <a:rPr lang="en-US" sz="2800" dirty="0" smtClean="0"/>
               <a:t> </a:t>
             </a:r>
             <a:r>
-              <a:rPr lang="en-US" sz="2800" dirty="0" err="1"/>
+              <a:rPr lang="en-US" sz="2800" dirty="0" err="1" smtClean="0"/>
               <a:t>joinKeys</a:t>
             </a:r>
             <a:r>
-              <a:rPr lang="en-US" sz="2800" dirty="0"/>
+              <a:rPr lang="en-US" sz="2800" dirty="0" smtClean="0"/>
               <a:t> = </a:t>
             </a:r>
             <a:r>
-              <a:rPr lang="en-US" sz="2800" dirty="0" err="1"/>
+              <a:rPr lang="en-US" sz="2800" dirty="0" err="1" smtClean="0"/>
               <a:t>streamSideKeyGenerator</a:t>
             </a:r>
             <a:r>
-              <a:rPr lang="en-US" sz="2800" dirty="0"/>
+              <a:rPr lang="en-US" sz="2800" dirty="0" smtClean="0"/>
               <a:t>()</a:t>
             </a:r>
           </a:p>
           <a:p>
             <a:r>
-              <a:rPr lang="en-US" sz="2800" dirty="0"/>
+              <a:rPr lang="en-US" sz="2800" dirty="0" smtClean="0"/>
               <a:t>    </a:t>
             </a:r>
             <a:r>
-              <a:rPr lang="en-US" sz="2800" dirty="0" err="1"/>
+              <a:rPr lang="en-US" sz="2800" dirty="0" err="1" smtClean="0"/>
               <a:t>val</a:t>
             </a:r>
             <a:r>
-              <a:rPr lang="en-US" sz="2800" dirty="0"/>
+              <a:rPr lang="en-US" sz="2800" dirty="0" smtClean="0"/>
               <a:t> </a:t>
             </a:r>
             <a:r>
-              <a:rPr lang="en-US" sz="2800" dirty="0" err="1"/>
+              <a:rPr lang="en-US" sz="2800" dirty="0" err="1" smtClean="0"/>
               <a:t>joinedRow</a:t>
             </a:r>
             <a:r>
-              <a:rPr lang="en-US" sz="2800" dirty="0"/>
+              <a:rPr lang="en-US" sz="2800" dirty="0" smtClean="0"/>
               <a:t> = new </a:t>
             </a:r>
             <a:r>
-              <a:rPr lang="en-US" sz="2800" dirty="0" err="1"/>
+              <a:rPr lang="en-US" sz="2800" dirty="0" err="1" smtClean="0"/>
               <a:t>JoinedRow</a:t>
             </a:r>
-            <a:endParaRPr lang="en-US" sz="2800" dirty="0"/>
-          </a:p>
-          <a:p>
-            <a:r>
-              <a:rPr lang="en-US" sz="2800" dirty="0"/>
+            <a:endParaRPr lang="en-US" sz="2800" dirty="0" smtClean="0"/>
+          </a:p>
+          <a:p>
+            <a:r>
+              <a:rPr lang="en-US" sz="2800" dirty="0" smtClean="0"/>
               <a:t>    </a:t>
             </a:r>
             <a:r>
-              <a:rPr lang="en-US" sz="2800" b="1" dirty="0" err="1"/>
+              <a:rPr lang="en-US" sz="2800" b="1" dirty="0" err="1" smtClean="0"/>
               <a:t>streamIter.filter</a:t>
             </a:r>
             <a:r>
-              <a:rPr lang="en-US" sz="2800" dirty="0"/>
+              <a:rPr lang="en-US" sz="2800" dirty="0" smtClean="0"/>
               <a:t> { current =&gt;</a:t>
             </a:r>
           </a:p>
           <a:p>
             <a:r>
-              <a:rPr lang="en-US" sz="2800" dirty="0"/>
+              <a:rPr lang="en-US" sz="2800" dirty="0" smtClean="0"/>
               <a:t>      </a:t>
             </a:r>
             <a:r>
-              <a:rPr lang="en-US" sz="2800" dirty="0" err="1"/>
+              <a:rPr lang="en-US" sz="2800" dirty="0" err="1" smtClean="0"/>
               <a:t>val</a:t>
             </a:r>
             <a:r>
-              <a:rPr lang="en-US" sz="2800" dirty="0"/>
+              <a:rPr lang="en-US" sz="2800" dirty="0" smtClean="0"/>
               <a:t> key = </a:t>
             </a:r>
             <a:r>
-              <a:rPr lang="en-US" sz="2800" dirty="0" err="1"/>
+              <a:rPr lang="en-US" sz="2800" dirty="0" err="1" smtClean="0"/>
               <a:t>joinKeys</a:t>
             </a:r>
             <a:r>
-              <a:rPr lang="en-US" sz="2800" dirty="0"/>
+              <a:rPr lang="en-US" sz="2800" dirty="0" smtClean="0"/>
               <a:t>(current)</a:t>
             </a:r>
           </a:p>
           <a:p>
             <a:r>
-              <a:rPr lang="en-US" sz="2800" dirty="0"/>
+              <a:rPr lang="en-US" sz="2800" dirty="0" smtClean="0"/>
               <a:t>      lazy </a:t>
             </a:r>
             <a:r>
-              <a:rPr lang="en-US" sz="2800" dirty="0" err="1"/>
+              <a:rPr lang="en-US" sz="2800" dirty="0" err="1" smtClean="0"/>
               <a:t>val</a:t>
             </a:r>
             <a:r>
-              <a:rPr lang="en-US" sz="2800" dirty="0"/>
+              <a:rPr lang="en-US" sz="2800" dirty="0" smtClean="0"/>
               <a:t> </a:t>
             </a:r>
             <a:r>
-              <a:rPr lang="en-US" sz="2800" dirty="0" err="1"/>
+              <a:rPr lang="en-US" sz="2800" b="1" dirty="0" err="1" smtClean="0"/>
               <a:t>buildIter</a:t>
             </a:r>
             <a:r>
-              <a:rPr lang="en-US" sz="2800" dirty="0"/>
+              <a:rPr lang="en-US" sz="2800" dirty="0" smtClean="0"/>
               <a:t> = </a:t>
             </a:r>
             <a:r>
-              <a:rPr lang="en-US" sz="2800" dirty="0" err="1"/>
+              <a:rPr lang="en-US" sz="2800" b="1" dirty="0" err="1" smtClean="0"/>
               <a:t>hashedRelation.get</a:t>
             </a:r>
             <a:r>
-              <a:rPr lang="en-US" sz="2800" dirty="0"/>
+              <a:rPr lang="en-US" sz="2800" b="1" dirty="0" smtClean="0"/>
               <a:t>(key)</a:t>
             </a:r>
           </a:p>
           <a:p>
             <a:r>
-              <a:rPr lang="en-US" sz="2800" dirty="0"/>
-              <a:t>      !</a:t>
-            </a:r>
-            <a:r>
-              <a:rPr lang="en-US" sz="2800" dirty="0" err="1"/>
+              <a:rPr lang="en-US" sz="2800" dirty="0" smtClean="0"/>
+              <a:t>      </a:t>
+            </a:r>
+            <a:r>
+              <a:rPr lang="en-US" sz="2800" dirty="0" err="1" smtClean="0"/>
               <a:t>key.anyNull</a:t>
             </a:r>
             <a:r>
-              <a:rPr lang="en-US" sz="2800" dirty="0"/>
+              <a:rPr lang="en-US" sz="2800" dirty="0" smtClean="0"/>
+              <a:t> || </a:t>
+            </a:r>
+            <a:r>
+              <a:rPr lang="en-US" sz="2800" b="1" dirty="0" err="1" smtClean="0"/>
+              <a:t>buildIter</a:t>
+            </a:r>
+            <a:r>
+              <a:rPr lang="en-US" sz="2800" b="1" dirty="0" smtClean="0"/>
+              <a:t> == null </a:t>
+            </a:r>
+            <a:r>
+              <a:rPr lang="en-US" sz="2800" dirty="0" smtClean="0"/>
+              <a:t>|| (</a:t>
+            </a:r>
+            <a:r>
+              <a:rPr lang="en-US" sz="2800" dirty="0" err="1" smtClean="0"/>
+              <a:t>condition.isDefined</a:t>
+            </a:r>
+            <a:r>
+              <a:rPr lang="en-US" sz="2800" dirty="0" smtClean="0"/>
               <a:t> &amp;&amp; </a:t>
             </a:r>
             <a:r>
-              <a:rPr lang="en-US" sz="2800" dirty="0" err="1"/>
-              <a:t>buildIter</a:t>
-            </a:r>
-            <a:r>
-              <a:rPr lang="en-US" sz="2800" dirty="0"/>
-              <a:t> != null &amp;&amp; (</a:t>
-            </a:r>
-            <a:r>
-              <a:rPr lang="en-US" sz="2800" dirty="0" err="1"/>
-              <a:t>condition.isEmpty</a:t>
-            </a:r>
-            <a:r>
-              <a:rPr lang="en-US" sz="2800" dirty="0"/>
-              <a:t> || </a:t>
-            </a:r>
-            <a:r>
-              <a:rPr lang="en-US" sz="2800" b="1" dirty="0" err="1"/>
+              <a:rPr lang="en-US" sz="2800" b="1" dirty="0" smtClean="0"/>
+              <a:t>!</a:t>
+            </a:r>
+            <a:r>
+              <a:rPr lang="en-US" sz="2800" b="1" dirty="0" err="1" smtClean="0"/>
               <a:t>buildIter.exists</a:t>
             </a:r>
             <a:r>
-              <a:rPr lang="en-US" sz="2800" dirty="0"/>
-              <a:t> {</a:t>
-            </a:r>
-          </a:p>
-          <a:p>
-            <a:r>
-              <a:rPr lang="en-US" sz="2800" dirty="0"/>
-              <a:t>        (row: </a:t>
-            </a:r>
-            <a:r>
-              <a:rPr lang="en-US" sz="2800" dirty="0" err="1"/>
-              <a:t>InternalRow</a:t>
-            </a:r>
-            <a:r>
-              <a:rPr lang="en-US" sz="2800" dirty="0"/>
-              <a:t>) =&gt; </a:t>
-            </a:r>
-            <a:r>
-              <a:rPr lang="en-US" sz="2800" b="1" dirty="0" err="1"/>
+              <a:rPr lang="en-US" sz="2800" b="1" dirty="0" smtClean="0"/>
+              <a:t> </a:t>
+            </a:r>
+            <a:r>
+              <a:rPr lang="en-US" sz="2800" dirty="0" smtClean="0"/>
+              <a:t>{</a:t>
+            </a:r>
+          </a:p>
+          <a:p>
+            <a:r>
+              <a:rPr lang="en-US" sz="2800" dirty="0" smtClean="0"/>
+              <a:t>        row =&gt; </a:t>
+            </a:r>
+            <a:r>
+              <a:rPr lang="en-US" sz="2800" b="1" dirty="0" err="1" smtClean="0"/>
               <a:t>boundCondition</a:t>
             </a:r>
             <a:r>
-              <a:rPr lang="en-US" sz="2800" b="1" dirty="0"/>
+              <a:rPr lang="en-US" sz="2800" b="1" dirty="0" smtClean="0"/>
               <a:t>(</a:t>
             </a:r>
             <a:r>
-              <a:rPr lang="en-US" sz="2800" b="1" dirty="0" err="1"/>
+              <a:rPr lang="en-US" sz="2800" b="1" dirty="0" err="1" smtClean="0"/>
               <a:t>joinedRow</a:t>
             </a:r>
             <a:r>
-              <a:rPr lang="en-US" sz="2800" b="1" dirty="0"/>
+              <a:rPr lang="en-US" sz="2800" b="1" dirty="0" smtClean="0"/>
               <a:t>(current, row))</a:t>
             </a:r>
           </a:p>
           <a:p>
             <a:r>
-              <a:rPr lang="en-US" sz="2800" dirty="0"/>
+              <a:rPr lang="en-US" sz="2800" dirty="0" smtClean="0"/>
               <a:t>      })</a:t>
             </a:r>
           </a:p>
           <a:p>
             <a:r>
-              <a:rPr lang="en-US" sz="2800" dirty="0"/>
+              <a:rPr lang="en-US" sz="2800" dirty="0" smtClean="0"/>
               <a:t>    }</a:t>
             </a:r>
           </a:p>
           <a:p>
             <a:r>
-              <a:rPr lang="en-US" sz="2800" dirty="0"/>
+              <a:rPr lang="en-US" sz="2800" dirty="0" smtClean="0"/>
               <a:t>  }</a:t>
             </a:r>
             <a:endParaRPr lang="ru-RU" sz="2800" dirty="0"/>
@@ -6378,14 +6327,14 @@
       </p:sp>
       <p:sp>
         <p:nvSpPr>
-          <p:cNvPr id="4" name="Прямоугольник 3"/>
+          <p:cNvPr id="3" name="Прямоугольник 2"/>
           <p:cNvSpPr/>
           <p:nvPr/>
         </p:nvSpPr>
         <p:spPr>
           <a:xfrm>
-            <a:off x="85725" y="112216"/>
-            <a:ext cx="12020550" cy="954107"/>
+            <a:off x="0" y="0"/>
+            <a:ext cx="11915775" cy="954107"/>
           </a:xfrm>
           <a:prstGeom prst="rect">
             <a:avLst/>
@@ -6399,12 +6348,8 @@
           <a:p>
             <a:pPr algn="ctr"/>
             <a:r>
-              <a:rPr lang="ru-RU" sz="2800" b="1" dirty="0"/>
-              <a:t>A </a:t>
-            </a:r>
-            <a:r>
               <a:rPr lang="ru-RU" sz="2800" b="1" dirty="0" err="1"/>
-              <a:t>semijoin</a:t>
+              <a:t>An</a:t>
             </a:r>
             <a:r>
               <a:rPr lang="ru-RU" sz="2800" b="1" dirty="0"/>
@@ -6412,7 +6357,7 @@
             </a:r>
             <a:r>
               <a:rPr lang="ru-RU" sz="2800" b="1" dirty="0" err="1"/>
-              <a:t>returns</a:t>
+              <a:t>antijoin</a:t>
             </a:r>
             <a:r>
               <a:rPr lang="ru-RU" sz="2800" b="1" dirty="0"/>
@@ -6420,7 +6365,7 @@
             </a:r>
             <a:r>
               <a:rPr lang="ru-RU" sz="2800" b="1" dirty="0" err="1"/>
-              <a:t>all</a:t>
+              <a:t>return</a:t>
             </a:r>
             <a:r>
               <a:rPr lang="ru-RU" sz="2800" b="1" dirty="0"/>
@@ -6428,7 +6373,7 @@
             </a:r>
             <a:r>
               <a:rPr lang="ru-RU" sz="2800" b="1" dirty="0" err="1"/>
-              <a:t>rows</a:t>
+              <a:t>all</a:t>
             </a:r>
             <a:r>
               <a:rPr lang="ru-RU" sz="2800" b="1" dirty="0"/>
@@ -6436,7 +6381,7 @@
             </a:r>
             <a:r>
               <a:rPr lang="ru-RU" sz="2800" b="1" dirty="0" err="1"/>
-              <a:t>from</a:t>
+              <a:t>rows</a:t>
             </a:r>
             <a:r>
               <a:rPr lang="ru-RU" sz="2800" b="1" dirty="0"/>
@@ -6444,7 +6389,7 @@
             </a:r>
             <a:r>
               <a:rPr lang="ru-RU" sz="2800" b="1" dirty="0" err="1"/>
-              <a:t>the</a:t>
+              <a:t>from</a:t>
             </a:r>
             <a:r>
               <a:rPr lang="ru-RU" sz="2800" b="1" dirty="0"/>
@@ -6452,7 +6397,7 @@
             </a:r>
             <a:r>
               <a:rPr lang="ru-RU" sz="2800" b="1" dirty="0" err="1"/>
-              <a:t>left</a:t>
+              <a:t>the</a:t>
             </a:r>
             <a:r>
               <a:rPr lang="ru-RU" sz="2800" b="1" dirty="0"/>
@@ -6460,7 +6405,7 @@
             </a:r>
             <a:r>
               <a:rPr lang="ru-RU" sz="2800" b="1" dirty="0" err="1"/>
-              <a:t>table</a:t>
+              <a:t>left</a:t>
             </a:r>
             <a:r>
               <a:rPr lang="ru-RU" sz="2800" b="1" dirty="0"/>
@@ -6468,7 +6413,7 @@
             </a:r>
             <a:r>
               <a:rPr lang="ru-RU" sz="2800" b="1" dirty="0" err="1"/>
-              <a:t>where</a:t>
+              <a:t>table</a:t>
             </a:r>
             <a:r>
               <a:rPr lang="ru-RU" sz="2800" b="1" dirty="0"/>
@@ -6476,7 +6421,7 @@
             </a:r>
             <a:r>
               <a:rPr lang="ru-RU" sz="2800" b="1" dirty="0" err="1"/>
-              <a:t>there</a:t>
+              <a:t>where</a:t>
             </a:r>
             <a:r>
               <a:rPr lang="ru-RU" sz="2800" b="1" dirty="0"/>
@@ -6484,7 +6429,7 @@
             </a:r>
             <a:r>
               <a:rPr lang="ru-RU" sz="2800" b="1" dirty="0" err="1"/>
-              <a:t>are</a:t>
+              <a:t>there</a:t>
             </a:r>
             <a:r>
               <a:rPr lang="ru-RU" sz="2800" b="1" dirty="0"/>
@@ -6492,7 +6437,7 @@
             </a:r>
             <a:r>
               <a:rPr lang="ru-RU" sz="2800" b="1" dirty="0" err="1"/>
-              <a:t>matching</a:t>
+              <a:t>are</a:t>
             </a:r>
             <a:r>
               <a:rPr lang="ru-RU" sz="2800" b="1" dirty="0"/>
@@ -6500,7 +6445,7 @@
             </a:r>
             <a:r>
               <a:rPr lang="ru-RU" sz="2800" b="1" dirty="0" err="1"/>
-              <a:t>values</a:t>
+              <a:t>not</a:t>
             </a:r>
             <a:r>
               <a:rPr lang="ru-RU" sz="2800" b="1" dirty="0"/>
@@ -6508,7 +6453,7 @@
             </a:r>
             <a:r>
               <a:rPr lang="ru-RU" sz="2800" b="1" dirty="0" err="1"/>
-              <a:t>in</a:t>
+              <a:t>matching</a:t>
             </a:r>
             <a:r>
               <a:rPr lang="ru-RU" sz="2800" b="1" dirty="0"/>
@@ -6516,7 +6461,7 @@
             </a:r>
             <a:r>
               <a:rPr lang="ru-RU" sz="2800" b="1" dirty="0" err="1"/>
-              <a:t>the</a:t>
+              <a:t>values</a:t>
             </a:r>
             <a:r>
               <a:rPr lang="ru-RU" sz="2800" b="1" dirty="0"/>
@@ -6524,7 +6469,7 @@
             </a:r>
             <a:r>
               <a:rPr lang="ru-RU" sz="2800" b="1" dirty="0" err="1"/>
-              <a:t>right</a:t>
+              <a:t>in</a:t>
             </a:r>
             <a:r>
               <a:rPr lang="ru-RU" sz="2800" b="1" dirty="0"/>
@@ -6532,6 +6477,22 @@
             </a:r>
             <a:r>
               <a:rPr lang="ru-RU" sz="2800" b="1" dirty="0" err="1"/>
+              <a:t>the</a:t>
+            </a:r>
+            <a:r>
+              <a:rPr lang="ru-RU" sz="2800" b="1" dirty="0"/>
+              <a:t> </a:t>
+            </a:r>
+            <a:r>
+              <a:rPr lang="ru-RU" sz="2800" b="1" dirty="0" err="1"/>
+              <a:t>right</a:t>
+            </a:r>
+            <a:r>
+              <a:rPr lang="ru-RU" sz="2800" b="1" dirty="0"/>
+              <a:t> </a:t>
+            </a:r>
+            <a:r>
+              <a:rPr lang="ru-RU" sz="2800" b="1" dirty="0" err="1"/>
               <a:t>table</a:t>
             </a:r>
             <a:r>
@@ -6590,17 +6551,14 @@
               <a:rPr lang="ru-RU" sz="2800" b="1" dirty="0" err="1"/>
               <a:t>table</a:t>
             </a:r>
-            <a:r>
-              <a:rPr lang="ru-RU" sz="2800" b="1" dirty="0"/>
-              <a:t>.</a:t>
-            </a:r>
+            <a:endParaRPr lang="ru-RU" sz="2800" b="1" dirty="0"/>
           </a:p>
         </p:txBody>
       </p:sp>
     </p:spTree>
     <p:extLst>
       <p:ext uri="{BB962C8B-B14F-4D97-AF65-F5344CB8AC3E}">
-        <p14:creationId xmlns:p14="http://schemas.microsoft.com/office/powerpoint/2010/main" val="653497378"/>
+        <p14:creationId xmlns:p14="http://schemas.microsoft.com/office/powerpoint/2010/main" val="3308161445"/>
       </p:ext>
     </p:extLst>
   </p:cSld>
@@ -6896,7 +6854,15 @@
             </a:r>
             <a:r>
               <a:rPr lang="en-US" sz="2400" dirty="0"/>
-              <a:t> exists = !</a:t>
+              <a:t> </a:t>
+            </a:r>
+            <a:r>
+              <a:rPr lang="en-US" sz="2400" b="1" dirty="0"/>
+              <a:t>exists</a:t>
+            </a:r>
+            <a:r>
+              <a:rPr lang="en-US" sz="2400" dirty="0"/>
+              <a:t> = !</a:t>
             </a:r>
             <a:r>
               <a:rPr lang="en-US" sz="2400" dirty="0" err="1"/>
@@ -6907,12 +6873,16 @@
               <a:t> &amp;&amp; </a:t>
             </a:r>
             <a:r>
-              <a:rPr lang="en-US" sz="2400" dirty="0" err="1"/>
+              <a:rPr lang="en-US" sz="2400" b="1" dirty="0" err="1"/>
               <a:t>buildIter</a:t>
             </a:r>
             <a:r>
-              <a:rPr lang="en-US" sz="2400" dirty="0"/>
-              <a:t> != null &amp;&amp; (</a:t>
+              <a:rPr lang="en-US" sz="2400" b="1" dirty="0"/>
+              <a:t> != null </a:t>
+            </a:r>
+            <a:r>
+              <a:rPr lang="en-US" sz="2400" dirty="0"/>
+              <a:t>&amp;&amp; (</a:t>
             </a:r>
             <a:r>
               <a:rPr lang="en-US" sz="2400" dirty="0" err="1"/>
@@ -6982,7 +6952,15 @@
             </a:r>
             <a:r>
               <a:rPr lang="en-US" sz="2400" dirty="0"/>
-              <a:t>(0, exists)</a:t>
+              <a:t>(0, </a:t>
+            </a:r>
+            <a:r>
+              <a:rPr lang="en-US" sz="2400" b="1" dirty="0"/>
+              <a:t>exists</a:t>
+            </a:r>
+            <a:r>
+              <a:rPr lang="en-US" sz="2400" dirty="0"/>
+              <a:t>)</a:t>
             </a:r>
           </a:p>
           <a:p>
@@ -7059,8 +7037,8 @@
         </p:nvSpPr>
         <p:spPr>
           <a:xfrm>
-            <a:off x="-216477" y="1164134"/>
-            <a:ext cx="12192000" cy="5693866"/>
+            <a:off x="0" y="0"/>
+            <a:ext cx="12192000" cy="7848302"/>
           </a:xfrm>
           <a:prstGeom prst="rect">
             <a:avLst/>
@@ -7073,524 +7051,587 @@
           <a:lstStyle/>
           <a:p>
             <a:r>
-              <a:rPr lang="en-US" sz="2800" dirty="0" smtClean="0"/>
+              <a:rPr lang="en-US" dirty="0"/>
               <a:t> private </a:t>
             </a:r>
             <a:r>
-              <a:rPr lang="en-US" sz="2800" dirty="0" err="1" smtClean="0"/>
+              <a:rPr lang="en-US" dirty="0" err="1"/>
               <a:t>def</a:t>
             </a:r>
             <a:r>
-              <a:rPr lang="en-US" sz="2800" dirty="0" smtClean="0"/>
+              <a:rPr lang="en-US" dirty="0"/>
               <a:t> </a:t>
             </a:r>
             <a:r>
-              <a:rPr lang="en-US" sz="2800" dirty="0" err="1" smtClean="0"/>
-              <a:t>antiJoin</a:t>
-            </a:r>
-            <a:r>
-              <a:rPr lang="en-US" sz="2800" dirty="0" smtClean="0"/>
+              <a:rPr lang="en-US" b="1" dirty="0" err="1"/>
+              <a:t>outerJoin</a:t>
+            </a:r>
+            <a:r>
+              <a:rPr lang="en-US" dirty="0" smtClean="0"/>
+              <a:t>(  </a:t>
+            </a:r>
+            <a:r>
+              <a:rPr lang="en-US" b="1" dirty="0" err="1"/>
+              <a:t>streamedIter</a:t>
+            </a:r>
+            <a:r>
+              <a:rPr lang="en-US" b="1" dirty="0"/>
+              <a:t>: Iterator[</a:t>
+            </a:r>
+            <a:r>
+              <a:rPr lang="en-US" b="1" dirty="0" err="1"/>
+              <a:t>InternalRow</a:t>
+            </a:r>
+            <a:r>
+              <a:rPr lang="en-US" b="1" dirty="0" smtClean="0"/>
+              <a:t>],  </a:t>
+            </a:r>
+            <a:r>
+              <a:rPr lang="en-US" b="1" dirty="0" err="1"/>
+              <a:t>hashedRelation</a:t>
+            </a:r>
+            <a:r>
+              <a:rPr lang="en-US" b="1" dirty="0"/>
+              <a:t>: </a:t>
+            </a:r>
+            <a:r>
+              <a:rPr lang="en-US" b="1" dirty="0" err="1"/>
+              <a:t>HashedRelation</a:t>
+            </a:r>
+            <a:r>
+              <a:rPr lang="en-US" dirty="0"/>
+              <a:t>): </a:t>
+            </a:r>
+            <a:r>
+              <a:rPr lang="en-US" b="1" dirty="0"/>
+              <a:t>Iterator[</a:t>
+            </a:r>
+            <a:r>
+              <a:rPr lang="en-US" b="1" dirty="0" err="1"/>
+              <a:t>InternalRow</a:t>
+            </a:r>
+            <a:r>
+              <a:rPr lang="en-US" b="1" dirty="0"/>
+              <a:t>]</a:t>
+            </a:r>
+            <a:r>
+              <a:rPr lang="en-US" dirty="0"/>
+              <a:t> = {</a:t>
+            </a:r>
+          </a:p>
+          <a:p>
+            <a:r>
+              <a:rPr lang="en-US" dirty="0"/>
+              <a:t>    </a:t>
+            </a:r>
+            <a:r>
+              <a:rPr lang="en-US" dirty="0" err="1"/>
+              <a:t>val</a:t>
+            </a:r>
+            <a:r>
+              <a:rPr lang="en-US" dirty="0"/>
+              <a:t> </a:t>
+            </a:r>
+            <a:r>
+              <a:rPr lang="en-US" dirty="0" err="1"/>
+              <a:t>joinedRow</a:t>
+            </a:r>
+            <a:r>
+              <a:rPr lang="en-US" dirty="0"/>
+              <a:t> = new </a:t>
+            </a:r>
+            <a:r>
+              <a:rPr lang="en-US" dirty="0" err="1"/>
+              <a:t>JoinedRow</a:t>
+            </a:r>
+            <a:r>
+              <a:rPr lang="en-US" dirty="0" smtClean="0"/>
+              <a:t>(); </a:t>
+            </a:r>
+          </a:p>
+          <a:p>
+            <a:r>
+              <a:rPr lang="en-US" dirty="0" smtClean="0"/>
+              <a:t>    </a:t>
+            </a:r>
+            <a:r>
+              <a:rPr lang="en-US" dirty="0" err="1" smtClean="0"/>
+              <a:t>val</a:t>
+            </a:r>
+            <a:r>
+              <a:rPr lang="en-US" dirty="0" smtClean="0"/>
+              <a:t> </a:t>
+            </a:r>
+            <a:r>
+              <a:rPr lang="en-US" dirty="0" err="1" smtClean="0"/>
+              <a:t>keyGenerator</a:t>
+            </a:r>
+            <a:r>
+              <a:rPr lang="en-US" dirty="0" smtClean="0"/>
+              <a:t> = </a:t>
+            </a:r>
+            <a:r>
+              <a:rPr lang="en-US" dirty="0" err="1" smtClean="0"/>
+              <a:t>streamSideKeyGenerator</a:t>
+            </a:r>
+            <a:r>
+              <a:rPr lang="en-US" dirty="0" smtClean="0"/>
+              <a:t>()</a:t>
+            </a:r>
+          </a:p>
+          <a:p>
+            <a:r>
+              <a:rPr lang="en-US" dirty="0" smtClean="0"/>
+              <a:t>    </a:t>
+            </a:r>
+            <a:r>
+              <a:rPr lang="en-US" dirty="0" err="1" smtClean="0"/>
+              <a:t>val</a:t>
+            </a:r>
+            <a:r>
+              <a:rPr lang="en-US" dirty="0" smtClean="0"/>
+              <a:t> </a:t>
+            </a:r>
+            <a:r>
+              <a:rPr lang="en-US" dirty="0" err="1" smtClean="0"/>
+              <a:t>nullRow</a:t>
+            </a:r>
+            <a:r>
+              <a:rPr lang="en-US" dirty="0" smtClean="0"/>
+              <a:t> = new </a:t>
+            </a:r>
+            <a:r>
+              <a:rPr lang="en-US" dirty="0" err="1" smtClean="0"/>
+              <a:t>GenericInternalRow</a:t>
+            </a:r>
+            <a:r>
+              <a:rPr lang="en-US" dirty="0" smtClean="0"/>
               <a:t>(</a:t>
             </a:r>
-          </a:p>
-          <a:p>
-            <a:r>
-              <a:rPr lang="en-US" sz="2800" dirty="0" smtClean="0"/>
+            <a:r>
+              <a:rPr lang="en-US" dirty="0" err="1" smtClean="0"/>
+              <a:t>buildPlan.output.length</a:t>
+            </a:r>
+            <a:r>
+              <a:rPr lang="en-US" dirty="0" smtClean="0"/>
+              <a:t>)</a:t>
+            </a:r>
+          </a:p>
+          <a:p>
+            <a:r>
+              <a:rPr lang="en-US" dirty="0" smtClean="0"/>
+              <a:t>    </a:t>
+            </a:r>
+            <a:r>
+              <a:rPr lang="en-US" dirty="0" err="1"/>
+              <a:t>streamedIter.</a:t>
+            </a:r>
+            <a:r>
+              <a:rPr lang="en-US" b="1" dirty="0" err="1"/>
+              <a:t>flatMap</a:t>
+            </a:r>
+            <a:r>
+              <a:rPr lang="en-US" b="1" dirty="0"/>
+              <a:t> </a:t>
+            </a:r>
+            <a:r>
+              <a:rPr lang="en-US" dirty="0"/>
+              <a:t>{ </a:t>
+            </a:r>
+            <a:r>
+              <a:rPr lang="en-US" dirty="0" err="1"/>
+              <a:t>currentRow</a:t>
+            </a:r>
+            <a:r>
+              <a:rPr lang="en-US" dirty="0"/>
+              <a:t> =&gt;</a:t>
+            </a:r>
+          </a:p>
+          <a:p>
+            <a:r>
+              <a:rPr lang="en-US" dirty="0"/>
               <a:t>      </a:t>
             </a:r>
             <a:r>
-              <a:rPr lang="en-US" sz="2800" dirty="0" err="1" smtClean="0"/>
-              <a:t>streamIter</a:t>
-            </a:r>
-            <a:r>
-              <a:rPr lang="en-US" sz="2800" dirty="0" smtClean="0"/>
-              <a:t>: Iterator[</a:t>
-            </a:r>
-            <a:r>
-              <a:rPr lang="en-US" sz="2800" dirty="0" err="1" smtClean="0"/>
+              <a:rPr lang="en-US" dirty="0" err="1"/>
+              <a:t>val</a:t>
+            </a:r>
+            <a:r>
+              <a:rPr lang="en-US" dirty="0"/>
+              <a:t> </a:t>
+            </a:r>
+            <a:r>
+              <a:rPr lang="en-US" dirty="0" err="1"/>
+              <a:t>rowKey</a:t>
+            </a:r>
+            <a:r>
+              <a:rPr lang="en-US" dirty="0"/>
+              <a:t> = </a:t>
+            </a:r>
+            <a:r>
+              <a:rPr lang="en-US" dirty="0" err="1"/>
+              <a:t>keyGenerator</a:t>
+            </a:r>
+            <a:r>
+              <a:rPr lang="en-US" dirty="0"/>
+              <a:t>(</a:t>
+            </a:r>
+            <a:r>
+              <a:rPr lang="en-US" dirty="0" err="1"/>
+              <a:t>currentRow</a:t>
+            </a:r>
+            <a:r>
+              <a:rPr lang="en-US" dirty="0"/>
+              <a:t>)</a:t>
+            </a:r>
+          </a:p>
+          <a:p>
+            <a:r>
+              <a:rPr lang="en-US" dirty="0"/>
+              <a:t>      </a:t>
+            </a:r>
+            <a:r>
+              <a:rPr lang="en-US" dirty="0" err="1"/>
+              <a:t>joinedRow.withLeft</a:t>
+            </a:r>
+            <a:r>
+              <a:rPr lang="en-US" dirty="0"/>
+              <a:t>(</a:t>
+            </a:r>
+            <a:r>
+              <a:rPr lang="en-US" dirty="0" err="1"/>
+              <a:t>currentRow</a:t>
+            </a:r>
+            <a:r>
+              <a:rPr lang="en-US" dirty="0"/>
+              <a:t>)</a:t>
+            </a:r>
+          </a:p>
+          <a:p>
+            <a:r>
+              <a:rPr lang="en-US" dirty="0"/>
+              <a:t>      </a:t>
+            </a:r>
+            <a:r>
+              <a:rPr lang="en-US" b="1" dirty="0" err="1"/>
+              <a:t>val</a:t>
+            </a:r>
+            <a:r>
+              <a:rPr lang="en-US" b="1" dirty="0"/>
+              <a:t> </a:t>
+            </a:r>
+            <a:r>
+              <a:rPr lang="en-US" b="1" dirty="0" err="1"/>
+              <a:t>buildIter</a:t>
+            </a:r>
+            <a:r>
+              <a:rPr lang="en-US" b="1" dirty="0"/>
+              <a:t> = </a:t>
+            </a:r>
+            <a:r>
+              <a:rPr lang="en-US" b="1" dirty="0" err="1"/>
+              <a:t>hashedRelation.get</a:t>
+            </a:r>
+            <a:r>
+              <a:rPr lang="en-US" b="1" dirty="0"/>
+              <a:t>(</a:t>
+            </a:r>
+            <a:r>
+              <a:rPr lang="en-US" b="1" dirty="0" err="1"/>
+              <a:t>rowKey</a:t>
+            </a:r>
+            <a:r>
+              <a:rPr lang="en-US" dirty="0"/>
+              <a:t>)</a:t>
+            </a:r>
+          </a:p>
+          <a:p>
+            <a:r>
+              <a:rPr lang="en-US" dirty="0"/>
+              <a:t>      new </a:t>
+            </a:r>
+            <a:r>
+              <a:rPr lang="en-US" dirty="0" err="1"/>
+              <a:t>RowIterator</a:t>
+            </a:r>
+            <a:r>
+              <a:rPr lang="en-US" dirty="0"/>
+              <a:t> {</a:t>
+            </a:r>
+          </a:p>
+          <a:p>
+            <a:r>
+              <a:rPr lang="en-US" dirty="0"/>
+              <a:t>        private </a:t>
+            </a:r>
+            <a:r>
+              <a:rPr lang="en-US" dirty="0" err="1"/>
+              <a:t>var</a:t>
+            </a:r>
+            <a:r>
+              <a:rPr lang="en-US" dirty="0"/>
+              <a:t> found = false</a:t>
+            </a:r>
+          </a:p>
+          <a:p>
+            <a:r>
+              <a:rPr lang="en-US" dirty="0"/>
+              <a:t>        override </a:t>
+            </a:r>
+            <a:r>
+              <a:rPr lang="en-US" dirty="0" err="1"/>
+              <a:t>def</a:t>
+            </a:r>
+            <a:r>
+              <a:rPr lang="en-US" dirty="0"/>
+              <a:t> </a:t>
+            </a:r>
+            <a:r>
+              <a:rPr lang="en-US" dirty="0" err="1"/>
+              <a:t>advanceNext</a:t>
+            </a:r>
+            <a:r>
+              <a:rPr lang="en-US" dirty="0"/>
+              <a:t>(): Boolean = {</a:t>
+            </a:r>
+          </a:p>
+          <a:p>
+            <a:r>
+              <a:rPr lang="en-US" dirty="0"/>
+              <a:t>          while (</a:t>
+            </a:r>
+            <a:r>
+              <a:rPr lang="en-US" b="1" dirty="0" err="1"/>
+              <a:t>buildIter</a:t>
+            </a:r>
+            <a:r>
+              <a:rPr lang="en-US" b="1" dirty="0"/>
+              <a:t> != null &amp;&amp; </a:t>
+            </a:r>
+            <a:r>
+              <a:rPr lang="en-US" b="1" dirty="0" err="1"/>
+              <a:t>buildIter.hasNext</a:t>
+            </a:r>
+            <a:r>
+              <a:rPr lang="en-US" dirty="0"/>
+              <a:t>) {</a:t>
+            </a:r>
+          </a:p>
+          <a:p>
+            <a:r>
+              <a:rPr lang="en-US" dirty="0"/>
+              <a:t>            </a:t>
+            </a:r>
+            <a:r>
+              <a:rPr lang="en-US" dirty="0" err="1"/>
+              <a:t>val</a:t>
+            </a:r>
+            <a:r>
+              <a:rPr lang="en-US" dirty="0"/>
+              <a:t> </a:t>
+            </a:r>
+            <a:r>
+              <a:rPr lang="en-US" b="1" dirty="0" err="1"/>
+              <a:t>nextBuildRow</a:t>
+            </a:r>
+            <a:r>
+              <a:rPr lang="en-US" b="1" dirty="0"/>
+              <a:t> = </a:t>
+            </a:r>
+            <a:r>
+              <a:rPr lang="en-US" b="1" dirty="0" err="1"/>
+              <a:t>buildIter.next</a:t>
+            </a:r>
+            <a:r>
+              <a:rPr lang="en-US" b="1" dirty="0"/>
+              <a:t>()</a:t>
+            </a:r>
+          </a:p>
+          <a:p>
+            <a:r>
+              <a:rPr lang="en-US" dirty="0"/>
+              <a:t>            if (</a:t>
+            </a:r>
+            <a:r>
+              <a:rPr lang="en-US" b="1" dirty="0" err="1"/>
+              <a:t>boundCondition</a:t>
+            </a:r>
+            <a:r>
+              <a:rPr lang="en-US" b="1" dirty="0"/>
+              <a:t>(</a:t>
+            </a:r>
+            <a:r>
+              <a:rPr lang="en-US" b="1" dirty="0" err="1"/>
+              <a:t>joinedRow.withRight</a:t>
+            </a:r>
+            <a:r>
+              <a:rPr lang="en-US" b="1" dirty="0"/>
+              <a:t>(</a:t>
+            </a:r>
+            <a:r>
+              <a:rPr lang="en-US" b="1" dirty="0" err="1"/>
+              <a:t>nextBuildRow</a:t>
+            </a:r>
+            <a:r>
+              <a:rPr lang="en-US" b="1" dirty="0"/>
+              <a:t>)</a:t>
+            </a:r>
+            <a:r>
+              <a:rPr lang="en-US" dirty="0"/>
+              <a:t>)) {</a:t>
+            </a:r>
+          </a:p>
+          <a:p>
+            <a:r>
+              <a:rPr lang="en-US" dirty="0"/>
+              <a:t>              found = true</a:t>
+            </a:r>
+          </a:p>
+          <a:p>
+            <a:r>
+              <a:rPr lang="en-US" dirty="0"/>
+              <a:t>              return true</a:t>
+            </a:r>
+          </a:p>
+          <a:p>
+            <a:r>
+              <a:rPr lang="en-US" dirty="0"/>
+              <a:t>            </a:t>
+            </a:r>
+            <a:r>
+              <a:rPr lang="en-US" dirty="0" smtClean="0"/>
+              <a:t>} </a:t>
+            </a:r>
+            <a:r>
+              <a:rPr lang="en-US" dirty="0"/>
+              <a:t>}</a:t>
+            </a:r>
+          </a:p>
+          <a:p>
+            <a:r>
+              <a:rPr lang="en-US" dirty="0"/>
+              <a:t>          if (!found) {</a:t>
+            </a:r>
+          </a:p>
+          <a:p>
+            <a:r>
+              <a:rPr lang="en-US" b="1" dirty="0"/>
+              <a:t>            </a:t>
+            </a:r>
+            <a:r>
+              <a:rPr lang="en-US" b="1" dirty="0" err="1"/>
+              <a:t>joinedRow.withRight</a:t>
+            </a:r>
+            <a:r>
+              <a:rPr lang="en-US" b="1" dirty="0"/>
+              <a:t>(</a:t>
+            </a:r>
+            <a:r>
+              <a:rPr lang="en-US" b="1" dirty="0" err="1"/>
+              <a:t>nullRow</a:t>
+            </a:r>
+            <a:r>
+              <a:rPr lang="en-US" b="1" dirty="0"/>
+              <a:t>)</a:t>
+            </a:r>
+          </a:p>
+          <a:p>
+            <a:r>
+              <a:rPr lang="en-US" dirty="0"/>
+              <a:t>            found = true</a:t>
+            </a:r>
+          </a:p>
+          <a:p>
+            <a:r>
+              <a:rPr lang="en-US" dirty="0"/>
+              <a:t>            return true</a:t>
+            </a:r>
+          </a:p>
+          <a:p>
+            <a:r>
+              <a:rPr lang="en-US" dirty="0"/>
+              <a:t>          }</a:t>
+            </a:r>
+          </a:p>
+          <a:p>
+            <a:r>
+              <a:rPr lang="en-US" dirty="0"/>
+              <a:t>          </a:t>
+            </a:r>
+            <a:r>
+              <a:rPr lang="en-US" dirty="0" smtClean="0"/>
+              <a:t>false </a:t>
+            </a:r>
+            <a:r>
+              <a:rPr lang="en-US" dirty="0"/>
+              <a:t>}</a:t>
+            </a:r>
+          </a:p>
+          <a:p>
+            <a:r>
+              <a:rPr lang="en-US" dirty="0"/>
+              <a:t>        override </a:t>
+            </a:r>
+            <a:r>
+              <a:rPr lang="en-US" dirty="0" err="1"/>
+              <a:t>def</a:t>
+            </a:r>
+            <a:r>
+              <a:rPr lang="en-US" dirty="0"/>
+              <a:t> </a:t>
+            </a:r>
+            <a:r>
+              <a:rPr lang="en-US" dirty="0" err="1"/>
+              <a:t>getRow</a:t>
+            </a:r>
+            <a:r>
+              <a:rPr lang="en-US" dirty="0"/>
+              <a:t>: </a:t>
+            </a:r>
+            <a:r>
+              <a:rPr lang="en-US" dirty="0" err="1"/>
               <a:t>InternalRow</a:t>
             </a:r>
             <a:r>
-              <a:rPr lang="en-US" sz="2800" dirty="0" smtClean="0"/>
-              <a:t>],</a:t>
-            </a:r>
-          </a:p>
-          <a:p>
-            <a:r>
-              <a:rPr lang="en-US" sz="2800" dirty="0" smtClean="0"/>
-              <a:t>      </a:t>
-            </a:r>
-            <a:r>
-              <a:rPr lang="en-US" sz="2800" dirty="0" err="1" smtClean="0"/>
-              <a:t>hashedRelation</a:t>
-            </a:r>
-            <a:r>
-              <a:rPr lang="en-US" sz="2800" dirty="0" smtClean="0"/>
-              <a:t>: </a:t>
-            </a:r>
-            <a:r>
-              <a:rPr lang="en-US" sz="2800" dirty="0" err="1" smtClean="0"/>
-              <a:t>HashedRelation</a:t>
-            </a:r>
-            <a:r>
-              <a:rPr lang="en-US" sz="2800" dirty="0" smtClean="0"/>
-              <a:t>): Iterator[</a:t>
-            </a:r>
-            <a:r>
-              <a:rPr lang="en-US" sz="2800" dirty="0" err="1" smtClean="0"/>
-              <a:t>InternalRow</a:t>
-            </a:r>
-            <a:r>
-              <a:rPr lang="en-US" sz="2800" dirty="0" smtClean="0"/>
-              <a:t>] = {</a:t>
-            </a:r>
-          </a:p>
-          <a:p>
-            <a:r>
-              <a:rPr lang="en-US" sz="2800" dirty="0" smtClean="0"/>
-              <a:t>    </a:t>
-            </a:r>
-            <a:r>
-              <a:rPr lang="en-US" sz="2800" dirty="0" err="1" smtClean="0"/>
-              <a:t>val</a:t>
-            </a:r>
-            <a:r>
-              <a:rPr lang="en-US" sz="2800" dirty="0" smtClean="0"/>
-              <a:t> </a:t>
-            </a:r>
-            <a:r>
-              <a:rPr lang="en-US" sz="2800" dirty="0" err="1" smtClean="0"/>
-              <a:t>joinKeys</a:t>
-            </a:r>
-            <a:r>
-              <a:rPr lang="en-US" sz="2800" dirty="0" smtClean="0"/>
+              <a:rPr lang="en-US" dirty="0"/>
               <a:t> = </a:t>
             </a:r>
             <a:r>
-              <a:rPr lang="en-US" sz="2800" dirty="0" err="1" smtClean="0"/>
-              <a:t>streamSideKeyGenerator</a:t>
-            </a:r>
-            <a:r>
-              <a:rPr lang="en-US" sz="2800" dirty="0" smtClean="0"/>
-              <a:t>()</a:t>
-            </a:r>
-          </a:p>
-          <a:p>
-            <a:r>
-              <a:rPr lang="en-US" sz="2800" dirty="0" smtClean="0"/>
-              <a:t>    </a:t>
-            </a:r>
-            <a:r>
-              <a:rPr lang="en-US" sz="2800" dirty="0" err="1" smtClean="0"/>
-              <a:t>val</a:t>
-            </a:r>
-            <a:r>
-              <a:rPr lang="en-US" sz="2800" dirty="0" smtClean="0"/>
-              <a:t> </a:t>
-            </a:r>
-            <a:r>
-              <a:rPr lang="en-US" sz="2800" dirty="0" err="1" smtClean="0"/>
+              <a:rPr lang="en-US" dirty="0" err="1"/>
               <a:t>joinedRow</a:t>
             </a:r>
-            <a:r>
-              <a:rPr lang="en-US" sz="2800" dirty="0" smtClean="0"/>
-              <a:t> = new </a:t>
-            </a:r>
-            <a:r>
-              <a:rPr lang="en-US" sz="2800" dirty="0" err="1" smtClean="0"/>
-              <a:t>JoinedRow</a:t>
-            </a:r>
-            <a:endParaRPr lang="en-US" sz="2800" dirty="0" smtClean="0"/>
-          </a:p>
-          <a:p>
-            <a:r>
-              <a:rPr lang="en-US" sz="2800" dirty="0" smtClean="0"/>
-              <a:t>    </a:t>
-            </a:r>
-            <a:r>
-              <a:rPr lang="en-US" sz="2800" b="1" dirty="0" err="1" smtClean="0"/>
-              <a:t>streamIter.filter</a:t>
-            </a:r>
-            <a:r>
-              <a:rPr lang="en-US" sz="2800" dirty="0" smtClean="0"/>
-              <a:t> { current =&gt;</a:t>
-            </a:r>
-          </a:p>
-          <a:p>
-            <a:r>
-              <a:rPr lang="en-US" sz="2800" dirty="0" smtClean="0"/>
-              <a:t>      </a:t>
-            </a:r>
-            <a:r>
-              <a:rPr lang="en-US" sz="2800" dirty="0" err="1" smtClean="0"/>
-              <a:t>val</a:t>
-            </a:r>
-            <a:r>
-              <a:rPr lang="en-US" sz="2800" dirty="0" smtClean="0"/>
-              <a:t> key = </a:t>
-            </a:r>
-            <a:r>
-              <a:rPr lang="en-US" sz="2800" dirty="0" err="1" smtClean="0"/>
-              <a:t>joinKeys</a:t>
-            </a:r>
-            <a:r>
-              <a:rPr lang="en-US" sz="2800" dirty="0" smtClean="0"/>
-              <a:t>(current)</a:t>
-            </a:r>
-          </a:p>
-          <a:p>
-            <a:r>
-              <a:rPr lang="en-US" sz="2800" dirty="0" smtClean="0"/>
-              <a:t>      lazy </a:t>
-            </a:r>
-            <a:r>
-              <a:rPr lang="en-US" sz="2800" dirty="0" err="1" smtClean="0"/>
-              <a:t>val</a:t>
-            </a:r>
-            <a:r>
-              <a:rPr lang="en-US" sz="2800" dirty="0" smtClean="0"/>
-              <a:t> </a:t>
-            </a:r>
-            <a:r>
-              <a:rPr lang="en-US" sz="2800" b="1" dirty="0" err="1" smtClean="0"/>
-              <a:t>buildIter</a:t>
-            </a:r>
-            <a:r>
-              <a:rPr lang="en-US" sz="2800" dirty="0" smtClean="0"/>
-              <a:t> = </a:t>
-            </a:r>
-            <a:r>
-              <a:rPr lang="en-US" sz="2800" b="1" dirty="0" err="1" smtClean="0"/>
-              <a:t>hashedRelation.get</a:t>
-            </a:r>
-            <a:r>
-              <a:rPr lang="en-US" sz="2800" b="1" dirty="0" smtClean="0"/>
-              <a:t>(key)</a:t>
-            </a:r>
-          </a:p>
-          <a:p>
-            <a:r>
-              <a:rPr lang="en-US" sz="2800" dirty="0" smtClean="0"/>
-              <a:t>      </a:t>
-            </a:r>
-            <a:r>
-              <a:rPr lang="en-US" sz="2800" dirty="0" err="1" smtClean="0"/>
-              <a:t>key.anyNull</a:t>
-            </a:r>
-            <a:r>
-              <a:rPr lang="en-US" sz="2800" dirty="0" smtClean="0"/>
-              <a:t> || </a:t>
-            </a:r>
-            <a:r>
-              <a:rPr lang="en-US" sz="2800" dirty="0" err="1" smtClean="0"/>
-              <a:t>buildIter</a:t>
-            </a:r>
-            <a:r>
-              <a:rPr lang="en-US" sz="2800" dirty="0" smtClean="0"/>
-              <a:t> == null || (</a:t>
-            </a:r>
-            <a:r>
-              <a:rPr lang="en-US" sz="2800" dirty="0" err="1" smtClean="0"/>
-              <a:t>condition.isDefined</a:t>
-            </a:r>
-            <a:r>
-              <a:rPr lang="en-US" sz="2800" dirty="0" smtClean="0"/>
-              <a:t> &amp;&amp; </a:t>
-            </a:r>
-            <a:r>
-              <a:rPr lang="en-US" sz="2800" b="1" dirty="0" smtClean="0"/>
-              <a:t>!</a:t>
-            </a:r>
-            <a:r>
-              <a:rPr lang="en-US" sz="2800" b="1" dirty="0" err="1" smtClean="0"/>
-              <a:t>buildIter.exists</a:t>
-            </a:r>
-            <a:r>
-              <a:rPr lang="en-US" sz="2800" b="1" dirty="0" smtClean="0"/>
-              <a:t> </a:t>
-            </a:r>
-            <a:r>
-              <a:rPr lang="en-US" sz="2800" dirty="0" smtClean="0"/>
-              <a:t>{</a:t>
-            </a:r>
-          </a:p>
-          <a:p>
-            <a:r>
-              <a:rPr lang="en-US" sz="2800" dirty="0" smtClean="0"/>
-              <a:t>        row =&gt; </a:t>
-            </a:r>
-            <a:r>
-              <a:rPr lang="en-US" sz="2800" dirty="0" err="1" smtClean="0"/>
-              <a:t>boundCondition</a:t>
-            </a:r>
-            <a:r>
-              <a:rPr lang="en-US" sz="2800" dirty="0" smtClean="0"/>
-              <a:t>(</a:t>
-            </a:r>
-            <a:r>
-              <a:rPr lang="en-US" sz="2800" dirty="0" err="1" smtClean="0"/>
-              <a:t>joinedRow</a:t>
-            </a:r>
-            <a:r>
-              <a:rPr lang="en-US" sz="2800" dirty="0" smtClean="0"/>
-              <a:t>(current, row))</a:t>
-            </a:r>
-          </a:p>
-          <a:p>
-            <a:r>
-              <a:rPr lang="en-US" sz="2800" dirty="0" smtClean="0"/>
-              <a:t>      })</a:t>
-            </a:r>
-          </a:p>
-          <a:p>
-            <a:r>
-              <a:rPr lang="en-US" sz="2800" dirty="0" smtClean="0"/>
+            <a:endParaRPr lang="en-US" dirty="0"/>
+          </a:p>
+          <a:p>
+            <a:r>
+              <a:rPr lang="en-US" dirty="0"/>
+              <a:t>      }.</a:t>
+            </a:r>
+            <a:r>
+              <a:rPr lang="en-US" dirty="0" err="1"/>
+              <a:t>toScala</a:t>
+            </a:r>
+            <a:endParaRPr lang="en-US" dirty="0"/>
+          </a:p>
+          <a:p>
+            <a:r>
+              <a:rPr lang="en-US" dirty="0"/>
               <a:t>    }</a:t>
             </a:r>
           </a:p>
           <a:p>
             <a:r>
-              <a:rPr lang="en-US" sz="2800" dirty="0" smtClean="0"/>
+              <a:rPr lang="en-US" dirty="0"/>
               <a:t>  }</a:t>
             </a:r>
-            <a:endParaRPr lang="ru-RU" sz="2800" dirty="0"/>
-          </a:p>
-        </p:txBody>
-      </p:sp>
-      <p:sp>
-        <p:nvSpPr>
-          <p:cNvPr id="3" name="Прямоугольник 2"/>
-          <p:cNvSpPr/>
-          <p:nvPr/>
-        </p:nvSpPr>
-        <p:spPr>
-          <a:xfrm>
-            <a:off x="0" y="0"/>
-            <a:ext cx="11915775" cy="954107"/>
-          </a:xfrm>
-          <a:prstGeom prst="rect">
-            <a:avLst/>
-          </a:prstGeom>
-        </p:spPr>
-        <p:txBody>
-          <a:bodyPr wrap="square">
-            <a:spAutoFit/>
-          </a:bodyPr>
-          <a:lstStyle/>
-          <a:p>
-            <a:pPr algn="ctr"/>
-            <a:r>
-              <a:rPr lang="ru-RU" sz="2800" b="1" dirty="0" err="1"/>
-              <a:t>An</a:t>
-            </a:r>
-            <a:r>
-              <a:rPr lang="ru-RU" sz="2800" b="1" dirty="0"/>
-              <a:t> </a:t>
-            </a:r>
-            <a:r>
-              <a:rPr lang="ru-RU" sz="2800" b="1" dirty="0" err="1"/>
-              <a:t>antijoin</a:t>
-            </a:r>
-            <a:r>
-              <a:rPr lang="ru-RU" sz="2800" b="1" dirty="0"/>
-              <a:t> </a:t>
-            </a:r>
-            <a:r>
-              <a:rPr lang="ru-RU" sz="2800" b="1" dirty="0" err="1"/>
-              <a:t>return</a:t>
-            </a:r>
-            <a:r>
-              <a:rPr lang="ru-RU" sz="2800" b="1" dirty="0"/>
-              <a:t> </a:t>
-            </a:r>
-            <a:r>
-              <a:rPr lang="ru-RU" sz="2800" b="1" dirty="0" err="1"/>
-              <a:t>all</a:t>
-            </a:r>
-            <a:r>
-              <a:rPr lang="ru-RU" sz="2800" b="1" dirty="0"/>
-              <a:t> </a:t>
-            </a:r>
-            <a:r>
-              <a:rPr lang="ru-RU" sz="2800" b="1" dirty="0" err="1"/>
-              <a:t>rows</a:t>
-            </a:r>
-            <a:r>
-              <a:rPr lang="ru-RU" sz="2800" b="1" dirty="0"/>
-              <a:t> </a:t>
-            </a:r>
-            <a:r>
-              <a:rPr lang="ru-RU" sz="2800" b="1" dirty="0" err="1"/>
-              <a:t>from</a:t>
-            </a:r>
-            <a:r>
-              <a:rPr lang="ru-RU" sz="2800" b="1" dirty="0"/>
-              <a:t> </a:t>
-            </a:r>
-            <a:r>
-              <a:rPr lang="ru-RU" sz="2800" b="1" dirty="0" err="1"/>
-              <a:t>the</a:t>
-            </a:r>
-            <a:r>
-              <a:rPr lang="ru-RU" sz="2800" b="1" dirty="0"/>
-              <a:t> </a:t>
-            </a:r>
-            <a:r>
-              <a:rPr lang="ru-RU" sz="2800" b="1" dirty="0" err="1"/>
-              <a:t>left</a:t>
-            </a:r>
-            <a:r>
-              <a:rPr lang="ru-RU" sz="2800" b="1" dirty="0"/>
-              <a:t> </a:t>
-            </a:r>
-            <a:r>
-              <a:rPr lang="ru-RU" sz="2800" b="1" dirty="0" err="1"/>
-              <a:t>table</a:t>
-            </a:r>
-            <a:r>
-              <a:rPr lang="ru-RU" sz="2800" b="1" dirty="0"/>
-              <a:t> </a:t>
-            </a:r>
-            <a:r>
-              <a:rPr lang="ru-RU" sz="2800" b="1" dirty="0" err="1"/>
-              <a:t>where</a:t>
-            </a:r>
-            <a:r>
-              <a:rPr lang="ru-RU" sz="2800" b="1" dirty="0"/>
-              <a:t> </a:t>
-            </a:r>
-            <a:r>
-              <a:rPr lang="ru-RU" sz="2800" b="1" dirty="0" err="1"/>
-              <a:t>there</a:t>
-            </a:r>
-            <a:r>
-              <a:rPr lang="ru-RU" sz="2800" b="1" dirty="0"/>
-              <a:t> </a:t>
-            </a:r>
-            <a:r>
-              <a:rPr lang="ru-RU" sz="2800" b="1" dirty="0" err="1"/>
-              <a:t>are</a:t>
-            </a:r>
-            <a:r>
-              <a:rPr lang="ru-RU" sz="2800" b="1" dirty="0"/>
-              <a:t> </a:t>
-            </a:r>
-            <a:r>
-              <a:rPr lang="ru-RU" sz="2800" b="1" dirty="0" err="1"/>
-              <a:t>not</a:t>
-            </a:r>
-            <a:r>
-              <a:rPr lang="ru-RU" sz="2800" b="1" dirty="0"/>
-              <a:t> </a:t>
-            </a:r>
-            <a:r>
-              <a:rPr lang="ru-RU" sz="2800" b="1" dirty="0" err="1"/>
-              <a:t>matching</a:t>
-            </a:r>
-            <a:r>
-              <a:rPr lang="ru-RU" sz="2800" b="1" dirty="0"/>
-              <a:t> </a:t>
-            </a:r>
-            <a:r>
-              <a:rPr lang="ru-RU" sz="2800" b="1" dirty="0" err="1"/>
-              <a:t>values</a:t>
-            </a:r>
-            <a:r>
-              <a:rPr lang="ru-RU" sz="2800" b="1" dirty="0"/>
-              <a:t> </a:t>
-            </a:r>
-            <a:r>
-              <a:rPr lang="ru-RU" sz="2800" b="1" dirty="0" err="1"/>
-              <a:t>in</a:t>
-            </a:r>
-            <a:r>
-              <a:rPr lang="ru-RU" sz="2800" b="1" dirty="0"/>
-              <a:t> </a:t>
-            </a:r>
-            <a:r>
-              <a:rPr lang="ru-RU" sz="2800" b="1" dirty="0" err="1"/>
-              <a:t>the</a:t>
-            </a:r>
-            <a:r>
-              <a:rPr lang="ru-RU" sz="2800" b="1" dirty="0"/>
-              <a:t> </a:t>
-            </a:r>
-            <a:r>
-              <a:rPr lang="ru-RU" sz="2800" b="1" dirty="0" err="1"/>
-              <a:t>right</a:t>
-            </a:r>
-            <a:r>
-              <a:rPr lang="ru-RU" sz="2800" b="1" dirty="0"/>
-              <a:t> </a:t>
-            </a:r>
-            <a:r>
-              <a:rPr lang="ru-RU" sz="2800" b="1" dirty="0" err="1"/>
-              <a:t>table</a:t>
-            </a:r>
-            <a:r>
-              <a:rPr lang="ru-RU" sz="2800" b="1" dirty="0"/>
-              <a:t>, </a:t>
-            </a:r>
-            <a:r>
-              <a:rPr lang="ru-RU" sz="2800" b="1" dirty="0" err="1"/>
-              <a:t>keeping</a:t>
-            </a:r>
-            <a:r>
-              <a:rPr lang="ru-RU" sz="2800" b="1" dirty="0"/>
-              <a:t> </a:t>
-            </a:r>
-            <a:r>
-              <a:rPr lang="ru-RU" sz="2800" b="1" dirty="0" err="1"/>
-              <a:t>just</a:t>
-            </a:r>
-            <a:r>
-              <a:rPr lang="ru-RU" sz="2800" b="1" dirty="0"/>
-              <a:t> </a:t>
-            </a:r>
-            <a:r>
-              <a:rPr lang="ru-RU" sz="2800" b="1" dirty="0" err="1"/>
-              <a:t>columns</a:t>
-            </a:r>
-            <a:r>
-              <a:rPr lang="ru-RU" sz="2800" b="1" dirty="0"/>
-              <a:t> </a:t>
-            </a:r>
-            <a:r>
-              <a:rPr lang="ru-RU" sz="2800" b="1" dirty="0" err="1"/>
-              <a:t>from</a:t>
-            </a:r>
-            <a:r>
-              <a:rPr lang="ru-RU" sz="2800" b="1" dirty="0"/>
-              <a:t> </a:t>
-            </a:r>
-            <a:r>
-              <a:rPr lang="ru-RU" sz="2800" b="1" dirty="0" err="1"/>
-              <a:t>the</a:t>
-            </a:r>
-            <a:r>
-              <a:rPr lang="ru-RU" sz="2800" b="1" dirty="0"/>
-              <a:t> </a:t>
-            </a:r>
-            <a:r>
-              <a:rPr lang="ru-RU" sz="2800" b="1" dirty="0" err="1"/>
-              <a:t>left</a:t>
-            </a:r>
-            <a:r>
-              <a:rPr lang="ru-RU" sz="2800" b="1" dirty="0"/>
-              <a:t> </a:t>
-            </a:r>
-            <a:r>
-              <a:rPr lang="ru-RU" sz="2800" b="1" dirty="0" err="1"/>
-              <a:t>table</a:t>
-            </a:r>
-            <a:endParaRPr lang="ru-RU" sz="2800" b="1" dirty="0"/>
+            <a:endParaRPr lang="ru-RU" dirty="0"/>
           </a:p>
         </p:txBody>
       </p:sp>
     </p:spTree>
     <p:extLst>
       <p:ext uri="{BB962C8B-B14F-4D97-AF65-F5344CB8AC3E}">
-        <p14:creationId xmlns:p14="http://schemas.microsoft.com/office/powerpoint/2010/main" val="3308161445"/>
+        <p14:creationId xmlns:p14="http://schemas.microsoft.com/office/powerpoint/2010/main" val="3943064267"/>
       </p:ext>
     </p:extLst>
   </p:cSld>
@@ -7678,7 +7719,7 @@
           <a:p>
             <a:r>
               <a:rPr lang="en-US" dirty="0" smtClean="0"/>
-              <a:t>No spills now!</a:t>
+              <a:t>No spills now !</a:t>
             </a:r>
           </a:p>
           <a:p>
@@ -7915,34 +7956,6 @@
               <a:t>Example</a:t>
             </a:r>
             <a:endParaRPr lang="ru-RU" dirty="0"/>
-          </a:p>
-        </p:txBody>
-      </p:sp>
-      <p:sp>
-        <p:nvSpPr>
-          <p:cNvPr id="2" name="Прямоугольник 1"/>
-          <p:cNvSpPr/>
-          <p:nvPr/>
-        </p:nvSpPr>
-        <p:spPr>
-          <a:xfrm>
-            <a:off x="695324" y="4600486"/>
-            <a:ext cx="9934575" cy="923330"/>
-          </a:xfrm>
-          <a:prstGeom prst="rect">
-            <a:avLst/>
-          </a:prstGeom>
-        </p:spPr>
-        <p:txBody>
-          <a:bodyPr wrap="square">
-            <a:spAutoFit/>
-          </a:bodyPr>
-          <a:lstStyle/>
-          <a:p>
-            <a:r>
-              <a:rPr lang="ru-RU" dirty="0"/>
-              <a:t>http://blog.madhukaraphatak.com/spark-3-introduction-part-9/#:~:text=Shuffle%20Hash%20Join%20Hint,be%20forced%20using%20shuffle_hash%20hint.&amp;text=The%20same%20can%20be%20observed%20in%20spark%20UI%20also.,-.</a:t>
-            </a:r>
           </a:p>
         </p:txBody>
       </p:sp>
@@ -8046,7 +8059,7 @@
       </p:grpSpPr>
       <p:pic>
         <p:nvPicPr>
-          <p:cNvPr id="3" name="Рисунок 2"/>
+          <p:cNvPr id="2" name="Рисунок 1"/>
           <p:cNvPicPr>
             <a:picLocks noChangeAspect="1"/>
           </p:cNvPicPr>
@@ -8060,14 +8073,48 @@
         </p:blipFill>
         <p:spPr>
           <a:xfrm>
-            <a:off x="2890837" y="0"/>
-            <a:ext cx="8772525" cy="6553200"/>
+            <a:off x="490537" y="38101"/>
+            <a:ext cx="10563225" cy="6819899"/>
           </a:xfrm>
           <a:prstGeom prst="rect">
             <a:avLst/>
           </a:prstGeom>
         </p:spPr>
       </p:pic>
+      <p:sp>
+        <p:nvSpPr>
+          <p:cNvPr id="5" name="Прямоугольник 4"/>
+          <p:cNvSpPr/>
+          <p:nvPr/>
+        </p:nvSpPr>
+        <p:spPr>
+          <a:xfrm>
+            <a:off x="4491970" y="348734"/>
+            <a:ext cx="2236510" cy="369332"/>
+          </a:xfrm>
+          <a:prstGeom prst="rect">
+            <a:avLst/>
+          </a:prstGeom>
+        </p:spPr>
+        <p:txBody>
+          <a:bodyPr wrap="none">
+            <a:spAutoFit/>
+          </a:bodyPr>
+          <a:lstStyle/>
+          <a:p>
+            <a:r>
+              <a:rPr lang="en-US" b="1" dirty="0">
+                <a:solidFill>
+                  <a:srgbClr val="333333"/>
+                </a:solidFill>
+                <a:latin typeface="Helvetica Neue"/>
+              </a:rPr>
+              <a:t>Details for Query 0</a:t>
+            </a:r>
+            <a:endParaRPr lang="ru-RU" dirty="0"/>
+          </a:p>
+        </p:txBody>
+      </p:sp>
     </p:spTree>
     <p:extLst>
       <p:ext uri="{BB962C8B-B14F-4D97-AF65-F5344CB8AC3E}">
@@ -9098,7 +9145,15 @@
             <a:pPr algn="ctr"/>
             <a:r>
               <a:rPr lang="en-US" dirty="0" smtClean="0"/>
-              <a:t>(K1,(V1,V2))</a:t>
+              <a:t>(K1,[V1,V2</a:t>
+            </a:r>
+            <a:r>
+              <a:rPr lang="en-US" dirty="0"/>
+              <a:t>]</a:t>
+            </a:r>
+            <a:r>
+              <a:rPr lang="en-US" dirty="0" smtClean="0"/>
+              <a:t>)</a:t>
             </a:r>
             <a:endParaRPr lang="ru-RU" dirty="0"/>
           </a:p>
@@ -9142,7 +9197,7 @@
             <a:pPr algn="ctr"/>
             <a:r>
               <a:rPr lang="en-US" dirty="0" smtClean="0"/>
-              <a:t>(K2,V2)</a:t>
+              <a:t>(K2,[V2])</a:t>
             </a:r>
             <a:endParaRPr lang="ru-RU" dirty="0"/>
           </a:p>
@@ -9230,7 +9285,7 @@
             <a:pPr algn="ctr"/>
             <a:r>
               <a:rPr lang="en-US" dirty="0" smtClean="0"/>
-              <a:t>(K3,V3)</a:t>
+              <a:t>(K3,[V3])</a:t>
             </a:r>
             <a:endParaRPr lang="ru-RU" dirty="0"/>
           </a:p>
@@ -10044,7 +10099,7 @@
               <a:t> </a:t>
             </a:r>
             <a:r>
-              <a:rPr lang="en-US" sz="2400" dirty="0" err="1"/>
+              <a:rPr lang="en-US" sz="2400" b="1" dirty="0" err="1"/>
               <a:t>doExecute</a:t>
             </a:r>
             <a:r>
@@ -10104,8 +10159,12 @@
               <a:t>    </a:t>
             </a:r>
             <a:r>
+              <a:rPr lang="en-US" sz="2400" b="1" dirty="0" err="1"/>
+              <a:t>streamedPlan</a:t>
+            </a:r>
+            <a:r>
               <a:rPr lang="en-US" sz="2400" dirty="0" err="1"/>
-              <a:t>streamedPlan.execute</a:t>
+              <a:t>.execute</a:t>
             </a:r>
             <a:r>
               <a:rPr lang="en-US" sz="2400" dirty="0"/>
@@ -10125,23 +10184,31 @@
             </a:r>
             <a:r>
               <a:rPr lang="en-US" sz="2400" dirty="0"/>
-              <a:t>()) { (</a:t>
-            </a:r>
-            <a:r>
-              <a:rPr lang="en-US" sz="2400" dirty="0" err="1"/>
+              <a:t>()) { </a:t>
+            </a:r>
+            <a:r>
+              <a:rPr lang="en-US" sz="2400" b="1" dirty="0"/>
+              <a:t>(</a:t>
+            </a:r>
+            <a:r>
+              <a:rPr lang="en-US" sz="2400" b="1" dirty="0" err="1"/>
               <a:t>streamIter</a:t>
             </a:r>
             <a:r>
-              <a:rPr lang="en-US" sz="2400" dirty="0"/>
+              <a:rPr lang="en-US" sz="2400" b="1" dirty="0"/>
               <a:t>, </a:t>
             </a:r>
             <a:r>
-              <a:rPr lang="en-US" sz="2400" dirty="0" err="1"/>
+              <a:rPr lang="en-US" sz="2400" b="1" dirty="0" err="1"/>
               <a:t>buildIter</a:t>
             </a:r>
             <a:r>
-              <a:rPr lang="en-US" sz="2400" dirty="0"/>
-              <a:t>) =&gt;</a:t>
+              <a:rPr lang="en-US" sz="2400" b="1" dirty="0"/>
+              <a:t>) </a:t>
+            </a:r>
+            <a:r>
+              <a:rPr lang="en-US" sz="2400" dirty="0"/>
+              <a:t>=&gt;</a:t>
             </a:r>
           </a:p>
           <a:p>
